--- a/プレゼン/Nogic.pptx
+++ b/プレゼン/Nogic.pptx
@@ -4,6 +4,9 @@
   <p:sldMasterIdLst>
     <p:sldMasterId id="2147483672" r:id="rId1"/>
   </p:sldMasterIdLst>
+  <p:notesMasterIdLst>
+    <p:notesMasterId r:id="rId18"/>
+  </p:notesMasterIdLst>
   <p:sldIdLst>
     <p:sldId id="256" r:id="rId2"/>
     <p:sldId id="257" r:id="rId3"/>
@@ -13,7 +16,14 @@
     <p:sldId id="262" r:id="rId7"/>
     <p:sldId id="263" r:id="rId8"/>
     <p:sldId id="264" r:id="rId9"/>
-    <p:sldId id="265" r:id="rId10"/>
+    <p:sldId id="266" r:id="rId10"/>
+    <p:sldId id="267" r:id="rId11"/>
+    <p:sldId id="265" r:id="rId12"/>
+    <p:sldId id="268" r:id="rId13"/>
+    <p:sldId id="269" r:id="rId14"/>
+    <p:sldId id="270" r:id="rId15"/>
+    <p:sldId id="271" r:id="rId16"/>
+    <p:sldId id="272" r:id="rId17"/>
   </p:sldIdLst>
   <p:sldSz cx="9144000" cy="6858000" type="screen4x3"/>
   <p:notesSz cx="6858000" cy="9144000"/>
@@ -140,8 +150,8 @@
   <ax:ocxPr ax:name="SAMIFilename" ax:value=""/>
   <ax:ocxPr ax:name="captioningID" ax:value=""/>
   <ax:ocxPr ax:name="enableErrorDialogs" ax:value="0"/>
-  <ax:ocxPr ax:name="_cx" ax:value="22797"/>
-  <ax:ocxPr ax:name="_cy" ax:value="14245"/>
+  <ax:ocxPr ax:name="_cx" ax:value="22798"/>
+  <ax:ocxPr ax:name="_cy" ax:value="14248"/>
 </ax:ocx>
 </file>
 
@@ -172,6 +182,96 @@
   <ax:ocxPr ax:name="enableErrorDialogs" ax:value="0"/>
   <ax:ocxPr ax:name="_cx" ax:value="22797"/>
   <ax:ocxPr ax:name="_cy" ax:value="14245"/>
+</ax:ocx>
+</file>
+
+<file path=ppt/activeX/activeX3.xml><?xml version="1.0" encoding="utf-8"?>
+<ax:ocx xmlns:ax="http://schemas.microsoft.com/office/2006/activeX" xmlns:r="http://schemas.openxmlformats.org/officeDocument/2006/relationships" ax:classid="{6BF52A52-394A-11D3-B153-00C04F79FAA6}" ax:persistence="persistPropertyBag">
+  <ax:ocxPr ax:name="URL" ax:value="C:\Users\Rinifisu\Documents\Unity\Nogic\プレゼン\動画\中間.mp4"/>
+  <ax:ocxPr ax:name="rate" ax:value="1"/>
+  <ax:ocxPr ax:name="balance" ax:value="0"/>
+  <ax:ocxPr ax:name="currentPosition" ax:value="0"/>
+  <ax:ocxPr ax:name="defaultFrame" ax:value=""/>
+  <ax:ocxPr ax:name="playCount" ax:value="1"/>
+  <ax:ocxPr ax:name="autoStart" ax:value="-1"/>
+  <ax:ocxPr ax:name="currentMarker" ax:value="0"/>
+  <ax:ocxPr ax:name="invokeURLs" ax:value="-1"/>
+  <ax:ocxPr ax:name="baseURL" ax:value=""/>
+  <ax:ocxPr ax:name="volume" ax:value="100"/>
+  <ax:ocxPr ax:name="mute" ax:value="0"/>
+  <ax:ocxPr ax:name="uiMode" ax:value="full"/>
+  <ax:ocxPr ax:name="stretchToFit" ax:value="0"/>
+  <ax:ocxPr ax:name="windowlessVideo" ax:value="0"/>
+  <ax:ocxPr ax:name="enabled" ax:value="-1"/>
+  <ax:ocxPr ax:name="enableContextMenu" ax:value="-1"/>
+  <ax:ocxPr ax:name="fullScreen" ax:value="0"/>
+  <ax:ocxPr ax:name="SAMIStyle" ax:value=""/>
+  <ax:ocxPr ax:name="SAMILang" ax:value=""/>
+  <ax:ocxPr ax:name="SAMIFilename" ax:value=""/>
+  <ax:ocxPr ax:name="captioningID" ax:value=""/>
+  <ax:ocxPr ax:name="enableErrorDialogs" ax:value="0"/>
+  <ax:ocxPr ax:name="_cx" ax:value="22798"/>
+  <ax:ocxPr ax:name="_cy" ax:value="14248"/>
+</ax:ocx>
+</file>
+
+<file path=ppt/activeX/activeX4.xml><?xml version="1.0" encoding="utf-8"?>
+<ax:ocx xmlns:ax="http://schemas.microsoft.com/office/2006/activeX" xmlns:r="http://schemas.openxmlformats.org/officeDocument/2006/relationships" ax:classid="{6BF52A52-394A-11D3-B153-00C04F79FAA6}" ax:persistence="persistPropertyBag">
+  <ax:ocxPr ax:name="URL" ax:value="C:\Users\Rinifisu\Documents\Unity\Nogic\プレゼン\動画\中間.mp4"/>
+  <ax:ocxPr ax:name="rate" ax:value="1"/>
+  <ax:ocxPr ax:name="balance" ax:value="0"/>
+  <ax:ocxPr ax:name="currentPosition" ax:value="0"/>
+  <ax:ocxPr ax:name="defaultFrame" ax:value=""/>
+  <ax:ocxPr ax:name="playCount" ax:value="1"/>
+  <ax:ocxPr ax:name="autoStart" ax:value="-1"/>
+  <ax:ocxPr ax:name="currentMarker" ax:value="0"/>
+  <ax:ocxPr ax:name="invokeURLs" ax:value="-1"/>
+  <ax:ocxPr ax:name="baseURL" ax:value=""/>
+  <ax:ocxPr ax:name="volume" ax:value="100"/>
+  <ax:ocxPr ax:name="mute" ax:value="0"/>
+  <ax:ocxPr ax:name="uiMode" ax:value="full"/>
+  <ax:ocxPr ax:name="stretchToFit" ax:value="0"/>
+  <ax:ocxPr ax:name="windowlessVideo" ax:value="0"/>
+  <ax:ocxPr ax:name="enabled" ax:value="-1"/>
+  <ax:ocxPr ax:name="enableContextMenu" ax:value="-1"/>
+  <ax:ocxPr ax:name="fullScreen" ax:value="0"/>
+  <ax:ocxPr ax:name="SAMIStyle" ax:value=""/>
+  <ax:ocxPr ax:name="SAMILang" ax:value=""/>
+  <ax:ocxPr ax:name="SAMIFilename" ax:value=""/>
+  <ax:ocxPr ax:name="captioningID" ax:value=""/>
+  <ax:ocxPr ax:name="enableErrorDialogs" ax:value="0"/>
+  <ax:ocxPr ax:name="_cx" ax:value="22798"/>
+  <ax:ocxPr ax:name="_cy" ax:value="14248"/>
+</ax:ocx>
+</file>
+
+<file path=ppt/activeX/activeX5.xml><?xml version="1.0" encoding="utf-8"?>
+<ax:ocx xmlns:ax="http://schemas.microsoft.com/office/2006/activeX" xmlns:r="http://schemas.openxmlformats.org/officeDocument/2006/relationships" ax:classid="{6BF52A52-394A-11D3-B153-00C04F79FAA6}" ax:persistence="persistPropertyBag">
+  <ax:ocxPr ax:name="URL" ax:value="C:\Users\Rinifisu\Documents\Unity\Nogic\プレゼン\動画\中間.mp4"/>
+  <ax:ocxPr ax:name="rate" ax:value="1"/>
+  <ax:ocxPr ax:name="balance" ax:value="0"/>
+  <ax:ocxPr ax:name="currentPosition" ax:value="0"/>
+  <ax:ocxPr ax:name="defaultFrame" ax:value=""/>
+  <ax:ocxPr ax:name="playCount" ax:value="1"/>
+  <ax:ocxPr ax:name="autoStart" ax:value="-1"/>
+  <ax:ocxPr ax:name="currentMarker" ax:value="0"/>
+  <ax:ocxPr ax:name="invokeURLs" ax:value="-1"/>
+  <ax:ocxPr ax:name="baseURL" ax:value=""/>
+  <ax:ocxPr ax:name="volume" ax:value="100"/>
+  <ax:ocxPr ax:name="mute" ax:value="0"/>
+  <ax:ocxPr ax:name="uiMode" ax:value="full"/>
+  <ax:ocxPr ax:name="stretchToFit" ax:value="0"/>
+  <ax:ocxPr ax:name="windowlessVideo" ax:value="0"/>
+  <ax:ocxPr ax:name="enabled" ax:value="-1"/>
+  <ax:ocxPr ax:name="enableContextMenu" ax:value="-1"/>
+  <ax:ocxPr ax:name="fullScreen" ax:value="0"/>
+  <ax:ocxPr ax:name="SAMIStyle" ax:value=""/>
+  <ax:ocxPr ax:name="SAMILang" ax:value=""/>
+  <ax:ocxPr ax:name="SAMIFilename" ax:value=""/>
+  <ax:ocxPr ax:name="captioningID" ax:value=""/>
+  <ax:ocxPr ax:name="enableErrorDialogs" ax:value="0"/>
+  <ax:ocxPr ax:name="_cx" ax:value="22798"/>
+  <ax:ocxPr ax:name="_cy" ax:value="14248"/>
 </ax:ocx>
 </file>
 
@@ -3238,6 +3338,472 @@
 </dgm:styleDef>
 </file>
 
+<file path=ppt/notesMasters/notesMaster1.xml><?xml version="1.0" encoding="utf-8"?>
+<p:notesMaster xmlns:a="http://schemas.openxmlformats.org/drawingml/2006/main" xmlns:r="http://schemas.openxmlformats.org/officeDocument/2006/relationships" xmlns:p="http://schemas.openxmlformats.org/presentationml/2006/main">
+  <p:cSld>
+    <p:bg>
+      <p:bgRef idx="1001">
+        <a:schemeClr val="bg1"/>
+      </p:bgRef>
+    </p:bg>
+    <p:spTree>
+      <p:nvGrpSpPr>
+        <p:cNvPr id="1" name=""/>
+        <p:cNvGrpSpPr/>
+        <p:nvPr/>
+      </p:nvGrpSpPr>
+      <p:grpSpPr>
+        <a:xfrm>
+          <a:off x="0" y="0"/>
+          <a:ext cx="0" cy="0"/>
+          <a:chOff x="0" y="0"/>
+          <a:chExt cx="0" cy="0"/>
+        </a:xfrm>
+      </p:grpSpPr>
+      <p:sp>
+        <p:nvSpPr>
+          <p:cNvPr id="2" name="ヘッダー プレースホルダー 1"/>
+          <p:cNvSpPr>
+            <a:spLocks noGrp="1"/>
+          </p:cNvSpPr>
+          <p:nvPr>
+            <p:ph type="hdr" sz="quarter"/>
+          </p:nvPr>
+        </p:nvSpPr>
+        <p:spPr>
+          <a:xfrm>
+            <a:off x="0" y="0"/>
+            <a:ext cx="2971800" cy="457200"/>
+          </a:xfrm>
+          <a:prstGeom prst="rect">
+            <a:avLst/>
+          </a:prstGeom>
+        </p:spPr>
+        <p:txBody>
+          <a:bodyPr vert="horz" lIns="91440" tIns="45720" rIns="91440" bIns="45720" rtlCol="0"/>
+          <a:lstStyle>
+            <a:lvl1pPr algn="l">
+              <a:defRPr sz="1200"/>
+            </a:lvl1pPr>
+          </a:lstStyle>
+          <a:p>
+            <a:endParaRPr kumimoji="1" lang="ja-JP" altLang="en-US"/>
+          </a:p>
+        </p:txBody>
+      </p:sp>
+      <p:sp>
+        <p:nvSpPr>
+          <p:cNvPr id="3" name="日付プレースホルダー 2"/>
+          <p:cNvSpPr>
+            <a:spLocks noGrp="1"/>
+          </p:cNvSpPr>
+          <p:nvPr>
+            <p:ph type="dt" idx="1"/>
+          </p:nvPr>
+        </p:nvSpPr>
+        <p:spPr>
+          <a:xfrm>
+            <a:off x="3884613" y="0"/>
+            <a:ext cx="2971800" cy="457200"/>
+          </a:xfrm>
+          <a:prstGeom prst="rect">
+            <a:avLst/>
+          </a:prstGeom>
+        </p:spPr>
+        <p:txBody>
+          <a:bodyPr vert="horz" lIns="91440" tIns="45720" rIns="91440" bIns="45720" rtlCol="0"/>
+          <a:lstStyle>
+            <a:lvl1pPr algn="r">
+              <a:defRPr sz="1200"/>
+            </a:lvl1pPr>
+          </a:lstStyle>
+          <a:p>
+            <a:fld id="{74FFC3D7-996F-42EC-9CA3-4DB33DB48B9A}" type="datetimeFigureOut">
+              <a:rPr kumimoji="1" lang="ja-JP" altLang="en-US" smtClean="0"/>
+              <a:t>2016/7/28</a:t>
+            </a:fld>
+            <a:endParaRPr kumimoji="1" lang="ja-JP" altLang="en-US"/>
+          </a:p>
+        </p:txBody>
+      </p:sp>
+      <p:sp>
+        <p:nvSpPr>
+          <p:cNvPr id="4" name="スライド イメージ プレースホルダー 3"/>
+          <p:cNvSpPr>
+            <a:spLocks noGrp="1" noRot="1" noChangeAspect="1"/>
+          </p:cNvSpPr>
+          <p:nvPr>
+            <p:ph type="sldImg" idx="2"/>
+          </p:nvPr>
+        </p:nvSpPr>
+        <p:spPr>
+          <a:xfrm>
+            <a:off x="1143000" y="685800"/>
+            <a:ext cx="4572000" cy="3429000"/>
+          </a:xfrm>
+          <a:prstGeom prst="rect">
+            <a:avLst/>
+          </a:prstGeom>
+          <a:noFill/>
+          <a:ln w="12700">
+            <a:solidFill>
+              <a:prstClr val="black"/>
+            </a:solidFill>
+          </a:ln>
+        </p:spPr>
+        <p:txBody>
+          <a:bodyPr vert="horz" lIns="91440" tIns="45720" rIns="91440" bIns="45720" rtlCol="0" anchor="ctr"/>
+          <a:lstStyle/>
+          <a:p>
+            <a:endParaRPr lang="ja-JP" altLang="en-US"/>
+          </a:p>
+        </p:txBody>
+      </p:sp>
+      <p:sp>
+        <p:nvSpPr>
+          <p:cNvPr id="5" name="ノート プレースホルダー 4"/>
+          <p:cNvSpPr>
+            <a:spLocks noGrp="1"/>
+          </p:cNvSpPr>
+          <p:nvPr>
+            <p:ph type="body" sz="quarter" idx="3"/>
+          </p:nvPr>
+        </p:nvSpPr>
+        <p:spPr>
+          <a:xfrm>
+            <a:off x="685800" y="4343400"/>
+            <a:ext cx="5486400" cy="4114800"/>
+          </a:xfrm>
+          <a:prstGeom prst="rect">
+            <a:avLst/>
+          </a:prstGeom>
+        </p:spPr>
+        <p:txBody>
+          <a:bodyPr vert="horz" lIns="91440" tIns="45720" rIns="91440" bIns="45720" rtlCol="0"/>
+          <a:lstStyle/>
+          <a:p>
+            <a:pPr lvl="0"/>
+            <a:r>
+              <a:rPr kumimoji="1" lang="ja-JP" altLang="en-US" smtClean="0"/>
+              <a:t>マスター テキストの書式設定</a:t>
+            </a:r>
+          </a:p>
+          <a:p>
+            <a:pPr lvl="1"/>
+            <a:r>
+              <a:rPr kumimoji="1" lang="ja-JP" altLang="en-US" smtClean="0"/>
+              <a:t>第 </a:t>
+            </a:r>
+            <a:r>
+              <a:rPr kumimoji="1" lang="en-US" altLang="ja-JP" smtClean="0"/>
+              <a:t>2 </a:t>
+            </a:r>
+            <a:r>
+              <a:rPr kumimoji="1" lang="ja-JP" altLang="en-US" smtClean="0"/>
+              <a:t>レベル</a:t>
+            </a:r>
+          </a:p>
+          <a:p>
+            <a:pPr lvl="2"/>
+            <a:r>
+              <a:rPr kumimoji="1" lang="ja-JP" altLang="en-US" smtClean="0"/>
+              <a:t>第 </a:t>
+            </a:r>
+            <a:r>
+              <a:rPr kumimoji="1" lang="en-US" altLang="ja-JP" smtClean="0"/>
+              <a:t>3 </a:t>
+            </a:r>
+            <a:r>
+              <a:rPr kumimoji="1" lang="ja-JP" altLang="en-US" smtClean="0"/>
+              <a:t>レベル</a:t>
+            </a:r>
+          </a:p>
+          <a:p>
+            <a:pPr lvl="3"/>
+            <a:r>
+              <a:rPr kumimoji="1" lang="ja-JP" altLang="en-US" smtClean="0"/>
+              <a:t>第 </a:t>
+            </a:r>
+            <a:r>
+              <a:rPr kumimoji="1" lang="en-US" altLang="ja-JP" smtClean="0"/>
+              <a:t>4 </a:t>
+            </a:r>
+            <a:r>
+              <a:rPr kumimoji="1" lang="ja-JP" altLang="en-US" smtClean="0"/>
+              <a:t>レベル</a:t>
+            </a:r>
+          </a:p>
+          <a:p>
+            <a:pPr lvl="4"/>
+            <a:r>
+              <a:rPr kumimoji="1" lang="ja-JP" altLang="en-US" smtClean="0"/>
+              <a:t>第 </a:t>
+            </a:r>
+            <a:r>
+              <a:rPr kumimoji="1" lang="en-US" altLang="ja-JP" smtClean="0"/>
+              <a:t>5 </a:t>
+            </a:r>
+            <a:r>
+              <a:rPr kumimoji="1" lang="ja-JP" altLang="en-US" smtClean="0"/>
+              <a:t>レベル</a:t>
+            </a:r>
+            <a:endParaRPr kumimoji="1" lang="ja-JP" altLang="en-US"/>
+          </a:p>
+        </p:txBody>
+      </p:sp>
+      <p:sp>
+        <p:nvSpPr>
+          <p:cNvPr id="6" name="フッター プレースホルダー 5"/>
+          <p:cNvSpPr>
+            <a:spLocks noGrp="1"/>
+          </p:cNvSpPr>
+          <p:nvPr>
+            <p:ph type="ftr" sz="quarter" idx="4"/>
+          </p:nvPr>
+        </p:nvSpPr>
+        <p:spPr>
+          <a:xfrm>
+            <a:off x="0" y="8685213"/>
+            <a:ext cx="2971800" cy="457200"/>
+          </a:xfrm>
+          <a:prstGeom prst="rect">
+            <a:avLst/>
+          </a:prstGeom>
+        </p:spPr>
+        <p:txBody>
+          <a:bodyPr vert="horz" lIns="91440" tIns="45720" rIns="91440" bIns="45720" rtlCol="0" anchor="b"/>
+          <a:lstStyle>
+            <a:lvl1pPr algn="l">
+              <a:defRPr sz="1200"/>
+            </a:lvl1pPr>
+          </a:lstStyle>
+          <a:p>
+            <a:endParaRPr kumimoji="1" lang="ja-JP" altLang="en-US"/>
+          </a:p>
+        </p:txBody>
+      </p:sp>
+      <p:sp>
+        <p:nvSpPr>
+          <p:cNvPr id="7" name="スライド番号プレースホルダー 6"/>
+          <p:cNvSpPr>
+            <a:spLocks noGrp="1"/>
+          </p:cNvSpPr>
+          <p:nvPr>
+            <p:ph type="sldNum" sz="quarter" idx="5"/>
+          </p:nvPr>
+        </p:nvSpPr>
+        <p:spPr>
+          <a:xfrm>
+            <a:off x="3884613" y="8685213"/>
+            <a:ext cx="2971800" cy="457200"/>
+          </a:xfrm>
+          <a:prstGeom prst="rect">
+            <a:avLst/>
+          </a:prstGeom>
+        </p:spPr>
+        <p:txBody>
+          <a:bodyPr vert="horz" lIns="91440" tIns="45720" rIns="91440" bIns="45720" rtlCol="0" anchor="b"/>
+          <a:lstStyle>
+            <a:lvl1pPr algn="r">
+              <a:defRPr sz="1200"/>
+            </a:lvl1pPr>
+          </a:lstStyle>
+          <a:p>
+            <a:fld id="{AD176FFE-9BD8-4D84-BDA6-0EB78EAF3B68}" type="slidenum">
+              <a:rPr kumimoji="1" lang="ja-JP" altLang="en-US" smtClean="0"/>
+              <a:t>‹#›</a:t>
+            </a:fld>
+            <a:endParaRPr kumimoji="1" lang="ja-JP" altLang="en-US"/>
+          </a:p>
+        </p:txBody>
+      </p:sp>
+    </p:spTree>
+    <p:extLst>
+      <p:ext uri="{BB962C8B-B14F-4D97-AF65-F5344CB8AC3E}">
+        <p14:creationId xmlns:p14="http://schemas.microsoft.com/office/powerpoint/2010/main" val="2557818799"/>
+      </p:ext>
+    </p:extLst>
+  </p:cSld>
+  <p:clrMap bg1="lt1" tx1="dk1" bg2="lt2" tx2="dk2" accent1="accent1" accent2="accent2" accent3="accent3" accent4="accent4" accent5="accent5" accent6="accent6" hlink="hlink" folHlink="folHlink"/>
+  <p:notesStyle>
+    <a:lvl1pPr marL="0" algn="l" defTabSz="914400" rtl="0" eaLnBrk="1" latinLnBrk="0" hangingPunct="1">
+      <a:defRPr kumimoji="1" sz="1200" kern="1200">
+        <a:solidFill>
+          <a:schemeClr val="tx1"/>
+        </a:solidFill>
+        <a:latin typeface="+mn-lt"/>
+        <a:ea typeface="+mn-ea"/>
+        <a:cs typeface="+mn-cs"/>
+      </a:defRPr>
+    </a:lvl1pPr>
+    <a:lvl2pPr marL="457200" algn="l" defTabSz="914400" rtl="0" eaLnBrk="1" latinLnBrk="0" hangingPunct="1">
+      <a:defRPr kumimoji="1" sz="1200" kern="1200">
+        <a:solidFill>
+          <a:schemeClr val="tx1"/>
+        </a:solidFill>
+        <a:latin typeface="+mn-lt"/>
+        <a:ea typeface="+mn-ea"/>
+        <a:cs typeface="+mn-cs"/>
+      </a:defRPr>
+    </a:lvl2pPr>
+    <a:lvl3pPr marL="914400" algn="l" defTabSz="914400" rtl="0" eaLnBrk="1" latinLnBrk="0" hangingPunct="1">
+      <a:defRPr kumimoji="1" sz="1200" kern="1200">
+        <a:solidFill>
+          <a:schemeClr val="tx1"/>
+        </a:solidFill>
+        <a:latin typeface="+mn-lt"/>
+        <a:ea typeface="+mn-ea"/>
+        <a:cs typeface="+mn-cs"/>
+      </a:defRPr>
+    </a:lvl3pPr>
+    <a:lvl4pPr marL="1371600" algn="l" defTabSz="914400" rtl="0" eaLnBrk="1" latinLnBrk="0" hangingPunct="1">
+      <a:defRPr kumimoji="1" sz="1200" kern="1200">
+        <a:solidFill>
+          <a:schemeClr val="tx1"/>
+        </a:solidFill>
+        <a:latin typeface="+mn-lt"/>
+        <a:ea typeface="+mn-ea"/>
+        <a:cs typeface="+mn-cs"/>
+      </a:defRPr>
+    </a:lvl4pPr>
+    <a:lvl5pPr marL="1828800" algn="l" defTabSz="914400" rtl="0" eaLnBrk="1" latinLnBrk="0" hangingPunct="1">
+      <a:defRPr kumimoji="1" sz="1200" kern="1200">
+        <a:solidFill>
+          <a:schemeClr val="tx1"/>
+        </a:solidFill>
+        <a:latin typeface="+mn-lt"/>
+        <a:ea typeface="+mn-ea"/>
+        <a:cs typeface="+mn-cs"/>
+      </a:defRPr>
+    </a:lvl5pPr>
+    <a:lvl6pPr marL="2286000" algn="l" defTabSz="914400" rtl="0" eaLnBrk="1" latinLnBrk="0" hangingPunct="1">
+      <a:defRPr kumimoji="1" sz="1200" kern="1200">
+        <a:solidFill>
+          <a:schemeClr val="tx1"/>
+        </a:solidFill>
+        <a:latin typeface="+mn-lt"/>
+        <a:ea typeface="+mn-ea"/>
+        <a:cs typeface="+mn-cs"/>
+      </a:defRPr>
+    </a:lvl6pPr>
+    <a:lvl7pPr marL="2743200" algn="l" defTabSz="914400" rtl="0" eaLnBrk="1" latinLnBrk="0" hangingPunct="1">
+      <a:defRPr kumimoji="1" sz="1200" kern="1200">
+        <a:solidFill>
+          <a:schemeClr val="tx1"/>
+        </a:solidFill>
+        <a:latin typeface="+mn-lt"/>
+        <a:ea typeface="+mn-ea"/>
+        <a:cs typeface="+mn-cs"/>
+      </a:defRPr>
+    </a:lvl7pPr>
+    <a:lvl8pPr marL="3200400" algn="l" defTabSz="914400" rtl="0" eaLnBrk="1" latinLnBrk="0" hangingPunct="1">
+      <a:defRPr kumimoji="1" sz="1200" kern="1200">
+        <a:solidFill>
+          <a:schemeClr val="tx1"/>
+        </a:solidFill>
+        <a:latin typeface="+mn-lt"/>
+        <a:ea typeface="+mn-ea"/>
+        <a:cs typeface="+mn-cs"/>
+      </a:defRPr>
+    </a:lvl8pPr>
+    <a:lvl9pPr marL="3657600" algn="l" defTabSz="914400" rtl="0" eaLnBrk="1" latinLnBrk="0" hangingPunct="1">
+      <a:defRPr kumimoji="1" sz="1200" kern="1200">
+        <a:solidFill>
+          <a:schemeClr val="tx1"/>
+        </a:solidFill>
+        <a:latin typeface="+mn-lt"/>
+        <a:ea typeface="+mn-ea"/>
+        <a:cs typeface="+mn-cs"/>
+      </a:defRPr>
+    </a:lvl9pPr>
+  </p:notesStyle>
+</p:notesMaster>
+</file>
+
+<file path=ppt/notesSlides/notesSlide1.xml><?xml version="1.0" encoding="utf-8"?>
+<p:notes xmlns:a="http://schemas.openxmlformats.org/drawingml/2006/main" xmlns:r="http://schemas.openxmlformats.org/officeDocument/2006/relationships" xmlns:p="http://schemas.openxmlformats.org/presentationml/2006/main">
+  <p:cSld>
+    <p:spTree>
+      <p:nvGrpSpPr>
+        <p:cNvPr id="1" name=""/>
+        <p:cNvGrpSpPr/>
+        <p:nvPr/>
+      </p:nvGrpSpPr>
+      <p:grpSpPr>
+        <a:xfrm>
+          <a:off x="0" y="0"/>
+          <a:ext cx="0" cy="0"/>
+          <a:chOff x="0" y="0"/>
+          <a:chExt cx="0" cy="0"/>
+        </a:xfrm>
+      </p:grpSpPr>
+      <p:sp>
+        <p:nvSpPr>
+          <p:cNvPr id="2" name="スライド イメージ プレースホルダー 1"/>
+          <p:cNvSpPr>
+            <a:spLocks noGrp="1" noRot="1" noChangeAspect="1"/>
+          </p:cNvSpPr>
+          <p:nvPr>
+            <p:ph type="sldImg"/>
+          </p:nvPr>
+        </p:nvSpPr>
+        <p:spPr/>
+      </p:sp>
+      <p:sp>
+        <p:nvSpPr>
+          <p:cNvPr id="3" name="ノート プレースホルダー 2"/>
+          <p:cNvSpPr>
+            <a:spLocks noGrp="1"/>
+          </p:cNvSpPr>
+          <p:nvPr>
+            <p:ph type="body" idx="1"/>
+          </p:nvPr>
+        </p:nvSpPr>
+        <p:spPr/>
+        <p:txBody>
+          <a:bodyPr/>
+          <a:lstStyle/>
+          <a:p>
+            <a:endParaRPr kumimoji="1" lang="ja-JP" altLang="en-US" dirty="0"/>
+          </a:p>
+        </p:txBody>
+      </p:sp>
+      <p:sp>
+        <p:nvSpPr>
+          <p:cNvPr id="4" name="スライド番号プレースホルダー 3"/>
+          <p:cNvSpPr>
+            <a:spLocks noGrp="1"/>
+          </p:cNvSpPr>
+          <p:nvPr>
+            <p:ph type="sldNum" sz="quarter" idx="10"/>
+          </p:nvPr>
+        </p:nvSpPr>
+        <p:spPr/>
+        <p:txBody>
+          <a:bodyPr/>
+          <a:lstStyle/>
+          <a:p>
+            <a:fld id="{AD176FFE-9BD8-4D84-BDA6-0EB78EAF3B68}" type="slidenum">
+              <a:rPr kumimoji="1" lang="ja-JP" altLang="en-US" smtClean="0"/>
+              <a:t>1</a:t>
+            </a:fld>
+            <a:endParaRPr kumimoji="1" lang="ja-JP" altLang="en-US"/>
+          </a:p>
+        </p:txBody>
+      </p:sp>
+    </p:spTree>
+    <p:extLst>
+      <p:ext uri="{BB962C8B-B14F-4D97-AF65-F5344CB8AC3E}">
+        <p14:creationId xmlns:p14="http://schemas.microsoft.com/office/powerpoint/2010/main" val="2722644728"/>
+      </p:ext>
+    </p:extLst>
+  </p:cSld>
+  <p:clrMapOvr>
+    <a:masterClrMapping/>
+  </p:clrMapOvr>
+</p:notes>
+</file>
+
 <file path=ppt/slideLayouts/slideLayout1.xml><?xml version="1.0" encoding="utf-8"?>
 <p:sldLayout xmlns:a="http://schemas.openxmlformats.org/drawingml/2006/main" xmlns:r="http://schemas.openxmlformats.org/officeDocument/2006/relationships" xmlns:p="http://schemas.openxmlformats.org/presentationml/2006/main" type="title" preserve="1">
   <p:cSld name="タイトル スライド">
@@ -3419,7 +3985,7 @@
           <a:p>
             <a:fld id="{C86C99AE-6E35-4F9D-A547-4F54DF99CF88}" type="datetimeFigureOut">
               <a:rPr kumimoji="1" lang="ja-JP" altLang="en-US" smtClean="0"/>
-              <a:t>2016/7/27</a:t>
+              <a:t>2016/7/28</a:t>
             </a:fld>
             <a:endParaRPr kumimoji="1" lang="ja-JP" altLang="en-US"/>
           </a:p>
@@ -3477,6 +4043,14 @@
   <p:clrMapOvr>
     <a:masterClrMapping/>
   </p:clrMapOvr>
+  <mc:AlternateContent xmlns:mc="http://schemas.openxmlformats.org/markup-compatibility/2006">
+    <mc:Choice xmlns:p14="http://schemas.microsoft.com/office/powerpoint/2010/main" Requires="p14">
+      <p:transition p14:dur="0"/>
+    </mc:Choice>
+    <mc:Fallback>
+      <p:transition/>
+    </mc:Fallback>
+  </mc:AlternateContent>
 </p:sldLayout>
 </file>
 
@@ -3621,7 +4195,7 @@
           <a:p>
             <a:fld id="{C86C99AE-6E35-4F9D-A547-4F54DF99CF88}" type="datetimeFigureOut">
               <a:rPr kumimoji="1" lang="ja-JP" altLang="en-US" smtClean="0"/>
-              <a:t>2016/7/27</a:t>
+              <a:t>2016/7/28</a:t>
             </a:fld>
             <a:endParaRPr kumimoji="1" lang="ja-JP" altLang="en-US"/>
           </a:p>
@@ -3679,6 +4253,14 @@
   <p:clrMapOvr>
     <a:masterClrMapping/>
   </p:clrMapOvr>
+  <mc:AlternateContent xmlns:mc="http://schemas.openxmlformats.org/markup-compatibility/2006">
+    <mc:Choice xmlns:p14="http://schemas.microsoft.com/office/powerpoint/2010/main" Requires="p14">
+      <p:transition p14:dur="0"/>
+    </mc:Choice>
+    <mc:Fallback>
+      <p:transition/>
+    </mc:Fallback>
+  </mc:AlternateContent>
 </p:sldLayout>
 </file>
 
@@ -3833,7 +4415,7 @@
           <a:p>
             <a:fld id="{C86C99AE-6E35-4F9D-A547-4F54DF99CF88}" type="datetimeFigureOut">
               <a:rPr kumimoji="1" lang="ja-JP" altLang="en-US" smtClean="0"/>
-              <a:t>2016/7/27</a:t>
+              <a:t>2016/7/28</a:t>
             </a:fld>
             <a:endParaRPr kumimoji="1" lang="ja-JP" altLang="en-US"/>
           </a:p>
@@ -3891,6 +4473,14 @@
   <p:clrMapOvr>
     <a:masterClrMapping/>
   </p:clrMapOvr>
+  <mc:AlternateContent xmlns:mc="http://schemas.openxmlformats.org/markup-compatibility/2006">
+    <mc:Choice xmlns:p14="http://schemas.microsoft.com/office/powerpoint/2010/main" Requires="p14">
+      <p:transition p14:dur="0"/>
+    </mc:Choice>
+    <mc:Fallback>
+      <p:transition/>
+    </mc:Fallback>
+  </mc:AlternateContent>
 </p:sldLayout>
 </file>
 
@@ -4035,7 +4625,7 @@
           <a:p>
             <a:fld id="{C86C99AE-6E35-4F9D-A547-4F54DF99CF88}" type="datetimeFigureOut">
               <a:rPr kumimoji="1" lang="ja-JP" altLang="en-US" smtClean="0"/>
-              <a:t>2016/7/27</a:t>
+              <a:t>2016/7/28</a:t>
             </a:fld>
             <a:endParaRPr kumimoji="1" lang="ja-JP" altLang="en-US"/>
           </a:p>
@@ -4093,6 +4683,14 @@
   <p:clrMapOvr>
     <a:masterClrMapping/>
   </p:clrMapOvr>
+  <mc:AlternateContent xmlns:mc="http://schemas.openxmlformats.org/markup-compatibility/2006">
+    <mc:Choice xmlns:p14="http://schemas.microsoft.com/office/powerpoint/2010/main" Requires="p14">
+      <p:transition p14:dur="0"/>
+    </mc:Choice>
+    <mc:Fallback>
+      <p:transition/>
+    </mc:Fallback>
+  </mc:AlternateContent>
 </p:sldLayout>
 </file>
 
@@ -4281,7 +4879,7 @@
           <a:p>
             <a:fld id="{C86C99AE-6E35-4F9D-A547-4F54DF99CF88}" type="datetimeFigureOut">
               <a:rPr kumimoji="1" lang="ja-JP" altLang="en-US" smtClean="0"/>
-              <a:t>2016/7/27</a:t>
+              <a:t>2016/7/28</a:t>
             </a:fld>
             <a:endParaRPr kumimoji="1" lang="ja-JP" altLang="en-US"/>
           </a:p>
@@ -4339,6 +4937,14 @@
   <p:clrMapOvr>
     <a:masterClrMapping/>
   </p:clrMapOvr>
+  <mc:AlternateContent xmlns:mc="http://schemas.openxmlformats.org/markup-compatibility/2006">
+    <mc:Choice xmlns:p14="http://schemas.microsoft.com/office/powerpoint/2010/main" Requires="p14">
+      <p:transition p14:dur="0"/>
+    </mc:Choice>
+    <mc:Fallback>
+      <p:transition/>
+    </mc:Fallback>
+  </mc:AlternateContent>
 </p:sldLayout>
 </file>
 
@@ -4633,7 +5239,7 @@
           <a:p>
             <a:fld id="{C86C99AE-6E35-4F9D-A547-4F54DF99CF88}" type="datetimeFigureOut">
               <a:rPr kumimoji="1" lang="ja-JP" altLang="en-US" smtClean="0"/>
-              <a:t>2016/7/27</a:t>
+              <a:t>2016/7/28</a:t>
             </a:fld>
             <a:endParaRPr kumimoji="1" lang="ja-JP" altLang="en-US"/>
           </a:p>
@@ -4691,6 +5297,14 @@
   <p:clrMapOvr>
     <a:masterClrMapping/>
   </p:clrMapOvr>
+  <mc:AlternateContent xmlns:mc="http://schemas.openxmlformats.org/markup-compatibility/2006">
+    <mc:Choice xmlns:p14="http://schemas.microsoft.com/office/powerpoint/2010/main" Requires="p14">
+      <p:transition p14:dur="0"/>
+    </mc:Choice>
+    <mc:Fallback>
+      <p:transition/>
+    </mc:Fallback>
+  </mc:AlternateContent>
 </p:sldLayout>
 </file>
 
@@ -5119,7 +5733,7 @@
           <a:p>
             <a:fld id="{C86C99AE-6E35-4F9D-A547-4F54DF99CF88}" type="datetimeFigureOut">
               <a:rPr kumimoji="1" lang="ja-JP" altLang="en-US" smtClean="0"/>
-              <a:t>2016/7/27</a:t>
+              <a:t>2016/7/28</a:t>
             </a:fld>
             <a:endParaRPr kumimoji="1" lang="ja-JP" altLang="en-US"/>
           </a:p>
@@ -5177,6 +5791,14 @@
   <p:clrMapOvr>
     <a:masterClrMapping/>
   </p:clrMapOvr>
+  <mc:AlternateContent xmlns:mc="http://schemas.openxmlformats.org/markup-compatibility/2006">
+    <mc:Choice xmlns:p14="http://schemas.microsoft.com/office/powerpoint/2010/main" Requires="p14">
+      <p:transition p14:dur="0"/>
+    </mc:Choice>
+    <mc:Fallback>
+      <p:transition/>
+    </mc:Fallback>
+  </mc:AlternateContent>
 </p:sldLayout>
 </file>
 
@@ -5237,7 +5859,7 @@
           <a:p>
             <a:fld id="{C86C99AE-6E35-4F9D-A547-4F54DF99CF88}" type="datetimeFigureOut">
               <a:rPr kumimoji="1" lang="ja-JP" altLang="en-US" smtClean="0"/>
-              <a:t>2016/7/27</a:t>
+              <a:t>2016/7/28</a:t>
             </a:fld>
             <a:endParaRPr kumimoji="1" lang="ja-JP" altLang="en-US"/>
           </a:p>
@@ -5295,6 +5917,14 @@
   <p:clrMapOvr>
     <a:masterClrMapping/>
   </p:clrMapOvr>
+  <mc:AlternateContent xmlns:mc="http://schemas.openxmlformats.org/markup-compatibility/2006">
+    <mc:Choice xmlns:p14="http://schemas.microsoft.com/office/powerpoint/2010/main" Requires="p14">
+      <p:transition p14:dur="0"/>
+    </mc:Choice>
+    <mc:Fallback>
+      <p:transition/>
+    </mc:Fallback>
+  </mc:AlternateContent>
 </p:sldLayout>
 </file>
 
@@ -5332,7 +5962,7 @@
           <a:p>
             <a:fld id="{C86C99AE-6E35-4F9D-A547-4F54DF99CF88}" type="datetimeFigureOut">
               <a:rPr kumimoji="1" lang="ja-JP" altLang="en-US" smtClean="0"/>
-              <a:t>2016/7/27</a:t>
+              <a:t>2016/7/28</a:t>
             </a:fld>
             <a:endParaRPr kumimoji="1" lang="ja-JP" altLang="en-US"/>
           </a:p>
@@ -5390,6 +6020,14 @@
   <p:clrMapOvr>
     <a:masterClrMapping/>
   </p:clrMapOvr>
+  <mc:AlternateContent xmlns:mc="http://schemas.openxmlformats.org/markup-compatibility/2006">
+    <mc:Choice xmlns:p14="http://schemas.microsoft.com/office/powerpoint/2010/main" Requires="p14">
+      <p:transition p14:dur="0"/>
+    </mc:Choice>
+    <mc:Fallback>
+      <p:transition/>
+    </mc:Fallback>
+  </mc:AlternateContent>
 </p:sldLayout>
 </file>
 
@@ -5641,7 +6279,7 @@
           <a:p>
             <a:fld id="{C86C99AE-6E35-4F9D-A547-4F54DF99CF88}" type="datetimeFigureOut">
               <a:rPr kumimoji="1" lang="ja-JP" altLang="en-US" smtClean="0"/>
-              <a:t>2016/7/27</a:t>
+              <a:t>2016/7/28</a:t>
             </a:fld>
             <a:endParaRPr kumimoji="1" lang="ja-JP" altLang="en-US"/>
           </a:p>
@@ -5699,6 +6337,14 @@
   <p:clrMapOvr>
     <a:masterClrMapping/>
   </p:clrMapOvr>
+  <mc:AlternateContent xmlns:mc="http://schemas.openxmlformats.org/markup-compatibility/2006">
+    <mc:Choice xmlns:p14="http://schemas.microsoft.com/office/powerpoint/2010/main" Requires="p14">
+      <p:transition p14:dur="0"/>
+    </mc:Choice>
+    <mc:Fallback>
+      <p:transition/>
+    </mc:Fallback>
+  </mc:AlternateContent>
 </p:sldLayout>
 </file>
 
@@ -5894,7 +6540,7 @@
           <a:p>
             <a:fld id="{C86C99AE-6E35-4F9D-A547-4F54DF99CF88}" type="datetimeFigureOut">
               <a:rPr kumimoji="1" lang="ja-JP" altLang="en-US" smtClean="0"/>
-              <a:t>2016/7/27</a:t>
+              <a:t>2016/7/28</a:t>
             </a:fld>
             <a:endParaRPr kumimoji="1" lang="ja-JP" altLang="en-US"/>
           </a:p>
@@ -5952,6 +6598,14 @@
   <p:clrMapOvr>
     <a:masterClrMapping/>
   </p:clrMapOvr>
+  <mc:AlternateContent xmlns:mc="http://schemas.openxmlformats.org/markup-compatibility/2006">
+    <mc:Choice xmlns:p14="http://schemas.microsoft.com/office/powerpoint/2010/main" Requires="p14">
+      <p:transition p14:dur="0"/>
+    </mc:Choice>
+    <mc:Fallback>
+      <p:transition/>
+    </mc:Fallback>
+  </mc:AlternateContent>
 </p:sldLayout>
 </file>
 
@@ -6139,7 +6793,7 @@
           <a:p>
             <a:fld id="{C86C99AE-6E35-4F9D-A547-4F54DF99CF88}" type="datetimeFigureOut">
               <a:rPr kumimoji="1" lang="ja-JP" altLang="en-US" smtClean="0"/>
-              <a:t>2016/7/27</a:t>
+              <a:t>2016/7/28</a:t>
             </a:fld>
             <a:endParaRPr kumimoji="1" lang="ja-JP" altLang="en-US"/>
           </a:p>
@@ -6244,6 +6898,14 @@
     <p:sldLayoutId id="2147483682" r:id="rId10"/>
     <p:sldLayoutId id="2147483683" r:id="rId11"/>
   </p:sldLayoutIdLst>
+  <mc:AlternateContent xmlns:mc="http://schemas.openxmlformats.org/markup-compatibility/2006">
+    <mc:Choice xmlns:p14="http://schemas.microsoft.com/office/powerpoint/2010/main" Requires="p14">
+      <p:transition p14:dur="0"/>
+    </mc:Choice>
+    <mc:Fallback>
+      <p:transition/>
+    </mc:Fallback>
+  </mc:AlternateContent>
   <p:txStyles>
     <p:titleStyle>
       <a:lvl1pPr algn="ctr" defTabSz="914400" rtl="0" eaLnBrk="1" latinLnBrk="0" hangingPunct="1">
@@ -6523,7 +7185,7 @@
           <p:nvPr/>
         </p:nvPicPr>
         <p:blipFill>
-          <a:blip r:embed="rId2">
+          <a:blip r:embed="rId3">
             <a:extLst>
               <a:ext uri="{28A0092B-C50C-407E-A947-70E740481C1C}">
                 <a14:useLocalDpi xmlns:a14="http://schemas.microsoft.com/office/drawing/2010/main" val="0"/>
@@ -6616,12 +7278,4808 @@
   <p:clrMapOvr>
     <a:masterClrMapping/>
   </p:clrMapOvr>
+  <mc:AlternateContent xmlns:mc="http://schemas.openxmlformats.org/markup-compatibility/2006">
+    <mc:Choice xmlns:p14="http://schemas.microsoft.com/office/powerpoint/2010/main" Requires="p14">
+      <p:transition p14:dur="0"/>
+    </mc:Choice>
+    <mc:Fallback>
+      <p:transition/>
+    </mc:Fallback>
+  </mc:AlternateContent>
   <p:timing>
     <p:tnLst>
       <p:par>
         <p:cTn id="1" dur="indefinite" restart="never" nodeType="tmRoot"/>
       </p:par>
     </p:tnLst>
+  </p:timing>
+</p:sld>
+</file>
+
+<file path=ppt/slides/slide10.xml><?xml version="1.0" encoding="utf-8"?>
+<p:sld xmlns:a="http://schemas.openxmlformats.org/drawingml/2006/main" xmlns:r="http://schemas.openxmlformats.org/officeDocument/2006/relationships" xmlns:p="http://schemas.openxmlformats.org/presentationml/2006/main">
+  <p:cSld>
+    <p:spTree>
+      <p:nvGrpSpPr>
+        <p:cNvPr id="1" name=""/>
+        <p:cNvGrpSpPr/>
+        <p:nvPr/>
+      </p:nvGrpSpPr>
+      <p:grpSpPr>
+        <a:xfrm>
+          <a:off x="0" y="0"/>
+          <a:ext cx="0" cy="0"/>
+          <a:chOff x="0" y="0"/>
+          <a:chExt cx="0" cy="0"/>
+        </a:xfrm>
+      </p:grpSpPr>
+      <p:sp>
+        <p:nvSpPr>
+          <p:cNvPr id="4" name="角丸四角形 3"/>
+          <p:cNvSpPr/>
+          <p:nvPr/>
+        </p:nvSpPr>
+        <p:spPr>
+          <a:xfrm>
+            <a:off x="467544" y="249828"/>
+            <a:ext cx="8208912" cy="1080120"/>
+          </a:xfrm>
+          <a:prstGeom prst="roundRect">
+            <a:avLst/>
+          </a:prstGeom>
+          <a:effectLst>
+            <a:outerShdw blurRad="50800" dist="38100" dir="2700000" algn="tl" rotWithShape="0">
+              <a:prstClr val="black">
+                <a:alpha val="40000"/>
+              </a:prstClr>
+            </a:outerShdw>
+          </a:effectLst>
+        </p:spPr>
+        <p:style>
+          <a:lnRef idx="2">
+            <a:schemeClr val="accent6">
+              <a:shade val="50000"/>
+            </a:schemeClr>
+          </a:lnRef>
+          <a:fillRef idx="1">
+            <a:schemeClr val="accent6"/>
+          </a:fillRef>
+          <a:effectRef idx="0">
+            <a:schemeClr val="accent6"/>
+          </a:effectRef>
+          <a:fontRef idx="minor">
+            <a:schemeClr val="lt1"/>
+          </a:fontRef>
+        </p:style>
+        <p:txBody>
+          <a:bodyPr rtlCol="0" anchor="ctr"/>
+          <a:lstStyle/>
+          <a:p>
+            <a:pPr algn="ctr"/>
+            <a:r>
+              <a:rPr lang="ja-JP" altLang="en-US" sz="5400" dirty="0">
+                <a:latin typeface="HGS創英角ｺﾞｼｯｸUB" panose="020B0900000000000000" pitchFamily="50" charset="-128"/>
+                <a:ea typeface="HGS創英角ｺﾞｼｯｸUB" panose="020B0900000000000000" pitchFamily="50" charset="-128"/>
+              </a:rPr>
+              <a:t>効果や状態異常について</a:t>
+            </a:r>
+            <a:endParaRPr kumimoji="1" lang="ja-JP" altLang="en-US" sz="5400" dirty="0">
+              <a:latin typeface="HGS創英角ｺﾞｼｯｸUB" panose="020B0900000000000000" pitchFamily="50" charset="-128"/>
+              <a:ea typeface="HGS創英角ｺﾞｼｯｸUB" panose="020B0900000000000000" pitchFamily="50" charset="-128"/>
+            </a:endParaRPr>
+          </a:p>
+        </p:txBody>
+      </p:sp>
+    </p:spTree>
+    <p:controls>
+      <mc:AlternateContent xmlns:mc="http://schemas.openxmlformats.org/markup-compatibility/2006">
+        <mc:Choice xmlns:v="urn:schemas-microsoft-com:vml" Requires="v">
+          <p:control spid="8194" name="WindowsMediaPlayer1" r:id="rId2" imgW="5837426" imgH="4723810"/>
+        </mc:Choice>
+        <mc:Fallback>
+          <p:control name="WindowsMediaPlayer1" r:id="rId2" imgW="5837426" imgH="4723810">
+            <p:pic>
+              <p:nvPicPr>
+                <p:cNvPr id="0" name="WindowsMediaPlayer1"/>
+                <p:cNvPicPr preferRelativeResize="0">
+                  <a:picLocks noChangeArrowheads="1" noChangeShapeType="1"/>
+                </p:cNvPicPr>
+                <p:nvPr/>
+              </p:nvPicPr>
+              <p:blipFill>
+                <a:blip r:embed="rId4">
+                  <a:extLst>
+                    <a:ext uri="{28A0092B-C50C-407E-A947-70E740481C1C}">
+                      <a14:useLocalDpi xmlns:a14="http://schemas.microsoft.com/office/drawing/2010/main" val="0"/>
+                    </a:ext>
+                  </a:extLst>
+                </a:blip>
+                <a:srcRect/>
+                <a:stretch>
+                  <a:fillRect/>
+                </a:stretch>
+              </p:blipFill>
+              <p:spPr bwMode="auto">
+                <a:xfrm>
+                  <a:off x="468313" y="1557338"/>
+                  <a:ext cx="8207375" cy="5129212"/>
+                </a:xfrm>
+                <a:prstGeom prst="rect">
+                  <a:avLst/>
+                </a:prstGeom>
+                <a:noFill/>
+                <a:ln>
+                  <a:noFill/>
+                </a:ln>
+                <a:effectLst/>
+                <a:extLst>
+                  <a:ext uri="{909E8E84-426E-40DD-AFC4-6F175D3DCCD1}">
+                    <a14:hiddenFill xmlns:a14="http://schemas.microsoft.com/office/drawing/2010/main">
+                      <a:noFill/>
+                    </a14:hiddenFill>
+                  </a:ext>
+                  <a:ext uri="{91240B29-F687-4F45-9708-019B960494DF}">
+                    <a14:hiddenLine xmlns:a14="http://schemas.microsoft.com/office/drawing/2010/main" w="9525">
+                      <a:noFill/>
+                      <a:miter lim="800000"/>
+                      <a:headEnd/>
+                      <a:tailEnd/>
+                    </a14:hiddenLine>
+                  </a:ext>
+                  <a:ext uri="{AF507438-7753-43E0-B8FC-AC1667EBCBE1}">
+                    <a14:hiddenEffects xmlns:a14="http://schemas.microsoft.com/office/drawing/2010/main">
+                      <a:effectLst>
+                        <a:outerShdw dist="35921" dir="2700000" algn="ctr" rotWithShape="0">
+                          <a:schemeClr val="bg2"/>
+                        </a:outerShdw>
+                      </a:effectLst>
+                    </a14:hiddenEffects>
+                  </a:ext>
+                </a:extLst>
+              </p:spPr>
+            </p:pic>
+          </p:control>
+        </mc:Fallback>
+      </mc:AlternateContent>
+    </p:controls>
+    <p:extLst>
+      <p:ext uri="{BB962C8B-B14F-4D97-AF65-F5344CB8AC3E}">
+        <p14:creationId xmlns:p14="http://schemas.microsoft.com/office/powerpoint/2010/main" val="3125820447"/>
+      </p:ext>
+    </p:extLst>
+  </p:cSld>
+  <p:clrMapOvr>
+    <a:masterClrMapping/>
+  </p:clrMapOvr>
+  <mc:AlternateContent xmlns:mc="http://schemas.openxmlformats.org/markup-compatibility/2006">
+    <mc:Choice xmlns:p14="http://schemas.microsoft.com/office/powerpoint/2010/main" Requires="p14">
+      <p:transition p14:dur="0"/>
+    </mc:Choice>
+    <mc:Fallback>
+      <p:transition/>
+    </mc:Fallback>
+  </mc:AlternateContent>
+  <p:timing>
+    <p:tnLst>
+      <p:par>
+        <p:cTn id="1" dur="indefinite" restart="never" nodeType="tmRoot"/>
+      </p:par>
+    </p:tnLst>
+  </p:timing>
+</p:sld>
+</file>
+
+<file path=ppt/slides/slide11.xml><?xml version="1.0" encoding="utf-8"?>
+<p:sld xmlns:a="http://schemas.openxmlformats.org/drawingml/2006/main" xmlns:r="http://schemas.openxmlformats.org/officeDocument/2006/relationships" xmlns:p="http://schemas.openxmlformats.org/presentationml/2006/main">
+  <p:cSld>
+    <p:spTree>
+      <p:nvGrpSpPr>
+        <p:cNvPr id="1" name=""/>
+        <p:cNvGrpSpPr/>
+        <p:nvPr/>
+      </p:nvGrpSpPr>
+      <p:grpSpPr>
+        <a:xfrm>
+          <a:off x="0" y="0"/>
+          <a:ext cx="0" cy="0"/>
+          <a:chOff x="0" y="0"/>
+          <a:chExt cx="0" cy="0"/>
+        </a:xfrm>
+      </p:grpSpPr>
+      <p:sp>
+        <p:nvSpPr>
+          <p:cNvPr id="4" name="角丸四角形 3"/>
+          <p:cNvSpPr/>
+          <p:nvPr/>
+        </p:nvSpPr>
+        <p:spPr>
+          <a:xfrm>
+            <a:off x="467544" y="249828"/>
+            <a:ext cx="8208912" cy="1080120"/>
+          </a:xfrm>
+          <a:prstGeom prst="roundRect">
+            <a:avLst/>
+          </a:prstGeom>
+          <a:effectLst>
+            <a:outerShdw blurRad="50800" dist="38100" dir="2700000" algn="tl" rotWithShape="0">
+              <a:prstClr val="black">
+                <a:alpha val="40000"/>
+              </a:prstClr>
+            </a:outerShdw>
+          </a:effectLst>
+        </p:spPr>
+        <p:style>
+          <a:lnRef idx="2">
+            <a:schemeClr val="accent6">
+              <a:shade val="50000"/>
+            </a:schemeClr>
+          </a:lnRef>
+          <a:fillRef idx="1">
+            <a:schemeClr val="accent6"/>
+          </a:fillRef>
+          <a:effectRef idx="0">
+            <a:schemeClr val="accent6"/>
+          </a:effectRef>
+          <a:fontRef idx="minor">
+            <a:schemeClr val="lt1"/>
+          </a:fontRef>
+        </p:style>
+        <p:txBody>
+          <a:bodyPr rtlCol="0" anchor="ctr"/>
+          <a:lstStyle/>
+          <a:p>
+            <a:pPr algn="ctr"/>
+            <a:r>
+              <a:rPr kumimoji="1" lang="ja-JP" altLang="en-US" sz="5400" dirty="0" smtClean="0">
+                <a:latin typeface="HGS創英角ｺﾞｼｯｸUB" panose="020B0900000000000000" pitchFamily="50" charset="-128"/>
+                <a:ea typeface="HGS創英角ｺﾞｼｯｸUB" panose="020B0900000000000000" pitchFamily="50" charset="-128"/>
+              </a:rPr>
+              <a:t>各担当ごとの技術発表</a:t>
+            </a:r>
+            <a:endParaRPr kumimoji="1" lang="ja-JP" altLang="en-US" sz="5400" dirty="0">
+              <a:latin typeface="HGS創英角ｺﾞｼｯｸUB" panose="020B0900000000000000" pitchFamily="50" charset="-128"/>
+              <a:ea typeface="HGS創英角ｺﾞｼｯｸUB" panose="020B0900000000000000" pitchFamily="50" charset="-128"/>
+            </a:endParaRPr>
+          </a:p>
+        </p:txBody>
+      </p:sp>
+      <p:pic>
+        <p:nvPicPr>
+          <p:cNvPr id="5122" name="Picture 2" descr="C:\Users\Rinifisu\Documents\Unity\Nogic\プレゼン\資料\Unity.png"/>
+          <p:cNvPicPr>
+            <a:picLocks noChangeAspect="1" noChangeArrowheads="1"/>
+          </p:cNvPicPr>
+          <p:nvPr/>
+        </p:nvPicPr>
+        <p:blipFill>
+          <a:blip r:embed="rId2">
+            <a:extLst>
+              <a:ext uri="{28A0092B-C50C-407E-A947-70E740481C1C}">
+                <a14:useLocalDpi xmlns:a14="http://schemas.microsoft.com/office/drawing/2010/main" val="0"/>
+              </a:ext>
+            </a:extLst>
+          </a:blip>
+          <a:srcRect/>
+          <a:stretch>
+            <a:fillRect/>
+          </a:stretch>
+        </p:blipFill>
+        <p:spPr bwMode="auto">
+          <a:xfrm>
+            <a:off x="1352550" y="1517898"/>
+            <a:ext cx="6438900" cy="2343150"/>
+          </a:xfrm>
+          <a:prstGeom prst="rect">
+            <a:avLst/>
+          </a:prstGeom>
+          <a:noFill/>
+          <a:extLst>
+            <a:ext uri="{909E8E84-426E-40DD-AFC4-6F175D3DCCD1}">
+              <a14:hiddenFill xmlns:a14="http://schemas.microsoft.com/office/drawing/2010/main">
+                <a:solidFill>
+                  <a:srgbClr val="FFFFFF"/>
+                </a:solidFill>
+              </a14:hiddenFill>
+            </a:ext>
+          </a:extLst>
+        </p:spPr>
+      </p:pic>
+      <p:sp>
+        <p:nvSpPr>
+          <p:cNvPr id="2" name="下矢印吹き出し 1"/>
+          <p:cNvSpPr/>
+          <p:nvPr/>
+        </p:nvSpPr>
+        <p:spPr>
+          <a:xfrm>
+            <a:off x="1835696" y="4077072"/>
+            <a:ext cx="5472608" cy="2736304"/>
+          </a:xfrm>
+          <a:prstGeom prst="downArrowCallout">
+            <a:avLst/>
+          </a:prstGeom>
+        </p:spPr>
+        <p:style>
+          <a:lnRef idx="2">
+            <a:schemeClr val="accent5">
+              <a:shade val="50000"/>
+            </a:schemeClr>
+          </a:lnRef>
+          <a:fillRef idx="1">
+            <a:schemeClr val="accent5"/>
+          </a:fillRef>
+          <a:effectRef idx="0">
+            <a:schemeClr val="accent5"/>
+          </a:effectRef>
+          <a:fontRef idx="minor">
+            <a:schemeClr val="lt1"/>
+          </a:fontRef>
+        </p:style>
+        <p:txBody>
+          <a:bodyPr rtlCol="0" anchor="ctr"/>
+          <a:lstStyle/>
+          <a:p>
+            <a:pPr algn="ctr"/>
+            <a:r>
+              <a:rPr kumimoji="1" lang="ja-JP" altLang="en-US" sz="2300" dirty="0" smtClean="0"/>
+              <a:t>ゲームプログラマー</a:t>
+            </a:r>
+            <a:endParaRPr kumimoji="1" lang="en-US" altLang="ja-JP" sz="2300" dirty="0" smtClean="0"/>
+          </a:p>
+          <a:p>
+            <a:pPr algn="ctr"/>
+            <a:r>
+              <a:rPr lang="ja-JP" altLang="en-US" sz="2300" dirty="0" smtClean="0"/>
+              <a:t>ゲームプランナー</a:t>
+            </a:r>
+            <a:endParaRPr kumimoji="1" lang="en-US" altLang="ja-JP" sz="2300" dirty="0" smtClean="0"/>
+          </a:p>
+          <a:p>
+            <a:pPr algn="ctr"/>
+            <a:r>
+              <a:rPr lang="en-US" altLang="ja-JP" sz="2300" dirty="0" smtClean="0"/>
+              <a:t>2DUI</a:t>
+            </a:r>
+            <a:r>
+              <a:rPr lang="ja-JP" altLang="en-US" sz="2300" dirty="0" smtClean="0"/>
+              <a:t>デザイナー</a:t>
+            </a:r>
+            <a:endParaRPr lang="en-US" altLang="ja-JP" sz="2300" dirty="0" smtClean="0"/>
+          </a:p>
+          <a:p>
+            <a:pPr algn="ctr"/>
+            <a:r>
+              <a:rPr kumimoji="1" lang="en-US" altLang="ja-JP" sz="2300" dirty="0" smtClean="0"/>
+              <a:t>3D</a:t>
+            </a:r>
+            <a:r>
+              <a:rPr kumimoji="1" lang="ja-JP" altLang="en-US" sz="2300" dirty="0" smtClean="0"/>
+              <a:t>モデルデザイナー</a:t>
+            </a:r>
+            <a:endParaRPr kumimoji="1" lang="en-US" altLang="ja-JP" sz="2300" dirty="0" smtClean="0"/>
+          </a:p>
+          <a:p>
+            <a:pPr algn="ctr"/>
+            <a:r>
+              <a:rPr lang="en-US" altLang="ja-JP" sz="2300" dirty="0" smtClean="0"/>
+              <a:t>3D</a:t>
+            </a:r>
+            <a:r>
+              <a:rPr lang="ja-JP" altLang="en-US" sz="2300" dirty="0" smtClean="0"/>
+              <a:t>パーティクルデザイナー</a:t>
+            </a:r>
+            <a:endParaRPr kumimoji="1" lang="ja-JP" altLang="en-US" sz="2300" dirty="0"/>
+          </a:p>
+        </p:txBody>
+      </p:sp>
+    </p:spTree>
+    <p:extLst>
+      <p:ext uri="{BB962C8B-B14F-4D97-AF65-F5344CB8AC3E}">
+        <p14:creationId xmlns:p14="http://schemas.microsoft.com/office/powerpoint/2010/main" val="4016126819"/>
+      </p:ext>
+    </p:extLst>
+  </p:cSld>
+  <p:clrMapOvr>
+    <a:masterClrMapping/>
+  </p:clrMapOvr>
+  <mc:AlternateContent xmlns:mc="http://schemas.openxmlformats.org/markup-compatibility/2006">
+    <mc:Choice xmlns:p14="http://schemas.microsoft.com/office/powerpoint/2010/main" Requires="p14">
+      <p:transition p14:dur="0"/>
+    </mc:Choice>
+    <mc:Fallback>
+      <p:transition/>
+    </mc:Fallback>
+  </mc:AlternateContent>
+  <p:timing>
+    <p:tnLst>
+      <p:par>
+        <p:cTn id="1" dur="indefinite" restart="never" nodeType="tmRoot"/>
+      </p:par>
+    </p:tnLst>
+  </p:timing>
+</p:sld>
+</file>
+
+<file path=ppt/slides/slide12.xml><?xml version="1.0" encoding="utf-8"?>
+<p:sld xmlns:a="http://schemas.openxmlformats.org/drawingml/2006/main" xmlns:r="http://schemas.openxmlformats.org/officeDocument/2006/relationships" xmlns:p="http://schemas.openxmlformats.org/presentationml/2006/main">
+  <p:cSld>
+    <p:spTree>
+      <p:nvGrpSpPr>
+        <p:cNvPr id="1" name=""/>
+        <p:cNvGrpSpPr/>
+        <p:nvPr/>
+      </p:nvGrpSpPr>
+      <p:grpSpPr>
+        <a:xfrm>
+          <a:off x="0" y="0"/>
+          <a:ext cx="0" cy="0"/>
+          <a:chOff x="0" y="0"/>
+          <a:chExt cx="0" cy="0"/>
+        </a:xfrm>
+      </p:grpSpPr>
+      <p:pic>
+        <p:nvPicPr>
+          <p:cNvPr id="4" name="Picture 2" descr="C:\Users\Rinifisu\Documents\Unity\Nogic\Assets\Title\Sprites\Logo.png"/>
+          <p:cNvPicPr>
+            <a:picLocks noChangeAspect="1" noChangeArrowheads="1"/>
+          </p:cNvPicPr>
+          <p:nvPr/>
+        </p:nvPicPr>
+        <p:blipFill>
+          <a:blip r:embed="rId2">
+            <a:extLst>
+              <a:ext uri="{28A0092B-C50C-407E-A947-70E740481C1C}">
+                <a14:useLocalDpi xmlns:a14="http://schemas.microsoft.com/office/drawing/2010/main" val="0"/>
+              </a:ext>
+            </a:extLst>
+          </a:blip>
+          <a:srcRect/>
+          <a:stretch>
+            <a:fillRect/>
+          </a:stretch>
+        </p:blipFill>
+        <p:spPr bwMode="auto">
+          <a:xfrm>
+            <a:off x="1259632" y="394072"/>
+            <a:ext cx="6500812" cy="3683000"/>
+          </a:xfrm>
+          <a:prstGeom prst="rect">
+            <a:avLst/>
+          </a:prstGeom>
+          <a:noFill/>
+          <a:extLst>
+            <a:ext uri="{909E8E84-426E-40DD-AFC4-6F175D3DCCD1}">
+              <a14:hiddenFill xmlns:a14="http://schemas.microsoft.com/office/drawing/2010/main">
+                <a:solidFill>
+                  <a:srgbClr val="FFFFFF"/>
+                </a:solidFill>
+              </a14:hiddenFill>
+            </a:ext>
+          </a:extLst>
+        </p:spPr>
+      </p:pic>
+      <p:sp>
+        <p:nvSpPr>
+          <p:cNvPr id="5" name="テキスト ボックス 4"/>
+          <p:cNvSpPr txBox="1"/>
+          <p:nvPr/>
+        </p:nvSpPr>
+        <p:spPr>
+          <a:xfrm>
+            <a:off x="1259632" y="4797152"/>
+            <a:ext cx="6500812" cy="830997"/>
+          </a:xfrm>
+          <a:prstGeom prst="rect">
+            <a:avLst/>
+          </a:prstGeom>
+          <a:noFill/>
+        </p:spPr>
+        <p:txBody>
+          <a:bodyPr wrap="square" rtlCol="0">
+            <a:spAutoFit/>
+          </a:bodyPr>
+          <a:lstStyle/>
+          <a:p>
+            <a:pPr algn="ctr"/>
+            <a:r>
+              <a:rPr kumimoji="1" lang="ja-JP" altLang="en-US" sz="4800" dirty="0" smtClean="0">
+                <a:latin typeface="HGP創英角ﾎﾟｯﾌﾟ体" panose="040B0A00000000000000" pitchFamily="50" charset="-128"/>
+                <a:ea typeface="HGP創英角ﾎﾟｯﾌﾟ体" panose="040B0A00000000000000" pitchFamily="50" charset="-128"/>
+              </a:rPr>
+              <a:t>大西 優太</a:t>
+            </a:r>
+            <a:endParaRPr kumimoji="1" lang="ja-JP" altLang="en-US" sz="4800" dirty="0">
+              <a:latin typeface="HGP創英角ﾎﾟｯﾌﾟ体" panose="040B0A00000000000000" pitchFamily="50" charset="-128"/>
+              <a:ea typeface="HGP創英角ﾎﾟｯﾌﾟ体" panose="040B0A00000000000000" pitchFamily="50" charset="-128"/>
+            </a:endParaRPr>
+          </a:p>
+        </p:txBody>
+      </p:sp>
+    </p:spTree>
+    <p:extLst>
+      <p:ext uri="{BB962C8B-B14F-4D97-AF65-F5344CB8AC3E}">
+        <p14:creationId xmlns:p14="http://schemas.microsoft.com/office/powerpoint/2010/main" val="2943024411"/>
+      </p:ext>
+    </p:extLst>
+  </p:cSld>
+  <p:clrMapOvr>
+    <a:masterClrMapping/>
+  </p:clrMapOvr>
+  <mc:AlternateContent xmlns:mc="http://schemas.openxmlformats.org/markup-compatibility/2006">
+    <mc:Choice xmlns:p14="http://schemas.microsoft.com/office/powerpoint/2010/main" Requires="p14">
+      <p:transition p14:dur="0"/>
+    </mc:Choice>
+    <mc:Fallback>
+      <p:transition/>
+    </mc:Fallback>
+  </mc:AlternateContent>
+  <p:timing>
+    <p:tnLst>
+      <p:par>
+        <p:cTn id="1" dur="indefinite" restart="never" nodeType="tmRoot"/>
+      </p:par>
+    </p:tnLst>
+  </p:timing>
+</p:sld>
+</file>
+
+<file path=ppt/slides/slide13.xml><?xml version="1.0" encoding="utf-8"?>
+<p:sld xmlns:a="http://schemas.openxmlformats.org/drawingml/2006/main" xmlns:r="http://schemas.openxmlformats.org/officeDocument/2006/relationships" xmlns:p="http://schemas.openxmlformats.org/presentationml/2006/main">
+  <p:cSld>
+    <p:spTree>
+      <p:nvGrpSpPr>
+        <p:cNvPr id="1" name=""/>
+        <p:cNvGrpSpPr/>
+        <p:nvPr/>
+      </p:nvGrpSpPr>
+      <p:grpSpPr>
+        <a:xfrm>
+          <a:off x="0" y="0"/>
+          <a:ext cx="0" cy="0"/>
+          <a:chOff x="0" y="0"/>
+          <a:chExt cx="0" cy="0"/>
+        </a:xfrm>
+      </p:grpSpPr>
+      <p:sp>
+        <p:nvSpPr>
+          <p:cNvPr id="4" name="角丸四角形 3"/>
+          <p:cNvSpPr/>
+          <p:nvPr/>
+        </p:nvSpPr>
+        <p:spPr>
+          <a:xfrm>
+            <a:off x="467544" y="249828"/>
+            <a:ext cx="8208912" cy="1080120"/>
+          </a:xfrm>
+          <a:prstGeom prst="roundRect">
+            <a:avLst/>
+          </a:prstGeom>
+        </p:spPr>
+        <p:style>
+          <a:lnRef idx="2">
+            <a:schemeClr val="accent2">
+              <a:shade val="50000"/>
+            </a:schemeClr>
+          </a:lnRef>
+          <a:fillRef idx="1">
+            <a:schemeClr val="accent2"/>
+          </a:fillRef>
+          <a:effectRef idx="0">
+            <a:schemeClr val="accent2"/>
+          </a:effectRef>
+          <a:fontRef idx="minor">
+            <a:schemeClr val="lt1"/>
+          </a:fontRef>
+        </p:style>
+        <p:txBody>
+          <a:bodyPr rtlCol="0" anchor="ctr"/>
+          <a:lstStyle/>
+          <a:p>
+            <a:pPr algn="ctr"/>
+            <a:r>
+              <a:rPr kumimoji="1" lang="ja-JP" altLang="en-US" sz="5400" dirty="0" smtClean="0">
+                <a:latin typeface="HGS創英角ｺﾞｼｯｸUB" panose="020B0900000000000000" pitchFamily="50" charset="-128"/>
+                <a:ea typeface="HGS創英角ｺﾞｼｯｸUB" panose="020B0900000000000000" pitchFamily="50" charset="-128"/>
+              </a:rPr>
+              <a:t>今回担当したもの</a:t>
+            </a:r>
+            <a:endParaRPr kumimoji="1" lang="ja-JP" altLang="en-US" sz="5400" dirty="0">
+              <a:latin typeface="HGS創英角ｺﾞｼｯｸUB" panose="020B0900000000000000" pitchFamily="50" charset="-128"/>
+              <a:ea typeface="HGS創英角ｺﾞｼｯｸUB" panose="020B0900000000000000" pitchFamily="50" charset="-128"/>
+            </a:endParaRPr>
+          </a:p>
+        </p:txBody>
+      </p:sp>
+      <p:sp>
+        <p:nvSpPr>
+          <p:cNvPr id="5" name="コンテンツ プレースホルダー 2"/>
+          <p:cNvSpPr>
+            <a:spLocks noGrp="1"/>
+          </p:cNvSpPr>
+          <p:nvPr>
+            <p:ph idx="1"/>
+          </p:nvPr>
+        </p:nvSpPr>
+        <p:spPr>
+          <a:xfrm>
+            <a:off x="457200" y="1412776"/>
+            <a:ext cx="8229600" cy="5328592"/>
+          </a:xfrm>
+        </p:spPr>
+        <p:txBody>
+          <a:bodyPr>
+            <a:noAutofit/>
+          </a:bodyPr>
+          <a:lstStyle/>
+          <a:p>
+            <a:pPr marL="514350" indent="-514350">
+              <a:buFont typeface="+mj-lt"/>
+              <a:buAutoNum type="arabicPeriod"/>
+            </a:pPr>
+            <a:r>
+              <a:rPr lang="ja-JP" altLang="en-US" sz="2400" dirty="0" smtClean="0">
+                <a:latin typeface="HGS創英角ｺﾞｼｯｸUB" panose="020B0900000000000000" pitchFamily="50" charset="-128"/>
+                <a:ea typeface="HGS創英角ｺﾞｼｯｸUB" panose="020B0900000000000000" pitchFamily="50" charset="-128"/>
+              </a:rPr>
+              <a:t>ゲームプランニング</a:t>
+            </a:r>
+            <a:endParaRPr lang="en-US" altLang="ja-JP" sz="2400" dirty="0" smtClean="0">
+              <a:latin typeface="HGS創英角ｺﾞｼｯｸUB" panose="020B0900000000000000" pitchFamily="50" charset="-128"/>
+              <a:ea typeface="HGS創英角ｺﾞｼｯｸUB" panose="020B0900000000000000" pitchFamily="50" charset="-128"/>
+            </a:endParaRPr>
+          </a:p>
+          <a:p>
+            <a:pPr marL="400050" lvl="1" indent="0">
+              <a:buNone/>
+            </a:pPr>
+            <a:r>
+              <a:rPr kumimoji="1" lang="en-US" altLang="ja-JP" sz="2000" dirty="0">
+                <a:latin typeface="HGS創英角ｺﾞｼｯｸUB" panose="020B0900000000000000" pitchFamily="50" charset="-128"/>
+                <a:ea typeface="HGS創英角ｺﾞｼｯｸUB" panose="020B0900000000000000" pitchFamily="50" charset="-128"/>
+              </a:rPr>
+              <a:t>	</a:t>
+            </a:r>
+            <a:r>
+              <a:rPr kumimoji="1" lang="ja-JP" altLang="en-US" sz="2000" dirty="0" smtClean="0">
+                <a:latin typeface="HGS創英角ｺﾞｼｯｸUB" panose="020B0900000000000000" pitchFamily="50" charset="-128"/>
+                <a:ea typeface="HGS創英角ｺﾞｼｯｸUB" panose="020B0900000000000000" pitchFamily="50" charset="-128"/>
+              </a:rPr>
+              <a:t>システム構築</a:t>
+            </a:r>
+            <a:r>
+              <a:rPr kumimoji="1" lang="en-US" altLang="ja-JP" sz="2000" dirty="0" smtClean="0">
+                <a:latin typeface="HGS創英角ｺﾞｼｯｸUB" panose="020B0900000000000000" pitchFamily="50" charset="-128"/>
+                <a:ea typeface="HGS創英角ｺﾞｼｯｸUB" panose="020B0900000000000000" pitchFamily="50" charset="-128"/>
+              </a:rPr>
+              <a:t>		</a:t>
+            </a:r>
+            <a:r>
+              <a:rPr lang="ja-JP" altLang="en-US" sz="2000" dirty="0" smtClean="0">
+                <a:latin typeface="HGS創英角ｺﾞｼｯｸUB" panose="020B0900000000000000" pitchFamily="50" charset="-128"/>
+                <a:ea typeface="HGS創英角ｺﾞｼｯｸUB" panose="020B0900000000000000" pitchFamily="50" charset="-128"/>
+              </a:rPr>
+              <a:t>ノードの種類決め</a:t>
+            </a:r>
+            <a:endParaRPr lang="en-US" altLang="ja-JP" sz="2000" dirty="0" smtClean="0">
+              <a:latin typeface="HGS創英角ｺﾞｼｯｸUB" panose="020B0900000000000000" pitchFamily="50" charset="-128"/>
+              <a:ea typeface="HGS創英角ｺﾞｼｯｸUB" panose="020B0900000000000000" pitchFamily="50" charset="-128"/>
+            </a:endParaRPr>
+          </a:p>
+          <a:p>
+            <a:pPr marL="400050" lvl="1" indent="0">
+              <a:buNone/>
+            </a:pPr>
+            <a:r>
+              <a:rPr kumimoji="1" lang="en-US" altLang="ja-JP" sz="2000" dirty="0">
+                <a:latin typeface="HGS創英角ｺﾞｼｯｸUB" panose="020B0900000000000000" pitchFamily="50" charset="-128"/>
+                <a:ea typeface="HGS創英角ｺﾞｼｯｸUB" panose="020B0900000000000000" pitchFamily="50" charset="-128"/>
+              </a:rPr>
+              <a:t>	</a:t>
+            </a:r>
+            <a:r>
+              <a:rPr kumimoji="1" lang="ja-JP" altLang="en-US" sz="2000" dirty="0" smtClean="0">
+                <a:latin typeface="HGS創英角ｺﾞｼｯｸUB" panose="020B0900000000000000" pitchFamily="50" charset="-128"/>
+                <a:ea typeface="HGS創英角ｺﾞｼｯｸUB" panose="020B0900000000000000" pitchFamily="50" charset="-128"/>
+              </a:rPr>
+              <a:t>シーン管理</a:t>
+            </a:r>
+            <a:r>
+              <a:rPr kumimoji="1" lang="en-US" altLang="ja-JP" sz="2000" dirty="0" smtClean="0">
+                <a:latin typeface="HGS創英角ｺﾞｼｯｸUB" panose="020B0900000000000000" pitchFamily="50" charset="-128"/>
+                <a:ea typeface="HGS創英角ｺﾞｼｯｸUB" panose="020B0900000000000000" pitchFamily="50" charset="-128"/>
+              </a:rPr>
+              <a:t>		</a:t>
+            </a:r>
+            <a:r>
+              <a:rPr kumimoji="1" lang="ja-JP" altLang="en-US" sz="2000" dirty="0" smtClean="0">
+                <a:latin typeface="HGS創英角ｺﾞｼｯｸUB" panose="020B0900000000000000" pitchFamily="50" charset="-128"/>
+                <a:ea typeface="HGS創英角ｺﾞｼｯｸUB" panose="020B0900000000000000" pitchFamily="50" charset="-128"/>
+              </a:rPr>
+              <a:t>ゲームバランス管理</a:t>
+            </a:r>
+            <a:endParaRPr kumimoji="1" lang="en-US" altLang="ja-JP" sz="2000" dirty="0" smtClean="0">
+              <a:latin typeface="HGS創英角ｺﾞｼｯｸUB" panose="020B0900000000000000" pitchFamily="50" charset="-128"/>
+              <a:ea typeface="HGS創英角ｺﾞｼｯｸUB" panose="020B0900000000000000" pitchFamily="50" charset="-128"/>
+            </a:endParaRPr>
+          </a:p>
+          <a:p>
+            <a:pPr marL="400050" lvl="1" indent="0">
+              <a:buNone/>
+            </a:pPr>
+            <a:r>
+              <a:rPr kumimoji="1" lang="en-US" altLang="ja-JP" sz="2000" dirty="0">
+                <a:latin typeface="HGS創英角ｺﾞｼｯｸUB" panose="020B0900000000000000" pitchFamily="50" charset="-128"/>
+                <a:ea typeface="HGS創英角ｺﾞｼｯｸUB" panose="020B0900000000000000" pitchFamily="50" charset="-128"/>
+              </a:rPr>
+              <a:t>	</a:t>
+            </a:r>
+            <a:r>
+              <a:rPr kumimoji="1" lang="ja-JP" altLang="en-US" sz="2000" dirty="0" smtClean="0">
+                <a:latin typeface="HGS創英角ｺﾞｼｯｸUB" panose="020B0900000000000000" pitchFamily="50" charset="-128"/>
+                <a:ea typeface="HGS創英角ｺﾞｼｯｸUB" panose="020B0900000000000000" pitchFamily="50" charset="-128"/>
+              </a:rPr>
+              <a:t>サウンド割り当て</a:t>
+            </a:r>
+            <a:r>
+              <a:rPr kumimoji="1" lang="en-US" altLang="ja-JP" sz="2000" dirty="0" smtClean="0">
+                <a:latin typeface="HGS創英角ｺﾞｼｯｸUB" panose="020B0900000000000000" pitchFamily="50" charset="-128"/>
+                <a:ea typeface="HGS創英角ｺﾞｼｯｸUB" panose="020B0900000000000000" pitchFamily="50" charset="-128"/>
+              </a:rPr>
+              <a:t>	</a:t>
+            </a:r>
+            <a:r>
+              <a:rPr kumimoji="1" lang="ja-JP" altLang="en-US" sz="2000" dirty="0" smtClean="0">
+                <a:latin typeface="HGS創英角ｺﾞｼｯｸUB" panose="020B0900000000000000" pitchFamily="50" charset="-128"/>
+                <a:ea typeface="HGS創英角ｺﾞｼｯｸUB" panose="020B0900000000000000" pitchFamily="50" charset="-128"/>
+              </a:rPr>
+              <a:t>必要なグラフィックの洗い出し</a:t>
+            </a:r>
+            <a:endParaRPr kumimoji="1" lang="en-US" altLang="ja-JP" sz="2000" dirty="0" smtClean="0">
+              <a:latin typeface="HGS創英角ｺﾞｼｯｸUB" panose="020B0900000000000000" pitchFamily="50" charset="-128"/>
+              <a:ea typeface="HGS創英角ｺﾞｼｯｸUB" panose="020B0900000000000000" pitchFamily="50" charset="-128"/>
+            </a:endParaRPr>
+          </a:p>
+          <a:p>
+            <a:pPr marL="400050" lvl="1" indent="0">
+              <a:buNone/>
+            </a:pPr>
+            <a:endParaRPr kumimoji="1" lang="en-US" altLang="ja-JP" sz="2000" dirty="0" smtClean="0">
+              <a:latin typeface="HGS創英角ｺﾞｼｯｸUB" panose="020B0900000000000000" pitchFamily="50" charset="-128"/>
+              <a:ea typeface="HGS創英角ｺﾞｼｯｸUB" panose="020B0900000000000000" pitchFamily="50" charset="-128"/>
+            </a:endParaRPr>
+          </a:p>
+          <a:p>
+            <a:pPr marL="514350" indent="-514350">
+              <a:buFont typeface="+mj-lt"/>
+              <a:buAutoNum type="arabicPeriod"/>
+            </a:pPr>
+            <a:r>
+              <a:rPr lang="ja-JP" altLang="en-US" sz="2400" dirty="0" smtClean="0">
+                <a:latin typeface="HGS創英角ｺﾞｼｯｸUB" panose="020B0900000000000000" pitchFamily="50" charset="-128"/>
+                <a:ea typeface="HGS創英角ｺﾞｼｯｸUB" panose="020B0900000000000000" pitchFamily="50" charset="-128"/>
+              </a:rPr>
+              <a:t>メインゲームプログラミング</a:t>
+            </a:r>
+            <a:endParaRPr lang="en-US" altLang="ja-JP" sz="2400" dirty="0" smtClean="0">
+              <a:latin typeface="HGS創英角ｺﾞｼｯｸUB" panose="020B0900000000000000" pitchFamily="50" charset="-128"/>
+              <a:ea typeface="HGS創英角ｺﾞｼｯｸUB" panose="020B0900000000000000" pitchFamily="50" charset="-128"/>
+            </a:endParaRPr>
+          </a:p>
+          <a:p>
+            <a:pPr marL="400050" lvl="1" indent="0">
+              <a:buNone/>
+            </a:pPr>
+            <a:r>
+              <a:rPr lang="en-US" altLang="ja-JP" sz="2000" dirty="0" smtClean="0">
+                <a:latin typeface="HGS創英角ｺﾞｼｯｸUB" panose="020B0900000000000000" pitchFamily="50" charset="-128"/>
+                <a:ea typeface="HGS創英角ｺﾞｼｯｸUB" panose="020B0900000000000000" pitchFamily="50" charset="-128"/>
+              </a:rPr>
+              <a:t>	</a:t>
+            </a:r>
+            <a:r>
+              <a:rPr lang="ja-JP" altLang="en-US" sz="2000" dirty="0" smtClean="0">
+                <a:latin typeface="HGS創英角ｺﾞｼｯｸUB" panose="020B0900000000000000" pitchFamily="50" charset="-128"/>
+                <a:ea typeface="HGS創英角ｺﾞｼｯｸUB" panose="020B0900000000000000" pitchFamily="50" charset="-128"/>
+              </a:rPr>
+              <a:t>カメラ演出</a:t>
+            </a:r>
+            <a:r>
+              <a:rPr lang="en-US" altLang="ja-JP" sz="2000" dirty="0" smtClean="0">
+                <a:latin typeface="HGS創英角ｺﾞｼｯｸUB" panose="020B0900000000000000" pitchFamily="50" charset="-128"/>
+                <a:ea typeface="HGS創英角ｺﾞｼｯｸUB" panose="020B0900000000000000" pitchFamily="50" charset="-128"/>
+              </a:rPr>
+              <a:t>		</a:t>
+            </a:r>
+            <a:r>
+              <a:rPr lang="en-US" altLang="ja-JP" sz="2000" dirty="0" smtClean="0">
+                <a:latin typeface="HGS創英角ｺﾞｼｯｸUB" panose="020B0900000000000000" pitchFamily="50" charset="-128"/>
+                <a:ea typeface="HGS創英角ｺﾞｼｯｸUB" panose="020B0900000000000000" pitchFamily="50" charset="-128"/>
+              </a:rPr>
+              <a:t>UI</a:t>
+            </a:r>
+            <a:r>
+              <a:rPr lang="ja-JP" altLang="en-US" sz="2000" dirty="0" smtClean="0">
+                <a:latin typeface="HGS創英角ｺﾞｼｯｸUB" panose="020B0900000000000000" pitchFamily="50" charset="-128"/>
+                <a:ea typeface="HGS創英角ｺﾞｼｯｸUB" panose="020B0900000000000000" pitchFamily="50" charset="-128"/>
+              </a:rPr>
+              <a:t>アニメーション</a:t>
+            </a:r>
+            <a:endParaRPr lang="en-US" altLang="ja-JP" sz="2000" dirty="0" smtClean="0">
+              <a:latin typeface="HGS創英角ｺﾞｼｯｸUB" panose="020B0900000000000000" pitchFamily="50" charset="-128"/>
+              <a:ea typeface="HGS創英角ｺﾞｼｯｸUB" panose="020B0900000000000000" pitchFamily="50" charset="-128"/>
+            </a:endParaRPr>
+          </a:p>
+          <a:p>
+            <a:pPr marL="400050" lvl="1" indent="0">
+              <a:buNone/>
+            </a:pPr>
+            <a:r>
+              <a:rPr lang="en-US" altLang="ja-JP" sz="2000" dirty="0">
+                <a:latin typeface="HGS創英角ｺﾞｼｯｸUB" panose="020B0900000000000000" pitchFamily="50" charset="-128"/>
+                <a:ea typeface="HGS創英角ｺﾞｼｯｸUB" panose="020B0900000000000000" pitchFamily="50" charset="-128"/>
+              </a:rPr>
+              <a:t>	</a:t>
+            </a:r>
+            <a:r>
+              <a:rPr lang="ja-JP" altLang="en-US" sz="2000" dirty="0" smtClean="0">
+                <a:latin typeface="HGS創英角ｺﾞｼｯｸUB" panose="020B0900000000000000" pitchFamily="50" charset="-128"/>
+                <a:ea typeface="HGS創英角ｺﾞｼｯｸUB" panose="020B0900000000000000" pitchFamily="50" charset="-128"/>
+              </a:rPr>
+              <a:t>ノード選択</a:t>
+            </a:r>
+            <a:r>
+              <a:rPr lang="en-US" altLang="ja-JP" sz="2000" dirty="0">
+                <a:latin typeface="HGS創英角ｺﾞｼｯｸUB" panose="020B0900000000000000" pitchFamily="50" charset="-128"/>
+                <a:ea typeface="HGS創英角ｺﾞｼｯｸUB" panose="020B0900000000000000" pitchFamily="50" charset="-128"/>
+              </a:rPr>
+              <a:t>	</a:t>
+            </a:r>
+            <a:r>
+              <a:rPr lang="en-US" altLang="ja-JP" sz="2000" dirty="0" smtClean="0">
+                <a:latin typeface="HGS創英角ｺﾞｼｯｸUB" panose="020B0900000000000000" pitchFamily="50" charset="-128"/>
+                <a:ea typeface="HGS創英角ｺﾞｼｯｸUB" panose="020B0900000000000000" pitchFamily="50" charset="-128"/>
+              </a:rPr>
+              <a:t>	</a:t>
+            </a:r>
+            <a:r>
+              <a:rPr lang="ja-JP" altLang="en-US" sz="2000" dirty="0" smtClean="0">
+                <a:latin typeface="HGS創英角ｺﾞｼｯｸUB" panose="020B0900000000000000" pitchFamily="50" charset="-128"/>
+                <a:ea typeface="HGS創英角ｺﾞｼｯｸUB" panose="020B0900000000000000" pitchFamily="50" charset="-128"/>
+              </a:rPr>
+              <a:t>パラメータシステム</a:t>
+            </a:r>
+            <a:endParaRPr lang="en-US" altLang="ja-JP" sz="2000" dirty="0" smtClean="0">
+              <a:latin typeface="HGS創英角ｺﾞｼｯｸUB" panose="020B0900000000000000" pitchFamily="50" charset="-128"/>
+              <a:ea typeface="HGS創英角ｺﾞｼｯｸUB" panose="020B0900000000000000" pitchFamily="50" charset="-128"/>
+            </a:endParaRPr>
+          </a:p>
+          <a:p>
+            <a:pPr marL="400050" lvl="1" indent="0">
+              <a:buNone/>
+            </a:pPr>
+            <a:r>
+              <a:rPr lang="en-US" altLang="ja-JP" sz="2000" dirty="0" smtClean="0">
+                <a:latin typeface="HGS創英角ｺﾞｼｯｸUB" panose="020B0900000000000000" pitchFamily="50" charset="-128"/>
+                <a:ea typeface="HGS創英角ｺﾞｼｯｸUB" panose="020B0900000000000000" pitchFamily="50" charset="-128"/>
+              </a:rPr>
+              <a:t>	</a:t>
+            </a:r>
+            <a:r>
+              <a:rPr lang="ja-JP" altLang="en-US" sz="2000" dirty="0" smtClean="0">
+                <a:latin typeface="HGS創英角ｺﾞｼｯｸUB" panose="020B0900000000000000" pitchFamily="50" charset="-128"/>
+                <a:ea typeface="HGS創英角ｺﾞｼｯｸUB" panose="020B0900000000000000" pitchFamily="50" charset="-128"/>
+              </a:rPr>
+              <a:t>シーン管理</a:t>
+            </a:r>
+            <a:r>
+              <a:rPr lang="en-US" altLang="ja-JP" sz="2000" dirty="0" smtClean="0">
+                <a:latin typeface="HGS創英角ｺﾞｼｯｸUB" panose="020B0900000000000000" pitchFamily="50" charset="-128"/>
+                <a:ea typeface="HGS創英角ｺﾞｼｯｸUB" panose="020B0900000000000000" pitchFamily="50" charset="-128"/>
+              </a:rPr>
+              <a:t>		</a:t>
+            </a:r>
+            <a:r>
+              <a:rPr lang="ja-JP" altLang="en-US" sz="2000" dirty="0" smtClean="0">
+                <a:latin typeface="HGS創英角ｺﾞｼｯｸUB" panose="020B0900000000000000" pitchFamily="50" charset="-128"/>
+                <a:ea typeface="HGS創英角ｺﾞｼｯｸUB" panose="020B0900000000000000" pitchFamily="50" charset="-128"/>
+              </a:rPr>
+              <a:t>パーティクル管理</a:t>
+            </a:r>
+            <a:endParaRPr lang="en-US" altLang="ja-JP" sz="2000" dirty="0" smtClean="0">
+              <a:latin typeface="HGS創英角ｺﾞｼｯｸUB" panose="020B0900000000000000" pitchFamily="50" charset="-128"/>
+              <a:ea typeface="HGS創英角ｺﾞｼｯｸUB" panose="020B0900000000000000" pitchFamily="50" charset="-128"/>
+            </a:endParaRPr>
+          </a:p>
+          <a:p>
+            <a:pPr marL="400050" lvl="1" indent="0">
+              <a:buNone/>
+            </a:pPr>
+            <a:r>
+              <a:rPr lang="en-US" altLang="ja-JP" sz="2000" dirty="0">
+                <a:latin typeface="HGS創英角ｺﾞｼｯｸUB" panose="020B0900000000000000" pitchFamily="50" charset="-128"/>
+                <a:ea typeface="HGS創英角ｺﾞｼｯｸUB" panose="020B0900000000000000" pitchFamily="50" charset="-128"/>
+              </a:rPr>
+              <a:t>	</a:t>
+            </a:r>
+            <a:r>
+              <a:rPr lang="ja-JP" altLang="en-US" sz="2000" dirty="0" smtClean="0">
+                <a:latin typeface="HGS創英角ｺﾞｼｯｸUB" panose="020B0900000000000000" pitchFamily="50" charset="-128"/>
+                <a:ea typeface="HGS創英角ｺﾞｼｯｸUB" panose="020B0900000000000000" pitchFamily="50" charset="-128"/>
+              </a:rPr>
+              <a:t>送信専用クラス</a:t>
+            </a:r>
+            <a:r>
+              <a:rPr lang="en-US" altLang="ja-JP" sz="2000" dirty="0" smtClean="0">
+                <a:latin typeface="HGS創英角ｺﾞｼｯｸUB" panose="020B0900000000000000" pitchFamily="50" charset="-128"/>
+                <a:ea typeface="HGS創英角ｺﾞｼｯｸUB" panose="020B0900000000000000" pitchFamily="50" charset="-128"/>
+              </a:rPr>
+              <a:t>		</a:t>
+            </a:r>
+            <a:r>
+              <a:rPr lang="ja-JP" altLang="en-US" sz="2000" dirty="0">
+                <a:latin typeface="HGS創英角ｺﾞｼｯｸUB" panose="020B0900000000000000" pitchFamily="50" charset="-128"/>
+                <a:ea typeface="HGS創英角ｺﾞｼｯｸUB" panose="020B0900000000000000" pitchFamily="50" charset="-128"/>
+              </a:rPr>
+              <a:t>合計</a:t>
+            </a:r>
+            <a:r>
+              <a:rPr lang="ja-JP" altLang="en-US" sz="2000" dirty="0" smtClean="0">
+                <a:latin typeface="HGS創英角ｺﾞｼｯｸUB" panose="020B0900000000000000" pitchFamily="50" charset="-128"/>
+                <a:ea typeface="HGS創英角ｺﾞｼｯｸUB" panose="020B0900000000000000" pitchFamily="50" charset="-128"/>
+              </a:rPr>
+              <a:t>ダメージ</a:t>
+            </a:r>
+            <a:endParaRPr lang="en-US" altLang="ja-JP" sz="2000" dirty="0" smtClean="0">
+              <a:latin typeface="HGS創英角ｺﾞｼｯｸUB" panose="020B0900000000000000" pitchFamily="50" charset="-128"/>
+              <a:ea typeface="HGS創英角ｺﾞｼｯｸUB" panose="020B0900000000000000" pitchFamily="50" charset="-128"/>
+            </a:endParaRPr>
+          </a:p>
+          <a:p>
+            <a:pPr marL="400050" lvl="1" indent="0">
+              <a:buNone/>
+            </a:pPr>
+            <a:endParaRPr lang="en-US" altLang="ja-JP" sz="2000" dirty="0" smtClean="0">
+              <a:latin typeface="HGS創英角ｺﾞｼｯｸUB" panose="020B0900000000000000" pitchFamily="50" charset="-128"/>
+              <a:ea typeface="HGS創英角ｺﾞｼｯｸUB" panose="020B0900000000000000" pitchFamily="50" charset="-128"/>
+            </a:endParaRPr>
+          </a:p>
+          <a:p>
+            <a:pPr marL="514350" indent="-514350">
+              <a:buFont typeface="+mj-lt"/>
+              <a:buAutoNum type="arabicPeriod"/>
+            </a:pPr>
+            <a:r>
+              <a:rPr lang="en-US" altLang="ja-JP" sz="2400" dirty="0" smtClean="0">
+                <a:latin typeface="HGS創英角ｺﾞｼｯｸUB" panose="020B0900000000000000" pitchFamily="50" charset="-128"/>
+                <a:ea typeface="HGS創英角ｺﾞｼｯｸUB" panose="020B0900000000000000" pitchFamily="50" charset="-128"/>
+              </a:rPr>
+              <a:t>2DUI</a:t>
+            </a:r>
+            <a:r>
+              <a:rPr lang="ja-JP" altLang="en-US" sz="2400" dirty="0" smtClean="0">
+                <a:latin typeface="HGS創英角ｺﾞｼｯｸUB" panose="020B0900000000000000" pitchFamily="50" charset="-128"/>
+                <a:ea typeface="HGS創英角ｺﾞｼｯｸUB" panose="020B0900000000000000" pitchFamily="50" charset="-128"/>
+              </a:rPr>
+              <a:t>デザイン</a:t>
+            </a:r>
+            <a:endParaRPr lang="en-US" altLang="ja-JP" sz="2400" dirty="0" smtClean="0">
+              <a:latin typeface="HGS創英角ｺﾞｼｯｸUB" panose="020B0900000000000000" pitchFamily="50" charset="-128"/>
+              <a:ea typeface="HGS創英角ｺﾞｼｯｸUB" panose="020B0900000000000000" pitchFamily="50" charset="-128"/>
+            </a:endParaRPr>
+          </a:p>
+          <a:p>
+            <a:pPr marL="400050" lvl="1" indent="0">
+              <a:buNone/>
+            </a:pPr>
+            <a:r>
+              <a:rPr kumimoji="1" lang="en-US" altLang="ja-JP" sz="2000" dirty="0">
+                <a:latin typeface="HGS創英角ｺﾞｼｯｸUB" panose="020B0900000000000000" pitchFamily="50" charset="-128"/>
+                <a:ea typeface="HGS創英角ｺﾞｼｯｸUB" panose="020B0900000000000000" pitchFamily="50" charset="-128"/>
+              </a:rPr>
+              <a:t>	</a:t>
+            </a:r>
+            <a:r>
+              <a:rPr kumimoji="1" lang="ja-JP" altLang="en-US" sz="2000" dirty="0" smtClean="0">
+                <a:latin typeface="HGS創英角ｺﾞｼｯｸUB" panose="020B0900000000000000" pitchFamily="50" charset="-128"/>
+                <a:ea typeface="HGS創英角ｺﾞｼｯｸUB" panose="020B0900000000000000" pitchFamily="50" charset="-128"/>
+              </a:rPr>
+              <a:t>カオス、リバース、フリーズ、ホールド通知画像</a:t>
+            </a:r>
+            <a:endParaRPr kumimoji="1" lang="en-US" altLang="ja-JP" sz="2000" dirty="0" smtClean="0">
+              <a:latin typeface="HGS創英角ｺﾞｼｯｸUB" panose="020B0900000000000000" pitchFamily="50" charset="-128"/>
+              <a:ea typeface="HGS創英角ｺﾞｼｯｸUB" panose="020B0900000000000000" pitchFamily="50" charset="-128"/>
+            </a:endParaRPr>
+          </a:p>
+          <a:p>
+            <a:pPr marL="400050" lvl="1" indent="0">
+              <a:buNone/>
+            </a:pPr>
+            <a:r>
+              <a:rPr lang="en-US" altLang="ja-JP" sz="2000" dirty="0">
+                <a:latin typeface="HGS創英角ｺﾞｼｯｸUB" panose="020B0900000000000000" pitchFamily="50" charset="-128"/>
+                <a:ea typeface="HGS創英角ｺﾞｼｯｸUB" panose="020B0900000000000000" pitchFamily="50" charset="-128"/>
+              </a:rPr>
+              <a:t>	</a:t>
+            </a:r>
+            <a:r>
+              <a:rPr lang="ja-JP" altLang="en-US" sz="2000" dirty="0" smtClean="0">
+                <a:latin typeface="HGS創英角ｺﾞｼｯｸUB" panose="020B0900000000000000" pitchFamily="50" charset="-128"/>
+                <a:ea typeface="HGS創英角ｺﾞｼｯｸUB" panose="020B0900000000000000" pitchFamily="50" charset="-128"/>
+              </a:rPr>
+              <a:t>妨害通知画像</a:t>
+            </a:r>
+            <a:endParaRPr kumimoji="1" lang="ja-JP" altLang="en-US" sz="2000" dirty="0">
+              <a:latin typeface="HGS創英角ｺﾞｼｯｸUB" panose="020B0900000000000000" pitchFamily="50" charset="-128"/>
+              <a:ea typeface="HGS創英角ｺﾞｼｯｸUB" panose="020B0900000000000000" pitchFamily="50" charset="-128"/>
+            </a:endParaRPr>
+          </a:p>
+        </p:txBody>
+      </p:sp>
+    </p:spTree>
+    <p:extLst>
+      <p:ext uri="{BB962C8B-B14F-4D97-AF65-F5344CB8AC3E}">
+        <p14:creationId xmlns:p14="http://schemas.microsoft.com/office/powerpoint/2010/main" val="477418043"/>
+      </p:ext>
+    </p:extLst>
+  </p:cSld>
+  <p:clrMapOvr>
+    <a:masterClrMapping/>
+  </p:clrMapOvr>
+  <mc:AlternateContent xmlns:mc="http://schemas.openxmlformats.org/markup-compatibility/2006">
+    <mc:Choice xmlns:p14="http://schemas.microsoft.com/office/powerpoint/2010/main" Requires="p14">
+      <p:transition p14:dur="0"/>
+    </mc:Choice>
+    <mc:Fallback>
+      <p:transition/>
+    </mc:Fallback>
+  </mc:AlternateContent>
+  <p:timing>
+    <p:tnLst>
+      <p:par>
+        <p:cTn id="1" dur="indefinite" restart="never" nodeType="tmRoot"/>
+      </p:par>
+    </p:tnLst>
+  </p:timing>
+</p:sld>
+</file>
+
+<file path=ppt/slides/slide14.xml><?xml version="1.0" encoding="utf-8"?>
+<p:sld xmlns:a="http://schemas.openxmlformats.org/drawingml/2006/main" xmlns:r="http://schemas.openxmlformats.org/officeDocument/2006/relationships" xmlns:p="http://schemas.openxmlformats.org/presentationml/2006/main">
+  <p:cSld>
+    <p:spTree>
+      <p:nvGrpSpPr>
+        <p:cNvPr id="1" name=""/>
+        <p:cNvGrpSpPr/>
+        <p:nvPr/>
+      </p:nvGrpSpPr>
+      <p:grpSpPr>
+        <a:xfrm>
+          <a:off x="0" y="0"/>
+          <a:ext cx="0" cy="0"/>
+          <a:chOff x="0" y="0"/>
+          <a:chExt cx="0" cy="0"/>
+        </a:xfrm>
+      </p:grpSpPr>
+      <p:sp>
+        <p:nvSpPr>
+          <p:cNvPr id="58" name="正方形/長方形 57"/>
+          <p:cNvSpPr/>
+          <p:nvPr/>
+        </p:nvSpPr>
+        <p:spPr>
+          <a:xfrm>
+            <a:off x="6172128" y="2541656"/>
+            <a:ext cx="2504328" cy="432048"/>
+          </a:xfrm>
+          <a:prstGeom prst="rect">
+            <a:avLst/>
+          </a:prstGeom>
+          <a:solidFill>
+            <a:schemeClr val="bg2">
+              <a:lumMod val="90000"/>
+            </a:schemeClr>
+          </a:solidFill>
+          <a:ln>
+            <a:noFill/>
+          </a:ln>
+        </p:spPr>
+        <p:style>
+          <a:lnRef idx="2">
+            <a:schemeClr val="accent1">
+              <a:shade val="50000"/>
+            </a:schemeClr>
+          </a:lnRef>
+          <a:fillRef idx="1">
+            <a:schemeClr val="accent1"/>
+          </a:fillRef>
+          <a:effectRef idx="0">
+            <a:schemeClr val="accent1"/>
+          </a:effectRef>
+          <a:fontRef idx="minor">
+            <a:schemeClr val="lt1"/>
+          </a:fontRef>
+        </p:style>
+        <p:txBody>
+          <a:bodyPr rtlCol="0" anchor="ctr"/>
+          <a:lstStyle/>
+          <a:p>
+            <a:r>
+              <a:rPr kumimoji="1" lang="ja-JP" altLang="en-US" dirty="0" smtClean="0">
+                <a:solidFill>
+                  <a:schemeClr val="tx1"/>
+                </a:solidFill>
+              </a:rPr>
+              <a:t>　制作したシーン</a:t>
+            </a:r>
+            <a:endParaRPr kumimoji="1" lang="ja-JP" altLang="en-US" dirty="0">
+              <a:solidFill>
+                <a:schemeClr val="tx1"/>
+              </a:solidFill>
+            </a:endParaRPr>
+          </a:p>
+        </p:txBody>
+      </p:sp>
+      <p:sp>
+        <p:nvSpPr>
+          <p:cNvPr id="12" name="角丸四角形 11"/>
+          <p:cNvSpPr/>
+          <p:nvPr/>
+        </p:nvSpPr>
+        <p:spPr>
+          <a:xfrm>
+            <a:off x="467544" y="3632456"/>
+            <a:ext cx="8208912" cy="2748872"/>
+          </a:xfrm>
+          <a:prstGeom prst="roundRect">
+            <a:avLst/>
+          </a:prstGeom>
+        </p:spPr>
+        <p:style>
+          <a:lnRef idx="2">
+            <a:schemeClr val="accent2"/>
+          </a:lnRef>
+          <a:fillRef idx="1">
+            <a:schemeClr val="lt1"/>
+          </a:fillRef>
+          <a:effectRef idx="0">
+            <a:schemeClr val="accent2"/>
+          </a:effectRef>
+          <a:fontRef idx="minor">
+            <a:schemeClr val="dk1"/>
+          </a:fontRef>
+        </p:style>
+        <p:txBody>
+          <a:bodyPr rtlCol="0" anchor="ctr"/>
+          <a:lstStyle/>
+          <a:p>
+            <a:pPr algn="ctr"/>
+            <a:endParaRPr kumimoji="1" lang="ja-JP" altLang="en-US"/>
+          </a:p>
+        </p:txBody>
+      </p:sp>
+      <p:sp>
+        <p:nvSpPr>
+          <p:cNvPr id="4" name="角丸四角形 3"/>
+          <p:cNvSpPr/>
+          <p:nvPr/>
+        </p:nvSpPr>
+        <p:spPr>
+          <a:xfrm>
+            <a:off x="467544" y="249828"/>
+            <a:ext cx="8208912" cy="1080120"/>
+          </a:xfrm>
+          <a:prstGeom prst="roundRect">
+            <a:avLst/>
+          </a:prstGeom>
+        </p:spPr>
+        <p:style>
+          <a:lnRef idx="2">
+            <a:schemeClr val="accent2">
+              <a:shade val="50000"/>
+            </a:schemeClr>
+          </a:lnRef>
+          <a:fillRef idx="1">
+            <a:schemeClr val="accent2"/>
+          </a:fillRef>
+          <a:effectRef idx="0">
+            <a:schemeClr val="accent2"/>
+          </a:effectRef>
+          <a:fontRef idx="minor">
+            <a:schemeClr val="lt1"/>
+          </a:fontRef>
+        </p:style>
+        <p:txBody>
+          <a:bodyPr rtlCol="0" anchor="ctr"/>
+          <a:lstStyle/>
+          <a:p>
+            <a:pPr algn="ctr"/>
+            <a:r>
+              <a:rPr lang="ja-JP" altLang="en-US" sz="5400" dirty="0" smtClean="0">
+                <a:latin typeface="HGS創英角ｺﾞｼｯｸUB" panose="020B0900000000000000" pitchFamily="50" charset="-128"/>
+                <a:ea typeface="HGS創英角ｺﾞｼｯｸUB" panose="020B0900000000000000" pitchFamily="50" charset="-128"/>
+              </a:rPr>
+              <a:t>ゲームの</a:t>
+            </a:r>
+            <a:r>
+              <a:rPr lang="ja-JP" altLang="en-US" sz="5400" dirty="0">
+                <a:latin typeface="HGS創英角ｺﾞｼｯｸUB" panose="020B0900000000000000" pitchFamily="50" charset="-128"/>
+                <a:ea typeface="HGS創英角ｺﾞｼｯｸUB" panose="020B0900000000000000" pitchFamily="50" charset="-128"/>
+              </a:rPr>
+              <a:t>流れ</a:t>
+            </a:r>
+            <a:endParaRPr kumimoji="1" lang="ja-JP" altLang="en-US" sz="5400" dirty="0">
+              <a:latin typeface="HGS創英角ｺﾞｼｯｸUB" panose="020B0900000000000000" pitchFamily="50" charset="-128"/>
+              <a:ea typeface="HGS創英角ｺﾞｼｯｸUB" panose="020B0900000000000000" pitchFamily="50" charset="-128"/>
+            </a:endParaRPr>
+          </a:p>
+        </p:txBody>
+      </p:sp>
+      <p:sp>
+        <p:nvSpPr>
+          <p:cNvPr id="6" name="角丸四角形 5"/>
+          <p:cNvSpPr/>
+          <p:nvPr/>
+        </p:nvSpPr>
+        <p:spPr>
+          <a:xfrm>
+            <a:off x="4572000" y="1484784"/>
+            <a:ext cx="2304256" cy="864096"/>
+          </a:xfrm>
+          <a:prstGeom prst="roundRect">
+            <a:avLst/>
+          </a:prstGeom>
+        </p:spPr>
+        <p:style>
+          <a:lnRef idx="1">
+            <a:schemeClr val="accent3"/>
+          </a:lnRef>
+          <a:fillRef idx="2">
+            <a:schemeClr val="accent3"/>
+          </a:fillRef>
+          <a:effectRef idx="1">
+            <a:schemeClr val="accent3"/>
+          </a:effectRef>
+          <a:fontRef idx="minor">
+            <a:schemeClr val="dk1"/>
+          </a:fontRef>
+        </p:style>
+        <p:txBody>
+          <a:bodyPr rtlCol="0" anchor="ctr"/>
+          <a:lstStyle/>
+          <a:p>
+            <a:pPr algn="ctr"/>
+            <a:r>
+              <a:rPr kumimoji="1" lang="ja-JP" altLang="en-US" sz="2400" dirty="0" smtClean="0"/>
+              <a:t>タイトル</a:t>
+            </a:r>
+            <a:endParaRPr kumimoji="1" lang="ja-JP" altLang="en-US" sz="2400" dirty="0"/>
+          </a:p>
+        </p:txBody>
+      </p:sp>
+      <p:sp>
+        <p:nvSpPr>
+          <p:cNvPr id="7" name="角丸四角形 6"/>
+          <p:cNvSpPr/>
+          <p:nvPr/>
+        </p:nvSpPr>
+        <p:spPr>
+          <a:xfrm>
+            <a:off x="467544" y="1484784"/>
+            <a:ext cx="3086072" cy="864096"/>
+          </a:xfrm>
+          <a:prstGeom prst="roundRect">
+            <a:avLst/>
+          </a:prstGeom>
+        </p:spPr>
+        <p:style>
+          <a:lnRef idx="1">
+            <a:schemeClr val="accent3"/>
+          </a:lnRef>
+          <a:fillRef idx="2">
+            <a:schemeClr val="accent3"/>
+          </a:fillRef>
+          <a:effectRef idx="1">
+            <a:schemeClr val="accent3"/>
+          </a:effectRef>
+          <a:fontRef idx="minor">
+            <a:schemeClr val="dk1"/>
+          </a:fontRef>
+        </p:style>
+        <p:txBody>
+          <a:bodyPr rtlCol="0" anchor="ctr"/>
+          <a:lstStyle/>
+          <a:p>
+            <a:pPr algn="ctr"/>
+            <a:r>
+              <a:rPr lang="ja-JP" altLang="en-US" sz="2400" dirty="0"/>
+              <a:t>キャラクターセレクト</a:t>
+            </a:r>
+            <a:endParaRPr kumimoji="1" lang="ja-JP" altLang="en-US" sz="2400" dirty="0"/>
+          </a:p>
+        </p:txBody>
+      </p:sp>
+      <p:sp>
+        <p:nvSpPr>
+          <p:cNvPr id="8" name="角丸四角形 7"/>
+          <p:cNvSpPr/>
+          <p:nvPr/>
+        </p:nvSpPr>
+        <p:spPr>
+          <a:xfrm>
+            <a:off x="858452" y="3200408"/>
+            <a:ext cx="2304256" cy="864096"/>
+          </a:xfrm>
+          <a:prstGeom prst="roundRect">
+            <a:avLst/>
+          </a:prstGeom>
+        </p:spPr>
+        <p:style>
+          <a:lnRef idx="1">
+            <a:schemeClr val="accent2"/>
+          </a:lnRef>
+          <a:fillRef idx="2">
+            <a:schemeClr val="accent2"/>
+          </a:fillRef>
+          <a:effectRef idx="1">
+            <a:schemeClr val="accent2"/>
+          </a:effectRef>
+          <a:fontRef idx="minor">
+            <a:schemeClr val="dk1"/>
+          </a:fontRef>
+        </p:style>
+        <p:txBody>
+          <a:bodyPr rtlCol="0" anchor="ctr"/>
+          <a:lstStyle/>
+          <a:p>
+            <a:pPr algn="ctr"/>
+            <a:r>
+              <a:rPr lang="ja-JP" altLang="en-US" sz="2400" dirty="0"/>
+              <a:t>メインゲーム</a:t>
+            </a:r>
+            <a:endParaRPr kumimoji="1" lang="ja-JP" altLang="en-US" sz="2400" dirty="0"/>
+          </a:p>
+        </p:txBody>
+      </p:sp>
+      <p:sp>
+        <p:nvSpPr>
+          <p:cNvPr id="10" name="右矢印 9"/>
+          <p:cNvSpPr/>
+          <p:nvPr/>
+        </p:nvSpPr>
+        <p:spPr>
+          <a:xfrm rot="10800000">
+            <a:off x="3707904" y="1592796"/>
+            <a:ext cx="720080" cy="648072"/>
+          </a:xfrm>
+          <a:prstGeom prst="rightArrow">
+            <a:avLst/>
+          </a:prstGeom>
+        </p:spPr>
+        <p:style>
+          <a:lnRef idx="1">
+            <a:schemeClr val="accent2"/>
+          </a:lnRef>
+          <a:fillRef idx="3">
+            <a:schemeClr val="accent2"/>
+          </a:fillRef>
+          <a:effectRef idx="2">
+            <a:schemeClr val="accent2"/>
+          </a:effectRef>
+          <a:fontRef idx="minor">
+            <a:schemeClr val="lt1"/>
+          </a:fontRef>
+        </p:style>
+        <p:txBody>
+          <a:bodyPr rtlCol="0" anchor="ctr"/>
+          <a:lstStyle/>
+          <a:p>
+            <a:pPr algn="ctr"/>
+            <a:endParaRPr kumimoji="1" lang="ja-JP" altLang="en-US"/>
+          </a:p>
+        </p:txBody>
+      </p:sp>
+      <p:sp>
+        <p:nvSpPr>
+          <p:cNvPr id="11" name="右矢印 10"/>
+          <p:cNvSpPr/>
+          <p:nvPr/>
+        </p:nvSpPr>
+        <p:spPr>
+          <a:xfrm rot="5400000">
+            <a:off x="1650540" y="2456892"/>
+            <a:ext cx="720080" cy="648072"/>
+          </a:xfrm>
+          <a:prstGeom prst="rightArrow">
+            <a:avLst/>
+          </a:prstGeom>
+        </p:spPr>
+        <p:style>
+          <a:lnRef idx="1">
+            <a:schemeClr val="accent2"/>
+          </a:lnRef>
+          <a:fillRef idx="3">
+            <a:schemeClr val="accent2"/>
+          </a:fillRef>
+          <a:effectRef idx="2">
+            <a:schemeClr val="accent2"/>
+          </a:effectRef>
+          <a:fontRef idx="minor">
+            <a:schemeClr val="lt1"/>
+          </a:fontRef>
+        </p:style>
+        <p:txBody>
+          <a:bodyPr rtlCol="0" anchor="ctr"/>
+          <a:lstStyle/>
+          <a:p>
+            <a:pPr algn="ctr"/>
+            <a:endParaRPr kumimoji="1" lang="ja-JP" altLang="en-US"/>
+          </a:p>
+        </p:txBody>
+      </p:sp>
+      <p:sp>
+        <p:nvSpPr>
+          <p:cNvPr id="13" name="角丸四角形 12"/>
+          <p:cNvSpPr/>
+          <p:nvPr/>
+        </p:nvSpPr>
+        <p:spPr>
+          <a:xfrm>
+            <a:off x="858452" y="4365104"/>
+            <a:ext cx="1337284" cy="576064"/>
+          </a:xfrm>
+          <a:prstGeom prst="roundRect">
+            <a:avLst/>
+          </a:prstGeom>
+        </p:spPr>
+        <p:style>
+          <a:lnRef idx="1">
+            <a:schemeClr val="accent2"/>
+          </a:lnRef>
+          <a:fillRef idx="2">
+            <a:schemeClr val="accent2"/>
+          </a:fillRef>
+          <a:effectRef idx="1">
+            <a:schemeClr val="accent2"/>
+          </a:effectRef>
+          <a:fontRef idx="minor">
+            <a:schemeClr val="dk1"/>
+          </a:fontRef>
+        </p:style>
+        <p:txBody>
+          <a:bodyPr rtlCol="0" anchor="ctr"/>
+          <a:lstStyle/>
+          <a:p>
+            <a:pPr algn="ctr"/>
+            <a:r>
+              <a:rPr lang="ja-JP" altLang="en-US" dirty="0"/>
+              <a:t>登場演出</a:t>
+            </a:r>
+            <a:endParaRPr kumimoji="1" lang="ja-JP" altLang="en-US" dirty="0"/>
+          </a:p>
+        </p:txBody>
+      </p:sp>
+      <p:sp>
+        <p:nvSpPr>
+          <p:cNvPr id="14" name="角丸四角形 13"/>
+          <p:cNvSpPr/>
+          <p:nvPr/>
+        </p:nvSpPr>
+        <p:spPr>
+          <a:xfrm>
+            <a:off x="858452" y="5445224"/>
+            <a:ext cx="1337284" cy="576064"/>
+          </a:xfrm>
+          <a:prstGeom prst="roundRect">
+            <a:avLst/>
+          </a:prstGeom>
+        </p:spPr>
+        <p:style>
+          <a:lnRef idx="1">
+            <a:schemeClr val="accent2"/>
+          </a:lnRef>
+          <a:fillRef idx="2">
+            <a:schemeClr val="accent2"/>
+          </a:fillRef>
+          <a:effectRef idx="1">
+            <a:schemeClr val="accent2"/>
+          </a:effectRef>
+          <a:fontRef idx="minor">
+            <a:schemeClr val="dk1"/>
+          </a:fontRef>
+        </p:style>
+        <p:txBody>
+          <a:bodyPr rtlCol="0" anchor="ctr"/>
+          <a:lstStyle/>
+          <a:p>
+            <a:pPr algn="ctr"/>
+            <a:r>
+              <a:rPr kumimoji="1" lang="en-US" altLang="ja-JP" dirty="0" smtClean="0"/>
+              <a:t>VS</a:t>
+            </a:r>
+            <a:r>
+              <a:rPr kumimoji="1" lang="ja-JP" altLang="en-US" dirty="0" smtClean="0"/>
+              <a:t>表示</a:t>
+            </a:r>
+            <a:endParaRPr kumimoji="1" lang="ja-JP" altLang="en-US" dirty="0"/>
+          </a:p>
+        </p:txBody>
+      </p:sp>
+      <p:sp>
+        <p:nvSpPr>
+          <p:cNvPr id="15" name="角丸四角形 14"/>
+          <p:cNvSpPr/>
+          <p:nvPr/>
+        </p:nvSpPr>
+        <p:spPr>
+          <a:xfrm>
+            <a:off x="2809532" y="5445224"/>
+            <a:ext cx="1337284" cy="576064"/>
+          </a:xfrm>
+          <a:prstGeom prst="roundRect">
+            <a:avLst/>
+          </a:prstGeom>
+        </p:spPr>
+        <p:style>
+          <a:lnRef idx="1">
+            <a:schemeClr val="accent2"/>
+          </a:lnRef>
+          <a:fillRef idx="2">
+            <a:schemeClr val="accent2"/>
+          </a:fillRef>
+          <a:effectRef idx="1">
+            <a:schemeClr val="accent2"/>
+          </a:effectRef>
+          <a:fontRef idx="minor">
+            <a:schemeClr val="dk1"/>
+          </a:fontRef>
+        </p:style>
+        <p:txBody>
+          <a:bodyPr rtlCol="0" anchor="ctr"/>
+          <a:lstStyle/>
+          <a:p>
+            <a:pPr algn="ctr"/>
+            <a:r>
+              <a:rPr lang="ja-JP" altLang="en-US" dirty="0"/>
+              <a:t>プレイヤーチェンジ</a:t>
+            </a:r>
+            <a:endParaRPr kumimoji="1" lang="ja-JP" altLang="en-US" dirty="0"/>
+          </a:p>
+        </p:txBody>
+      </p:sp>
+      <p:sp>
+        <p:nvSpPr>
+          <p:cNvPr id="16" name="角丸四角形 15"/>
+          <p:cNvSpPr/>
+          <p:nvPr/>
+        </p:nvSpPr>
+        <p:spPr>
+          <a:xfrm>
+            <a:off x="4746884" y="5445224"/>
+            <a:ext cx="1337284" cy="576064"/>
+          </a:xfrm>
+          <a:prstGeom prst="roundRect">
+            <a:avLst/>
+          </a:prstGeom>
+        </p:spPr>
+        <p:style>
+          <a:lnRef idx="1">
+            <a:schemeClr val="accent2"/>
+          </a:lnRef>
+          <a:fillRef idx="2">
+            <a:schemeClr val="accent2"/>
+          </a:fillRef>
+          <a:effectRef idx="1">
+            <a:schemeClr val="accent2"/>
+          </a:effectRef>
+          <a:fontRef idx="minor">
+            <a:schemeClr val="dk1"/>
+          </a:fontRef>
+        </p:style>
+        <p:txBody>
+          <a:bodyPr rtlCol="0" anchor="ctr"/>
+          <a:lstStyle/>
+          <a:p>
+            <a:pPr algn="ctr"/>
+            <a:r>
+              <a:rPr kumimoji="1" lang="ja-JP" altLang="en-US" dirty="0" smtClean="0"/>
+              <a:t>ノード選択</a:t>
+            </a:r>
+            <a:endParaRPr kumimoji="1" lang="ja-JP" altLang="en-US" dirty="0"/>
+          </a:p>
+        </p:txBody>
+      </p:sp>
+      <p:sp>
+        <p:nvSpPr>
+          <p:cNvPr id="17" name="角丸四角形 16"/>
+          <p:cNvSpPr/>
+          <p:nvPr/>
+        </p:nvSpPr>
+        <p:spPr>
+          <a:xfrm>
+            <a:off x="6691100" y="5445224"/>
+            <a:ext cx="1337284" cy="576064"/>
+          </a:xfrm>
+          <a:prstGeom prst="roundRect">
+            <a:avLst/>
+          </a:prstGeom>
+        </p:spPr>
+        <p:style>
+          <a:lnRef idx="1">
+            <a:schemeClr val="accent2"/>
+          </a:lnRef>
+          <a:fillRef idx="2">
+            <a:schemeClr val="accent2"/>
+          </a:fillRef>
+          <a:effectRef idx="1">
+            <a:schemeClr val="accent2"/>
+          </a:effectRef>
+          <a:fontRef idx="minor">
+            <a:schemeClr val="dk1"/>
+          </a:fontRef>
+        </p:style>
+        <p:txBody>
+          <a:bodyPr rtlCol="0" anchor="ctr"/>
+          <a:lstStyle/>
+          <a:p>
+            <a:pPr algn="ctr"/>
+            <a:r>
+              <a:rPr lang="ja-JP" altLang="en-US" dirty="0" smtClean="0"/>
+              <a:t>選択結果</a:t>
+            </a:r>
+            <a:endParaRPr kumimoji="1" lang="ja-JP" altLang="en-US" dirty="0"/>
+          </a:p>
+        </p:txBody>
+      </p:sp>
+      <p:sp>
+        <p:nvSpPr>
+          <p:cNvPr id="18" name="角丸四角形 17"/>
+          <p:cNvSpPr/>
+          <p:nvPr/>
+        </p:nvSpPr>
+        <p:spPr>
+          <a:xfrm>
+            <a:off x="6691100" y="4365104"/>
+            <a:ext cx="1337284" cy="576064"/>
+          </a:xfrm>
+          <a:prstGeom prst="roundRect">
+            <a:avLst/>
+          </a:prstGeom>
+        </p:spPr>
+        <p:style>
+          <a:lnRef idx="1">
+            <a:schemeClr val="accent3"/>
+          </a:lnRef>
+          <a:fillRef idx="2">
+            <a:schemeClr val="accent3"/>
+          </a:fillRef>
+          <a:effectRef idx="1">
+            <a:schemeClr val="accent3"/>
+          </a:effectRef>
+          <a:fontRef idx="minor">
+            <a:schemeClr val="dk1"/>
+          </a:fontRef>
+        </p:style>
+        <p:txBody>
+          <a:bodyPr rtlCol="0" anchor="ctr"/>
+          <a:lstStyle/>
+          <a:p>
+            <a:pPr algn="ctr"/>
+            <a:r>
+              <a:rPr lang="ja-JP" altLang="en-US" dirty="0" smtClean="0"/>
+              <a:t>攻撃演出</a:t>
+            </a:r>
+            <a:endParaRPr kumimoji="1" lang="ja-JP" altLang="en-US" dirty="0"/>
+          </a:p>
+        </p:txBody>
+      </p:sp>
+      <p:sp>
+        <p:nvSpPr>
+          <p:cNvPr id="19" name="角丸四角形 18"/>
+          <p:cNvSpPr/>
+          <p:nvPr/>
+        </p:nvSpPr>
+        <p:spPr>
+          <a:xfrm>
+            <a:off x="4746884" y="4365104"/>
+            <a:ext cx="1337284" cy="576064"/>
+          </a:xfrm>
+          <a:prstGeom prst="roundRect">
+            <a:avLst/>
+          </a:prstGeom>
+        </p:spPr>
+        <p:style>
+          <a:lnRef idx="1">
+            <a:schemeClr val="accent3"/>
+          </a:lnRef>
+          <a:fillRef idx="2">
+            <a:schemeClr val="accent3"/>
+          </a:fillRef>
+          <a:effectRef idx="1">
+            <a:schemeClr val="accent3"/>
+          </a:effectRef>
+          <a:fontRef idx="minor">
+            <a:schemeClr val="dk1"/>
+          </a:fontRef>
+        </p:style>
+        <p:txBody>
+          <a:bodyPr rtlCol="0" anchor="ctr"/>
+          <a:lstStyle/>
+          <a:p>
+            <a:pPr algn="ctr"/>
+            <a:r>
+              <a:rPr lang="ja-JP" altLang="en-US" dirty="0"/>
+              <a:t>状態異常</a:t>
+            </a:r>
+            <a:endParaRPr kumimoji="1" lang="ja-JP" altLang="en-US" dirty="0"/>
+          </a:p>
+        </p:txBody>
+      </p:sp>
+      <p:cxnSp>
+        <p:nvCxnSpPr>
+          <p:cNvPr id="21" name="直線矢印コネクタ 20"/>
+          <p:cNvCxnSpPr>
+            <a:stCxn id="13" idx="2"/>
+            <a:endCxn id="14" idx="0"/>
+          </p:cNvCxnSpPr>
+          <p:nvPr/>
+        </p:nvCxnSpPr>
+        <p:spPr>
+          <a:xfrm>
+            <a:off x="1527094" y="4941168"/>
+            <a:ext cx="0" cy="504056"/>
+          </a:xfrm>
+          <a:prstGeom prst="straightConnector1">
+            <a:avLst/>
+          </a:prstGeom>
+          <a:ln w="57150">
+            <a:solidFill>
+              <a:schemeClr val="tx1"/>
+            </a:solidFill>
+            <a:tailEnd type="arrow"/>
+          </a:ln>
+        </p:spPr>
+        <p:style>
+          <a:lnRef idx="1">
+            <a:schemeClr val="accent1"/>
+          </a:lnRef>
+          <a:fillRef idx="0">
+            <a:schemeClr val="accent1"/>
+          </a:fillRef>
+          <a:effectRef idx="0">
+            <a:schemeClr val="accent1"/>
+          </a:effectRef>
+          <a:fontRef idx="minor">
+            <a:schemeClr val="tx1"/>
+          </a:fontRef>
+        </p:style>
+      </p:cxnSp>
+      <p:cxnSp>
+        <p:nvCxnSpPr>
+          <p:cNvPr id="23" name="直線矢印コネクタ 22"/>
+          <p:cNvCxnSpPr>
+            <a:stCxn id="8" idx="2"/>
+            <a:endCxn id="13" idx="0"/>
+          </p:cNvCxnSpPr>
+          <p:nvPr/>
+        </p:nvCxnSpPr>
+        <p:spPr>
+          <a:xfrm flipH="1">
+            <a:off x="1527094" y="4064504"/>
+            <a:ext cx="483486" cy="300600"/>
+          </a:xfrm>
+          <a:prstGeom prst="straightConnector1">
+            <a:avLst/>
+          </a:prstGeom>
+          <a:ln w="57150">
+            <a:solidFill>
+              <a:schemeClr val="tx1"/>
+            </a:solidFill>
+            <a:tailEnd type="arrow"/>
+          </a:ln>
+        </p:spPr>
+        <p:style>
+          <a:lnRef idx="1">
+            <a:schemeClr val="accent1"/>
+          </a:lnRef>
+          <a:fillRef idx="0">
+            <a:schemeClr val="accent1"/>
+          </a:fillRef>
+          <a:effectRef idx="0">
+            <a:schemeClr val="accent1"/>
+          </a:effectRef>
+          <a:fontRef idx="minor">
+            <a:schemeClr val="tx1"/>
+          </a:fontRef>
+        </p:style>
+      </p:cxnSp>
+      <p:sp>
+        <p:nvSpPr>
+          <p:cNvPr id="27" name="角丸四角形 26"/>
+          <p:cNvSpPr/>
+          <p:nvPr/>
+        </p:nvSpPr>
+        <p:spPr>
+          <a:xfrm>
+            <a:off x="2809532" y="4365104"/>
+            <a:ext cx="1337284" cy="576064"/>
+          </a:xfrm>
+          <a:prstGeom prst="roundRect">
+            <a:avLst/>
+          </a:prstGeom>
+        </p:spPr>
+        <p:style>
+          <a:lnRef idx="1">
+            <a:schemeClr val="accent2"/>
+          </a:lnRef>
+          <a:fillRef idx="2">
+            <a:schemeClr val="accent2"/>
+          </a:fillRef>
+          <a:effectRef idx="1">
+            <a:schemeClr val="accent2"/>
+          </a:effectRef>
+          <a:fontRef idx="minor">
+            <a:schemeClr val="dk1"/>
+          </a:fontRef>
+        </p:style>
+        <p:txBody>
+          <a:bodyPr rtlCol="0" anchor="ctr"/>
+          <a:lstStyle/>
+          <a:p>
+            <a:pPr algn="ctr"/>
+            <a:r>
+              <a:rPr lang="ja-JP" altLang="en-US" dirty="0" smtClean="0"/>
+              <a:t>勝敗結果</a:t>
+            </a:r>
+            <a:endParaRPr kumimoji="1" lang="ja-JP" altLang="en-US" dirty="0"/>
+          </a:p>
+        </p:txBody>
+      </p:sp>
+      <p:cxnSp>
+        <p:nvCxnSpPr>
+          <p:cNvPr id="28" name="直線矢印コネクタ 27"/>
+          <p:cNvCxnSpPr>
+            <a:stCxn id="14" idx="3"/>
+            <a:endCxn id="15" idx="1"/>
+          </p:cNvCxnSpPr>
+          <p:nvPr/>
+        </p:nvCxnSpPr>
+        <p:spPr>
+          <a:xfrm>
+            <a:off x="2195736" y="5733256"/>
+            <a:ext cx="613796" cy="0"/>
+          </a:xfrm>
+          <a:prstGeom prst="straightConnector1">
+            <a:avLst/>
+          </a:prstGeom>
+          <a:ln w="57150">
+            <a:solidFill>
+              <a:schemeClr val="tx1"/>
+            </a:solidFill>
+            <a:tailEnd type="arrow"/>
+          </a:ln>
+        </p:spPr>
+        <p:style>
+          <a:lnRef idx="1">
+            <a:schemeClr val="accent1"/>
+          </a:lnRef>
+          <a:fillRef idx="0">
+            <a:schemeClr val="accent1"/>
+          </a:fillRef>
+          <a:effectRef idx="0">
+            <a:schemeClr val="accent1"/>
+          </a:effectRef>
+          <a:fontRef idx="minor">
+            <a:schemeClr val="tx1"/>
+          </a:fontRef>
+        </p:style>
+      </p:cxnSp>
+      <p:cxnSp>
+        <p:nvCxnSpPr>
+          <p:cNvPr id="31" name="直線矢印コネクタ 30"/>
+          <p:cNvCxnSpPr>
+            <a:stCxn id="15" idx="3"/>
+            <a:endCxn id="16" idx="1"/>
+          </p:cNvCxnSpPr>
+          <p:nvPr/>
+        </p:nvCxnSpPr>
+        <p:spPr>
+          <a:xfrm>
+            <a:off x="4146816" y="5733256"/>
+            <a:ext cx="600068" cy="0"/>
+          </a:xfrm>
+          <a:prstGeom prst="straightConnector1">
+            <a:avLst/>
+          </a:prstGeom>
+          <a:ln w="57150">
+            <a:solidFill>
+              <a:schemeClr val="tx1"/>
+            </a:solidFill>
+            <a:tailEnd type="arrow"/>
+          </a:ln>
+        </p:spPr>
+        <p:style>
+          <a:lnRef idx="1">
+            <a:schemeClr val="accent1"/>
+          </a:lnRef>
+          <a:fillRef idx="0">
+            <a:schemeClr val="accent1"/>
+          </a:fillRef>
+          <a:effectRef idx="0">
+            <a:schemeClr val="accent1"/>
+          </a:effectRef>
+          <a:fontRef idx="minor">
+            <a:schemeClr val="tx1"/>
+          </a:fontRef>
+        </p:style>
+      </p:cxnSp>
+      <p:cxnSp>
+        <p:nvCxnSpPr>
+          <p:cNvPr id="34" name="直線矢印コネクタ 33"/>
+          <p:cNvCxnSpPr>
+            <a:stCxn id="16" idx="3"/>
+            <a:endCxn id="17" idx="1"/>
+          </p:cNvCxnSpPr>
+          <p:nvPr/>
+        </p:nvCxnSpPr>
+        <p:spPr>
+          <a:xfrm>
+            <a:off x="6084168" y="5733256"/>
+            <a:ext cx="606932" cy="0"/>
+          </a:xfrm>
+          <a:prstGeom prst="straightConnector1">
+            <a:avLst/>
+          </a:prstGeom>
+          <a:ln w="57150">
+            <a:solidFill>
+              <a:schemeClr val="tx1"/>
+            </a:solidFill>
+            <a:tailEnd type="arrow"/>
+          </a:ln>
+        </p:spPr>
+        <p:style>
+          <a:lnRef idx="1">
+            <a:schemeClr val="accent1"/>
+          </a:lnRef>
+          <a:fillRef idx="0">
+            <a:schemeClr val="accent1"/>
+          </a:fillRef>
+          <a:effectRef idx="0">
+            <a:schemeClr val="accent1"/>
+          </a:effectRef>
+          <a:fontRef idx="minor">
+            <a:schemeClr val="tx1"/>
+          </a:fontRef>
+        </p:style>
+      </p:cxnSp>
+      <p:cxnSp>
+        <p:nvCxnSpPr>
+          <p:cNvPr id="38" name="直線矢印コネクタ 37"/>
+          <p:cNvCxnSpPr>
+            <a:stCxn id="17" idx="0"/>
+            <a:endCxn id="18" idx="2"/>
+          </p:cNvCxnSpPr>
+          <p:nvPr/>
+        </p:nvCxnSpPr>
+        <p:spPr>
+          <a:xfrm flipV="1">
+            <a:off x="7359742" y="4941168"/>
+            <a:ext cx="0" cy="504056"/>
+          </a:xfrm>
+          <a:prstGeom prst="straightConnector1">
+            <a:avLst/>
+          </a:prstGeom>
+          <a:ln w="57150">
+            <a:solidFill>
+              <a:schemeClr val="tx1"/>
+            </a:solidFill>
+            <a:tailEnd type="arrow"/>
+          </a:ln>
+        </p:spPr>
+        <p:style>
+          <a:lnRef idx="1">
+            <a:schemeClr val="accent1"/>
+          </a:lnRef>
+          <a:fillRef idx="0">
+            <a:schemeClr val="accent1"/>
+          </a:fillRef>
+          <a:effectRef idx="0">
+            <a:schemeClr val="accent1"/>
+          </a:effectRef>
+          <a:fontRef idx="minor">
+            <a:schemeClr val="tx1"/>
+          </a:fontRef>
+        </p:style>
+      </p:cxnSp>
+      <p:cxnSp>
+        <p:nvCxnSpPr>
+          <p:cNvPr id="41" name="直線矢印コネクタ 40"/>
+          <p:cNvCxnSpPr>
+            <a:stCxn id="18" idx="1"/>
+            <a:endCxn id="19" idx="3"/>
+          </p:cNvCxnSpPr>
+          <p:nvPr/>
+        </p:nvCxnSpPr>
+        <p:spPr>
+          <a:xfrm flipH="1">
+            <a:off x="6084168" y="4653136"/>
+            <a:ext cx="606932" cy="0"/>
+          </a:xfrm>
+          <a:prstGeom prst="straightConnector1">
+            <a:avLst/>
+          </a:prstGeom>
+          <a:ln w="57150">
+            <a:solidFill>
+              <a:schemeClr val="tx1"/>
+            </a:solidFill>
+            <a:tailEnd type="arrow"/>
+          </a:ln>
+        </p:spPr>
+        <p:style>
+          <a:lnRef idx="1">
+            <a:schemeClr val="accent1"/>
+          </a:lnRef>
+          <a:fillRef idx="0">
+            <a:schemeClr val="accent1"/>
+          </a:fillRef>
+          <a:effectRef idx="0">
+            <a:schemeClr val="accent1"/>
+          </a:effectRef>
+          <a:fontRef idx="minor">
+            <a:schemeClr val="tx1"/>
+          </a:fontRef>
+        </p:style>
+      </p:cxnSp>
+      <p:cxnSp>
+        <p:nvCxnSpPr>
+          <p:cNvPr id="44" name="直線矢印コネクタ 43"/>
+          <p:cNvCxnSpPr>
+            <a:stCxn id="19" idx="1"/>
+            <a:endCxn id="15" idx="0"/>
+          </p:cNvCxnSpPr>
+          <p:nvPr/>
+        </p:nvCxnSpPr>
+        <p:spPr>
+          <a:xfrm flipH="1">
+            <a:off x="3478174" y="4653136"/>
+            <a:ext cx="1268710" cy="792088"/>
+          </a:xfrm>
+          <a:prstGeom prst="straightConnector1">
+            <a:avLst/>
+          </a:prstGeom>
+          <a:ln w="57150">
+            <a:solidFill>
+              <a:schemeClr val="tx1"/>
+            </a:solidFill>
+            <a:tailEnd type="arrow"/>
+          </a:ln>
+        </p:spPr>
+        <p:style>
+          <a:lnRef idx="1">
+            <a:schemeClr val="accent1"/>
+          </a:lnRef>
+          <a:fillRef idx="0">
+            <a:schemeClr val="accent1"/>
+          </a:fillRef>
+          <a:effectRef idx="0">
+            <a:schemeClr val="accent1"/>
+          </a:effectRef>
+          <a:fontRef idx="minor">
+            <a:schemeClr val="tx1"/>
+          </a:fontRef>
+        </p:style>
+      </p:cxnSp>
+      <p:cxnSp>
+        <p:nvCxnSpPr>
+          <p:cNvPr id="48" name="直線矢印コネクタ 47"/>
+          <p:cNvCxnSpPr>
+            <a:stCxn id="19" idx="1"/>
+            <a:endCxn id="27" idx="3"/>
+          </p:cNvCxnSpPr>
+          <p:nvPr/>
+        </p:nvCxnSpPr>
+        <p:spPr>
+          <a:xfrm flipH="1">
+            <a:off x="4146816" y="4653136"/>
+            <a:ext cx="600068" cy="0"/>
+          </a:xfrm>
+          <a:prstGeom prst="straightConnector1">
+            <a:avLst/>
+          </a:prstGeom>
+          <a:ln w="57150">
+            <a:solidFill>
+              <a:schemeClr val="tx1"/>
+            </a:solidFill>
+            <a:tailEnd type="arrow"/>
+          </a:ln>
+        </p:spPr>
+        <p:style>
+          <a:lnRef idx="1">
+            <a:schemeClr val="accent1"/>
+          </a:lnRef>
+          <a:fillRef idx="0">
+            <a:schemeClr val="accent1"/>
+          </a:fillRef>
+          <a:effectRef idx="0">
+            <a:schemeClr val="accent1"/>
+          </a:effectRef>
+          <a:fontRef idx="minor">
+            <a:schemeClr val="tx1"/>
+          </a:fontRef>
+        </p:style>
+      </p:cxnSp>
+      <p:cxnSp>
+        <p:nvCxnSpPr>
+          <p:cNvPr id="51" name="直線矢印コネクタ 50"/>
+          <p:cNvCxnSpPr>
+            <a:stCxn id="27" idx="0"/>
+            <a:endCxn id="8" idx="3"/>
+          </p:cNvCxnSpPr>
+          <p:nvPr/>
+        </p:nvCxnSpPr>
+        <p:spPr>
+          <a:xfrm flipH="1" flipV="1">
+            <a:off x="3162708" y="3632456"/>
+            <a:ext cx="315466" cy="732648"/>
+          </a:xfrm>
+          <a:prstGeom prst="straightConnector1">
+            <a:avLst/>
+          </a:prstGeom>
+          <a:ln w="57150">
+            <a:solidFill>
+              <a:schemeClr val="tx1"/>
+            </a:solidFill>
+            <a:tailEnd type="arrow"/>
+          </a:ln>
+        </p:spPr>
+        <p:style>
+          <a:lnRef idx="1">
+            <a:schemeClr val="accent1"/>
+          </a:lnRef>
+          <a:fillRef idx="0">
+            <a:schemeClr val="accent1"/>
+          </a:fillRef>
+          <a:effectRef idx="0">
+            <a:schemeClr val="accent1"/>
+          </a:effectRef>
+          <a:fontRef idx="minor">
+            <a:schemeClr val="tx1"/>
+          </a:fontRef>
+        </p:style>
+      </p:cxnSp>
+      <p:sp>
+        <p:nvSpPr>
+          <p:cNvPr id="54" name="右矢印 53"/>
+          <p:cNvSpPr/>
+          <p:nvPr/>
+        </p:nvSpPr>
+        <p:spPr>
+          <a:xfrm rot="19800000">
+            <a:off x="3242896" y="2548675"/>
+            <a:ext cx="1390692" cy="648072"/>
+          </a:xfrm>
+          <a:prstGeom prst="rightArrow">
+            <a:avLst/>
+          </a:prstGeom>
+        </p:spPr>
+        <p:style>
+          <a:lnRef idx="1">
+            <a:schemeClr val="accent2"/>
+          </a:lnRef>
+          <a:fillRef idx="3">
+            <a:schemeClr val="accent2"/>
+          </a:fillRef>
+          <a:effectRef idx="2">
+            <a:schemeClr val="accent2"/>
+          </a:effectRef>
+          <a:fontRef idx="minor">
+            <a:schemeClr val="lt1"/>
+          </a:fontRef>
+        </p:style>
+        <p:txBody>
+          <a:bodyPr rtlCol="0" anchor="ctr"/>
+          <a:lstStyle/>
+          <a:p>
+            <a:pPr algn="ctr"/>
+            <a:endParaRPr kumimoji="1" lang="ja-JP" altLang="en-US"/>
+          </a:p>
+        </p:txBody>
+      </p:sp>
+      <p:sp>
+        <p:nvSpPr>
+          <p:cNvPr id="55" name="角丸四角形 54"/>
+          <p:cNvSpPr/>
+          <p:nvPr/>
+        </p:nvSpPr>
+        <p:spPr>
+          <a:xfrm>
+            <a:off x="5868144" y="2541656"/>
+            <a:ext cx="432048" cy="432048"/>
+          </a:xfrm>
+          <a:prstGeom prst="roundRect">
+            <a:avLst/>
+          </a:prstGeom>
+        </p:spPr>
+        <p:style>
+          <a:lnRef idx="1">
+            <a:schemeClr val="accent2"/>
+          </a:lnRef>
+          <a:fillRef idx="2">
+            <a:schemeClr val="accent2"/>
+          </a:fillRef>
+          <a:effectRef idx="1">
+            <a:schemeClr val="accent2"/>
+          </a:effectRef>
+          <a:fontRef idx="minor">
+            <a:schemeClr val="dk1"/>
+          </a:fontRef>
+        </p:style>
+        <p:txBody>
+          <a:bodyPr rtlCol="0" anchor="ctr"/>
+          <a:lstStyle/>
+          <a:p>
+            <a:pPr algn="ctr"/>
+            <a:endParaRPr kumimoji="1" lang="ja-JP" altLang="en-US" sz="2400" dirty="0"/>
+          </a:p>
+        </p:txBody>
+      </p:sp>
+      <p:sp>
+        <p:nvSpPr>
+          <p:cNvPr id="59" name="正方形/長方形 58"/>
+          <p:cNvSpPr/>
+          <p:nvPr/>
+        </p:nvSpPr>
+        <p:spPr>
+          <a:xfrm>
+            <a:off x="6172128" y="3068960"/>
+            <a:ext cx="2504328" cy="432048"/>
+          </a:xfrm>
+          <a:prstGeom prst="rect">
+            <a:avLst/>
+          </a:prstGeom>
+          <a:solidFill>
+            <a:schemeClr val="bg2">
+              <a:lumMod val="90000"/>
+            </a:schemeClr>
+          </a:solidFill>
+          <a:ln>
+            <a:noFill/>
+          </a:ln>
+        </p:spPr>
+        <p:style>
+          <a:lnRef idx="2">
+            <a:schemeClr val="accent1">
+              <a:shade val="50000"/>
+            </a:schemeClr>
+          </a:lnRef>
+          <a:fillRef idx="1">
+            <a:schemeClr val="accent1"/>
+          </a:fillRef>
+          <a:effectRef idx="0">
+            <a:schemeClr val="accent1"/>
+          </a:effectRef>
+          <a:fontRef idx="minor">
+            <a:schemeClr val="lt1"/>
+          </a:fontRef>
+        </p:style>
+        <p:txBody>
+          <a:bodyPr rtlCol="0" anchor="ctr"/>
+          <a:lstStyle/>
+          <a:p>
+            <a:r>
+              <a:rPr kumimoji="1" lang="ja-JP" altLang="en-US" dirty="0" smtClean="0">
+                <a:solidFill>
+                  <a:schemeClr val="tx1"/>
+                </a:solidFill>
+              </a:rPr>
+              <a:t>　制作していないシーン</a:t>
+            </a:r>
+            <a:endParaRPr kumimoji="1" lang="ja-JP" altLang="en-US" dirty="0">
+              <a:solidFill>
+                <a:schemeClr val="tx1"/>
+              </a:solidFill>
+            </a:endParaRPr>
+          </a:p>
+        </p:txBody>
+      </p:sp>
+      <p:sp>
+        <p:nvSpPr>
+          <p:cNvPr id="60" name="角丸四角形 59"/>
+          <p:cNvSpPr/>
+          <p:nvPr/>
+        </p:nvSpPr>
+        <p:spPr>
+          <a:xfrm>
+            <a:off x="5868144" y="3068960"/>
+            <a:ext cx="432048" cy="432048"/>
+          </a:xfrm>
+          <a:prstGeom prst="roundRect">
+            <a:avLst/>
+          </a:prstGeom>
+        </p:spPr>
+        <p:style>
+          <a:lnRef idx="1">
+            <a:schemeClr val="accent3"/>
+          </a:lnRef>
+          <a:fillRef idx="2">
+            <a:schemeClr val="accent3"/>
+          </a:fillRef>
+          <a:effectRef idx="1">
+            <a:schemeClr val="accent3"/>
+          </a:effectRef>
+          <a:fontRef idx="minor">
+            <a:schemeClr val="dk1"/>
+          </a:fontRef>
+        </p:style>
+        <p:txBody>
+          <a:bodyPr rtlCol="0" anchor="ctr"/>
+          <a:lstStyle/>
+          <a:p>
+            <a:pPr algn="ctr"/>
+            <a:endParaRPr kumimoji="1" lang="ja-JP" altLang="en-US" sz="2400" dirty="0"/>
+          </a:p>
+        </p:txBody>
+      </p:sp>
+    </p:spTree>
+    <p:extLst>
+      <p:ext uri="{BB962C8B-B14F-4D97-AF65-F5344CB8AC3E}">
+        <p14:creationId xmlns:p14="http://schemas.microsoft.com/office/powerpoint/2010/main" val="2043886353"/>
+      </p:ext>
+    </p:extLst>
+  </p:cSld>
+  <p:clrMapOvr>
+    <a:masterClrMapping/>
+  </p:clrMapOvr>
+  <mc:AlternateContent xmlns:mc="http://schemas.openxmlformats.org/markup-compatibility/2006">
+    <mc:Choice xmlns:p14="http://schemas.microsoft.com/office/powerpoint/2010/main" Requires="p14">
+      <p:transition p14:dur="0"/>
+    </mc:Choice>
+    <mc:Fallback>
+      <p:transition/>
+    </mc:Fallback>
+  </mc:AlternateContent>
+  <p:timing>
+    <p:tnLst>
+      <p:par>
+        <p:cTn id="1" dur="indefinite" restart="never" nodeType="tmRoot"/>
+      </p:par>
+    </p:tnLst>
+  </p:timing>
+</p:sld>
+</file>
+
+<file path=ppt/slides/slide15.xml><?xml version="1.0" encoding="utf-8"?>
+<p:sld xmlns:a="http://schemas.openxmlformats.org/drawingml/2006/main" xmlns:r="http://schemas.openxmlformats.org/officeDocument/2006/relationships" xmlns:p="http://schemas.openxmlformats.org/presentationml/2006/main">
+  <p:cSld>
+    <p:spTree>
+      <p:nvGrpSpPr>
+        <p:cNvPr id="1" name=""/>
+        <p:cNvGrpSpPr/>
+        <p:nvPr/>
+      </p:nvGrpSpPr>
+      <p:grpSpPr>
+        <a:xfrm>
+          <a:off x="0" y="0"/>
+          <a:ext cx="0" cy="0"/>
+          <a:chOff x="0" y="0"/>
+          <a:chExt cx="0" cy="0"/>
+        </a:xfrm>
+      </p:grpSpPr>
+      <p:sp>
+        <p:nvSpPr>
+          <p:cNvPr id="4" name="角丸四角形 3"/>
+          <p:cNvSpPr/>
+          <p:nvPr/>
+        </p:nvSpPr>
+        <p:spPr>
+          <a:xfrm>
+            <a:off x="467544" y="249828"/>
+            <a:ext cx="8208912" cy="1080120"/>
+          </a:xfrm>
+          <a:prstGeom prst="roundRect">
+            <a:avLst/>
+          </a:prstGeom>
+        </p:spPr>
+        <p:style>
+          <a:lnRef idx="2">
+            <a:schemeClr val="accent2">
+              <a:shade val="50000"/>
+            </a:schemeClr>
+          </a:lnRef>
+          <a:fillRef idx="1">
+            <a:schemeClr val="accent2"/>
+          </a:fillRef>
+          <a:effectRef idx="0">
+            <a:schemeClr val="accent2"/>
+          </a:effectRef>
+          <a:fontRef idx="minor">
+            <a:schemeClr val="lt1"/>
+          </a:fontRef>
+        </p:style>
+        <p:txBody>
+          <a:bodyPr rtlCol="0" anchor="ctr"/>
+          <a:lstStyle/>
+          <a:p>
+            <a:pPr algn="ctr"/>
+            <a:r>
+              <a:rPr lang="ja-JP" altLang="en-US" sz="5400" dirty="0">
+                <a:latin typeface="HGS創英角ｺﾞｼｯｸUB" panose="020B0900000000000000" pitchFamily="50" charset="-128"/>
+                <a:ea typeface="HGS創英角ｺﾞｼｯｸUB" panose="020B0900000000000000" pitchFamily="50" charset="-128"/>
+              </a:rPr>
+              <a:t>制作</a:t>
+            </a:r>
+            <a:r>
+              <a:rPr lang="ja-JP" altLang="en-US" sz="5400" dirty="0" smtClean="0">
+                <a:latin typeface="HGS創英角ｺﾞｼｯｸUB" panose="020B0900000000000000" pitchFamily="50" charset="-128"/>
+                <a:ea typeface="HGS創英角ｺﾞｼｯｸUB" panose="020B0900000000000000" pitchFamily="50" charset="-128"/>
+              </a:rPr>
+              <a:t>したスクリプト</a:t>
+            </a:r>
+            <a:endParaRPr kumimoji="1" lang="ja-JP" altLang="en-US" sz="5400" dirty="0">
+              <a:latin typeface="HGS創英角ｺﾞｼｯｸUB" panose="020B0900000000000000" pitchFamily="50" charset="-128"/>
+              <a:ea typeface="HGS創英角ｺﾞｼｯｸUB" panose="020B0900000000000000" pitchFamily="50" charset="-128"/>
+            </a:endParaRPr>
+          </a:p>
+        </p:txBody>
+      </p:sp>
+      <p:pic>
+        <p:nvPicPr>
+          <p:cNvPr id="9218" name="Picture 2" descr="C:\Action!\Screenshots\6.png"/>
+          <p:cNvPicPr>
+            <a:picLocks noChangeAspect="1" noChangeArrowheads="1"/>
+          </p:cNvPicPr>
+          <p:nvPr/>
+        </p:nvPicPr>
+        <p:blipFill>
+          <a:blip r:embed="rId2">
+            <a:extLst>
+              <a:ext uri="{28A0092B-C50C-407E-A947-70E740481C1C}">
+                <a14:useLocalDpi xmlns:a14="http://schemas.microsoft.com/office/drawing/2010/main" val="0"/>
+              </a:ext>
+            </a:extLst>
+          </a:blip>
+          <a:srcRect/>
+          <a:stretch>
+            <a:fillRect/>
+          </a:stretch>
+        </p:blipFill>
+        <p:spPr bwMode="auto">
+          <a:xfrm>
+            <a:off x="2722671" y="1519882"/>
+            <a:ext cx="2104608" cy="5221486"/>
+          </a:xfrm>
+          <a:prstGeom prst="rect">
+            <a:avLst/>
+          </a:prstGeom>
+          <a:noFill/>
+          <a:extLst>
+            <a:ext uri="{909E8E84-426E-40DD-AFC4-6F175D3DCCD1}">
+              <a14:hiddenFill xmlns:a14="http://schemas.microsoft.com/office/drawing/2010/main">
+                <a:solidFill>
+                  <a:srgbClr val="FFFFFF"/>
+                </a:solidFill>
+              </a14:hiddenFill>
+            </a:ext>
+          </a:extLst>
+        </p:spPr>
+      </p:pic>
+      <p:pic>
+        <p:nvPicPr>
+          <p:cNvPr id="9219" name="Picture 3" descr="C:\Action!\Screenshots\7.png"/>
+          <p:cNvPicPr>
+            <a:picLocks noChangeAspect="1" noChangeArrowheads="1"/>
+          </p:cNvPicPr>
+          <p:nvPr/>
+        </p:nvPicPr>
+        <p:blipFill>
+          <a:blip r:embed="rId3">
+            <a:extLst>
+              <a:ext uri="{28A0092B-C50C-407E-A947-70E740481C1C}">
+                <a14:useLocalDpi xmlns:a14="http://schemas.microsoft.com/office/drawing/2010/main" val="0"/>
+              </a:ext>
+            </a:extLst>
+          </a:blip>
+          <a:srcRect/>
+          <a:stretch>
+            <a:fillRect/>
+          </a:stretch>
+        </p:blipFill>
+        <p:spPr bwMode="auto">
+          <a:xfrm>
+            <a:off x="4827279" y="1519882"/>
+            <a:ext cx="2104608" cy="5221486"/>
+          </a:xfrm>
+          <a:prstGeom prst="rect">
+            <a:avLst/>
+          </a:prstGeom>
+          <a:noFill/>
+          <a:extLst>
+            <a:ext uri="{909E8E84-426E-40DD-AFC4-6F175D3DCCD1}">
+              <a14:hiddenFill xmlns:a14="http://schemas.microsoft.com/office/drawing/2010/main">
+                <a:solidFill>
+                  <a:srgbClr val="FFFFFF"/>
+                </a:solidFill>
+              </a14:hiddenFill>
+            </a:ext>
+          </a:extLst>
+        </p:spPr>
+      </p:pic>
+      <p:pic>
+        <p:nvPicPr>
+          <p:cNvPr id="9220" name="Picture 4" descr="C:\Action!\Screenshots\8.png"/>
+          <p:cNvPicPr>
+            <a:picLocks noChangeAspect="1" noChangeArrowheads="1"/>
+          </p:cNvPicPr>
+          <p:nvPr/>
+        </p:nvPicPr>
+        <p:blipFill>
+          <a:blip r:embed="rId4">
+            <a:extLst>
+              <a:ext uri="{28A0092B-C50C-407E-A947-70E740481C1C}">
+                <a14:useLocalDpi xmlns:a14="http://schemas.microsoft.com/office/drawing/2010/main" val="0"/>
+              </a:ext>
+            </a:extLst>
+          </a:blip>
+          <a:srcRect/>
+          <a:stretch>
+            <a:fillRect/>
+          </a:stretch>
+        </p:blipFill>
+        <p:spPr bwMode="auto">
+          <a:xfrm>
+            <a:off x="6931887" y="1519882"/>
+            <a:ext cx="2104609" cy="5221486"/>
+          </a:xfrm>
+          <a:prstGeom prst="rect">
+            <a:avLst/>
+          </a:prstGeom>
+          <a:noFill/>
+          <a:extLst>
+            <a:ext uri="{909E8E84-426E-40DD-AFC4-6F175D3DCCD1}">
+              <a14:hiddenFill xmlns:a14="http://schemas.microsoft.com/office/drawing/2010/main">
+                <a:solidFill>
+                  <a:srgbClr val="FFFFFF"/>
+                </a:solidFill>
+              </a14:hiddenFill>
+            </a:ext>
+          </a:extLst>
+        </p:spPr>
+      </p:pic>
+      <p:sp>
+        <p:nvSpPr>
+          <p:cNvPr id="8" name="コンテンツ プレースホルダー 2"/>
+          <p:cNvSpPr>
+            <a:spLocks noGrp="1"/>
+          </p:cNvSpPr>
+          <p:nvPr>
+            <p:ph idx="1"/>
+          </p:nvPr>
+        </p:nvSpPr>
+        <p:spPr>
+          <a:xfrm>
+            <a:off x="107504" y="1340768"/>
+            <a:ext cx="2458616" cy="5517232"/>
+          </a:xfrm>
+        </p:spPr>
+        <p:txBody>
+          <a:bodyPr>
+            <a:noAutofit/>
+          </a:bodyPr>
+          <a:lstStyle/>
+          <a:p>
+            <a:pPr>
+              <a:buFont typeface="Wingdings" panose="05000000000000000000" pitchFamily="2" charset="2"/>
+              <a:buChar char="u"/>
+            </a:pPr>
+            <a:r>
+              <a:rPr kumimoji="1" lang="ja-JP" altLang="en-US" sz="1400" dirty="0" smtClean="0">
+                <a:latin typeface="HGS創英角ｺﾞｼｯｸUB" panose="020B0900000000000000" pitchFamily="50" charset="-128"/>
+                <a:ea typeface="HGS創英角ｺﾞｼｯｸUB" panose="020B0900000000000000" pitchFamily="50" charset="-128"/>
+              </a:rPr>
+              <a:t>カメラ移動</a:t>
+            </a:r>
+            <a:endParaRPr kumimoji="1" lang="en-US" altLang="ja-JP" sz="1400" dirty="0" smtClean="0">
+              <a:latin typeface="HGS創英角ｺﾞｼｯｸUB" panose="020B0900000000000000" pitchFamily="50" charset="-128"/>
+              <a:ea typeface="HGS創英角ｺﾞｼｯｸUB" panose="020B0900000000000000" pitchFamily="50" charset="-128"/>
+            </a:endParaRPr>
+          </a:p>
+          <a:p>
+            <a:pPr>
+              <a:buFont typeface="Wingdings" panose="05000000000000000000" pitchFamily="2" charset="2"/>
+              <a:buChar char="u"/>
+            </a:pPr>
+            <a:r>
+              <a:rPr lang="ja-JP" altLang="en-US" sz="1400" dirty="0">
+                <a:latin typeface="HGS創英角ｺﾞｼｯｸUB" panose="020B0900000000000000" pitchFamily="50" charset="-128"/>
+                <a:ea typeface="HGS創英角ｺﾞｼｯｸUB" panose="020B0900000000000000" pitchFamily="50" charset="-128"/>
+              </a:rPr>
+              <a:t>ノード単体</a:t>
+            </a:r>
+            <a:r>
+              <a:rPr lang="ja-JP" altLang="en-US" sz="1400" dirty="0" smtClean="0">
+                <a:latin typeface="HGS創英角ｺﾞｼｯｸUB" panose="020B0900000000000000" pitchFamily="50" charset="-128"/>
+                <a:ea typeface="HGS創英角ｺﾞｼｯｸUB" panose="020B0900000000000000" pitchFamily="50" charset="-128"/>
+              </a:rPr>
+              <a:t>管理</a:t>
+            </a:r>
+            <a:endParaRPr lang="en-US" altLang="ja-JP" sz="1400" dirty="0" smtClean="0">
+              <a:latin typeface="HGS創英角ｺﾞｼｯｸUB" panose="020B0900000000000000" pitchFamily="50" charset="-128"/>
+              <a:ea typeface="HGS創英角ｺﾞｼｯｸUB" panose="020B0900000000000000" pitchFamily="50" charset="-128"/>
+            </a:endParaRPr>
+          </a:p>
+          <a:p>
+            <a:pPr>
+              <a:buFont typeface="Wingdings" panose="05000000000000000000" pitchFamily="2" charset="2"/>
+              <a:buChar char="u"/>
+            </a:pPr>
+            <a:r>
+              <a:rPr kumimoji="1" lang="ja-JP" altLang="en-US" sz="1400" dirty="0">
+                <a:latin typeface="HGS創英角ｺﾞｼｯｸUB" panose="020B0900000000000000" pitchFamily="50" charset="-128"/>
+                <a:ea typeface="HGS創英角ｺﾞｼｯｸUB" panose="020B0900000000000000" pitchFamily="50" charset="-128"/>
+              </a:rPr>
+              <a:t>ノード全体</a:t>
+            </a:r>
+            <a:r>
+              <a:rPr kumimoji="1" lang="ja-JP" altLang="en-US" sz="1400" dirty="0" smtClean="0">
+                <a:latin typeface="HGS創英角ｺﾞｼｯｸUB" panose="020B0900000000000000" pitchFamily="50" charset="-128"/>
+                <a:ea typeface="HGS創英角ｺﾞｼｯｸUB" panose="020B0900000000000000" pitchFamily="50" charset="-128"/>
+              </a:rPr>
+              <a:t>管理</a:t>
+            </a:r>
+            <a:endParaRPr kumimoji="1" lang="en-US" altLang="ja-JP" sz="1400" dirty="0" smtClean="0">
+              <a:latin typeface="HGS創英角ｺﾞｼｯｸUB" panose="020B0900000000000000" pitchFamily="50" charset="-128"/>
+              <a:ea typeface="HGS創英角ｺﾞｼｯｸUB" panose="020B0900000000000000" pitchFamily="50" charset="-128"/>
+            </a:endParaRPr>
+          </a:p>
+          <a:p>
+            <a:pPr>
+              <a:buFont typeface="Wingdings" panose="05000000000000000000" pitchFamily="2" charset="2"/>
+              <a:buChar char="u"/>
+            </a:pPr>
+            <a:r>
+              <a:rPr lang="ja-JP" altLang="en-US" sz="1400" dirty="0" smtClean="0">
+                <a:latin typeface="HGS創英角ｺﾞｼｯｸUB" panose="020B0900000000000000" pitchFamily="50" charset="-128"/>
+                <a:ea typeface="HGS創英角ｺﾞｼｯｸUB" panose="020B0900000000000000" pitchFamily="50" charset="-128"/>
+              </a:rPr>
+              <a:t>カメラ監視</a:t>
+            </a:r>
+            <a:endParaRPr lang="en-US" altLang="ja-JP" sz="1400" dirty="0" smtClean="0">
+              <a:latin typeface="HGS創英角ｺﾞｼｯｸUB" panose="020B0900000000000000" pitchFamily="50" charset="-128"/>
+              <a:ea typeface="HGS創英角ｺﾞｼｯｸUB" panose="020B0900000000000000" pitchFamily="50" charset="-128"/>
+            </a:endParaRPr>
+          </a:p>
+          <a:p>
+            <a:pPr>
+              <a:buFont typeface="Wingdings" panose="05000000000000000000" pitchFamily="2" charset="2"/>
+              <a:buChar char="u"/>
+            </a:pPr>
+            <a:r>
+              <a:rPr kumimoji="1" lang="ja-JP" altLang="en-US" sz="1400" dirty="0" smtClean="0">
+                <a:latin typeface="HGS創英角ｺﾞｼｯｸUB" panose="020B0900000000000000" pitchFamily="50" charset="-128"/>
+                <a:ea typeface="HGS創英角ｺﾞｼｯｸUB" panose="020B0900000000000000" pitchFamily="50" charset="-128"/>
+              </a:rPr>
+              <a:t>ノード生成</a:t>
+            </a:r>
+            <a:endParaRPr kumimoji="1" lang="en-US" altLang="ja-JP" sz="1400" dirty="0" smtClean="0">
+              <a:latin typeface="HGS創英角ｺﾞｼｯｸUB" panose="020B0900000000000000" pitchFamily="50" charset="-128"/>
+              <a:ea typeface="HGS創英角ｺﾞｼｯｸUB" panose="020B0900000000000000" pitchFamily="50" charset="-128"/>
+            </a:endParaRPr>
+          </a:p>
+          <a:p>
+            <a:pPr>
+              <a:buFont typeface="Wingdings" panose="05000000000000000000" pitchFamily="2" charset="2"/>
+              <a:buChar char="u"/>
+            </a:pPr>
+            <a:r>
+              <a:rPr lang="ja-JP" altLang="en-US" sz="1400" dirty="0" smtClean="0">
+                <a:latin typeface="HGS創英角ｺﾞｼｯｸUB" panose="020B0900000000000000" pitchFamily="50" charset="-128"/>
+                <a:ea typeface="HGS創英角ｺﾞｼｯｸUB" panose="020B0900000000000000" pitchFamily="50" charset="-128"/>
+              </a:rPr>
+              <a:t>全体シーン管理</a:t>
+            </a:r>
+            <a:endParaRPr lang="en-US" altLang="ja-JP" sz="1400" dirty="0" smtClean="0">
+              <a:latin typeface="HGS創英角ｺﾞｼｯｸUB" panose="020B0900000000000000" pitchFamily="50" charset="-128"/>
+              <a:ea typeface="HGS創英角ｺﾞｼｯｸUB" panose="020B0900000000000000" pitchFamily="50" charset="-128"/>
+            </a:endParaRPr>
+          </a:p>
+          <a:p>
+            <a:pPr>
+              <a:buFont typeface="Wingdings" panose="05000000000000000000" pitchFamily="2" charset="2"/>
+              <a:buChar char="u"/>
+            </a:pPr>
+            <a:r>
+              <a:rPr kumimoji="1" lang="ja-JP" altLang="en-US" sz="1400" dirty="0" smtClean="0">
+                <a:latin typeface="HGS創英角ｺﾞｼｯｸUB" panose="020B0900000000000000" pitchFamily="50" charset="-128"/>
+                <a:ea typeface="HGS創英角ｺﾞｼｯｸUB" panose="020B0900000000000000" pitchFamily="50" charset="-128"/>
+              </a:rPr>
+              <a:t>サウンド再生管理</a:t>
+            </a:r>
+            <a:endParaRPr kumimoji="1" lang="en-US" altLang="ja-JP" sz="1400" dirty="0" smtClean="0">
+              <a:latin typeface="HGS創英角ｺﾞｼｯｸUB" panose="020B0900000000000000" pitchFamily="50" charset="-128"/>
+              <a:ea typeface="HGS創英角ｺﾞｼｯｸUB" panose="020B0900000000000000" pitchFamily="50" charset="-128"/>
+            </a:endParaRPr>
+          </a:p>
+          <a:p>
+            <a:pPr>
+              <a:buFont typeface="Wingdings" panose="05000000000000000000" pitchFamily="2" charset="2"/>
+              <a:buChar char="u"/>
+            </a:pPr>
+            <a:r>
+              <a:rPr kumimoji="1" lang="ja-JP" altLang="en-US" sz="1400" dirty="0" smtClean="0">
+                <a:latin typeface="HGS創英角ｺﾞｼｯｸUB" panose="020B0900000000000000" pitchFamily="50" charset="-128"/>
+                <a:ea typeface="HGS創英角ｺﾞｼｯｸUB" panose="020B0900000000000000" pitchFamily="50" charset="-128"/>
+              </a:rPr>
+              <a:t>サウンドフェード</a:t>
+            </a:r>
+            <a:endParaRPr kumimoji="1" lang="en-US" altLang="ja-JP" sz="1400" dirty="0" smtClean="0">
+              <a:latin typeface="HGS創英角ｺﾞｼｯｸUB" panose="020B0900000000000000" pitchFamily="50" charset="-128"/>
+              <a:ea typeface="HGS創英角ｺﾞｼｯｸUB" panose="020B0900000000000000" pitchFamily="50" charset="-128"/>
+            </a:endParaRPr>
+          </a:p>
+          <a:p>
+            <a:pPr>
+              <a:buFont typeface="Wingdings" panose="05000000000000000000" pitchFamily="2" charset="2"/>
+              <a:buChar char="u"/>
+            </a:pPr>
+            <a:r>
+              <a:rPr lang="ja-JP" altLang="en-US" sz="1400" dirty="0">
+                <a:latin typeface="HGS創英角ｺﾞｼｯｸUB" panose="020B0900000000000000" pitchFamily="50" charset="-128"/>
+                <a:ea typeface="HGS創英角ｺﾞｼｯｸUB" panose="020B0900000000000000" pitchFamily="50" charset="-128"/>
+              </a:rPr>
+              <a:t>パラメータ</a:t>
+            </a:r>
+            <a:r>
+              <a:rPr lang="ja-JP" altLang="en-US" sz="1400" dirty="0" smtClean="0">
+                <a:latin typeface="HGS創英角ｺﾞｼｯｸUB" panose="020B0900000000000000" pitchFamily="50" charset="-128"/>
+                <a:ea typeface="HGS創英角ｺﾞｼｯｸUB" panose="020B0900000000000000" pitchFamily="50" charset="-128"/>
+              </a:rPr>
+              <a:t>管理</a:t>
+            </a:r>
+            <a:endParaRPr lang="en-US" altLang="ja-JP" sz="1400" dirty="0" smtClean="0">
+              <a:latin typeface="HGS創英角ｺﾞｼｯｸUB" panose="020B0900000000000000" pitchFamily="50" charset="-128"/>
+              <a:ea typeface="HGS創英角ｺﾞｼｯｸUB" panose="020B0900000000000000" pitchFamily="50" charset="-128"/>
+            </a:endParaRPr>
+          </a:p>
+          <a:p>
+            <a:pPr>
+              <a:buFont typeface="Wingdings" panose="05000000000000000000" pitchFamily="2" charset="2"/>
+              <a:buChar char="u"/>
+            </a:pPr>
+            <a:r>
+              <a:rPr kumimoji="1" lang="ja-JP" altLang="en-US" sz="1400" dirty="0" smtClean="0">
+                <a:latin typeface="HGS創英角ｺﾞｼｯｸUB" panose="020B0900000000000000" pitchFamily="50" charset="-128"/>
+                <a:ea typeface="HGS創英角ｺﾞｼｯｸUB" panose="020B0900000000000000" pitchFamily="50" charset="-128"/>
+              </a:rPr>
+              <a:t>パーティクル自動消去</a:t>
+            </a:r>
+            <a:endParaRPr kumimoji="1" lang="en-US" altLang="ja-JP" sz="1400" dirty="0" smtClean="0">
+              <a:latin typeface="HGS創英角ｺﾞｼｯｸUB" panose="020B0900000000000000" pitchFamily="50" charset="-128"/>
+              <a:ea typeface="HGS創英角ｺﾞｼｯｸUB" panose="020B0900000000000000" pitchFamily="50" charset="-128"/>
+            </a:endParaRPr>
+          </a:p>
+          <a:p>
+            <a:pPr>
+              <a:buFont typeface="Wingdings" panose="05000000000000000000" pitchFamily="2" charset="2"/>
+              <a:buChar char="u"/>
+            </a:pPr>
+            <a:r>
+              <a:rPr lang="ja-JP" altLang="en-US" sz="1400" dirty="0" smtClean="0">
+                <a:latin typeface="HGS創英角ｺﾞｼｯｸUB" panose="020B0900000000000000" pitchFamily="50" charset="-128"/>
+                <a:ea typeface="HGS創英角ｺﾞｼｯｸUB" panose="020B0900000000000000" pitchFamily="50" charset="-128"/>
+              </a:rPr>
+              <a:t>不透明度自動操作</a:t>
+            </a:r>
+            <a:endParaRPr lang="en-US" altLang="ja-JP" sz="1400" dirty="0" smtClean="0">
+              <a:latin typeface="HGS創英角ｺﾞｼｯｸUB" panose="020B0900000000000000" pitchFamily="50" charset="-128"/>
+              <a:ea typeface="HGS創英角ｺﾞｼｯｸUB" panose="020B0900000000000000" pitchFamily="50" charset="-128"/>
+            </a:endParaRPr>
+          </a:p>
+          <a:p>
+            <a:pPr>
+              <a:buFont typeface="Wingdings" panose="05000000000000000000" pitchFamily="2" charset="2"/>
+              <a:buChar char="u"/>
+            </a:pPr>
+            <a:r>
+              <a:rPr lang="ja-JP" altLang="en-US" sz="1400" dirty="0" smtClean="0">
+                <a:latin typeface="HGS創英角ｺﾞｼｯｸUB" panose="020B0900000000000000" pitchFamily="50" charset="-128"/>
+                <a:ea typeface="HGS創英角ｺﾞｼｯｸUB" panose="020B0900000000000000" pitchFamily="50" charset="-128"/>
+              </a:rPr>
+              <a:t>画像切り替え</a:t>
+            </a:r>
+            <a:endParaRPr lang="en-US" altLang="ja-JP" sz="1400" dirty="0" smtClean="0">
+              <a:latin typeface="HGS創英角ｺﾞｼｯｸUB" panose="020B0900000000000000" pitchFamily="50" charset="-128"/>
+              <a:ea typeface="HGS創英角ｺﾞｼｯｸUB" panose="020B0900000000000000" pitchFamily="50" charset="-128"/>
+            </a:endParaRPr>
+          </a:p>
+          <a:p>
+            <a:pPr>
+              <a:buFont typeface="Wingdings" panose="05000000000000000000" pitchFamily="2" charset="2"/>
+              <a:buChar char="u"/>
+            </a:pPr>
+            <a:r>
+              <a:rPr lang="ja-JP" altLang="en-US" sz="1400" dirty="0">
+                <a:latin typeface="HGS創英角ｺﾞｼｯｸUB" panose="020B0900000000000000" pitchFamily="50" charset="-128"/>
+                <a:ea typeface="HGS創英角ｺﾞｼｯｸUB" panose="020B0900000000000000" pitchFamily="50" charset="-128"/>
+              </a:rPr>
+              <a:t>ノード移動</a:t>
+            </a:r>
+            <a:r>
+              <a:rPr lang="ja-JP" altLang="en-US" sz="1400" dirty="0" smtClean="0">
+                <a:latin typeface="HGS創英角ｺﾞｼｯｸUB" panose="020B0900000000000000" pitchFamily="50" charset="-128"/>
+                <a:ea typeface="HGS創英角ｺﾞｼｯｸUB" panose="020B0900000000000000" pitchFamily="50" charset="-128"/>
+              </a:rPr>
+              <a:t>演出</a:t>
+            </a:r>
+            <a:endParaRPr lang="en-US" altLang="ja-JP" sz="1400" dirty="0" smtClean="0">
+              <a:latin typeface="HGS創英角ｺﾞｼｯｸUB" panose="020B0900000000000000" pitchFamily="50" charset="-128"/>
+              <a:ea typeface="HGS創英角ｺﾞｼｯｸUB" panose="020B0900000000000000" pitchFamily="50" charset="-128"/>
+            </a:endParaRPr>
+          </a:p>
+          <a:p>
+            <a:pPr>
+              <a:buFont typeface="Wingdings" panose="05000000000000000000" pitchFamily="2" charset="2"/>
+              <a:buChar char="u"/>
+            </a:pPr>
+            <a:r>
+              <a:rPr lang="ja-JP" altLang="en-US" sz="1400" dirty="0" smtClean="0">
+                <a:latin typeface="HGS創英角ｺﾞｼｯｸUB" panose="020B0900000000000000" pitchFamily="50" charset="-128"/>
+                <a:ea typeface="HGS創英角ｺﾞｼｯｸUB" panose="020B0900000000000000" pitchFamily="50" charset="-128"/>
+              </a:rPr>
+              <a:t>回転値自動操作</a:t>
+            </a:r>
+            <a:endParaRPr lang="en-US" altLang="ja-JP" sz="1400" dirty="0" smtClean="0">
+              <a:latin typeface="HGS創英角ｺﾞｼｯｸUB" panose="020B0900000000000000" pitchFamily="50" charset="-128"/>
+              <a:ea typeface="HGS創英角ｺﾞｼｯｸUB" panose="020B0900000000000000" pitchFamily="50" charset="-128"/>
+            </a:endParaRPr>
+          </a:p>
+          <a:p>
+            <a:pPr>
+              <a:buFont typeface="Wingdings" panose="05000000000000000000" pitchFamily="2" charset="2"/>
+              <a:buChar char="u"/>
+            </a:pPr>
+            <a:r>
+              <a:rPr lang="ja-JP" altLang="en-US" sz="1400" dirty="0" smtClean="0">
+                <a:latin typeface="HGS創英角ｺﾞｼｯｸUB" panose="020B0900000000000000" pitchFamily="50" charset="-128"/>
+                <a:ea typeface="HGS創英角ｺﾞｼｯｸUB" panose="020B0900000000000000" pitchFamily="50" charset="-128"/>
+              </a:rPr>
+              <a:t>ノード選択判定</a:t>
+            </a:r>
+            <a:endParaRPr lang="en-US" altLang="ja-JP" sz="1400" dirty="0" smtClean="0">
+              <a:latin typeface="HGS創英角ｺﾞｼｯｸUB" panose="020B0900000000000000" pitchFamily="50" charset="-128"/>
+              <a:ea typeface="HGS創英角ｺﾞｼｯｸUB" panose="020B0900000000000000" pitchFamily="50" charset="-128"/>
+            </a:endParaRPr>
+          </a:p>
+          <a:p>
+            <a:pPr>
+              <a:buFont typeface="Wingdings" panose="05000000000000000000" pitchFamily="2" charset="2"/>
+              <a:buChar char="u"/>
+            </a:pPr>
+            <a:r>
+              <a:rPr lang="ja-JP" altLang="en-US" sz="1400" dirty="0">
+                <a:latin typeface="HGS創英角ｺﾞｼｯｸUB" panose="020B0900000000000000" pitchFamily="50" charset="-128"/>
+                <a:ea typeface="HGS創英角ｺﾞｼｯｸUB" panose="020B0900000000000000" pitchFamily="50" charset="-128"/>
+              </a:rPr>
+              <a:t>画像飛び上がり</a:t>
+            </a:r>
+            <a:r>
+              <a:rPr lang="ja-JP" altLang="en-US" sz="1400" dirty="0" smtClean="0">
+                <a:latin typeface="HGS創英角ｺﾞｼｯｸUB" panose="020B0900000000000000" pitchFamily="50" charset="-128"/>
+                <a:ea typeface="HGS創英角ｺﾞｼｯｸUB" panose="020B0900000000000000" pitchFamily="50" charset="-128"/>
+              </a:rPr>
+              <a:t>移動</a:t>
+            </a:r>
+            <a:endParaRPr lang="en-US" altLang="ja-JP" sz="1400" dirty="0" smtClean="0">
+              <a:latin typeface="HGS創英角ｺﾞｼｯｸUB" panose="020B0900000000000000" pitchFamily="50" charset="-128"/>
+              <a:ea typeface="HGS創英角ｺﾞｼｯｸUB" panose="020B0900000000000000" pitchFamily="50" charset="-128"/>
+            </a:endParaRPr>
+          </a:p>
+          <a:p>
+            <a:pPr>
+              <a:buFont typeface="Wingdings" panose="05000000000000000000" pitchFamily="2" charset="2"/>
+              <a:buChar char="u"/>
+            </a:pPr>
+            <a:r>
+              <a:rPr lang="ja-JP" altLang="en-US" sz="1400" dirty="0" smtClean="0">
+                <a:latin typeface="HGS創英角ｺﾞｼｯｸUB" panose="020B0900000000000000" pitchFamily="50" charset="-128"/>
+                <a:ea typeface="HGS創英角ｺﾞｼｯｸUB" panose="020B0900000000000000" pitchFamily="50" charset="-128"/>
+              </a:rPr>
+              <a:t>画像移動</a:t>
+            </a:r>
+            <a:endParaRPr lang="en-US" altLang="ja-JP" sz="1400" dirty="0" smtClean="0">
+              <a:latin typeface="HGS創英角ｺﾞｼｯｸUB" panose="020B0900000000000000" pitchFamily="50" charset="-128"/>
+              <a:ea typeface="HGS創英角ｺﾞｼｯｸUB" panose="020B0900000000000000" pitchFamily="50" charset="-128"/>
+            </a:endParaRPr>
+          </a:p>
+          <a:p>
+            <a:pPr>
+              <a:buFont typeface="Wingdings" panose="05000000000000000000" pitchFamily="2" charset="2"/>
+              <a:buChar char="u"/>
+            </a:pPr>
+            <a:r>
+              <a:rPr lang="ja-JP" altLang="en-US" sz="1400" dirty="0">
+                <a:latin typeface="HGS創英角ｺﾞｼｯｸUB" panose="020B0900000000000000" pitchFamily="50" charset="-128"/>
+                <a:ea typeface="HGS創英角ｺﾞｼｯｸUB" panose="020B0900000000000000" pitchFamily="50" charset="-128"/>
+              </a:rPr>
+              <a:t>ノード</a:t>
+            </a:r>
+            <a:r>
+              <a:rPr lang="ja-JP" altLang="en-US" sz="1400" dirty="0" smtClean="0">
+                <a:latin typeface="HGS創英角ｺﾞｼｯｸUB" panose="020B0900000000000000" pitchFamily="50" charset="-128"/>
+                <a:ea typeface="HGS創英角ｺﾞｼｯｸUB" panose="020B0900000000000000" pitchFamily="50" charset="-128"/>
+              </a:rPr>
+              <a:t>妨害専用シーン</a:t>
+            </a:r>
+            <a:endParaRPr lang="en-US" altLang="ja-JP" sz="1400" dirty="0" smtClean="0">
+              <a:latin typeface="HGS創英角ｺﾞｼｯｸUB" panose="020B0900000000000000" pitchFamily="50" charset="-128"/>
+              <a:ea typeface="HGS創英角ｺﾞｼｯｸUB" panose="020B0900000000000000" pitchFamily="50" charset="-128"/>
+            </a:endParaRPr>
+          </a:p>
+          <a:p>
+            <a:pPr>
+              <a:buFont typeface="Wingdings" panose="05000000000000000000" pitchFamily="2" charset="2"/>
+              <a:buChar char="u"/>
+            </a:pPr>
+            <a:r>
+              <a:rPr lang="ja-JP" altLang="en-US" sz="1400" dirty="0" smtClean="0">
+                <a:latin typeface="HGS創英角ｺﾞｼｯｸUB" panose="020B0900000000000000" pitchFamily="50" charset="-128"/>
+                <a:ea typeface="HGS創英角ｺﾞｼｯｸUB" panose="020B0900000000000000" pitchFamily="50" charset="-128"/>
+              </a:rPr>
+              <a:t>画像揺れ移動</a:t>
+            </a:r>
+            <a:endParaRPr lang="en-US" altLang="ja-JP" sz="1400" dirty="0" smtClean="0">
+              <a:latin typeface="HGS創英角ｺﾞｼｯｸUB" panose="020B0900000000000000" pitchFamily="50" charset="-128"/>
+              <a:ea typeface="HGS創英角ｺﾞｼｯｸUB" panose="020B0900000000000000" pitchFamily="50" charset="-128"/>
+            </a:endParaRPr>
+          </a:p>
+          <a:p>
+            <a:pPr>
+              <a:buFont typeface="Wingdings" panose="05000000000000000000" pitchFamily="2" charset="2"/>
+              <a:buChar char="u"/>
+            </a:pPr>
+            <a:r>
+              <a:rPr lang="ja-JP" altLang="en-US" sz="1400" dirty="0" smtClean="0">
+                <a:latin typeface="HGS創英角ｺﾞｼｯｸUB" panose="020B0900000000000000" pitchFamily="50" charset="-128"/>
+                <a:ea typeface="HGS創英角ｺﾞｼｯｸUB" panose="020B0900000000000000" pitchFamily="50" charset="-128"/>
+              </a:rPr>
+              <a:t>拡大値自動操作</a:t>
+            </a:r>
+            <a:endParaRPr lang="en-US" altLang="ja-JP" sz="1400" dirty="0" smtClean="0">
+              <a:latin typeface="HGS創英角ｺﾞｼｯｸUB" panose="020B0900000000000000" pitchFamily="50" charset="-128"/>
+              <a:ea typeface="HGS創英角ｺﾞｼｯｸUB" panose="020B0900000000000000" pitchFamily="50" charset="-128"/>
+            </a:endParaRPr>
+          </a:p>
+          <a:p>
+            <a:pPr>
+              <a:buFont typeface="Wingdings" panose="05000000000000000000" pitchFamily="2" charset="2"/>
+              <a:buChar char="u"/>
+            </a:pPr>
+            <a:r>
+              <a:rPr lang="ja-JP" altLang="en-US" sz="1400" dirty="0" smtClean="0">
+                <a:latin typeface="HGS創英角ｺﾞｼｯｸUB" panose="020B0900000000000000" pitchFamily="50" charset="-128"/>
+                <a:ea typeface="HGS創英角ｺﾞｼｯｸUB" panose="020B0900000000000000" pitchFamily="50" charset="-128"/>
+              </a:rPr>
+              <a:t>サムネイル管理　 </a:t>
+            </a:r>
+            <a:r>
+              <a:rPr lang="en-US" altLang="ja-JP" sz="1400" dirty="0" err="1" smtClean="0">
+                <a:latin typeface="HGS創英角ｺﾞｼｯｸUB" panose="020B0900000000000000" pitchFamily="50" charset="-128"/>
+                <a:ea typeface="HGS創英角ｺﾞｼｯｸUB" panose="020B0900000000000000" pitchFamily="50" charset="-128"/>
+              </a:rPr>
+              <a:t>etc</a:t>
+            </a:r>
+            <a:r>
+              <a:rPr lang="en-US" altLang="ja-JP" sz="1400" dirty="0" smtClean="0">
+                <a:latin typeface="HGS創英角ｺﾞｼｯｸUB" panose="020B0900000000000000" pitchFamily="50" charset="-128"/>
+                <a:ea typeface="HGS創英角ｺﾞｼｯｸUB" panose="020B0900000000000000" pitchFamily="50" charset="-128"/>
+              </a:rPr>
+              <a:t>…</a:t>
+            </a:r>
+          </a:p>
+          <a:p>
+            <a:pPr>
+              <a:buFont typeface="Wingdings" panose="05000000000000000000" pitchFamily="2" charset="2"/>
+              <a:buChar char="u"/>
+            </a:pPr>
+            <a:endParaRPr lang="en-US" altLang="ja-JP" sz="1400" dirty="0" smtClean="0">
+              <a:latin typeface="HGS創英角ｺﾞｼｯｸUB" panose="020B0900000000000000" pitchFamily="50" charset="-128"/>
+              <a:ea typeface="HGS創英角ｺﾞｼｯｸUB" panose="020B0900000000000000" pitchFamily="50" charset="-128"/>
+            </a:endParaRPr>
+          </a:p>
+        </p:txBody>
+      </p:sp>
+      <p:sp>
+        <p:nvSpPr>
+          <p:cNvPr id="5" name="角丸四角形 4"/>
+          <p:cNvSpPr/>
+          <p:nvPr/>
+        </p:nvSpPr>
+        <p:spPr>
+          <a:xfrm>
+            <a:off x="7020272" y="3789040"/>
+            <a:ext cx="1944216" cy="1080120"/>
+          </a:xfrm>
+          <a:prstGeom prst="roundRect">
+            <a:avLst/>
+          </a:prstGeom>
+        </p:spPr>
+        <p:style>
+          <a:lnRef idx="2">
+            <a:schemeClr val="dk1"/>
+          </a:lnRef>
+          <a:fillRef idx="1">
+            <a:schemeClr val="lt1"/>
+          </a:fillRef>
+          <a:effectRef idx="0">
+            <a:schemeClr val="dk1"/>
+          </a:effectRef>
+          <a:fontRef idx="minor">
+            <a:schemeClr val="dk1"/>
+          </a:fontRef>
+        </p:style>
+        <p:txBody>
+          <a:bodyPr rtlCol="0" anchor="ctr"/>
+          <a:lstStyle/>
+          <a:p>
+            <a:pPr algn="ctr"/>
+            <a:r>
+              <a:rPr kumimoji="1" lang="en-US" altLang="ja-JP" sz="2100" b="1" dirty="0" smtClean="0"/>
+              <a:t>C#</a:t>
+            </a:r>
+            <a:r>
+              <a:rPr kumimoji="1" lang="ja-JP" altLang="en-US" sz="2100" b="1" dirty="0" smtClean="0"/>
+              <a:t>言語で制作</a:t>
+            </a:r>
+            <a:endParaRPr kumimoji="1" lang="ja-JP" altLang="en-US" sz="2100" b="1" dirty="0"/>
+          </a:p>
+        </p:txBody>
+      </p:sp>
+    </p:spTree>
+    <p:extLst>
+      <p:ext uri="{BB962C8B-B14F-4D97-AF65-F5344CB8AC3E}">
+        <p14:creationId xmlns:p14="http://schemas.microsoft.com/office/powerpoint/2010/main" val="2421334761"/>
+      </p:ext>
+    </p:extLst>
+  </p:cSld>
+  <p:clrMapOvr>
+    <a:masterClrMapping/>
+  </p:clrMapOvr>
+  <mc:AlternateContent xmlns:mc="http://schemas.openxmlformats.org/markup-compatibility/2006">
+    <mc:Choice xmlns:p14="http://schemas.microsoft.com/office/powerpoint/2010/main" Requires="p14">
+      <p:transition p14:dur="0"/>
+    </mc:Choice>
+    <mc:Fallback>
+      <p:transition/>
+    </mc:Fallback>
+  </mc:AlternateContent>
+  <p:timing>
+    <p:tnLst>
+      <p:par>
+        <p:cTn id="1" dur="indefinite" restart="never" nodeType="tmRoot"/>
+      </p:par>
+    </p:tnLst>
+  </p:timing>
+</p:sld>
+</file>
+
+<file path=ppt/slides/slide16.xml><?xml version="1.0" encoding="utf-8"?>
+<p:sld xmlns:a="http://schemas.openxmlformats.org/drawingml/2006/main" xmlns:r="http://schemas.openxmlformats.org/officeDocument/2006/relationships" xmlns:p="http://schemas.openxmlformats.org/presentationml/2006/main">
+  <p:cSld>
+    <p:spTree>
+      <p:nvGrpSpPr>
+        <p:cNvPr id="1" name=""/>
+        <p:cNvGrpSpPr/>
+        <p:nvPr/>
+      </p:nvGrpSpPr>
+      <p:grpSpPr>
+        <a:xfrm>
+          <a:off x="0" y="0"/>
+          <a:ext cx="0" cy="0"/>
+          <a:chOff x="0" y="0"/>
+          <a:chExt cx="0" cy="0"/>
+        </a:xfrm>
+      </p:grpSpPr>
+      <p:cxnSp>
+        <p:nvCxnSpPr>
+          <p:cNvPr id="21" name="直線コネクタ 20"/>
+          <p:cNvCxnSpPr/>
+          <p:nvPr/>
+        </p:nvCxnSpPr>
+        <p:spPr>
+          <a:xfrm>
+            <a:off x="-36512" y="3588279"/>
+            <a:ext cx="9180512" cy="0"/>
+          </a:xfrm>
+          <a:prstGeom prst="line">
+            <a:avLst/>
+          </a:prstGeom>
+          <a:ln w="57150">
+            <a:solidFill>
+              <a:schemeClr val="tx1"/>
+            </a:solidFill>
+          </a:ln>
+        </p:spPr>
+        <p:style>
+          <a:lnRef idx="1">
+            <a:schemeClr val="accent1"/>
+          </a:lnRef>
+          <a:fillRef idx="0">
+            <a:schemeClr val="accent1"/>
+          </a:fillRef>
+          <a:effectRef idx="0">
+            <a:schemeClr val="accent1"/>
+          </a:effectRef>
+          <a:fontRef idx="minor">
+            <a:schemeClr val="tx1"/>
+          </a:fontRef>
+        </p:style>
+      </p:cxnSp>
+      <p:cxnSp>
+        <p:nvCxnSpPr>
+          <p:cNvPr id="22" name="直線コネクタ 21"/>
+          <p:cNvCxnSpPr/>
+          <p:nvPr/>
+        </p:nvCxnSpPr>
+        <p:spPr>
+          <a:xfrm flipV="1">
+            <a:off x="-36512" y="5291485"/>
+            <a:ext cx="9180512" cy="4166"/>
+          </a:xfrm>
+          <a:prstGeom prst="line">
+            <a:avLst/>
+          </a:prstGeom>
+          <a:ln w="57150">
+            <a:solidFill>
+              <a:schemeClr val="tx1"/>
+            </a:solidFill>
+          </a:ln>
+        </p:spPr>
+        <p:style>
+          <a:lnRef idx="1">
+            <a:schemeClr val="accent1"/>
+          </a:lnRef>
+          <a:fillRef idx="0">
+            <a:schemeClr val="accent1"/>
+          </a:fillRef>
+          <a:effectRef idx="0">
+            <a:schemeClr val="accent1"/>
+          </a:effectRef>
+          <a:fontRef idx="minor">
+            <a:schemeClr val="tx1"/>
+          </a:fontRef>
+        </p:style>
+      </p:cxnSp>
+      <p:cxnSp>
+        <p:nvCxnSpPr>
+          <p:cNvPr id="9" name="直線コネクタ 8"/>
+          <p:cNvCxnSpPr/>
+          <p:nvPr/>
+        </p:nvCxnSpPr>
+        <p:spPr>
+          <a:xfrm>
+            <a:off x="0" y="1691084"/>
+            <a:ext cx="9144000" cy="0"/>
+          </a:xfrm>
+          <a:prstGeom prst="line">
+            <a:avLst/>
+          </a:prstGeom>
+          <a:ln w="57150">
+            <a:solidFill>
+              <a:schemeClr val="tx1"/>
+            </a:solidFill>
+          </a:ln>
+        </p:spPr>
+        <p:style>
+          <a:lnRef idx="1">
+            <a:schemeClr val="accent1"/>
+          </a:lnRef>
+          <a:fillRef idx="0">
+            <a:schemeClr val="accent1"/>
+          </a:fillRef>
+          <a:effectRef idx="0">
+            <a:schemeClr val="accent1"/>
+          </a:effectRef>
+          <a:fontRef idx="minor">
+            <a:schemeClr val="tx1"/>
+          </a:fontRef>
+        </p:style>
+      </p:cxnSp>
+      <p:sp>
+        <p:nvSpPr>
+          <p:cNvPr id="4" name="角丸四角形 3"/>
+          <p:cNvSpPr/>
+          <p:nvPr/>
+        </p:nvSpPr>
+        <p:spPr>
+          <a:xfrm>
+            <a:off x="467544" y="249828"/>
+            <a:ext cx="8208912" cy="1080120"/>
+          </a:xfrm>
+          <a:prstGeom prst="roundRect">
+            <a:avLst/>
+          </a:prstGeom>
+        </p:spPr>
+        <p:style>
+          <a:lnRef idx="2">
+            <a:schemeClr val="accent2">
+              <a:shade val="50000"/>
+            </a:schemeClr>
+          </a:lnRef>
+          <a:fillRef idx="1">
+            <a:schemeClr val="accent2"/>
+          </a:fillRef>
+          <a:effectRef idx="0">
+            <a:schemeClr val="accent2"/>
+          </a:effectRef>
+          <a:fontRef idx="minor">
+            <a:schemeClr val="lt1"/>
+          </a:fontRef>
+        </p:style>
+        <p:txBody>
+          <a:bodyPr rtlCol="0" anchor="ctr"/>
+          <a:lstStyle/>
+          <a:p>
+            <a:pPr algn="ctr"/>
+            <a:r>
+              <a:rPr lang="ja-JP" altLang="en-US" sz="5400" dirty="0">
+                <a:latin typeface="HGS創英角ｺﾞｼｯｸUB" panose="020B0900000000000000" pitchFamily="50" charset="-128"/>
+                <a:ea typeface="HGS創英角ｺﾞｼｯｸUB" panose="020B0900000000000000" pitchFamily="50" charset="-128"/>
+              </a:rPr>
+              <a:t>使用</a:t>
+            </a:r>
+            <a:r>
+              <a:rPr lang="ja-JP" altLang="en-US" sz="5400" dirty="0" smtClean="0">
+                <a:latin typeface="HGS創英角ｺﾞｼｯｸUB" panose="020B0900000000000000" pitchFamily="50" charset="-128"/>
+                <a:ea typeface="HGS創英角ｺﾞｼｯｸUB" panose="020B0900000000000000" pitchFamily="50" charset="-128"/>
+              </a:rPr>
+              <a:t>したツール・素材</a:t>
+            </a:r>
+            <a:endParaRPr kumimoji="1" lang="ja-JP" altLang="en-US" sz="5400" dirty="0">
+              <a:latin typeface="HGS創英角ｺﾞｼｯｸUB" panose="020B0900000000000000" pitchFamily="50" charset="-128"/>
+              <a:ea typeface="HGS創英角ｺﾞｼｯｸUB" panose="020B0900000000000000" pitchFamily="50" charset="-128"/>
+            </a:endParaRPr>
+          </a:p>
+        </p:txBody>
+      </p:sp>
+      <p:pic>
+        <p:nvPicPr>
+          <p:cNvPr id="5" name="Picture 2" descr="C:\Users\Rinifisu\Documents\Unity\Nogic\プレゼン\資料\Unity.png"/>
+          <p:cNvPicPr>
+            <a:picLocks noChangeAspect="1" noChangeArrowheads="1"/>
+          </p:cNvPicPr>
+          <p:nvPr/>
+        </p:nvPicPr>
+        <p:blipFill>
+          <a:blip r:embed="rId2">
+            <a:extLst>
+              <a:ext uri="{28A0092B-C50C-407E-A947-70E740481C1C}">
+                <a14:useLocalDpi xmlns:a14="http://schemas.microsoft.com/office/drawing/2010/main" val="0"/>
+              </a:ext>
+            </a:extLst>
+          </a:blip>
+          <a:srcRect/>
+          <a:stretch>
+            <a:fillRect/>
+          </a:stretch>
+        </p:blipFill>
+        <p:spPr bwMode="auto">
+          <a:xfrm>
+            <a:off x="649155" y="2132856"/>
+            <a:ext cx="2877138" cy="1047006"/>
+          </a:xfrm>
+          <a:prstGeom prst="rect">
+            <a:avLst/>
+          </a:prstGeom>
+          <a:noFill/>
+          <a:extLst>
+            <a:ext uri="{909E8E84-426E-40DD-AFC4-6F175D3DCCD1}">
+              <a14:hiddenFill xmlns:a14="http://schemas.microsoft.com/office/drawing/2010/main">
+                <a:solidFill>
+                  <a:srgbClr val="FFFFFF"/>
+                </a:solidFill>
+              </a14:hiddenFill>
+            </a:ext>
+          </a:extLst>
+        </p:spPr>
+      </p:pic>
+      <p:pic>
+        <p:nvPicPr>
+          <p:cNvPr id="10242" name="Picture 2" descr="C:\Users\Rinifisu\Desktop\ide-logos-monodevelop.png"/>
+          <p:cNvPicPr>
+            <a:picLocks noChangeAspect="1" noChangeArrowheads="1"/>
+          </p:cNvPicPr>
+          <p:nvPr/>
+        </p:nvPicPr>
+        <p:blipFill>
+          <a:blip r:embed="rId3">
+            <a:extLst>
+              <a:ext uri="{28A0092B-C50C-407E-A947-70E740481C1C}">
+                <a14:useLocalDpi xmlns:a14="http://schemas.microsoft.com/office/drawing/2010/main" val="0"/>
+              </a:ext>
+            </a:extLst>
+          </a:blip>
+          <a:srcRect/>
+          <a:stretch>
+            <a:fillRect/>
+          </a:stretch>
+        </p:blipFill>
+        <p:spPr bwMode="auto">
+          <a:xfrm>
+            <a:off x="4733120" y="2221942"/>
+            <a:ext cx="3099624" cy="868834"/>
+          </a:xfrm>
+          <a:prstGeom prst="rect">
+            <a:avLst/>
+          </a:prstGeom>
+          <a:noFill/>
+          <a:extLst>
+            <a:ext uri="{909E8E84-426E-40DD-AFC4-6F175D3DCCD1}">
+              <a14:hiddenFill xmlns:a14="http://schemas.microsoft.com/office/drawing/2010/main">
+                <a:solidFill>
+                  <a:srgbClr val="FFFFFF"/>
+                </a:solidFill>
+              </a14:hiddenFill>
+            </a:ext>
+          </a:extLst>
+        </p:spPr>
+      </p:pic>
+      <p:sp>
+        <p:nvSpPr>
+          <p:cNvPr id="6" name="正方形/長方形 5"/>
+          <p:cNvSpPr/>
+          <p:nvPr/>
+        </p:nvSpPr>
+        <p:spPr>
+          <a:xfrm>
+            <a:off x="467544" y="1412776"/>
+            <a:ext cx="3240360" cy="556617"/>
+          </a:xfrm>
+          <a:prstGeom prst="rect">
+            <a:avLst/>
+          </a:prstGeom>
+          <a:ln/>
+        </p:spPr>
+        <p:style>
+          <a:lnRef idx="1">
+            <a:schemeClr val="dk1"/>
+          </a:lnRef>
+          <a:fillRef idx="2">
+            <a:schemeClr val="dk1"/>
+          </a:fillRef>
+          <a:effectRef idx="1">
+            <a:schemeClr val="dk1"/>
+          </a:effectRef>
+          <a:fontRef idx="minor">
+            <a:schemeClr val="dk1"/>
+          </a:fontRef>
+        </p:style>
+        <p:txBody>
+          <a:bodyPr rtlCol="0" anchor="ctr"/>
+          <a:lstStyle/>
+          <a:p>
+            <a:pPr algn="ctr"/>
+            <a:r>
+              <a:rPr kumimoji="1" lang="ja-JP" altLang="en-US" sz="2400" dirty="0" smtClean="0"/>
+              <a:t>ゲーム制作</a:t>
+            </a:r>
+            <a:endParaRPr kumimoji="1" lang="ja-JP" altLang="en-US" sz="2400" dirty="0"/>
+          </a:p>
+        </p:txBody>
+      </p:sp>
+      <p:sp>
+        <p:nvSpPr>
+          <p:cNvPr id="7" name="加算記号 6"/>
+          <p:cNvSpPr/>
+          <p:nvPr/>
+        </p:nvSpPr>
+        <p:spPr>
+          <a:xfrm>
+            <a:off x="3689902" y="2143302"/>
+            <a:ext cx="1026114" cy="1026114"/>
+          </a:xfrm>
+          <a:prstGeom prst="mathPlus">
+            <a:avLst/>
+          </a:prstGeom>
+        </p:spPr>
+        <p:style>
+          <a:lnRef idx="2">
+            <a:schemeClr val="accent6">
+              <a:shade val="50000"/>
+            </a:schemeClr>
+          </a:lnRef>
+          <a:fillRef idx="1">
+            <a:schemeClr val="accent6"/>
+          </a:fillRef>
+          <a:effectRef idx="0">
+            <a:schemeClr val="accent6"/>
+          </a:effectRef>
+          <a:fontRef idx="minor">
+            <a:schemeClr val="lt1"/>
+          </a:fontRef>
+        </p:style>
+        <p:txBody>
+          <a:bodyPr rtlCol="0" anchor="ctr"/>
+          <a:lstStyle/>
+          <a:p>
+            <a:pPr algn="ctr"/>
+            <a:endParaRPr kumimoji="1" lang="ja-JP" altLang="en-US"/>
+          </a:p>
+        </p:txBody>
+      </p:sp>
+      <p:sp>
+        <p:nvSpPr>
+          <p:cNvPr id="10" name="正方形/長方形 9"/>
+          <p:cNvSpPr/>
+          <p:nvPr/>
+        </p:nvSpPr>
+        <p:spPr>
+          <a:xfrm>
+            <a:off x="449542" y="5013176"/>
+            <a:ext cx="3240360" cy="556617"/>
+          </a:xfrm>
+          <a:prstGeom prst="rect">
+            <a:avLst/>
+          </a:prstGeom>
+          <a:ln/>
+        </p:spPr>
+        <p:style>
+          <a:lnRef idx="1">
+            <a:schemeClr val="dk1"/>
+          </a:lnRef>
+          <a:fillRef idx="2">
+            <a:schemeClr val="dk1"/>
+          </a:fillRef>
+          <a:effectRef idx="1">
+            <a:schemeClr val="dk1"/>
+          </a:effectRef>
+          <a:fontRef idx="minor">
+            <a:schemeClr val="dk1"/>
+          </a:fontRef>
+        </p:style>
+        <p:txBody>
+          <a:bodyPr rtlCol="0" anchor="ctr"/>
+          <a:lstStyle/>
+          <a:p>
+            <a:pPr algn="ctr"/>
+            <a:r>
+              <a:rPr kumimoji="1" lang="en-US" altLang="ja-JP" sz="2400" dirty="0" smtClean="0"/>
+              <a:t>2DUI</a:t>
+            </a:r>
+            <a:r>
+              <a:rPr kumimoji="1" lang="ja-JP" altLang="en-US" sz="2400" dirty="0" smtClean="0"/>
+              <a:t>デザイン</a:t>
+            </a:r>
+            <a:endParaRPr kumimoji="1" lang="ja-JP" altLang="en-US" sz="2400" dirty="0"/>
+          </a:p>
+        </p:txBody>
+      </p:sp>
+      <p:sp>
+        <p:nvSpPr>
+          <p:cNvPr id="11" name="正方形/長方形 10"/>
+          <p:cNvSpPr/>
+          <p:nvPr/>
+        </p:nvSpPr>
+        <p:spPr>
+          <a:xfrm>
+            <a:off x="467544" y="3304431"/>
+            <a:ext cx="3240360" cy="556617"/>
+          </a:xfrm>
+          <a:prstGeom prst="rect">
+            <a:avLst/>
+          </a:prstGeom>
+          <a:ln/>
+        </p:spPr>
+        <p:style>
+          <a:lnRef idx="1">
+            <a:schemeClr val="dk1"/>
+          </a:lnRef>
+          <a:fillRef idx="2">
+            <a:schemeClr val="dk1"/>
+          </a:fillRef>
+          <a:effectRef idx="1">
+            <a:schemeClr val="dk1"/>
+          </a:effectRef>
+          <a:fontRef idx="minor">
+            <a:schemeClr val="dk1"/>
+          </a:fontRef>
+        </p:style>
+        <p:txBody>
+          <a:bodyPr rtlCol="0" anchor="ctr"/>
+          <a:lstStyle/>
+          <a:p>
+            <a:pPr algn="ctr"/>
+            <a:r>
+              <a:rPr lang="ja-JP" altLang="en-US" sz="2400" dirty="0"/>
+              <a:t>バージョン管理</a:t>
+            </a:r>
+            <a:endParaRPr kumimoji="1" lang="ja-JP" altLang="en-US" sz="2400" dirty="0"/>
+          </a:p>
+        </p:txBody>
+      </p:sp>
+      <p:sp>
+        <p:nvSpPr>
+          <p:cNvPr id="12" name="正方形/長方形 11"/>
+          <p:cNvSpPr/>
+          <p:nvPr/>
+        </p:nvSpPr>
+        <p:spPr>
+          <a:xfrm>
+            <a:off x="4894397" y="5017343"/>
+            <a:ext cx="3240360" cy="556617"/>
+          </a:xfrm>
+          <a:prstGeom prst="rect">
+            <a:avLst/>
+          </a:prstGeom>
+          <a:ln/>
+        </p:spPr>
+        <p:style>
+          <a:lnRef idx="1">
+            <a:schemeClr val="dk1"/>
+          </a:lnRef>
+          <a:fillRef idx="2">
+            <a:schemeClr val="dk1"/>
+          </a:fillRef>
+          <a:effectRef idx="1">
+            <a:schemeClr val="dk1"/>
+          </a:effectRef>
+          <a:fontRef idx="minor">
+            <a:schemeClr val="dk1"/>
+          </a:fontRef>
+        </p:style>
+        <p:txBody>
+          <a:bodyPr rtlCol="0" anchor="ctr"/>
+          <a:lstStyle/>
+          <a:p>
+            <a:pPr algn="ctr"/>
+            <a:r>
+              <a:rPr lang="ja-JP" altLang="en-US" sz="2400" dirty="0"/>
+              <a:t>サウンド素材</a:t>
+            </a:r>
+            <a:endParaRPr kumimoji="1" lang="ja-JP" altLang="en-US" sz="2400" dirty="0"/>
+          </a:p>
+        </p:txBody>
+      </p:sp>
+      <p:pic>
+        <p:nvPicPr>
+          <p:cNvPr id="10244" name="Picture 4" descr="C:\Users\Rinifisu\Desktop\images.jpg"/>
+          <p:cNvPicPr>
+            <a:picLocks noChangeAspect="1" noChangeArrowheads="1"/>
+          </p:cNvPicPr>
+          <p:nvPr/>
+        </p:nvPicPr>
+        <p:blipFill>
+          <a:blip r:embed="rId4">
+            <a:extLst>
+              <a:ext uri="{28A0092B-C50C-407E-A947-70E740481C1C}">
+                <a14:useLocalDpi xmlns:a14="http://schemas.microsoft.com/office/drawing/2010/main" val="0"/>
+              </a:ext>
+            </a:extLst>
+          </a:blip>
+          <a:srcRect/>
+          <a:stretch>
+            <a:fillRect/>
+          </a:stretch>
+        </p:blipFill>
+        <p:spPr bwMode="auto">
+          <a:xfrm>
+            <a:off x="1021972" y="5640660"/>
+            <a:ext cx="2095500" cy="1028700"/>
+          </a:xfrm>
+          <a:prstGeom prst="rect">
+            <a:avLst/>
+          </a:prstGeom>
+          <a:noFill/>
+          <a:extLst>
+            <a:ext uri="{909E8E84-426E-40DD-AFC4-6F175D3DCCD1}">
+              <a14:hiddenFill xmlns:a14="http://schemas.microsoft.com/office/drawing/2010/main">
+                <a:solidFill>
+                  <a:srgbClr val="FFFFFF"/>
+                </a:solidFill>
+              </a14:hiddenFill>
+            </a:ext>
+          </a:extLst>
+        </p:spPr>
+      </p:pic>
+      <p:pic>
+        <p:nvPicPr>
+          <p:cNvPr id="10245" name="Picture 5" descr="C:\Users\Rinifisu\Desktop\sourcetreeLogo.png"/>
+          <p:cNvPicPr>
+            <a:picLocks noChangeAspect="1" noChangeArrowheads="1"/>
+          </p:cNvPicPr>
+          <p:nvPr/>
+        </p:nvPicPr>
+        <p:blipFill>
+          <a:blip r:embed="rId5">
+            <a:extLst>
+              <a:ext uri="{28A0092B-C50C-407E-A947-70E740481C1C}">
+                <a14:useLocalDpi xmlns:a14="http://schemas.microsoft.com/office/drawing/2010/main" val="0"/>
+              </a:ext>
+            </a:extLst>
+          </a:blip>
+          <a:srcRect/>
+          <a:stretch>
+            <a:fillRect/>
+          </a:stretch>
+        </p:blipFill>
+        <p:spPr bwMode="auto">
+          <a:xfrm>
+            <a:off x="4784745" y="3965435"/>
+            <a:ext cx="3459664" cy="853068"/>
+          </a:xfrm>
+          <a:prstGeom prst="rect">
+            <a:avLst/>
+          </a:prstGeom>
+          <a:noFill/>
+          <a:extLst>
+            <a:ext uri="{909E8E84-426E-40DD-AFC4-6F175D3DCCD1}">
+              <a14:hiddenFill xmlns:a14="http://schemas.microsoft.com/office/drawing/2010/main">
+                <a:solidFill>
+                  <a:srgbClr val="FFFFFF"/>
+                </a:solidFill>
+              </a14:hiddenFill>
+            </a:ext>
+          </a:extLst>
+        </p:spPr>
+      </p:pic>
+      <p:pic>
+        <p:nvPicPr>
+          <p:cNvPr id="10246" name="Picture 6" descr="C:\Users\Rinifisu\Desktop\GitHub_Logo.png"/>
+          <p:cNvPicPr>
+            <a:picLocks noChangeAspect="1" noChangeArrowheads="1"/>
+          </p:cNvPicPr>
+          <p:nvPr/>
+        </p:nvPicPr>
+        <p:blipFill>
+          <a:blip r:embed="rId6" cstate="print">
+            <a:extLst>
+              <a:ext uri="{28A0092B-C50C-407E-A947-70E740481C1C}">
+                <a14:useLocalDpi xmlns:a14="http://schemas.microsoft.com/office/drawing/2010/main" val="0"/>
+              </a:ext>
+            </a:extLst>
+          </a:blip>
+          <a:srcRect/>
+          <a:stretch>
+            <a:fillRect/>
+          </a:stretch>
+        </p:blipFill>
+        <p:spPr bwMode="auto">
+          <a:xfrm>
+            <a:off x="441536" y="3717032"/>
+            <a:ext cx="3292376" cy="1349874"/>
+          </a:xfrm>
+          <a:prstGeom prst="rect">
+            <a:avLst/>
+          </a:prstGeom>
+          <a:noFill/>
+          <a:extLst>
+            <a:ext uri="{909E8E84-426E-40DD-AFC4-6F175D3DCCD1}">
+              <a14:hiddenFill xmlns:a14="http://schemas.microsoft.com/office/drawing/2010/main">
+                <a:solidFill>
+                  <a:srgbClr val="FFFFFF"/>
+                </a:solidFill>
+              </a14:hiddenFill>
+            </a:ext>
+          </a:extLst>
+        </p:spPr>
+      </p:pic>
+      <p:sp>
+        <p:nvSpPr>
+          <p:cNvPr id="16" name="加算記号 15"/>
+          <p:cNvSpPr/>
+          <p:nvPr/>
+        </p:nvSpPr>
+        <p:spPr>
+          <a:xfrm>
+            <a:off x="3688761" y="3878912"/>
+            <a:ext cx="1026114" cy="1026114"/>
+          </a:xfrm>
+          <a:prstGeom prst="mathPlus">
+            <a:avLst/>
+          </a:prstGeom>
+        </p:spPr>
+        <p:style>
+          <a:lnRef idx="2">
+            <a:schemeClr val="accent6">
+              <a:shade val="50000"/>
+            </a:schemeClr>
+          </a:lnRef>
+          <a:fillRef idx="1">
+            <a:schemeClr val="accent6"/>
+          </a:fillRef>
+          <a:effectRef idx="0">
+            <a:schemeClr val="accent6"/>
+          </a:effectRef>
+          <a:fontRef idx="minor">
+            <a:schemeClr val="lt1"/>
+          </a:fontRef>
+        </p:style>
+        <p:txBody>
+          <a:bodyPr rtlCol="0" anchor="ctr"/>
+          <a:lstStyle/>
+          <a:p>
+            <a:pPr algn="ctr"/>
+            <a:endParaRPr kumimoji="1" lang="ja-JP" altLang="en-US"/>
+          </a:p>
+        </p:txBody>
+      </p:sp>
+      <p:pic>
+        <p:nvPicPr>
+          <p:cNvPr id="10247" name="Picture 7" descr="C:\Users\Rinifisu\Desktop\20151210165155.png"/>
+          <p:cNvPicPr>
+            <a:picLocks noChangeAspect="1" noChangeArrowheads="1"/>
+          </p:cNvPicPr>
+          <p:nvPr/>
+        </p:nvPicPr>
+        <p:blipFill>
+          <a:blip r:embed="rId7">
+            <a:extLst>
+              <a:ext uri="{28A0092B-C50C-407E-A947-70E740481C1C}">
+                <a14:useLocalDpi xmlns:a14="http://schemas.microsoft.com/office/drawing/2010/main" val="0"/>
+              </a:ext>
+            </a:extLst>
+          </a:blip>
+          <a:srcRect/>
+          <a:stretch>
+            <a:fillRect/>
+          </a:stretch>
+        </p:blipFill>
+        <p:spPr bwMode="auto">
+          <a:xfrm>
+            <a:off x="4166592" y="5888309"/>
+            <a:ext cx="2133600" cy="533400"/>
+          </a:xfrm>
+          <a:prstGeom prst="rect">
+            <a:avLst/>
+          </a:prstGeom>
+          <a:noFill/>
+          <a:extLst>
+            <a:ext uri="{909E8E84-426E-40DD-AFC4-6F175D3DCCD1}">
+              <a14:hiddenFill xmlns:a14="http://schemas.microsoft.com/office/drawing/2010/main">
+                <a:solidFill>
+                  <a:srgbClr val="FFFFFF"/>
+                </a:solidFill>
+              </a14:hiddenFill>
+            </a:ext>
+          </a:extLst>
+        </p:spPr>
+      </p:pic>
+      <p:pic>
+        <p:nvPicPr>
+          <p:cNvPr id="10248" name="Picture 8" descr="C:\Users\Rinifisu\Desktop\20151128135001.png"/>
+          <p:cNvPicPr>
+            <a:picLocks noChangeAspect="1" noChangeArrowheads="1"/>
+          </p:cNvPicPr>
+          <p:nvPr/>
+        </p:nvPicPr>
+        <p:blipFill>
+          <a:blip r:embed="rId8" cstate="print">
+            <a:extLst>
+              <a:ext uri="{28A0092B-C50C-407E-A947-70E740481C1C}">
+                <a14:useLocalDpi xmlns:a14="http://schemas.microsoft.com/office/drawing/2010/main" val="0"/>
+              </a:ext>
+            </a:extLst>
+          </a:blip>
+          <a:srcRect/>
+          <a:stretch>
+            <a:fillRect/>
+          </a:stretch>
+        </p:blipFill>
+        <p:spPr bwMode="auto">
+          <a:xfrm>
+            <a:off x="6305915" y="5788269"/>
+            <a:ext cx="2730581" cy="733481"/>
+          </a:xfrm>
+          <a:prstGeom prst="rect">
+            <a:avLst/>
+          </a:prstGeom>
+          <a:noFill/>
+          <a:extLst>
+            <a:ext uri="{909E8E84-426E-40DD-AFC4-6F175D3DCCD1}">
+              <a14:hiddenFill xmlns:a14="http://schemas.microsoft.com/office/drawing/2010/main">
+                <a:solidFill>
+                  <a:srgbClr val="FFFFFF"/>
+                </a:solidFill>
+              </a14:hiddenFill>
+            </a:ext>
+          </a:extLst>
+        </p:spPr>
+      </p:pic>
+      <p:pic>
+        <p:nvPicPr>
+          <p:cNvPr id="10243" name="Picture 3" descr="C:\Users\Rinifisu\Desktop\visual-studio-2013-logo.png"/>
+          <p:cNvPicPr>
+            <a:picLocks noChangeAspect="1" noChangeArrowheads="1"/>
+          </p:cNvPicPr>
+          <p:nvPr/>
+        </p:nvPicPr>
+        <p:blipFill>
+          <a:blip r:embed="rId9">
+            <a:extLst>
+              <a:ext uri="{28A0092B-C50C-407E-A947-70E740481C1C}">
+                <a14:useLocalDpi xmlns:a14="http://schemas.microsoft.com/office/drawing/2010/main" val="0"/>
+              </a:ext>
+            </a:extLst>
+          </a:blip>
+          <a:srcRect/>
+          <a:stretch>
+            <a:fillRect/>
+          </a:stretch>
+        </p:blipFill>
+        <p:spPr bwMode="auto">
+          <a:xfrm>
+            <a:off x="4716016" y="1700808"/>
+            <a:ext cx="3190376" cy="1595188"/>
+          </a:xfrm>
+          <a:prstGeom prst="rect">
+            <a:avLst/>
+          </a:prstGeom>
+          <a:noFill/>
+          <a:extLst>
+            <a:ext uri="{909E8E84-426E-40DD-AFC4-6F175D3DCCD1}">
+              <a14:hiddenFill xmlns:a14="http://schemas.microsoft.com/office/drawing/2010/main">
+                <a:solidFill>
+                  <a:srgbClr val="FFFFFF"/>
+                </a:solidFill>
+              </a14:hiddenFill>
+            </a:ext>
+          </a:extLst>
+        </p:spPr>
+      </p:pic>
+      <p:cxnSp>
+        <p:nvCxnSpPr>
+          <p:cNvPr id="23" name="直線コネクタ 22"/>
+          <p:cNvCxnSpPr/>
+          <p:nvPr/>
+        </p:nvCxnSpPr>
+        <p:spPr>
+          <a:xfrm flipV="1">
+            <a:off x="4067944" y="5295651"/>
+            <a:ext cx="0" cy="1562349"/>
+          </a:xfrm>
+          <a:prstGeom prst="line">
+            <a:avLst/>
+          </a:prstGeom>
+          <a:ln w="57150">
+            <a:solidFill>
+              <a:schemeClr val="tx1"/>
+            </a:solidFill>
+          </a:ln>
+        </p:spPr>
+        <p:style>
+          <a:lnRef idx="1">
+            <a:schemeClr val="accent1"/>
+          </a:lnRef>
+          <a:fillRef idx="0">
+            <a:schemeClr val="accent1"/>
+          </a:fillRef>
+          <a:effectRef idx="0">
+            <a:schemeClr val="accent1"/>
+          </a:effectRef>
+          <a:fontRef idx="minor">
+            <a:schemeClr val="tx1"/>
+          </a:fontRef>
+        </p:style>
+      </p:cxnSp>
+    </p:spTree>
+    <p:extLst>
+      <p:ext uri="{BB962C8B-B14F-4D97-AF65-F5344CB8AC3E}">
+        <p14:creationId xmlns:p14="http://schemas.microsoft.com/office/powerpoint/2010/main" val="2902914516"/>
+      </p:ext>
+    </p:extLst>
+  </p:cSld>
+  <p:clrMapOvr>
+    <a:masterClrMapping/>
+  </p:clrMapOvr>
+  <mc:AlternateContent xmlns:mc="http://schemas.openxmlformats.org/markup-compatibility/2006">
+    <mc:Choice xmlns:p14="http://schemas.microsoft.com/office/powerpoint/2010/main" Requires="p14">
+      <p:transition p14:dur="0"/>
+    </mc:Choice>
+    <mc:Fallback>
+      <p:transition/>
+    </mc:Fallback>
+  </mc:AlternateContent>
+  <p:timing>
+    <p:tnLst>
+      <p:par>
+        <p:cTn id="1" dur="indefinite" restart="never" nodeType="tmRoot">
+          <p:childTnLst>
+            <p:seq concurrent="1" nextAc="seek">
+              <p:cTn id="2" dur="indefinite" nodeType="mainSeq">
+                <p:childTnLst>
+                  <p:par>
+                    <p:cTn id="3" fill="hold">
+                      <p:stCondLst>
+                        <p:cond delay="indefinite"/>
+                      </p:stCondLst>
+                      <p:childTnLst>
+                        <p:par>
+                          <p:cTn id="4" fill="hold">
+                            <p:stCondLst>
+                              <p:cond delay="0"/>
+                            </p:stCondLst>
+                            <p:childTnLst>
+                              <p:par>
+                                <p:cTn id="5" presetID="10" presetClass="entr" presetSubtype="0" fill="hold" grpId="0" nodeType="clickEffect">
+                                  <p:stCondLst>
+                                    <p:cond delay="0"/>
+                                  </p:stCondLst>
+                                  <p:childTnLst>
+                                    <p:set>
+                                      <p:cBhvr>
+                                        <p:cTn id="6" dur="1" fill="hold">
+                                          <p:stCondLst>
+                                            <p:cond delay="0"/>
+                                          </p:stCondLst>
+                                        </p:cTn>
+                                        <p:tgtEl>
+                                          <p:spTgt spid="6"/>
+                                        </p:tgtEl>
+                                        <p:attrNameLst>
+                                          <p:attrName>style.visibility</p:attrName>
+                                        </p:attrNameLst>
+                                      </p:cBhvr>
+                                      <p:to>
+                                        <p:strVal val="visible"/>
+                                      </p:to>
+                                    </p:set>
+                                    <p:animEffect transition="in" filter="fade">
+                                      <p:cBhvr>
+                                        <p:cTn id="7" dur="500"/>
+                                        <p:tgtEl>
+                                          <p:spTgt spid="6"/>
+                                        </p:tgtEl>
+                                      </p:cBhvr>
+                                    </p:animEffect>
+                                  </p:childTnLst>
+                                </p:cTn>
+                              </p:par>
+                              <p:par>
+                                <p:cTn id="8" presetID="10" presetClass="entr" presetSubtype="0" fill="hold" nodeType="withEffect">
+                                  <p:stCondLst>
+                                    <p:cond delay="0"/>
+                                  </p:stCondLst>
+                                  <p:childTnLst>
+                                    <p:set>
+                                      <p:cBhvr>
+                                        <p:cTn id="9" dur="1" fill="hold">
+                                          <p:stCondLst>
+                                            <p:cond delay="0"/>
+                                          </p:stCondLst>
+                                        </p:cTn>
+                                        <p:tgtEl>
+                                          <p:spTgt spid="5"/>
+                                        </p:tgtEl>
+                                        <p:attrNameLst>
+                                          <p:attrName>style.visibility</p:attrName>
+                                        </p:attrNameLst>
+                                      </p:cBhvr>
+                                      <p:to>
+                                        <p:strVal val="visible"/>
+                                      </p:to>
+                                    </p:set>
+                                    <p:animEffect transition="in" filter="fade">
+                                      <p:cBhvr>
+                                        <p:cTn id="10" dur="500"/>
+                                        <p:tgtEl>
+                                          <p:spTgt spid="5"/>
+                                        </p:tgtEl>
+                                      </p:cBhvr>
+                                    </p:animEffect>
+                                  </p:childTnLst>
+                                </p:cTn>
+                              </p:par>
+                              <p:par>
+                                <p:cTn id="11" presetID="10" presetClass="entr" presetSubtype="0" fill="hold" grpId="0" nodeType="withEffect">
+                                  <p:stCondLst>
+                                    <p:cond delay="0"/>
+                                  </p:stCondLst>
+                                  <p:childTnLst>
+                                    <p:set>
+                                      <p:cBhvr>
+                                        <p:cTn id="12" dur="1" fill="hold">
+                                          <p:stCondLst>
+                                            <p:cond delay="0"/>
+                                          </p:stCondLst>
+                                        </p:cTn>
+                                        <p:tgtEl>
+                                          <p:spTgt spid="7"/>
+                                        </p:tgtEl>
+                                        <p:attrNameLst>
+                                          <p:attrName>style.visibility</p:attrName>
+                                        </p:attrNameLst>
+                                      </p:cBhvr>
+                                      <p:to>
+                                        <p:strVal val="visible"/>
+                                      </p:to>
+                                    </p:set>
+                                    <p:animEffect transition="in" filter="fade">
+                                      <p:cBhvr>
+                                        <p:cTn id="13" dur="500"/>
+                                        <p:tgtEl>
+                                          <p:spTgt spid="7"/>
+                                        </p:tgtEl>
+                                      </p:cBhvr>
+                                    </p:animEffect>
+                                  </p:childTnLst>
+                                </p:cTn>
+                              </p:par>
+                              <p:par>
+                                <p:cTn id="14" presetID="10" presetClass="entr" presetSubtype="0" fill="hold" nodeType="withEffect">
+                                  <p:stCondLst>
+                                    <p:cond delay="0"/>
+                                  </p:stCondLst>
+                                  <p:childTnLst>
+                                    <p:set>
+                                      <p:cBhvr>
+                                        <p:cTn id="15" dur="1" fill="hold">
+                                          <p:stCondLst>
+                                            <p:cond delay="0"/>
+                                          </p:stCondLst>
+                                        </p:cTn>
+                                        <p:tgtEl>
+                                          <p:spTgt spid="10242"/>
+                                        </p:tgtEl>
+                                        <p:attrNameLst>
+                                          <p:attrName>style.visibility</p:attrName>
+                                        </p:attrNameLst>
+                                      </p:cBhvr>
+                                      <p:to>
+                                        <p:strVal val="visible"/>
+                                      </p:to>
+                                    </p:set>
+                                    <p:animEffect transition="in" filter="fade">
+                                      <p:cBhvr>
+                                        <p:cTn id="16" dur="500"/>
+                                        <p:tgtEl>
+                                          <p:spTgt spid="10242"/>
+                                        </p:tgtEl>
+                                      </p:cBhvr>
+                                    </p:animEffect>
+                                  </p:childTnLst>
+                                </p:cTn>
+                              </p:par>
+                            </p:childTnLst>
+                          </p:cTn>
+                        </p:par>
+                        <p:par>
+                          <p:cTn id="17" fill="hold">
+                            <p:stCondLst>
+                              <p:cond delay="500"/>
+                            </p:stCondLst>
+                            <p:childTnLst>
+                              <p:par>
+                                <p:cTn id="18" presetID="10" presetClass="entr" presetSubtype="0" fill="hold" nodeType="afterEffect">
+                                  <p:stCondLst>
+                                    <p:cond delay="0"/>
+                                  </p:stCondLst>
+                                  <p:childTnLst>
+                                    <p:set>
+                                      <p:cBhvr>
+                                        <p:cTn id="19" dur="1" fill="hold">
+                                          <p:stCondLst>
+                                            <p:cond delay="0"/>
+                                          </p:stCondLst>
+                                        </p:cTn>
+                                        <p:tgtEl>
+                                          <p:spTgt spid="9"/>
+                                        </p:tgtEl>
+                                        <p:attrNameLst>
+                                          <p:attrName>style.visibility</p:attrName>
+                                        </p:attrNameLst>
+                                      </p:cBhvr>
+                                      <p:to>
+                                        <p:strVal val="visible"/>
+                                      </p:to>
+                                    </p:set>
+                                    <p:animEffect transition="in" filter="fade">
+                                      <p:cBhvr>
+                                        <p:cTn id="20" dur="500"/>
+                                        <p:tgtEl>
+                                          <p:spTgt spid="9"/>
+                                        </p:tgtEl>
+                                      </p:cBhvr>
+                                    </p:animEffect>
+                                  </p:childTnLst>
+                                </p:cTn>
+                              </p:par>
+                            </p:childTnLst>
+                          </p:cTn>
+                        </p:par>
+                      </p:childTnLst>
+                    </p:cTn>
+                  </p:par>
+                  <p:par>
+                    <p:cTn id="21" fill="hold">
+                      <p:stCondLst>
+                        <p:cond delay="indefinite"/>
+                      </p:stCondLst>
+                      <p:childTnLst>
+                        <p:par>
+                          <p:cTn id="22" fill="hold">
+                            <p:stCondLst>
+                              <p:cond delay="0"/>
+                            </p:stCondLst>
+                            <p:childTnLst>
+                              <p:par>
+                                <p:cTn id="23" presetID="2" presetClass="exit" presetSubtype="1" fill="hold" nodeType="clickEffect">
+                                  <p:stCondLst>
+                                    <p:cond delay="0"/>
+                                  </p:stCondLst>
+                                  <p:childTnLst>
+                                    <p:anim calcmode="lin" valueType="num">
+                                      <p:cBhvr additive="base">
+                                        <p:cTn id="24" dur="300"/>
+                                        <p:tgtEl>
+                                          <p:spTgt spid="10242"/>
+                                        </p:tgtEl>
+                                        <p:attrNameLst>
+                                          <p:attrName>ppt_x</p:attrName>
+                                        </p:attrNameLst>
+                                      </p:cBhvr>
+                                      <p:tavLst>
+                                        <p:tav tm="0">
+                                          <p:val>
+                                            <p:strVal val="ppt_x"/>
+                                          </p:val>
+                                        </p:tav>
+                                        <p:tav tm="100000">
+                                          <p:val>
+                                            <p:strVal val="ppt_x"/>
+                                          </p:val>
+                                        </p:tav>
+                                      </p:tavLst>
+                                    </p:anim>
+                                    <p:anim calcmode="lin" valueType="num">
+                                      <p:cBhvr additive="base">
+                                        <p:cTn id="25" dur="300"/>
+                                        <p:tgtEl>
+                                          <p:spTgt spid="10242"/>
+                                        </p:tgtEl>
+                                        <p:attrNameLst>
+                                          <p:attrName>ppt_y</p:attrName>
+                                        </p:attrNameLst>
+                                      </p:cBhvr>
+                                      <p:tavLst>
+                                        <p:tav tm="0">
+                                          <p:val>
+                                            <p:strVal val="ppt_y"/>
+                                          </p:val>
+                                        </p:tav>
+                                        <p:tav tm="100000">
+                                          <p:val>
+                                            <p:strVal val="0-ppt_h/2"/>
+                                          </p:val>
+                                        </p:tav>
+                                      </p:tavLst>
+                                    </p:anim>
+                                    <p:set>
+                                      <p:cBhvr>
+                                        <p:cTn id="26" dur="1" fill="hold">
+                                          <p:stCondLst>
+                                            <p:cond delay="299"/>
+                                          </p:stCondLst>
+                                        </p:cTn>
+                                        <p:tgtEl>
+                                          <p:spTgt spid="10242"/>
+                                        </p:tgtEl>
+                                        <p:attrNameLst>
+                                          <p:attrName>style.visibility</p:attrName>
+                                        </p:attrNameLst>
+                                      </p:cBhvr>
+                                      <p:to>
+                                        <p:strVal val="hidden"/>
+                                      </p:to>
+                                    </p:set>
+                                  </p:childTnLst>
+                                </p:cTn>
+                              </p:par>
+                              <p:par>
+                                <p:cTn id="27" presetID="2" presetClass="entr" presetSubtype="4" fill="hold" nodeType="withEffect">
+                                  <p:stCondLst>
+                                    <p:cond delay="0"/>
+                                  </p:stCondLst>
+                                  <p:childTnLst>
+                                    <p:set>
+                                      <p:cBhvr>
+                                        <p:cTn id="28" dur="1" fill="hold">
+                                          <p:stCondLst>
+                                            <p:cond delay="0"/>
+                                          </p:stCondLst>
+                                        </p:cTn>
+                                        <p:tgtEl>
+                                          <p:spTgt spid="10243"/>
+                                        </p:tgtEl>
+                                        <p:attrNameLst>
+                                          <p:attrName>style.visibility</p:attrName>
+                                        </p:attrNameLst>
+                                      </p:cBhvr>
+                                      <p:to>
+                                        <p:strVal val="visible"/>
+                                      </p:to>
+                                    </p:set>
+                                    <p:anim calcmode="lin" valueType="num">
+                                      <p:cBhvr additive="base">
+                                        <p:cTn id="29" dur="500" fill="hold"/>
+                                        <p:tgtEl>
+                                          <p:spTgt spid="10243"/>
+                                        </p:tgtEl>
+                                        <p:attrNameLst>
+                                          <p:attrName>ppt_x</p:attrName>
+                                        </p:attrNameLst>
+                                      </p:cBhvr>
+                                      <p:tavLst>
+                                        <p:tav tm="0">
+                                          <p:val>
+                                            <p:strVal val="#ppt_x"/>
+                                          </p:val>
+                                        </p:tav>
+                                        <p:tav tm="100000">
+                                          <p:val>
+                                            <p:strVal val="#ppt_x"/>
+                                          </p:val>
+                                        </p:tav>
+                                      </p:tavLst>
+                                    </p:anim>
+                                    <p:anim calcmode="lin" valueType="num">
+                                      <p:cBhvr additive="base">
+                                        <p:cTn id="30" dur="500" fill="hold"/>
+                                        <p:tgtEl>
+                                          <p:spTgt spid="10243"/>
+                                        </p:tgtEl>
+                                        <p:attrNameLst>
+                                          <p:attrName>ppt_y</p:attrName>
+                                        </p:attrNameLst>
+                                      </p:cBhvr>
+                                      <p:tavLst>
+                                        <p:tav tm="0">
+                                          <p:val>
+                                            <p:strVal val="1+#ppt_h/2"/>
+                                          </p:val>
+                                        </p:tav>
+                                        <p:tav tm="100000">
+                                          <p:val>
+                                            <p:strVal val="#ppt_y"/>
+                                          </p:val>
+                                        </p:tav>
+                                      </p:tavLst>
+                                    </p:anim>
+                                  </p:childTnLst>
+                                </p:cTn>
+                              </p:par>
+                            </p:childTnLst>
+                          </p:cTn>
+                        </p:par>
+                      </p:childTnLst>
+                    </p:cTn>
+                  </p:par>
+                  <p:par>
+                    <p:cTn id="31" fill="hold">
+                      <p:stCondLst>
+                        <p:cond delay="indefinite"/>
+                      </p:stCondLst>
+                      <p:childTnLst>
+                        <p:par>
+                          <p:cTn id="32" fill="hold">
+                            <p:stCondLst>
+                              <p:cond delay="0"/>
+                            </p:stCondLst>
+                            <p:childTnLst>
+                              <p:par>
+                                <p:cTn id="33" presetID="10" presetClass="entr" presetSubtype="0" fill="hold" grpId="0" nodeType="clickEffect">
+                                  <p:stCondLst>
+                                    <p:cond delay="0"/>
+                                  </p:stCondLst>
+                                  <p:childTnLst>
+                                    <p:set>
+                                      <p:cBhvr>
+                                        <p:cTn id="34" dur="1" fill="hold">
+                                          <p:stCondLst>
+                                            <p:cond delay="0"/>
+                                          </p:stCondLst>
+                                        </p:cTn>
+                                        <p:tgtEl>
+                                          <p:spTgt spid="11"/>
+                                        </p:tgtEl>
+                                        <p:attrNameLst>
+                                          <p:attrName>style.visibility</p:attrName>
+                                        </p:attrNameLst>
+                                      </p:cBhvr>
+                                      <p:to>
+                                        <p:strVal val="visible"/>
+                                      </p:to>
+                                    </p:set>
+                                    <p:animEffect transition="in" filter="fade">
+                                      <p:cBhvr>
+                                        <p:cTn id="35" dur="500"/>
+                                        <p:tgtEl>
+                                          <p:spTgt spid="11"/>
+                                        </p:tgtEl>
+                                      </p:cBhvr>
+                                    </p:animEffect>
+                                  </p:childTnLst>
+                                </p:cTn>
+                              </p:par>
+                              <p:par>
+                                <p:cTn id="36" presetID="10" presetClass="entr" presetSubtype="0" fill="hold" nodeType="withEffect">
+                                  <p:stCondLst>
+                                    <p:cond delay="0"/>
+                                  </p:stCondLst>
+                                  <p:childTnLst>
+                                    <p:set>
+                                      <p:cBhvr>
+                                        <p:cTn id="37" dur="1" fill="hold">
+                                          <p:stCondLst>
+                                            <p:cond delay="0"/>
+                                          </p:stCondLst>
+                                        </p:cTn>
+                                        <p:tgtEl>
+                                          <p:spTgt spid="10246"/>
+                                        </p:tgtEl>
+                                        <p:attrNameLst>
+                                          <p:attrName>style.visibility</p:attrName>
+                                        </p:attrNameLst>
+                                      </p:cBhvr>
+                                      <p:to>
+                                        <p:strVal val="visible"/>
+                                      </p:to>
+                                    </p:set>
+                                    <p:animEffect transition="in" filter="fade">
+                                      <p:cBhvr>
+                                        <p:cTn id="38" dur="500"/>
+                                        <p:tgtEl>
+                                          <p:spTgt spid="10246"/>
+                                        </p:tgtEl>
+                                      </p:cBhvr>
+                                    </p:animEffect>
+                                  </p:childTnLst>
+                                </p:cTn>
+                              </p:par>
+                              <p:par>
+                                <p:cTn id="39" presetID="10" presetClass="entr" presetSubtype="0" fill="hold" grpId="0" nodeType="withEffect">
+                                  <p:stCondLst>
+                                    <p:cond delay="0"/>
+                                  </p:stCondLst>
+                                  <p:childTnLst>
+                                    <p:set>
+                                      <p:cBhvr>
+                                        <p:cTn id="40" dur="1" fill="hold">
+                                          <p:stCondLst>
+                                            <p:cond delay="0"/>
+                                          </p:stCondLst>
+                                        </p:cTn>
+                                        <p:tgtEl>
+                                          <p:spTgt spid="16"/>
+                                        </p:tgtEl>
+                                        <p:attrNameLst>
+                                          <p:attrName>style.visibility</p:attrName>
+                                        </p:attrNameLst>
+                                      </p:cBhvr>
+                                      <p:to>
+                                        <p:strVal val="visible"/>
+                                      </p:to>
+                                    </p:set>
+                                    <p:animEffect transition="in" filter="fade">
+                                      <p:cBhvr>
+                                        <p:cTn id="41" dur="500"/>
+                                        <p:tgtEl>
+                                          <p:spTgt spid="16"/>
+                                        </p:tgtEl>
+                                      </p:cBhvr>
+                                    </p:animEffect>
+                                  </p:childTnLst>
+                                </p:cTn>
+                              </p:par>
+                              <p:par>
+                                <p:cTn id="42" presetID="10" presetClass="entr" presetSubtype="0" fill="hold" nodeType="withEffect">
+                                  <p:stCondLst>
+                                    <p:cond delay="0"/>
+                                  </p:stCondLst>
+                                  <p:childTnLst>
+                                    <p:set>
+                                      <p:cBhvr>
+                                        <p:cTn id="43" dur="1" fill="hold">
+                                          <p:stCondLst>
+                                            <p:cond delay="0"/>
+                                          </p:stCondLst>
+                                        </p:cTn>
+                                        <p:tgtEl>
+                                          <p:spTgt spid="10245"/>
+                                        </p:tgtEl>
+                                        <p:attrNameLst>
+                                          <p:attrName>style.visibility</p:attrName>
+                                        </p:attrNameLst>
+                                      </p:cBhvr>
+                                      <p:to>
+                                        <p:strVal val="visible"/>
+                                      </p:to>
+                                    </p:set>
+                                    <p:animEffect transition="in" filter="fade">
+                                      <p:cBhvr>
+                                        <p:cTn id="44" dur="500"/>
+                                        <p:tgtEl>
+                                          <p:spTgt spid="10245"/>
+                                        </p:tgtEl>
+                                      </p:cBhvr>
+                                    </p:animEffect>
+                                  </p:childTnLst>
+                                </p:cTn>
+                              </p:par>
+                            </p:childTnLst>
+                          </p:cTn>
+                        </p:par>
+                        <p:par>
+                          <p:cTn id="45" fill="hold">
+                            <p:stCondLst>
+                              <p:cond delay="500"/>
+                            </p:stCondLst>
+                            <p:childTnLst>
+                              <p:par>
+                                <p:cTn id="46" presetID="10" presetClass="entr" presetSubtype="0" fill="hold" nodeType="afterEffect">
+                                  <p:stCondLst>
+                                    <p:cond delay="0"/>
+                                  </p:stCondLst>
+                                  <p:childTnLst>
+                                    <p:set>
+                                      <p:cBhvr>
+                                        <p:cTn id="47" dur="1" fill="hold">
+                                          <p:stCondLst>
+                                            <p:cond delay="0"/>
+                                          </p:stCondLst>
+                                        </p:cTn>
+                                        <p:tgtEl>
+                                          <p:spTgt spid="21"/>
+                                        </p:tgtEl>
+                                        <p:attrNameLst>
+                                          <p:attrName>style.visibility</p:attrName>
+                                        </p:attrNameLst>
+                                      </p:cBhvr>
+                                      <p:to>
+                                        <p:strVal val="visible"/>
+                                      </p:to>
+                                    </p:set>
+                                    <p:animEffect transition="in" filter="fade">
+                                      <p:cBhvr>
+                                        <p:cTn id="48" dur="500"/>
+                                        <p:tgtEl>
+                                          <p:spTgt spid="21"/>
+                                        </p:tgtEl>
+                                      </p:cBhvr>
+                                    </p:animEffect>
+                                  </p:childTnLst>
+                                </p:cTn>
+                              </p:par>
+                            </p:childTnLst>
+                          </p:cTn>
+                        </p:par>
+                      </p:childTnLst>
+                    </p:cTn>
+                  </p:par>
+                  <p:par>
+                    <p:cTn id="49" fill="hold">
+                      <p:stCondLst>
+                        <p:cond delay="indefinite"/>
+                      </p:stCondLst>
+                      <p:childTnLst>
+                        <p:par>
+                          <p:cTn id="50" fill="hold">
+                            <p:stCondLst>
+                              <p:cond delay="0"/>
+                            </p:stCondLst>
+                            <p:childTnLst>
+                              <p:par>
+                                <p:cTn id="51" presetID="10" presetClass="entr" presetSubtype="0" fill="hold" grpId="0" nodeType="clickEffect">
+                                  <p:stCondLst>
+                                    <p:cond delay="0"/>
+                                  </p:stCondLst>
+                                  <p:childTnLst>
+                                    <p:set>
+                                      <p:cBhvr>
+                                        <p:cTn id="52" dur="1" fill="hold">
+                                          <p:stCondLst>
+                                            <p:cond delay="0"/>
+                                          </p:stCondLst>
+                                        </p:cTn>
+                                        <p:tgtEl>
+                                          <p:spTgt spid="10"/>
+                                        </p:tgtEl>
+                                        <p:attrNameLst>
+                                          <p:attrName>style.visibility</p:attrName>
+                                        </p:attrNameLst>
+                                      </p:cBhvr>
+                                      <p:to>
+                                        <p:strVal val="visible"/>
+                                      </p:to>
+                                    </p:set>
+                                    <p:animEffect transition="in" filter="fade">
+                                      <p:cBhvr>
+                                        <p:cTn id="53" dur="500"/>
+                                        <p:tgtEl>
+                                          <p:spTgt spid="10"/>
+                                        </p:tgtEl>
+                                      </p:cBhvr>
+                                    </p:animEffect>
+                                  </p:childTnLst>
+                                </p:cTn>
+                              </p:par>
+                              <p:par>
+                                <p:cTn id="54" presetID="10" presetClass="entr" presetSubtype="0" fill="hold" nodeType="withEffect">
+                                  <p:stCondLst>
+                                    <p:cond delay="0"/>
+                                  </p:stCondLst>
+                                  <p:childTnLst>
+                                    <p:set>
+                                      <p:cBhvr>
+                                        <p:cTn id="55" dur="1" fill="hold">
+                                          <p:stCondLst>
+                                            <p:cond delay="0"/>
+                                          </p:stCondLst>
+                                        </p:cTn>
+                                        <p:tgtEl>
+                                          <p:spTgt spid="10244"/>
+                                        </p:tgtEl>
+                                        <p:attrNameLst>
+                                          <p:attrName>style.visibility</p:attrName>
+                                        </p:attrNameLst>
+                                      </p:cBhvr>
+                                      <p:to>
+                                        <p:strVal val="visible"/>
+                                      </p:to>
+                                    </p:set>
+                                    <p:animEffect transition="in" filter="fade">
+                                      <p:cBhvr>
+                                        <p:cTn id="56" dur="500"/>
+                                        <p:tgtEl>
+                                          <p:spTgt spid="10244"/>
+                                        </p:tgtEl>
+                                      </p:cBhvr>
+                                    </p:animEffect>
+                                  </p:childTnLst>
+                                </p:cTn>
+                              </p:par>
+                            </p:childTnLst>
+                          </p:cTn>
+                        </p:par>
+                        <p:par>
+                          <p:cTn id="57" fill="hold">
+                            <p:stCondLst>
+                              <p:cond delay="500"/>
+                            </p:stCondLst>
+                            <p:childTnLst>
+                              <p:par>
+                                <p:cTn id="58" presetID="10" presetClass="entr" presetSubtype="0" fill="hold" nodeType="afterEffect">
+                                  <p:stCondLst>
+                                    <p:cond delay="0"/>
+                                  </p:stCondLst>
+                                  <p:childTnLst>
+                                    <p:set>
+                                      <p:cBhvr>
+                                        <p:cTn id="59" dur="1" fill="hold">
+                                          <p:stCondLst>
+                                            <p:cond delay="0"/>
+                                          </p:stCondLst>
+                                        </p:cTn>
+                                        <p:tgtEl>
+                                          <p:spTgt spid="22"/>
+                                        </p:tgtEl>
+                                        <p:attrNameLst>
+                                          <p:attrName>style.visibility</p:attrName>
+                                        </p:attrNameLst>
+                                      </p:cBhvr>
+                                      <p:to>
+                                        <p:strVal val="visible"/>
+                                      </p:to>
+                                    </p:set>
+                                    <p:animEffect transition="in" filter="fade">
+                                      <p:cBhvr>
+                                        <p:cTn id="60" dur="500"/>
+                                        <p:tgtEl>
+                                          <p:spTgt spid="22"/>
+                                        </p:tgtEl>
+                                      </p:cBhvr>
+                                    </p:animEffect>
+                                  </p:childTnLst>
+                                </p:cTn>
+                              </p:par>
+                            </p:childTnLst>
+                          </p:cTn>
+                        </p:par>
+                      </p:childTnLst>
+                    </p:cTn>
+                  </p:par>
+                  <p:par>
+                    <p:cTn id="61" fill="hold">
+                      <p:stCondLst>
+                        <p:cond delay="indefinite"/>
+                      </p:stCondLst>
+                      <p:childTnLst>
+                        <p:par>
+                          <p:cTn id="62" fill="hold">
+                            <p:stCondLst>
+                              <p:cond delay="0"/>
+                            </p:stCondLst>
+                            <p:childTnLst>
+                              <p:par>
+                                <p:cTn id="63" presetID="10" presetClass="entr" presetSubtype="0" fill="hold" grpId="0" nodeType="clickEffect">
+                                  <p:stCondLst>
+                                    <p:cond delay="0"/>
+                                  </p:stCondLst>
+                                  <p:childTnLst>
+                                    <p:set>
+                                      <p:cBhvr>
+                                        <p:cTn id="64" dur="1" fill="hold">
+                                          <p:stCondLst>
+                                            <p:cond delay="0"/>
+                                          </p:stCondLst>
+                                        </p:cTn>
+                                        <p:tgtEl>
+                                          <p:spTgt spid="12"/>
+                                        </p:tgtEl>
+                                        <p:attrNameLst>
+                                          <p:attrName>style.visibility</p:attrName>
+                                        </p:attrNameLst>
+                                      </p:cBhvr>
+                                      <p:to>
+                                        <p:strVal val="visible"/>
+                                      </p:to>
+                                    </p:set>
+                                    <p:animEffect transition="in" filter="fade">
+                                      <p:cBhvr>
+                                        <p:cTn id="65" dur="500"/>
+                                        <p:tgtEl>
+                                          <p:spTgt spid="12"/>
+                                        </p:tgtEl>
+                                      </p:cBhvr>
+                                    </p:animEffect>
+                                  </p:childTnLst>
+                                </p:cTn>
+                              </p:par>
+                              <p:par>
+                                <p:cTn id="66" presetID="10" presetClass="entr" presetSubtype="0" fill="hold" nodeType="withEffect">
+                                  <p:stCondLst>
+                                    <p:cond delay="0"/>
+                                  </p:stCondLst>
+                                  <p:childTnLst>
+                                    <p:set>
+                                      <p:cBhvr>
+                                        <p:cTn id="67" dur="1" fill="hold">
+                                          <p:stCondLst>
+                                            <p:cond delay="0"/>
+                                          </p:stCondLst>
+                                        </p:cTn>
+                                        <p:tgtEl>
+                                          <p:spTgt spid="10247"/>
+                                        </p:tgtEl>
+                                        <p:attrNameLst>
+                                          <p:attrName>style.visibility</p:attrName>
+                                        </p:attrNameLst>
+                                      </p:cBhvr>
+                                      <p:to>
+                                        <p:strVal val="visible"/>
+                                      </p:to>
+                                    </p:set>
+                                    <p:animEffect transition="in" filter="fade">
+                                      <p:cBhvr>
+                                        <p:cTn id="68" dur="500"/>
+                                        <p:tgtEl>
+                                          <p:spTgt spid="10247"/>
+                                        </p:tgtEl>
+                                      </p:cBhvr>
+                                    </p:animEffect>
+                                  </p:childTnLst>
+                                </p:cTn>
+                              </p:par>
+                              <p:par>
+                                <p:cTn id="69" presetID="10" presetClass="entr" presetSubtype="0" fill="hold" nodeType="withEffect">
+                                  <p:stCondLst>
+                                    <p:cond delay="0"/>
+                                  </p:stCondLst>
+                                  <p:childTnLst>
+                                    <p:set>
+                                      <p:cBhvr>
+                                        <p:cTn id="70" dur="1" fill="hold">
+                                          <p:stCondLst>
+                                            <p:cond delay="0"/>
+                                          </p:stCondLst>
+                                        </p:cTn>
+                                        <p:tgtEl>
+                                          <p:spTgt spid="10248"/>
+                                        </p:tgtEl>
+                                        <p:attrNameLst>
+                                          <p:attrName>style.visibility</p:attrName>
+                                        </p:attrNameLst>
+                                      </p:cBhvr>
+                                      <p:to>
+                                        <p:strVal val="visible"/>
+                                      </p:to>
+                                    </p:set>
+                                    <p:animEffect transition="in" filter="fade">
+                                      <p:cBhvr>
+                                        <p:cTn id="71" dur="500"/>
+                                        <p:tgtEl>
+                                          <p:spTgt spid="10248"/>
+                                        </p:tgtEl>
+                                      </p:cBhvr>
+                                    </p:animEffect>
+                                  </p:childTnLst>
+                                </p:cTn>
+                              </p:par>
+                            </p:childTnLst>
+                          </p:cTn>
+                        </p:par>
+                        <p:par>
+                          <p:cTn id="72" fill="hold">
+                            <p:stCondLst>
+                              <p:cond delay="500"/>
+                            </p:stCondLst>
+                            <p:childTnLst>
+                              <p:par>
+                                <p:cTn id="73" presetID="10" presetClass="entr" presetSubtype="0" fill="hold" nodeType="afterEffect">
+                                  <p:stCondLst>
+                                    <p:cond delay="0"/>
+                                  </p:stCondLst>
+                                  <p:childTnLst>
+                                    <p:set>
+                                      <p:cBhvr>
+                                        <p:cTn id="74" dur="1" fill="hold">
+                                          <p:stCondLst>
+                                            <p:cond delay="0"/>
+                                          </p:stCondLst>
+                                        </p:cTn>
+                                        <p:tgtEl>
+                                          <p:spTgt spid="23"/>
+                                        </p:tgtEl>
+                                        <p:attrNameLst>
+                                          <p:attrName>style.visibility</p:attrName>
+                                        </p:attrNameLst>
+                                      </p:cBhvr>
+                                      <p:to>
+                                        <p:strVal val="visible"/>
+                                      </p:to>
+                                    </p:set>
+                                    <p:animEffect transition="in" filter="fade">
+                                      <p:cBhvr>
+                                        <p:cTn id="75" dur="500"/>
+                                        <p:tgtEl>
+                                          <p:spTgt spid="23"/>
+                                        </p:tgtEl>
+                                      </p:cBhvr>
+                                    </p:animEffect>
+                                  </p:childTnLst>
+                                </p:cTn>
+                              </p:par>
+                            </p:childTnLst>
+                          </p:cTn>
+                        </p:par>
+                      </p:childTnLst>
+                    </p:cTn>
+                  </p:par>
+                </p:childTnLst>
+              </p:cTn>
+              <p:prevCondLst>
+                <p:cond evt="onPrev" delay="0">
+                  <p:tgtEl>
+                    <p:sldTgt/>
+                  </p:tgtEl>
+                </p:cond>
+              </p:prevCondLst>
+              <p:nextCondLst>
+                <p:cond evt="onNext" delay="0">
+                  <p:tgtEl>
+                    <p:sldTgt/>
+                  </p:tgtEl>
+                </p:cond>
+              </p:nextCondLst>
+            </p:seq>
+          </p:childTnLst>
+        </p:cTn>
+      </p:par>
+    </p:tnLst>
+    <p:bldLst>
+      <p:bldP spid="6" grpId="0" animBg="1"/>
+      <p:bldP spid="7" grpId="0" animBg="1"/>
+      <p:bldP spid="10" grpId="0" animBg="1"/>
+      <p:bldP spid="11" grpId="0" animBg="1"/>
+      <p:bldP spid="12" grpId="0" animBg="1"/>
+      <p:bldP spid="16" grpId="0" animBg="1"/>
+    </p:bldLst>
   </p:timing>
 </p:sld>
 </file>
@@ -6887,6 +12345,14 @@
   <p:clrMapOvr>
     <a:masterClrMapping/>
   </p:clrMapOvr>
+  <mc:AlternateContent xmlns:mc="http://schemas.openxmlformats.org/markup-compatibility/2006">
+    <mc:Choice xmlns:p14="http://schemas.microsoft.com/office/powerpoint/2010/main" Requires="p14">
+      <p:transition p14:dur="0"/>
+    </mc:Choice>
+    <mc:Fallback>
+      <p:transition/>
+    </mc:Fallback>
+  </mc:AlternateContent>
   <p:timing>
     <p:tnLst>
       <p:par>
@@ -8088,6 +13554,14 @@
   <p:clrMapOvr>
     <a:masterClrMapping/>
   </p:clrMapOvr>
+  <mc:AlternateContent xmlns:mc="http://schemas.openxmlformats.org/markup-compatibility/2006">
+    <mc:Choice xmlns:p14="http://schemas.microsoft.com/office/powerpoint/2010/main" Requires="p14">
+      <p:transition p14:dur="0"/>
+    </mc:Choice>
+    <mc:Fallback>
+      <p:transition/>
+    </mc:Fallback>
+  </mc:AlternateContent>
   <p:timing>
     <p:tnLst>
       <p:par>
@@ -9346,7 +14820,7 @@
     <p:controls>
       <mc:AlternateContent xmlns:mc="http://schemas.openxmlformats.org/markup-compatibility/2006">
         <mc:Choice xmlns:v="urn:schemas-microsoft-com:vml" Requires="v">
-          <p:control spid="3075" name="WindowsMediaPlayer1" r:id="rId2" imgW="5837426" imgH="4723810"/>
+          <p:control spid="3076" name="WindowsMediaPlayer1" r:id="rId2" imgW="5837426" imgH="4723810"/>
         </mc:Choice>
         <mc:Fallback>
           <p:control name="WindowsMediaPlayer1" r:id="rId2" imgW="5837426" imgH="4723810">
@@ -9423,16 +14897,12 @@
   <p:clrMapOvr>
     <a:masterClrMapping/>
   </p:clrMapOvr>
-  <mc:AlternateContent xmlns:mc="http://schemas.openxmlformats.org/markup-compatibility/2006" xmlns:p14="http://schemas.microsoft.com/office/powerpoint/2010/main">
-    <mc:Choice Requires="p14">
-      <p:transition spd="slow" p14:dur="1100">
-        <p14:switch dir="r"/>
-      </p:transition>
+  <mc:AlternateContent xmlns:mc="http://schemas.openxmlformats.org/markup-compatibility/2006">
+    <mc:Choice xmlns:p14="http://schemas.microsoft.com/office/powerpoint/2010/main" Requires="p14">
+      <p:transition p14:dur="0"/>
     </mc:Choice>
-    <mc:Fallback xmlns="">
-      <p:transition spd="slow">
-        <p:fade/>
-      </p:transition>
+    <mc:Fallback>
+      <p:transition/>
     </mc:Fallback>
   </mc:AlternateContent>
   <p:timing>
@@ -9523,7 +14993,7 @@
     <p:controls>
       <mc:AlternateContent xmlns:mc="http://schemas.openxmlformats.org/markup-compatibility/2006">
         <mc:Choice xmlns:v="urn:schemas-microsoft-com:vml" Requires="v">
-          <p:control spid="4099" name="WindowsMediaPlayer1" r:id="rId2" imgW="5837426" imgH="4723810"/>
+          <p:control spid="4100" name="WindowsMediaPlayer1" r:id="rId2" imgW="5837426" imgH="4723810"/>
         </mc:Choice>
         <mc:Fallback>
           <p:control name="WindowsMediaPlayer1" r:id="rId2" imgW="5837426" imgH="4723810">
@@ -9600,16 +15070,12 @@
   <p:clrMapOvr>
     <a:masterClrMapping/>
   </p:clrMapOvr>
-  <mc:AlternateContent xmlns:mc="http://schemas.openxmlformats.org/markup-compatibility/2006" xmlns:p14="http://schemas.microsoft.com/office/powerpoint/2010/main">
-    <mc:Choice Requires="p14">
-      <p:transition spd="slow" p14:dur="1100">
-        <p14:switch dir="r"/>
-      </p:transition>
+  <mc:AlternateContent xmlns:mc="http://schemas.openxmlformats.org/markup-compatibility/2006">
+    <mc:Choice xmlns:p14="http://schemas.microsoft.com/office/powerpoint/2010/main" Requires="p14">
+      <p:transition p14:dur="0"/>
     </mc:Choice>
-    <mc:Fallback xmlns="">
-      <p:transition spd="slow">
-        <p:fade/>
-      </p:transition>
+    <mc:Fallback>
+      <p:transition/>
     </mc:Fallback>
   </mc:AlternateContent>
   <p:timing>
@@ -9730,6 +15196,14 @@
   <p:clrMapOvr>
     <a:masterClrMapping/>
   </p:clrMapOvr>
+  <mc:AlternateContent xmlns:mc="http://schemas.openxmlformats.org/markup-compatibility/2006">
+    <mc:Choice xmlns:p14="http://schemas.microsoft.com/office/powerpoint/2010/main" Requires="p14">
+      <p:transition p14:dur="0"/>
+    </mc:Choice>
+    <mc:Fallback>
+      <p:transition/>
+    </mc:Fallback>
+  </mc:AlternateContent>
   <p:timing>
     <p:tnLst>
       <p:par>
@@ -9757,6 +15231,129 @@
           <a:chExt cx="0" cy="0"/>
         </a:xfrm>
       </p:grpSpPr>
+      <p:pic>
+        <p:nvPicPr>
+          <p:cNvPr id="5122" name="Picture 2" descr="C:\Action!\Screenshots\1.png"/>
+          <p:cNvPicPr>
+            <a:picLocks noChangeAspect="1" noChangeArrowheads="1"/>
+          </p:cNvPicPr>
+          <p:nvPr/>
+        </p:nvPicPr>
+        <p:blipFill>
+          <a:blip r:embed="rId2">
+            <a:extLst>
+              <a:ext uri="{28A0092B-C50C-407E-A947-70E740481C1C}">
+                <a14:useLocalDpi xmlns:a14="http://schemas.microsoft.com/office/drawing/2010/main" val="0"/>
+              </a:ext>
+            </a:extLst>
+          </a:blip>
+          <a:srcRect/>
+          <a:stretch>
+            <a:fillRect/>
+          </a:stretch>
+        </p:blipFill>
+        <p:spPr bwMode="auto">
+          <a:xfrm>
+            <a:off x="1043608" y="1426021"/>
+            <a:ext cx="7056784" cy="5284951"/>
+          </a:xfrm>
+          <a:prstGeom prst="rect">
+            <a:avLst/>
+          </a:prstGeom>
+          <a:noFill/>
+          <a:extLst>
+            <a:ext uri="{909E8E84-426E-40DD-AFC4-6F175D3DCCD1}">
+              <a14:hiddenFill xmlns:a14="http://schemas.microsoft.com/office/drawing/2010/main">
+                <a:solidFill>
+                  <a:srgbClr val="FFFFFF"/>
+                </a:solidFill>
+              </a14:hiddenFill>
+            </a:ext>
+          </a:extLst>
+        </p:spPr>
+      </p:pic>
+      <p:pic>
+        <p:nvPicPr>
+          <p:cNvPr id="5123" name="Picture 3" descr="C:\Action!\Screenshots\2.png"/>
+          <p:cNvPicPr>
+            <a:picLocks noChangeAspect="1" noChangeArrowheads="1"/>
+          </p:cNvPicPr>
+          <p:nvPr/>
+        </p:nvPicPr>
+        <p:blipFill>
+          <a:blip r:embed="rId3">
+            <a:extLst>
+              <a:ext uri="{28A0092B-C50C-407E-A947-70E740481C1C}">
+                <a14:useLocalDpi xmlns:a14="http://schemas.microsoft.com/office/drawing/2010/main" val="0"/>
+              </a:ext>
+            </a:extLst>
+          </a:blip>
+          <a:srcRect/>
+          <a:stretch>
+            <a:fillRect/>
+          </a:stretch>
+        </p:blipFill>
+        <p:spPr bwMode="auto">
+          <a:xfrm>
+            <a:off x="1043607" y="1430854"/>
+            <a:ext cx="7050329" cy="5280117"/>
+          </a:xfrm>
+          <a:prstGeom prst="rect">
+            <a:avLst/>
+          </a:prstGeom>
+          <a:noFill/>
+          <a:extLst>
+            <a:ext uri="{909E8E84-426E-40DD-AFC4-6F175D3DCCD1}">
+              <a14:hiddenFill xmlns:a14="http://schemas.microsoft.com/office/drawing/2010/main">
+                <a:solidFill>
+                  <a:srgbClr val="FFFFFF"/>
+                </a:solidFill>
+              </a14:hiddenFill>
+            </a:ext>
+          </a:extLst>
+        </p:spPr>
+      </p:pic>
+      <p:pic>
+        <p:nvPicPr>
+          <p:cNvPr id="5124" name="Picture 4" descr="C:\Action!\Screenshots\3.png"/>
+          <p:cNvPicPr>
+            <a:picLocks noChangeAspect="1" noChangeArrowheads="1"/>
+          </p:cNvPicPr>
+          <p:nvPr/>
+        </p:nvPicPr>
+        <p:blipFill>
+          <a:blip r:embed="rId4">
+            <a:extLst>
+              <a:ext uri="{28A0092B-C50C-407E-A947-70E740481C1C}">
+                <a14:useLocalDpi xmlns:a14="http://schemas.microsoft.com/office/drawing/2010/main" val="0"/>
+              </a:ext>
+            </a:extLst>
+          </a:blip>
+          <a:srcRect/>
+          <a:stretch>
+            <a:fillRect/>
+          </a:stretch>
+        </p:blipFill>
+        <p:spPr bwMode="auto">
+          <a:xfrm>
+            <a:off x="1043607" y="1426021"/>
+            <a:ext cx="7056783" cy="5284950"/>
+          </a:xfrm>
+          <a:prstGeom prst="rect">
+            <a:avLst/>
+          </a:prstGeom>
+          <a:noFill/>
+          <a:extLst>
+            <a:ext uri="{909E8E84-426E-40DD-AFC4-6F175D3DCCD1}">
+              <a14:hiddenFill xmlns:a14="http://schemas.microsoft.com/office/drawing/2010/main">
+                <a:solidFill>
+                  <a:srgbClr val="FFFFFF"/>
+                </a:solidFill>
+              </a14:hiddenFill>
+            </a:ext>
+          </a:extLst>
+        </p:spPr>
+      </p:pic>
       <p:sp>
         <p:nvSpPr>
           <p:cNvPr id="4" name="角丸四角形 3"/>
@@ -9823,9 +15420,9 @@
           <p:nvPr/>
         </p:nvCxnSpPr>
         <p:spPr>
-          <a:xfrm flipH="1" flipV="1">
-            <a:off x="1389200" y="2132907"/>
-            <a:ext cx="446496" cy="409070"/>
+          <a:xfrm flipH="1">
+            <a:off x="2915816" y="1803032"/>
+            <a:ext cx="720080" cy="1000155"/>
           </a:xfrm>
           <a:prstGeom prst="straightConnector1">
             <a:avLst/>
@@ -9860,7 +15457,7 @@
         </p:nvGrpSpPr>
         <p:grpSpPr>
           <a:xfrm>
-            <a:off x="1835696" y="2201571"/>
+            <a:off x="3635896" y="1462626"/>
             <a:ext cx="3683180" cy="1340561"/>
             <a:chOff x="2618616" y="2779124"/>
             <a:chExt cx="3683180" cy="1411297"/>
@@ -10004,8 +15601,8 @@
         </p:nvCxnSpPr>
         <p:spPr>
           <a:xfrm flipH="1" flipV="1">
-            <a:off x="2837412" y="3670746"/>
-            <a:ext cx="446496" cy="409070"/>
+            <a:off x="4139952" y="3401865"/>
+            <a:ext cx="762298" cy="409069"/>
           </a:xfrm>
           <a:prstGeom prst="straightConnector1">
             <a:avLst/>
@@ -10040,10 +15637,10 @@
         </p:nvGrpSpPr>
         <p:grpSpPr>
           <a:xfrm>
-            <a:off x="3283908" y="3739410"/>
-            <a:ext cx="3683180" cy="1340561"/>
-            <a:chOff x="2618616" y="2779124"/>
-            <a:chExt cx="3683180" cy="1411297"/>
+            <a:off x="4902250" y="3470528"/>
+            <a:ext cx="3683180" cy="1340562"/>
+            <a:chOff x="2618616" y="2779123"/>
+            <a:chExt cx="3683180" cy="1411298"/>
           </a:xfrm>
         </p:grpSpPr>
         <p:sp>
@@ -10054,8 +15651,8 @@
           </p:nvSpPr>
           <p:spPr>
             <a:xfrm>
-              <a:off x="2618616" y="2779124"/>
-              <a:ext cx="3683180" cy="716736"/>
+              <a:off x="2618616" y="2779123"/>
+              <a:ext cx="3683180" cy="716735"/>
             </a:xfrm>
             <a:prstGeom prst="roundRect">
               <a:avLst/>
@@ -10190,7 +15787,7 @@
         </p:nvSpPr>
         <p:spPr>
           <a:xfrm>
-            <a:off x="915762" y="5451846"/>
+            <a:off x="1219070" y="4255473"/>
             <a:ext cx="3683180" cy="680812"/>
           </a:xfrm>
           <a:prstGeom prst="roundRect">
@@ -10243,8 +15840,8 @@
         </p:nvCxnSpPr>
         <p:spPr>
           <a:xfrm>
-            <a:off x="2757352" y="6132658"/>
-            <a:ext cx="95402" cy="471316"/>
+            <a:off x="3060660" y="4936285"/>
+            <a:ext cx="1007284" cy="868979"/>
           </a:xfrm>
           <a:prstGeom prst="straightConnector1">
             <a:avLst/>
@@ -10279,7 +15876,7 @@
         </p:nvSpPr>
         <p:spPr>
           <a:xfrm>
-            <a:off x="5292080" y="5263840"/>
+            <a:off x="5292080" y="4769731"/>
             <a:ext cx="3683180" cy="680812"/>
           </a:xfrm>
           <a:prstGeom prst="roundRect">
@@ -10331,9 +15928,9 @@
           <p:nvPr/>
         </p:nvCxnSpPr>
         <p:spPr>
-          <a:xfrm>
-            <a:off x="7133670" y="5944652"/>
-            <a:ext cx="95402" cy="471316"/>
+          <a:xfrm flipH="1">
+            <a:off x="5796136" y="5450543"/>
+            <a:ext cx="1337534" cy="825196"/>
           </a:xfrm>
           <a:prstGeom prst="straightConnector1">
             <a:avLst/>
@@ -10362,198 +15959,13 @@
       </p:cxnSp>
       <p:sp>
         <p:nvSpPr>
-          <p:cNvPr id="29" name="角丸四角形 28"/>
-          <p:cNvSpPr/>
-          <p:nvPr/>
-        </p:nvSpPr>
-        <p:spPr>
-          <a:xfrm>
-            <a:off x="5256600" y="1616147"/>
-            <a:ext cx="3420976" cy="516760"/>
-          </a:xfrm>
-          <a:prstGeom prst="roundRect">
-            <a:avLst/>
-          </a:prstGeom>
-          <a:ln/>
-        </p:spPr>
-        <p:style>
-          <a:lnRef idx="2">
-            <a:schemeClr val="dk1"/>
-          </a:lnRef>
-          <a:fillRef idx="1">
-            <a:schemeClr val="lt1"/>
-          </a:fillRef>
-          <a:effectRef idx="0">
-            <a:schemeClr val="dk1"/>
-          </a:effectRef>
-          <a:fontRef idx="minor">
-            <a:schemeClr val="dk1"/>
-          </a:fontRef>
-        </p:style>
-        <p:txBody>
-          <a:bodyPr rtlCol="0" anchor="ctr">
-            <a:scene3d>
-              <a:camera prst="orthographicFront"/>
-              <a:lightRig rig="soft" dir="tl">
-                <a:rot lat="0" lon="0" rev="0"/>
-              </a:lightRig>
-            </a:scene3d>
-            <a:sp3d contourW="25400" prstMaterial="matte">
-              <a:bevelT w="25400" h="55880" prst="artDeco"/>
-              <a:contourClr>
-                <a:schemeClr val="accent2">
-                  <a:tint val="20000"/>
-                </a:schemeClr>
-              </a:contourClr>
-            </a:sp3d>
-          </a:bodyPr>
-          <a:lstStyle/>
-          <a:p>
-            <a:pPr algn="ctr"/>
-            <a:r>
-              <a:rPr lang="ja-JP" altLang="en-US" sz="2400" b="1" spc="50" dirty="0">
-                <a:ln w="11430"/>
-                <a:gradFill>
-                  <a:gsLst>
-                    <a:gs pos="25000">
-                      <a:schemeClr val="accent2">
-                        <a:satMod val="155000"/>
-                      </a:schemeClr>
-                    </a:gs>
-                    <a:gs pos="100000">
-                      <a:schemeClr val="accent2">
-                        <a:shade val="45000"/>
-                        <a:satMod val="165000"/>
-                      </a:schemeClr>
-                    </a:gs>
-                  </a:gsLst>
-                  <a:lin ang="5400000"/>
-                </a:gradFill>
-                <a:effectLst>
-                  <a:outerShdw blurRad="76200" dist="50800" dir="5400000" algn="tl" rotWithShape="0">
-                    <a:srgbClr val="000000">
-                      <a:alpha val="65000"/>
-                    </a:srgbClr>
-                  </a:outerShdw>
-                </a:effectLst>
-                <a:latin typeface="+mj-ea"/>
-                <a:ea typeface="+mj-ea"/>
-              </a:rPr>
-              <a:t>奥の</a:t>
-            </a:r>
-            <a:r>
-              <a:rPr lang="ja-JP" altLang="en-US" sz="2400" b="1" spc="50" dirty="0" smtClean="0">
-                <a:ln w="11430"/>
-                <a:gradFill>
-                  <a:gsLst>
-                    <a:gs pos="25000">
-                      <a:schemeClr val="accent2">
-                        <a:satMod val="155000"/>
-                      </a:schemeClr>
-                    </a:gs>
-                    <a:gs pos="100000">
-                      <a:schemeClr val="accent2">
-                        <a:shade val="45000"/>
-                        <a:satMod val="165000"/>
-                      </a:schemeClr>
-                    </a:gs>
-                  </a:gsLst>
-                  <a:lin ang="5400000"/>
-                </a:gradFill>
-                <a:effectLst>
-                  <a:outerShdw blurRad="76200" dist="50800" dir="5400000" algn="tl" rotWithShape="0">
-                    <a:srgbClr val="000000">
-                      <a:alpha val="65000"/>
-                    </a:srgbClr>
-                  </a:outerShdw>
-                </a:effectLst>
-                <a:latin typeface="+mj-ea"/>
-                <a:ea typeface="+mj-ea"/>
-              </a:rPr>
-              <a:t>ノードはとても強力</a:t>
-            </a:r>
-            <a:endParaRPr kumimoji="1" lang="ja-JP" altLang="en-US" sz="2400" b="1" spc="50" dirty="0">
-              <a:ln w="11430"/>
-              <a:gradFill>
-                <a:gsLst>
-                  <a:gs pos="25000">
-                    <a:schemeClr val="accent2">
-                      <a:satMod val="155000"/>
-                    </a:schemeClr>
-                  </a:gs>
-                  <a:gs pos="100000">
-                    <a:schemeClr val="accent2">
-                      <a:shade val="45000"/>
-                      <a:satMod val="165000"/>
-                    </a:schemeClr>
-                  </a:gs>
-                </a:gsLst>
-                <a:lin ang="5400000"/>
-              </a:gradFill>
-              <a:effectLst>
-                <a:outerShdw blurRad="76200" dist="50800" dir="5400000" algn="tl" rotWithShape="0">
-                  <a:srgbClr val="000000">
-                    <a:alpha val="65000"/>
-                  </a:srgbClr>
-                </a:outerShdw>
-              </a:effectLst>
-              <a:latin typeface="+mj-ea"/>
-              <a:ea typeface="+mj-ea"/>
-            </a:endParaRPr>
-          </a:p>
-        </p:txBody>
-      </p:sp>
-      <p:sp>
-        <p:nvSpPr>
-          <p:cNvPr id="30" name="右矢印 29"/>
-          <p:cNvSpPr/>
-          <p:nvPr/>
-        </p:nvSpPr>
-        <p:spPr>
-          <a:xfrm rot="18900000">
-            <a:off x="7089270" y="2247189"/>
-            <a:ext cx="2808312" cy="1969404"/>
-          </a:xfrm>
-          <a:prstGeom prst="rightArrow">
-            <a:avLst/>
-          </a:prstGeom>
-        </p:spPr>
-        <p:style>
-          <a:lnRef idx="0">
-            <a:schemeClr val="accent6"/>
-          </a:lnRef>
-          <a:fillRef idx="3">
-            <a:schemeClr val="accent6"/>
-          </a:fillRef>
-          <a:effectRef idx="3">
-            <a:schemeClr val="accent6"/>
-          </a:effectRef>
-          <a:fontRef idx="minor">
-            <a:schemeClr val="lt1"/>
-          </a:fontRef>
-        </p:style>
-        <p:txBody>
-          <a:bodyPr rtlCol="0" anchor="ctr"/>
-          <a:lstStyle/>
-          <a:p>
-            <a:pPr algn="ctr"/>
-            <a:r>
-              <a:rPr kumimoji="1" lang="ja-JP" altLang="en-US" sz="5400" b="1" dirty="0" smtClean="0"/>
-              <a:t>強力</a:t>
-            </a:r>
-            <a:endParaRPr kumimoji="1" lang="ja-JP" altLang="en-US" sz="5400" b="1" dirty="0"/>
-          </a:p>
-        </p:txBody>
-      </p:sp>
-      <p:sp>
-        <p:nvSpPr>
           <p:cNvPr id="31" name="正方形/長方形 30"/>
           <p:cNvSpPr/>
           <p:nvPr/>
         </p:nvSpPr>
         <p:spPr>
           <a:xfrm>
-            <a:off x="-2412268" y="3739410"/>
+            <a:off x="1152034" y="1497510"/>
             <a:ext cx="4824536" cy="805599"/>
           </a:xfrm>
           <a:prstGeom prst="rect">
@@ -10595,7 +16007,7 @@
         </p:nvSpPr>
         <p:spPr>
           <a:xfrm>
-            <a:off x="-2268760" y="404664"/>
+            <a:off x="5792366" y="5370774"/>
             <a:ext cx="2268760" cy="1347334"/>
           </a:xfrm>
           <a:prstGeom prst="roundRect">
@@ -10739,7 +16151,7 @@
         </p:nvSpPr>
         <p:spPr>
           <a:xfrm>
-            <a:off x="-2268760" y="1874527"/>
+            <a:off x="5792366" y="5370774"/>
             <a:ext cx="2268760" cy="1347334"/>
           </a:xfrm>
           <a:prstGeom prst="roundRect">
@@ -10875,6 +16287,365 @@
           </a:p>
         </p:txBody>
       </p:sp>
+      <p:sp>
+        <p:nvSpPr>
+          <p:cNvPr id="11" name="円/楕円 10"/>
+          <p:cNvSpPr/>
+          <p:nvPr/>
+        </p:nvSpPr>
+        <p:spPr>
+          <a:xfrm>
+            <a:off x="1743125" y="2593537"/>
+            <a:ext cx="2160240" cy="808328"/>
+          </a:xfrm>
+          <a:prstGeom prst="ellipse">
+            <a:avLst/>
+          </a:prstGeom>
+          <a:noFill/>
+          <a:ln w="76200">
+            <a:solidFill>
+              <a:srgbClr val="FFFF00"/>
+            </a:solidFill>
+          </a:ln>
+        </p:spPr>
+        <p:style>
+          <a:lnRef idx="2">
+            <a:schemeClr val="accent1">
+              <a:shade val="50000"/>
+            </a:schemeClr>
+          </a:lnRef>
+          <a:fillRef idx="1">
+            <a:schemeClr val="accent1"/>
+          </a:fillRef>
+          <a:effectRef idx="0">
+            <a:schemeClr val="accent1"/>
+          </a:effectRef>
+          <a:fontRef idx="minor">
+            <a:schemeClr val="lt1"/>
+          </a:fontRef>
+        </p:style>
+        <p:txBody>
+          <a:bodyPr rtlCol="0" anchor="ctr"/>
+          <a:lstStyle/>
+          <a:p>
+            <a:pPr algn="ctr"/>
+            <a:endParaRPr kumimoji="1" lang="ja-JP" altLang="en-US"/>
+          </a:p>
+        </p:txBody>
+      </p:sp>
+      <p:sp>
+        <p:nvSpPr>
+          <p:cNvPr id="12" name="正方形/長方形 11"/>
+          <p:cNvSpPr/>
+          <p:nvPr/>
+        </p:nvSpPr>
+        <p:spPr>
+          <a:xfrm>
+            <a:off x="3060660" y="6165305"/>
+            <a:ext cx="2915910" cy="648072"/>
+          </a:xfrm>
+          <a:prstGeom prst="rect">
+            <a:avLst/>
+          </a:prstGeom>
+          <a:noFill/>
+          <a:ln w="76200">
+            <a:solidFill>
+              <a:srgbClr val="FF0000"/>
+            </a:solidFill>
+          </a:ln>
+        </p:spPr>
+        <p:style>
+          <a:lnRef idx="2">
+            <a:schemeClr val="accent1">
+              <a:shade val="50000"/>
+            </a:schemeClr>
+          </a:lnRef>
+          <a:fillRef idx="1">
+            <a:schemeClr val="accent1"/>
+          </a:fillRef>
+          <a:effectRef idx="0">
+            <a:schemeClr val="accent1"/>
+          </a:effectRef>
+          <a:fontRef idx="minor">
+            <a:schemeClr val="lt1"/>
+          </a:fontRef>
+        </p:style>
+        <p:txBody>
+          <a:bodyPr rtlCol="0" anchor="ctr"/>
+          <a:lstStyle/>
+          <a:p>
+            <a:pPr algn="ctr"/>
+            <a:endParaRPr kumimoji="1" lang="ja-JP" altLang="en-US"/>
+          </a:p>
+        </p:txBody>
+      </p:sp>
+      <p:pic>
+        <p:nvPicPr>
+          <p:cNvPr id="5125" name="Picture 5" descr="C:\Action!\Screenshots\4.png"/>
+          <p:cNvPicPr>
+            <a:picLocks noChangeAspect="1" noChangeArrowheads="1"/>
+          </p:cNvPicPr>
+          <p:nvPr/>
+        </p:nvPicPr>
+        <p:blipFill>
+          <a:blip r:embed="rId5">
+            <a:extLst>
+              <a:ext uri="{28A0092B-C50C-407E-A947-70E740481C1C}">
+                <a14:useLocalDpi xmlns:a14="http://schemas.microsoft.com/office/drawing/2010/main" val="0"/>
+              </a:ext>
+            </a:extLst>
+          </a:blip>
+          <a:srcRect/>
+          <a:stretch>
+            <a:fillRect/>
+          </a:stretch>
+        </p:blipFill>
+        <p:spPr bwMode="auto">
+          <a:xfrm>
+            <a:off x="1043609" y="1430855"/>
+            <a:ext cx="7059858" cy="5287253"/>
+          </a:xfrm>
+          <a:prstGeom prst="rect">
+            <a:avLst/>
+          </a:prstGeom>
+          <a:noFill/>
+          <a:extLst>
+            <a:ext uri="{909E8E84-426E-40DD-AFC4-6F175D3DCCD1}">
+              <a14:hiddenFill xmlns:a14="http://schemas.microsoft.com/office/drawing/2010/main">
+                <a:solidFill>
+                  <a:srgbClr val="FFFFFF"/>
+                </a:solidFill>
+              </a14:hiddenFill>
+            </a:ext>
+          </a:extLst>
+        </p:spPr>
+      </p:pic>
+      <p:sp>
+        <p:nvSpPr>
+          <p:cNvPr id="29" name="角丸四角形 28"/>
+          <p:cNvSpPr/>
+          <p:nvPr/>
+        </p:nvSpPr>
+        <p:spPr>
+          <a:xfrm>
+            <a:off x="1259632" y="1861317"/>
+            <a:ext cx="3420976" cy="516760"/>
+          </a:xfrm>
+          <a:prstGeom prst="roundRect">
+            <a:avLst/>
+          </a:prstGeom>
+          <a:ln/>
+        </p:spPr>
+        <p:style>
+          <a:lnRef idx="2">
+            <a:schemeClr val="dk1"/>
+          </a:lnRef>
+          <a:fillRef idx="1">
+            <a:schemeClr val="lt1"/>
+          </a:fillRef>
+          <a:effectRef idx="0">
+            <a:schemeClr val="dk1"/>
+          </a:effectRef>
+          <a:fontRef idx="minor">
+            <a:schemeClr val="dk1"/>
+          </a:fontRef>
+        </p:style>
+        <p:txBody>
+          <a:bodyPr rtlCol="0" anchor="ctr">
+            <a:scene3d>
+              <a:camera prst="orthographicFront"/>
+              <a:lightRig rig="soft" dir="tl">
+                <a:rot lat="0" lon="0" rev="0"/>
+              </a:lightRig>
+            </a:scene3d>
+            <a:sp3d contourW="25400" prstMaterial="matte">
+              <a:bevelT w="25400" h="55880" prst="artDeco"/>
+              <a:contourClr>
+                <a:schemeClr val="accent2">
+                  <a:tint val="20000"/>
+                </a:schemeClr>
+              </a:contourClr>
+            </a:sp3d>
+          </a:bodyPr>
+          <a:lstStyle/>
+          <a:p>
+            <a:pPr algn="ctr"/>
+            <a:r>
+              <a:rPr lang="ja-JP" altLang="en-US" sz="2400" b="1" spc="50" dirty="0">
+                <a:ln w="11430"/>
+                <a:gradFill>
+                  <a:gsLst>
+                    <a:gs pos="25000">
+                      <a:schemeClr val="accent2">
+                        <a:satMod val="155000"/>
+                      </a:schemeClr>
+                    </a:gs>
+                    <a:gs pos="100000">
+                      <a:schemeClr val="accent2">
+                        <a:shade val="45000"/>
+                        <a:satMod val="165000"/>
+                      </a:schemeClr>
+                    </a:gs>
+                  </a:gsLst>
+                  <a:lin ang="5400000"/>
+                </a:gradFill>
+                <a:effectLst>
+                  <a:outerShdw blurRad="76200" dist="50800" dir="5400000" algn="tl" rotWithShape="0">
+                    <a:srgbClr val="000000">
+                      <a:alpha val="65000"/>
+                    </a:srgbClr>
+                  </a:outerShdw>
+                </a:effectLst>
+                <a:latin typeface="+mj-ea"/>
+                <a:ea typeface="+mj-ea"/>
+              </a:rPr>
+              <a:t>奥の</a:t>
+            </a:r>
+            <a:r>
+              <a:rPr lang="ja-JP" altLang="en-US" sz="2400" b="1" spc="50" dirty="0" smtClean="0">
+                <a:ln w="11430"/>
+                <a:gradFill>
+                  <a:gsLst>
+                    <a:gs pos="25000">
+                      <a:schemeClr val="accent2">
+                        <a:satMod val="155000"/>
+                      </a:schemeClr>
+                    </a:gs>
+                    <a:gs pos="100000">
+                      <a:schemeClr val="accent2">
+                        <a:shade val="45000"/>
+                        <a:satMod val="165000"/>
+                      </a:schemeClr>
+                    </a:gs>
+                  </a:gsLst>
+                  <a:lin ang="5400000"/>
+                </a:gradFill>
+                <a:effectLst>
+                  <a:outerShdw blurRad="76200" dist="50800" dir="5400000" algn="tl" rotWithShape="0">
+                    <a:srgbClr val="000000">
+                      <a:alpha val="65000"/>
+                    </a:srgbClr>
+                  </a:outerShdw>
+                </a:effectLst>
+                <a:latin typeface="+mj-ea"/>
+                <a:ea typeface="+mj-ea"/>
+              </a:rPr>
+              <a:t>ノードはとても強力</a:t>
+            </a:r>
+            <a:endParaRPr kumimoji="1" lang="ja-JP" altLang="en-US" sz="2400" b="1" spc="50" dirty="0">
+              <a:ln w="11430"/>
+              <a:gradFill>
+                <a:gsLst>
+                  <a:gs pos="25000">
+                    <a:schemeClr val="accent2">
+                      <a:satMod val="155000"/>
+                    </a:schemeClr>
+                  </a:gs>
+                  <a:gs pos="100000">
+                    <a:schemeClr val="accent2">
+                      <a:shade val="45000"/>
+                      <a:satMod val="165000"/>
+                    </a:schemeClr>
+                  </a:gs>
+                </a:gsLst>
+                <a:lin ang="5400000"/>
+              </a:gradFill>
+              <a:effectLst>
+                <a:outerShdw blurRad="76200" dist="50800" dir="5400000" algn="tl" rotWithShape="0">
+                  <a:srgbClr val="000000">
+                    <a:alpha val="65000"/>
+                  </a:srgbClr>
+                </a:outerShdw>
+              </a:effectLst>
+              <a:latin typeface="+mj-ea"/>
+              <a:ea typeface="+mj-ea"/>
+            </a:endParaRPr>
+          </a:p>
+        </p:txBody>
+      </p:sp>
+      <p:sp>
+        <p:nvSpPr>
+          <p:cNvPr id="30" name="右矢印 29"/>
+          <p:cNvSpPr/>
+          <p:nvPr/>
+        </p:nvSpPr>
+        <p:spPr>
+          <a:xfrm rot="18900000">
+            <a:off x="285021" y="6980216"/>
+            <a:ext cx="2808312" cy="1969404"/>
+          </a:xfrm>
+          <a:prstGeom prst="rightArrow">
+            <a:avLst/>
+          </a:prstGeom>
+        </p:spPr>
+        <p:style>
+          <a:lnRef idx="0">
+            <a:schemeClr val="accent2"/>
+          </a:lnRef>
+          <a:fillRef idx="3">
+            <a:schemeClr val="accent2"/>
+          </a:fillRef>
+          <a:effectRef idx="3">
+            <a:schemeClr val="accent2"/>
+          </a:effectRef>
+          <a:fontRef idx="minor">
+            <a:schemeClr val="lt1"/>
+          </a:fontRef>
+        </p:style>
+        <p:txBody>
+          <a:bodyPr rtlCol="0" anchor="ctr"/>
+          <a:lstStyle/>
+          <a:p>
+            <a:pPr algn="ctr"/>
+            <a:r>
+              <a:rPr kumimoji="1" lang="ja-JP" altLang="en-US" sz="5400" b="1" dirty="0" smtClean="0"/>
+              <a:t>強力</a:t>
+            </a:r>
+            <a:endParaRPr kumimoji="1" lang="ja-JP" altLang="en-US" sz="5400" b="1" dirty="0"/>
+          </a:p>
+        </p:txBody>
+      </p:sp>
+      <p:pic>
+        <p:nvPicPr>
+          <p:cNvPr id="5126" name="Picture 6" descr="C:\Action!\Screenshots\5.png"/>
+          <p:cNvPicPr>
+            <a:picLocks noChangeAspect="1" noChangeArrowheads="1"/>
+          </p:cNvPicPr>
+          <p:nvPr/>
+        </p:nvPicPr>
+        <p:blipFill>
+          <a:blip r:embed="rId6">
+            <a:extLst>
+              <a:ext uri="{28A0092B-C50C-407E-A947-70E740481C1C}">
+                <a14:useLocalDpi xmlns:a14="http://schemas.microsoft.com/office/drawing/2010/main" val="0"/>
+              </a:ext>
+            </a:extLst>
+          </a:blip>
+          <a:srcRect/>
+          <a:stretch>
+            <a:fillRect/>
+          </a:stretch>
+        </p:blipFill>
+        <p:spPr bwMode="auto">
+          <a:xfrm>
+            <a:off x="1048098" y="1412776"/>
+            <a:ext cx="7074468" cy="5298195"/>
+          </a:xfrm>
+          <a:prstGeom prst="rect">
+            <a:avLst/>
+          </a:prstGeom>
+          <a:noFill/>
+          <a:extLst>
+            <a:ext uri="{909E8E84-426E-40DD-AFC4-6F175D3DCCD1}">
+              <a14:hiddenFill xmlns:a14="http://schemas.microsoft.com/office/drawing/2010/main">
+                <a:solidFill>
+                  <a:srgbClr val="FFFFFF"/>
+                </a:solidFill>
+              </a14:hiddenFill>
+            </a:ext>
+          </a:extLst>
+        </p:spPr>
+      </p:pic>
     </p:spTree>
     <p:extLst>
       <p:ext uri="{BB962C8B-B14F-4D97-AF65-F5344CB8AC3E}">
@@ -10885,6 +16656,14 @@
   <p:clrMapOvr>
     <a:masterClrMapping/>
   </p:clrMapOvr>
+  <mc:AlternateContent xmlns:mc="http://schemas.openxmlformats.org/markup-compatibility/2006">
+    <mc:Choice xmlns:p14="http://schemas.microsoft.com/office/powerpoint/2010/main" Requires="p14">
+      <p:transition p14:dur="0"/>
+    </mc:Choice>
+    <mc:Fallback>
+      <p:transition/>
+    </mc:Fallback>
+  </mc:AlternateContent>
   <p:timing>
     <p:tnLst>
       <p:par>
@@ -10897,9 +16676,6 @@
                     <p:cTn id="3" fill="hold">
                       <p:stCondLst>
                         <p:cond delay="indefinite"/>
-                        <p:cond evt="onBegin" delay="0">
-                          <p:tn val="2"/>
-                        </p:cond>
                       </p:stCondLst>
                       <p:childTnLst>
                         <p:par>
@@ -10909,7 +16685,7 @@
                             </p:stCondLst>
                             <p:childTnLst>
                               <p:par>
-                                <p:cTn id="5" presetID="10" presetClass="entr" presetSubtype="0" fill="hold" nodeType="withEffect">
+                                <p:cTn id="5" presetID="10" presetClass="entr" presetSubtype="0" fill="hold" nodeType="clickEffect">
                                   <p:stCondLst>
                                     <p:cond delay="0"/>
                                   </p:stCondLst>
@@ -10944,14 +16720,562 @@
                                 </p:cTn>
                               </p:par>
                               <p:par>
-                                <p:cTn id="8" presetID="10" presetClass="exit" presetSubtype="0" fill="hold" nodeType="withEffect">
+                                <p:cTn id="8" presetID="10" presetClass="entr" presetSubtype="0" fill="hold" nodeType="withEffect">
+                                  <p:stCondLst>
+                                    <p:cond delay="0"/>
+                                  </p:stCondLst>
+                                  <p:childTnLst>
+                                    <p:set>
+                                      <p:cBhvr>
+                                        <p:cTn id="9" dur="1" fill="hold">
+                                          <p:stCondLst>
+                                            <p:cond delay="0"/>
+                                          </p:stCondLst>
+                                        </p:cTn>
+                                        <p:tgtEl>
+                                          <p:spTgt spid="17"/>
+                                        </p:tgtEl>
+                                        <p:attrNameLst>
+                                          <p:attrName>style.visibility</p:attrName>
+                                        </p:attrNameLst>
+                                      </p:cBhvr>
+                                      <p:to>
+                                        <p:strVal val="visible"/>
+                                      </p:to>
+                                    </p:set>
+                                    <p:animEffect transition="in" filter="fade">
+                                      <p:cBhvr>
+                                        <p:cTn id="10" dur="500"/>
+                                        <p:tgtEl>
+                                          <p:spTgt spid="17"/>
+                                        </p:tgtEl>
+                                      </p:cBhvr>
+                                    </p:animEffect>
+                                  </p:childTnLst>
+                                </p:cTn>
+                              </p:par>
+                            </p:childTnLst>
+                          </p:cTn>
+                        </p:par>
+                        <p:par>
+                          <p:cTn id="11" fill="hold">
+                            <p:stCondLst>
+                              <p:cond delay="500"/>
+                            </p:stCondLst>
+                            <p:childTnLst>
+                              <p:par>
+                                <p:cTn id="12" presetID="2" presetClass="entr" presetSubtype="4" fill="hold" grpId="0" nodeType="afterEffect">
+                                  <p:stCondLst>
+                                    <p:cond delay="0"/>
+                                  </p:stCondLst>
+                                  <p:childTnLst>
+                                    <p:set>
+                                      <p:cBhvr>
+                                        <p:cTn id="13" dur="1" fill="hold">
+                                          <p:stCondLst>
+                                            <p:cond delay="0"/>
+                                          </p:stCondLst>
+                                        </p:cTn>
+                                        <p:tgtEl>
+                                          <p:spTgt spid="11"/>
+                                        </p:tgtEl>
+                                        <p:attrNameLst>
+                                          <p:attrName>style.visibility</p:attrName>
+                                        </p:attrNameLst>
+                                      </p:cBhvr>
+                                      <p:to>
+                                        <p:strVal val="visible"/>
+                                      </p:to>
+                                    </p:set>
+                                    <p:anim calcmode="lin" valueType="num">
+                                      <p:cBhvr additive="base">
+                                        <p:cTn id="14" dur="500" fill="hold"/>
+                                        <p:tgtEl>
+                                          <p:spTgt spid="11"/>
+                                        </p:tgtEl>
+                                        <p:attrNameLst>
+                                          <p:attrName>ppt_x</p:attrName>
+                                        </p:attrNameLst>
+                                      </p:cBhvr>
+                                      <p:tavLst>
+                                        <p:tav tm="0">
+                                          <p:val>
+                                            <p:strVal val="#ppt_x"/>
+                                          </p:val>
+                                        </p:tav>
+                                        <p:tav tm="100000">
+                                          <p:val>
+                                            <p:strVal val="#ppt_x"/>
+                                          </p:val>
+                                        </p:tav>
+                                      </p:tavLst>
+                                    </p:anim>
+                                    <p:anim calcmode="lin" valueType="num">
+                                      <p:cBhvr additive="base">
+                                        <p:cTn id="15" dur="500" fill="hold"/>
+                                        <p:tgtEl>
+                                          <p:spTgt spid="11"/>
+                                        </p:tgtEl>
+                                        <p:attrNameLst>
+                                          <p:attrName>ppt_y</p:attrName>
+                                        </p:attrNameLst>
+                                      </p:cBhvr>
+                                      <p:tavLst>
+                                        <p:tav tm="0">
+                                          <p:val>
+                                            <p:strVal val="1+#ppt_h/2"/>
+                                          </p:val>
+                                        </p:tav>
+                                        <p:tav tm="100000">
+                                          <p:val>
+                                            <p:strVal val="#ppt_y"/>
+                                          </p:val>
+                                        </p:tav>
+                                      </p:tavLst>
+                                    </p:anim>
+                                  </p:childTnLst>
+                                </p:cTn>
+                              </p:par>
+                            </p:childTnLst>
+                          </p:cTn>
+                        </p:par>
+                        <p:par>
+                          <p:cTn id="16" fill="hold">
+                            <p:stCondLst>
+                              <p:cond delay="1000"/>
+                            </p:stCondLst>
+                            <p:childTnLst>
+                              <p:par>
+                                <p:cTn id="17" presetID="26" presetClass="emph" presetSubtype="0" repeatCount="5000" fill="hold" grpId="1" nodeType="afterEffect">
                                   <p:stCondLst>
                                     <p:cond delay="0"/>
                                   </p:stCondLst>
                                   <p:childTnLst>
                                     <p:animEffect transition="out" filter="fade">
                                       <p:cBhvr>
-                                        <p:cTn id="9" dur="500"/>
+                                        <p:cTn id="18" dur="520" tmFilter="0, 0; .2, .5; .8, .5; 1, 0"/>
+                                        <p:tgtEl>
+                                          <p:spTgt spid="11"/>
+                                        </p:tgtEl>
+                                      </p:cBhvr>
+                                    </p:animEffect>
+                                    <p:animScale>
+                                      <p:cBhvr>
+                                        <p:cTn id="19" dur="260" autoRev="1" fill="hold"/>
+                                        <p:tgtEl>
+                                          <p:spTgt spid="11"/>
+                                        </p:tgtEl>
+                                      </p:cBhvr>
+                                      <p:by x="105000" y="105000"/>
+                                    </p:animScale>
+                                  </p:childTnLst>
+                                </p:cTn>
+                              </p:par>
+                            </p:childTnLst>
+                          </p:cTn>
+                        </p:par>
+                      </p:childTnLst>
+                    </p:cTn>
+                  </p:par>
+                  <p:par>
+                    <p:cTn id="20" fill="hold">
+                      <p:stCondLst>
+                        <p:cond delay="indefinite"/>
+                      </p:stCondLst>
+                      <p:childTnLst>
+                        <p:par>
+                          <p:cTn id="21" fill="hold">
+                            <p:stCondLst>
+                              <p:cond delay="0"/>
+                            </p:stCondLst>
+                            <p:childTnLst>
+                              <p:par>
+                                <p:cTn id="22" presetID="10" presetClass="entr" presetSubtype="0" fill="hold" grpId="1" nodeType="clickEffect">
+                                  <p:stCondLst>
+                                    <p:cond delay="0"/>
+                                  </p:stCondLst>
+                                  <p:childTnLst>
+                                    <p:set>
+                                      <p:cBhvr>
+                                        <p:cTn id="23" dur="1" fill="hold">
+                                          <p:stCondLst>
+                                            <p:cond delay="0"/>
+                                          </p:stCondLst>
+                                        </p:cTn>
+                                        <p:tgtEl>
+                                          <p:spTgt spid="23"/>
+                                        </p:tgtEl>
+                                        <p:attrNameLst>
+                                          <p:attrName>style.visibility</p:attrName>
+                                        </p:attrNameLst>
+                                      </p:cBhvr>
+                                      <p:to>
+                                        <p:strVal val="visible"/>
+                                      </p:to>
+                                    </p:set>
+                                    <p:animEffect transition="in" filter="fade">
+                                      <p:cBhvr>
+                                        <p:cTn id="24" dur="500"/>
+                                        <p:tgtEl>
+                                          <p:spTgt spid="23"/>
+                                        </p:tgtEl>
+                                      </p:cBhvr>
+                                    </p:animEffect>
+                                  </p:childTnLst>
+                                </p:cTn>
+                              </p:par>
+                              <p:par>
+                                <p:cTn id="25" presetID="10" presetClass="entr" presetSubtype="0" fill="hold" nodeType="withEffect">
+                                  <p:stCondLst>
+                                    <p:cond delay="0"/>
+                                  </p:stCondLst>
+                                  <p:childTnLst>
+                                    <p:set>
+                                      <p:cBhvr>
+                                        <p:cTn id="26" dur="1" fill="hold">
+                                          <p:stCondLst>
+                                            <p:cond delay="0"/>
+                                          </p:stCondLst>
+                                        </p:cTn>
+                                        <p:tgtEl>
+                                          <p:spTgt spid="24"/>
+                                        </p:tgtEl>
+                                        <p:attrNameLst>
+                                          <p:attrName>style.visibility</p:attrName>
+                                        </p:attrNameLst>
+                                      </p:cBhvr>
+                                      <p:to>
+                                        <p:strVal val="visible"/>
+                                      </p:to>
+                                    </p:set>
+                                    <p:animEffect transition="in" filter="fade">
+                                      <p:cBhvr>
+                                        <p:cTn id="27" dur="500"/>
+                                        <p:tgtEl>
+                                          <p:spTgt spid="24"/>
+                                        </p:tgtEl>
+                                      </p:cBhvr>
+                                    </p:animEffect>
+                                  </p:childTnLst>
+                                </p:cTn>
+                              </p:par>
+                              <p:par>
+                                <p:cTn id="28" presetID="42" presetClass="path" presetSubtype="0" accel="50000" decel="50000" fill="hold" grpId="2" nodeType="withEffect">
+                                  <p:stCondLst>
+                                    <p:cond delay="0"/>
+                                  </p:stCondLst>
+                                  <p:childTnLst>
+                                    <p:animMotion origin="layout" path="M -4.44444E-6 2.96296E-6 L 0.19306 0.44097 " pathEditMode="relative" rAng="0" ptsTypes="AA">
+                                      <p:cBhvr>
+                                        <p:cTn id="29" dur="500" fill="hold"/>
+                                        <p:tgtEl>
+                                          <p:spTgt spid="11"/>
+                                        </p:tgtEl>
+                                        <p:attrNameLst>
+                                          <p:attrName>ppt_x</p:attrName>
+                                          <p:attrName>ppt_y</p:attrName>
+                                        </p:attrNameLst>
+                                      </p:cBhvr>
+                                      <p:rCtr x="9653" y="22037"/>
+                                    </p:animMotion>
+                                  </p:childTnLst>
+                                </p:cTn>
+                              </p:par>
+                            </p:childTnLst>
+                          </p:cTn>
+                        </p:par>
+                        <p:par>
+                          <p:cTn id="30" fill="hold">
+                            <p:stCondLst>
+                              <p:cond delay="500"/>
+                            </p:stCondLst>
+                            <p:childTnLst>
+                              <p:par>
+                                <p:cTn id="31" presetID="26" presetClass="emph" presetSubtype="0" repeatCount="5000" fill="hold" grpId="3" nodeType="afterEffect">
+                                  <p:stCondLst>
+                                    <p:cond delay="0"/>
+                                  </p:stCondLst>
+                                  <p:childTnLst>
+                                    <p:animEffect transition="out" filter="fade">
+                                      <p:cBhvr>
+                                        <p:cTn id="32" dur="500" tmFilter="0, 0; .2, .5; .8, .5; 1, 0"/>
+                                        <p:tgtEl>
+                                          <p:spTgt spid="11"/>
+                                        </p:tgtEl>
+                                      </p:cBhvr>
+                                    </p:animEffect>
+                                    <p:animScale>
+                                      <p:cBhvr>
+                                        <p:cTn id="33" dur="250" autoRev="1" fill="hold"/>
+                                        <p:tgtEl>
+                                          <p:spTgt spid="11"/>
+                                        </p:tgtEl>
+                                      </p:cBhvr>
+                                      <p:by x="105000" y="105000"/>
+                                    </p:animScale>
+                                  </p:childTnLst>
+                                </p:cTn>
+                              </p:par>
+                            </p:childTnLst>
+                          </p:cTn>
+                        </p:par>
+                      </p:childTnLst>
+                    </p:cTn>
+                  </p:par>
+                  <p:par>
+                    <p:cTn id="34" fill="hold">
+                      <p:stCondLst>
+                        <p:cond delay="indefinite"/>
+                      </p:stCondLst>
+                      <p:childTnLst>
+                        <p:par>
+                          <p:cTn id="35" fill="hold">
+                            <p:stCondLst>
+                              <p:cond delay="0"/>
+                            </p:stCondLst>
+                            <p:childTnLst>
+                              <p:par>
+                                <p:cTn id="36" presetID="10" presetClass="entr" presetSubtype="0" fill="hold" grpId="1" nodeType="clickEffect">
+                                  <p:stCondLst>
+                                    <p:cond delay="0"/>
+                                  </p:stCondLst>
+                                  <p:childTnLst>
+                                    <p:set>
+                                      <p:cBhvr>
+                                        <p:cTn id="37" dur="1" fill="hold">
+                                          <p:stCondLst>
+                                            <p:cond delay="0"/>
+                                          </p:stCondLst>
+                                        </p:cTn>
+                                        <p:tgtEl>
+                                          <p:spTgt spid="27"/>
+                                        </p:tgtEl>
+                                        <p:attrNameLst>
+                                          <p:attrName>style.visibility</p:attrName>
+                                        </p:attrNameLst>
+                                      </p:cBhvr>
+                                      <p:to>
+                                        <p:strVal val="visible"/>
+                                      </p:to>
+                                    </p:set>
+                                    <p:animEffect transition="in" filter="fade">
+                                      <p:cBhvr>
+                                        <p:cTn id="38" dur="500"/>
+                                        <p:tgtEl>
+                                          <p:spTgt spid="27"/>
+                                        </p:tgtEl>
+                                      </p:cBhvr>
+                                    </p:animEffect>
+                                  </p:childTnLst>
+                                </p:cTn>
+                              </p:par>
+                              <p:par>
+                                <p:cTn id="39" presetID="10" presetClass="entr" presetSubtype="0" fill="hold" nodeType="withEffect">
+                                  <p:stCondLst>
+                                    <p:cond delay="0"/>
+                                  </p:stCondLst>
+                                  <p:childTnLst>
+                                    <p:set>
+                                      <p:cBhvr>
+                                        <p:cTn id="40" dur="1" fill="hold">
+                                          <p:stCondLst>
+                                            <p:cond delay="0"/>
+                                          </p:stCondLst>
+                                        </p:cTn>
+                                        <p:tgtEl>
+                                          <p:spTgt spid="28"/>
+                                        </p:tgtEl>
+                                        <p:attrNameLst>
+                                          <p:attrName>style.visibility</p:attrName>
+                                        </p:attrNameLst>
+                                      </p:cBhvr>
+                                      <p:to>
+                                        <p:strVal val="visible"/>
+                                      </p:to>
+                                    </p:set>
+                                    <p:animEffect transition="in" filter="fade">
+                                      <p:cBhvr>
+                                        <p:cTn id="41" dur="500"/>
+                                        <p:tgtEl>
+                                          <p:spTgt spid="28"/>
+                                        </p:tgtEl>
+                                      </p:cBhvr>
+                                    </p:animEffect>
+                                  </p:childTnLst>
+                                </p:cTn>
+                              </p:par>
+                              <p:par>
+                                <p:cTn id="42" presetID="42" presetClass="path" presetSubtype="0" accel="50000" decel="50000" fill="hold" grpId="4" nodeType="withEffect">
+                                  <p:stCondLst>
+                                    <p:cond delay="0"/>
+                                  </p:stCondLst>
+                                  <p:childTnLst>
+                                    <p:animMotion origin="layout" path="M 0.19306 0.44097 L 0.19132 0.50393 " pathEditMode="relative" rAng="0" ptsTypes="AA">
+                                      <p:cBhvr>
+                                        <p:cTn id="43" dur="500" fill="hold"/>
+                                        <p:tgtEl>
+                                          <p:spTgt spid="11"/>
+                                        </p:tgtEl>
+                                        <p:attrNameLst>
+                                          <p:attrName>ppt_x</p:attrName>
+                                          <p:attrName>ppt_y</p:attrName>
+                                        </p:attrNameLst>
+                                      </p:cBhvr>
+                                      <p:rCtr x="-87" y="3148"/>
+                                    </p:animMotion>
+                                  </p:childTnLst>
+                                </p:cTn>
+                              </p:par>
+                            </p:childTnLst>
+                          </p:cTn>
+                        </p:par>
+                        <p:par>
+                          <p:cTn id="44" fill="hold">
+                            <p:stCondLst>
+                              <p:cond delay="500"/>
+                            </p:stCondLst>
+                            <p:childTnLst>
+                              <p:par>
+                                <p:cTn id="45" presetID="10" presetClass="exit" presetSubtype="0" fill="hold" grpId="5" nodeType="afterEffect">
+                                  <p:stCondLst>
+                                    <p:cond delay="0"/>
+                                  </p:stCondLst>
+                                  <p:childTnLst>
+                                    <p:animEffect transition="out" filter="fade">
+                                      <p:cBhvr>
+                                        <p:cTn id="46" dur="500"/>
+                                        <p:tgtEl>
+                                          <p:spTgt spid="11"/>
+                                        </p:tgtEl>
+                                      </p:cBhvr>
+                                    </p:animEffect>
+                                    <p:set>
+                                      <p:cBhvr>
+                                        <p:cTn id="47" dur="1" fill="hold">
+                                          <p:stCondLst>
+                                            <p:cond delay="499"/>
+                                          </p:stCondLst>
+                                        </p:cTn>
+                                        <p:tgtEl>
+                                          <p:spTgt spid="11"/>
+                                        </p:tgtEl>
+                                        <p:attrNameLst>
+                                          <p:attrName>style.visibility</p:attrName>
+                                        </p:attrNameLst>
+                                      </p:cBhvr>
+                                      <p:to>
+                                        <p:strVal val="hidden"/>
+                                      </p:to>
+                                    </p:set>
+                                  </p:childTnLst>
+                                </p:cTn>
+                              </p:par>
+                            </p:childTnLst>
+                          </p:cTn>
+                        </p:par>
+                        <p:par>
+                          <p:cTn id="48" fill="hold">
+                            <p:stCondLst>
+                              <p:cond delay="1000"/>
+                            </p:stCondLst>
+                            <p:childTnLst>
+                              <p:par>
+                                <p:cTn id="49" presetID="10" presetClass="entr" presetSubtype="0" fill="hold" grpId="0" nodeType="afterEffect">
+                                  <p:stCondLst>
+                                    <p:cond delay="0"/>
+                                  </p:stCondLst>
+                                  <p:childTnLst>
+                                    <p:set>
+                                      <p:cBhvr>
+                                        <p:cTn id="50" dur="1" fill="hold">
+                                          <p:stCondLst>
+                                            <p:cond delay="0"/>
+                                          </p:stCondLst>
+                                        </p:cTn>
+                                        <p:tgtEl>
+                                          <p:spTgt spid="12"/>
+                                        </p:tgtEl>
+                                        <p:attrNameLst>
+                                          <p:attrName>style.visibility</p:attrName>
+                                        </p:attrNameLst>
+                                      </p:cBhvr>
+                                      <p:to>
+                                        <p:strVal val="visible"/>
+                                      </p:to>
+                                    </p:set>
+                                    <p:animEffect transition="in" filter="fade">
+                                      <p:cBhvr>
+                                        <p:cTn id="51" dur="500"/>
+                                        <p:tgtEl>
+                                          <p:spTgt spid="12"/>
+                                        </p:tgtEl>
+                                      </p:cBhvr>
+                                    </p:animEffect>
+                                  </p:childTnLst>
+                                </p:cTn>
+                              </p:par>
+                            </p:childTnLst>
+                          </p:cTn>
+                        </p:par>
+                        <p:par>
+                          <p:cTn id="52" fill="hold">
+                            <p:stCondLst>
+                              <p:cond delay="1500"/>
+                            </p:stCondLst>
+                            <p:childTnLst>
+                              <p:par>
+                                <p:cTn id="53" presetID="26" presetClass="emph" presetSubtype="0" repeatCount="5000" fill="hold" grpId="1" nodeType="afterEffect">
+                                  <p:stCondLst>
+                                    <p:cond delay="0"/>
+                                  </p:stCondLst>
+                                  <p:childTnLst>
+                                    <p:animEffect transition="out" filter="fade">
+                                      <p:cBhvr>
+                                        <p:cTn id="54" dur="500" tmFilter="0, 0; .2, .5; .8, .5; 1, 0"/>
+                                        <p:tgtEl>
+                                          <p:spTgt spid="12"/>
+                                        </p:tgtEl>
+                                      </p:cBhvr>
+                                    </p:animEffect>
+                                    <p:animScale>
+                                      <p:cBhvr>
+                                        <p:cTn id="55" dur="250" autoRev="1" fill="hold"/>
+                                        <p:tgtEl>
+                                          <p:spTgt spid="12"/>
+                                        </p:tgtEl>
+                                      </p:cBhvr>
+                                      <p:by x="105000" y="105000"/>
+                                    </p:animScale>
+                                  </p:childTnLst>
+                                </p:cTn>
+                              </p:par>
+                            </p:childTnLst>
+                          </p:cTn>
+                        </p:par>
+                      </p:childTnLst>
+                    </p:cTn>
+                  </p:par>
+                  <p:par>
+                    <p:cTn id="56" fill="hold">
+                      <p:stCondLst>
+                        <p:cond delay="indefinite"/>
+                      </p:stCondLst>
+                      <p:childTnLst>
+                        <p:par>
+                          <p:cTn id="57" fill="hold">
+                            <p:stCondLst>
+                              <p:cond delay="0"/>
+                            </p:stCondLst>
+                            <p:childTnLst>
+                              <p:par>
+                                <p:cTn id="58" presetID="10" presetClass="exit" presetSubtype="0" fill="hold" nodeType="clickEffect">
+                                  <p:stCondLst>
+                                    <p:cond delay="0"/>
+                                  </p:stCondLst>
+                                  <p:childTnLst>
+                                    <p:animEffect transition="out" filter="fade">
+                                      <p:cBhvr>
+                                        <p:cTn id="59" dur="500"/>
                                         <p:tgtEl>
                                           <p:spTgt spid="5"/>
                                         </p:tgtEl>
@@ -10959,7 +17283,7 @@
                                     </p:animEffect>
                                     <p:set>
                                       <p:cBhvr>
-                                        <p:cTn id="10" dur="1" fill="hold">
+                                        <p:cTn id="60" dur="1" fill="hold">
                                           <p:stCondLst>
                                             <p:cond delay="499"/>
                                           </p:stCondLst>
@@ -10979,63 +17303,28 @@
                                 </p:cTn>
                               </p:par>
                               <p:par>
-                                <p:cTn id="11" presetID="10" presetClass="entr" presetSubtype="0" fill="hold" nodeType="withEffect">
-                                  <p:stCondLst>
-                                    <p:cond delay="0"/>
-                                  </p:stCondLst>
-                                  <p:childTnLst>
-                                    <p:set>
-                                      <p:cBhvr>
-                                        <p:cTn id="12" dur="1" fill="hold">
-                                          <p:stCondLst>
-                                            <p:cond delay="0"/>
-                                          </p:stCondLst>
-                                        </p:cTn>
-                                        <p:tgtEl>
-                                          <p:spTgt spid="19"/>
-                                        </p:tgtEl>
-                                        <p:attrNameLst>
-                                          <p:attrName>style.visibility</p:attrName>
-                                        </p:attrNameLst>
-                                      </p:cBhvr>
-                                      <p:to>
-                                        <p:strVal val="visible"/>
-                                      </p:to>
-                                    </p:set>
-                                    <p:animEffect transition="in" filter="fade">
-                                      <p:cBhvr>
-                                        <p:cTn id="13" dur="500"/>
-                                        <p:tgtEl>
-                                          <p:spTgt spid="19"/>
-                                        </p:tgtEl>
-                                      </p:cBhvr>
-                                    </p:animEffect>
-                                  </p:childTnLst>
-                                </p:cTn>
-                              </p:par>
-                              <p:par>
-                                <p:cTn id="14" presetID="10" presetClass="exit" presetSubtype="0" fill="hold" nodeType="withEffect">
+                                <p:cTn id="61" presetID="10" presetClass="exit" presetSubtype="0" fill="hold" nodeType="withEffect">
                                   <p:stCondLst>
                                     <p:cond delay="0"/>
                                   </p:stCondLst>
                                   <p:childTnLst>
                                     <p:animEffect transition="out" filter="fade">
                                       <p:cBhvr>
-                                        <p:cTn id="15" dur="500"/>
+                                        <p:cTn id="62" dur="500"/>
                                         <p:tgtEl>
-                                          <p:spTgt spid="19"/>
+                                          <p:spTgt spid="17"/>
                                         </p:tgtEl>
                                       </p:cBhvr>
                                     </p:animEffect>
                                     <p:set>
                                       <p:cBhvr>
-                                        <p:cTn id="16" dur="1" fill="hold">
+                                        <p:cTn id="63" dur="1" fill="hold">
                                           <p:stCondLst>
                                             <p:cond delay="499"/>
                                           </p:stCondLst>
                                         </p:cTn>
                                         <p:tgtEl>
-                                          <p:spTgt spid="19"/>
+                                          <p:spTgt spid="17"/>
                                         </p:tgtEl>
                                         <p:attrNameLst>
                                           <p:attrName>style.visibility</p:attrName>
@@ -11049,49 +17338,84 @@
                                 </p:cTn>
                               </p:par>
                               <p:par>
-                                <p:cTn id="17" presetID="10" presetClass="entr" presetSubtype="0" fill="hold" nodeType="withEffect">
+                                <p:cTn id="64" presetID="10" presetClass="exit" presetSubtype="0" fill="hold" grpId="0" nodeType="withEffect">
                                   <p:stCondLst>
                                     <p:cond delay="0"/>
                                   </p:stCondLst>
                                   <p:childTnLst>
+                                    <p:animEffect transition="out" filter="fade">
+                                      <p:cBhvr>
+                                        <p:cTn id="65" dur="500"/>
+                                        <p:tgtEl>
+                                          <p:spTgt spid="23"/>
+                                        </p:tgtEl>
+                                      </p:cBhvr>
+                                    </p:animEffect>
                                     <p:set>
                                       <p:cBhvr>
-                                        <p:cTn id="18" dur="1" fill="hold">
+                                        <p:cTn id="66" dur="1" fill="hold">
                                           <p:stCondLst>
-                                            <p:cond delay="0"/>
+                                            <p:cond delay="499"/>
                                           </p:stCondLst>
                                         </p:cTn>
                                         <p:tgtEl>
-                                          <p:spTgt spid="24"/>
+                                          <p:spTgt spid="23"/>
                                         </p:tgtEl>
                                         <p:attrNameLst>
                                           <p:attrName>style.visibility</p:attrName>
                                         </p:attrNameLst>
                                       </p:cBhvr>
                                       <p:to>
-                                        <p:strVal val="visible"/>
+                                        <p:strVal val="hidden"/>
                                       </p:to>
                                     </p:set>
-                                    <p:animEffect transition="in" filter="fade">
-                                      <p:cBhvr>
-                                        <p:cTn id="19" dur="500"/>
-                                        <p:tgtEl>
-                                          <p:spTgt spid="24"/>
-                                        </p:tgtEl>
-                                      </p:cBhvr>
-                                    </p:animEffect>
                                   </p:childTnLst>
                                 </p:cTn>
                               </p:par>
                               <p:par>
-                                <p:cTn id="20" presetID="10" presetClass="exit" presetSubtype="0" fill="hold" nodeType="withEffect">
+                                <p:cTn id="67" presetID="10" presetClass="exit" presetSubtype="0" fill="hold" grpId="2" nodeType="withEffect">
                                   <p:stCondLst>
                                     <p:cond delay="0"/>
                                   </p:stCondLst>
                                   <p:childTnLst>
                                     <p:animEffect transition="out" filter="fade">
                                       <p:cBhvr>
-                                        <p:cTn id="21" dur="500"/>
+                                        <p:cTn id="68" dur="500"/>
+                                        <p:tgtEl>
+                                          <p:spTgt spid="12"/>
+                                        </p:tgtEl>
+                                      </p:cBhvr>
+                                    </p:animEffect>
+                                    <p:set>
+                                      <p:cBhvr>
+                                        <p:cTn id="69" dur="1" fill="hold">
+                                          <p:stCondLst>
+                                            <p:cond delay="499"/>
+                                          </p:stCondLst>
+                                        </p:cTn>
+                                        <p:tgtEl>
+                                          <p:spTgt spid="12"/>
+                                        </p:tgtEl>
+                                        <p:attrNameLst>
+                                          <p:attrName>style.visibility</p:attrName>
+                                        </p:attrNameLst>
+                                      </p:cBhvr>
+                                      <p:to>
+                                        <p:strVal val="hidden"/>
+                                      </p:to>
+                                    </p:set>
+                                  </p:childTnLst>
+                                </p:cTn>
+                              </p:par>
+                              <p:par>
+                                <p:cTn id="70" presetID="10" presetClass="exit" presetSubtype="0" fill="hold" nodeType="withEffect">
+                                  <p:stCondLst>
+                                    <p:cond delay="0"/>
+                                  </p:stCondLst>
+                                  <p:childTnLst>
+                                    <p:animEffect transition="out" filter="fade">
+                                      <p:cBhvr>
+                                        <p:cTn id="71" dur="500"/>
                                         <p:tgtEl>
                                           <p:spTgt spid="24"/>
                                         </p:tgtEl>
@@ -11099,7 +17423,7 @@
                                     </p:animEffect>
                                     <p:set>
                                       <p:cBhvr>
-                                        <p:cTn id="22" dur="1" fill="hold">
+                                        <p:cTn id="72" dur="1" fill="hold">
                                           <p:stCondLst>
                                             <p:cond delay="499"/>
                                           </p:stCondLst>
@@ -11119,20 +17443,90 @@
                                 </p:cTn>
                               </p:par>
                               <p:par>
-                                <p:cTn id="23" presetID="10" presetClass="entr" presetSubtype="0" fill="hold" nodeType="withEffect">
+                                <p:cTn id="73" presetID="10" presetClass="exit" presetSubtype="0" fill="hold" grpId="0" nodeType="withEffect">
+                                  <p:stCondLst>
+                                    <p:cond delay="0"/>
+                                  </p:stCondLst>
+                                  <p:childTnLst>
+                                    <p:animEffect transition="out" filter="fade">
+                                      <p:cBhvr>
+                                        <p:cTn id="74" dur="500"/>
+                                        <p:tgtEl>
+                                          <p:spTgt spid="27"/>
+                                        </p:tgtEl>
+                                      </p:cBhvr>
+                                    </p:animEffect>
+                                    <p:set>
+                                      <p:cBhvr>
+                                        <p:cTn id="75" dur="1" fill="hold">
+                                          <p:stCondLst>
+                                            <p:cond delay="499"/>
+                                          </p:stCondLst>
+                                        </p:cTn>
+                                        <p:tgtEl>
+                                          <p:spTgt spid="27"/>
+                                        </p:tgtEl>
+                                        <p:attrNameLst>
+                                          <p:attrName>style.visibility</p:attrName>
+                                        </p:attrNameLst>
+                                      </p:cBhvr>
+                                      <p:to>
+                                        <p:strVal val="hidden"/>
+                                      </p:to>
+                                    </p:set>
+                                  </p:childTnLst>
+                                </p:cTn>
+                              </p:par>
+                              <p:par>
+                                <p:cTn id="76" presetID="10" presetClass="exit" presetSubtype="0" fill="hold" nodeType="withEffect">
+                                  <p:stCondLst>
+                                    <p:cond delay="0"/>
+                                  </p:stCondLst>
+                                  <p:childTnLst>
+                                    <p:animEffect transition="out" filter="fade">
+                                      <p:cBhvr>
+                                        <p:cTn id="77" dur="500"/>
+                                        <p:tgtEl>
+                                          <p:spTgt spid="28"/>
+                                        </p:tgtEl>
+                                      </p:cBhvr>
+                                    </p:animEffect>
+                                    <p:set>
+                                      <p:cBhvr>
+                                        <p:cTn id="78" dur="1" fill="hold">
+                                          <p:stCondLst>
+                                            <p:cond delay="499"/>
+                                          </p:stCondLst>
+                                        </p:cTn>
+                                        <p:tgtEl>
+                                          <p:spTgt spid="28"/>
+                                        </p:tgtEl>
+                                        <p:attrNameLst>
+                                          <p:attrName>style.visibility</p:attrName>
+                                        </p:attrNameLst>
+                                      </p:cBhvr>
+                                      <p:to>
+                                        <p:strVal val="hidden"/>
+                                      </p:to>
+                                    </p:set>
+                                  </p:childTnLst>
+                                </p:cTn>
+                              </p:par>
+                              <p:par>
+                                <p:cTn id="79" presetID="10" presetClass="entr" presetSubtype="0" fill="hold" nodeType="withEffect">
                                   <p:stCondLst>
                                     <p:cond delay="0"/>
                                   </p:stCondLst>
                                   <p:childTnLst>
                                     <p:set>
                                       <p:cBhvr>
-                                        <p:cTn id="24" dur="1" fill="hold">
+                                        <p:cTn id="80" dur="1" fill="hold">
                                           <p:stCondLst>
                                             <p:cond delay="0"/>
                                           </p:stCondLst>
                                         </p:cTn>
                                         <p:tgtEl>
-                                          <p:spTgt spid="28"/>
+                                          <p:spTgt spid="20"/>
                                         </p:tgtEl>
                                         <p:attrNameLst>
                                           <p:attrName>style.visibility</p:attrName>
@@ -11144,9 +17538,9 @@
                                     </p:set>
                                     <p:animEffect transition="in" filter="fade">
                                       <p:cBhvr>
-                                        <p:cTn id="25" dur="500"/>
+                                        <p:cTn id="81" dur="500"/>
                                         <p:tgtEl>
-                                          <p:spTgt spid="28"/>
+                                          <p:spTgt spid="20"/>
                                         </p:tgtEl>
                                       </p:cBhvr>
                                     </p:animEffect>
@@ -11154,28 +17548,766 @@
                                 </p:cTn>
                               </p:par>
                               <p:par>
-                                <p:cTn id="26" presetID="10" presetClass="exit" presetSubtype="0" fill="hold" nodeType="withEffect">
+                                <p:cTn id="82" presetID="10" presetClass="exit" presetSubtype="0" fill="hold" nodeType="withEffect">
                                   <p:stCondLst>
                                     <p:cond delay="0"/>
                                   </p:stCondLst>
                                   <p:childTnLst>
                                     <p:animEffect transition="out" filter="fade">
                                       <p:cBhvr>
-                                        <p:cTn id="27" dur="500"/>
+                                        <p:cTn id="83" dur="500"/>
                                         <p:tgtEl>
-                                          <p:spTgt spid="28"/>
+                                          <p:spTgt spid="5"/>
                                         </p:tgtEl>
                                       </p:cBhvr>
                                     </p:animEffect>
                                     <p:set>
                                       <p:cBhvr>
-                                        <p:cTn id="28" dur="1" fill="hold">
+                                        <p:cTn id="84" dur="1" fill="hold">
                                           <p:stCondLst>
                                             <p:cond delay="499"/>
                                           </p:stCondLst>
                                         </p:cTn>
                                         <p:tgtEl>
-                                          <p:spTgt spid="28"/>
+                                          <p:spTgt spid="5"/>
+                                        </p:tgtEl>
+                                        <p:attrNameLst>
+                                          <p:attrName>style.visibility</p:attrName>
+                                        </p:attrNameLst>
+                                      </p:cBhvr>
+                                      <p:to>
+                                        <p:strVal val="hidden"/>
+                                      </p:to>
+                                    </p:set>
+                                  </p:childTnLst>
+                                </p:cTn>
+                              </p:par>
+                              <p:par>
+                                <p:cTn id="85" presetID="10" presetClass="entr" presetSubtype="0" fill="hold" grpId="0" nodeType="withEffect">
+                                  <p:stCondLst>
+                                    <p:cond delay="0"/>
+                                  </p:stCondLst>
+                                  <p:childTnLst>
+                                    <p:set>
+                                      <p:cBhvr>
+                                        <p:cTn id="86" dur="1" fill="hold">
+                                          <p:stCondLst>
+                                            <p:cond delay="0"/>
+                                          </p:stCondLst>
+                                        </p:cTn>
+                                        <p:tgtEl>
+                                          <p:spTgt spid="31"/>
+                                        </p:tgtEl>
+                                        <p:attrNameLst>
+                                          <p:attrName>style.visibility</p:attrName>
+                                        </p:attrNameLst>
+                                      </p:cBhvr>
+                                      <p:to>
+                                        <p:strVal val="visible"/>
+                                      </p:to>
+                                    </p:set>
+                                    <p:animEffect transition="in" filter="fade">
+                                      <p:cBhvr>
+                                        <p:cTn id="87" dur="500"/>
+                                        <p:tgtEl>
+                                          <p:spTgt spid="31"/>
+                                        </p:tgtEl>
+                                      </p:cBhvr>
+                                    </p:animEffect>
+                                  </p:childTnLst>
+                                </p:cTn>
+                              </p:par>
+                              <p:par>
+                                <p:cTn id="88" presetID="10" presetClass="entr" presetSubtype="0" fill="hold" grpId="0" nodeType="withEffect">
+                                  <p:stCondLst>
+                                    <p:cond delay="0"/>
+                                  </p:stCondLst>
+                                  <p:childTnLst>
+                                    <p:set>
+                                      <p:cBhvr>
+                                        <p:cTn id="89" dur="1" fill="hold">
+                                          <p:stCondLst>
+                                            <p:cond delay="0"/>
+                                          </p:stCondLst>
+                                        </p:cTn>
+                                        <p:tgtEl>
+                                          <p:spTgt spid="32"/>
+                                        </p:tgtEl>
+                                        <p:attrNameLst>
+                                          <p:attrName>style.visibility</p:attrName>
+                                        </p:attrNameLst>
+                                      </p:cBhvr>
+                                      <p:to>
+                                        <p:strVal val="visible"/>
+                                      </p:to>
+                                    </p:set>
+                                    <p:animEffect transition="in" filter="fade">
+                                      <p:cBhvr>
+                                        <p:cTn id="90" dur="500"/>
+                                        <p:tgtEl>
+                                          <p:spTgt spid="32"/>
+                                        </p:tgtEl>
+                                      </p:cBhvr>
+                                    </p:animEffect>
+                                  </p:childTnLst>
+                                </p:cTn>
+                              </p:par>
+                              <p:par>
+                                <p:cTn id="91" presetID="10" presetClass="entr" presetSubtype="0" fill="hold" nodeType="withEffect">
+                                  <p:stCondLst>
+                                    <p:cond delay="0"/>
+                                  </p:stCondLst>
+                                  <p:childTnLst>
+                                    <p:set>
+                                      <p:cBhvr>
+                                        <p:cTn id="92" dur="1" fill="hold">
+                                          <p:stCondLst>
+                                            <p:cond delay="0"/>
+                                          </p:stCondLst>
+                                        </p:cTn>
+                                        <p:tgtEl>
+                                          <p:spTgt spid="19"/>
+                                        </p:tgtEl>
+                                        <p:attrNameLst>
+                                          <p:attrName>style.visibility</p:attrName>
+                                        </p:attrNameLst>
+                                      </p:cBhvr>
+                                      <p:to>
+                                        <p:strVal val="visible"/>
+                                      </p:to>
+                                    </p:set>
+                                    <p:animEffect transition="in" filter="fade">
+                                      <p:cBhvr>
+                                        <p:cTn id="93" dur="500"/>
+                                        <p:tgtEl>
+                                          <p:spTgt spid="19"/>
+                                        </p:tgtEl>
+                                      </p:cBhvr>
+                                    </p:animEffect>
+                                  </p:childTnLst>
+                                </p:cTn>
+                              </p:par>
+                            </p:childTnLst>
+                          </p:cTn>
+                        </p:par>
+                      </p:childTnLst>
+                    </p:cTn>
+                  </p:par>
+                  <p:par>
+                    <p:cTn id="94" fill="hold">
+                      <p:stCondLst>
+                        <p:cond delay="indefinite"/>
+                      </p:stCondLst>
+                      <p:childTnLst>
+                        <p:par>
+                          <p:cTn id="95" fill="hold">
+                            <p:stCondLst>
+                              <p:cond delay="0"/>
+                            </p:stCondLst>
+                            <p:childTnLst>
+                              <p:par>
+                                <p:cTn id="96" presetID="22" presetClass="entr" presetSubtype="4" fill="hold" nodeType="clickEffect">
+                                  <p:stCondLst>
+                                    <p:cond delay="0"/>
+                                  </p:stCondLst>
+                                  <p:childTnLst>
+                                    <p:set>
+                                      <p:cBhvr>
+                                        <p:cTn id="97" dur="1" fill="hold">
+                                          <p:stCondLst>
+                                            <p:cond delay="0"/>
+                                          </p:stCondLst>
+                                        </p:cTn>
+                                        <p:tgtEl>
+                                          <p:spTgt spid="5123"/>
+                                        </p:tgtEl>
+                                        <p:attrNameLst>
+                                          <p:attrName>style.visibility</p:attrName>
+                                        </p:attrNameLst>
+                                      </p:cBhvr>
+                                      <p:to>
+                                        <p:strVal val="visible"/>
+                                      </p:to>
+                                    </p:set>
+                                    <p:animEffect transition="in" filter="wipe(down)">
+                                      <p:cBhvr>
+                                        <p:cTn id="98" dur="500"/>
+                                        <p:tgtEl>
+                                          <p:spTgt spid="5123"/>
+                                        </p:tgtEl>
+                                      </p:cBhvr>
+                                    </p:animEffect>
+                                  </p:childTnLst>
+                                </p:cTn>
+                              </p:par>
+                              <p:par>
+                                <p:cTn id="99" presetID="10" presetClass="exit" presetSubtype="0" fill="hold" nodeType="withEffect">
+                                  <p:stCondLst>
+                                    <p:cond delay="0"/>
+                                  </p:stCondLst>
+                                  <p:childTnLst>
+                                    <p:animEffect transition="out" filter="fade">
+                                      <p:cBhvr>
+                                        <p:cTn id="100" dur="500"/>
+                                        <p:tgtEl>
+                                          <p:spTgt spid="20"/>
+                                        </p:tgtEl>
+                                      </p:cBhvr>
+                                    </p:animEffect>
+                                    <p:set>
+                                      <p:cBhvr>
+                                        <p:cTn id="101" dur="1" fill="hold">
+                                          <p:stCondLst>
+                                            <p:cond delay="499"/>
+                                          </p:stCondLst>
+                                        </p:cTn>
+                                        <p:tgtEl>
+                                          <p:spTgt spid="20"/>
+                                        </p:tgtEl>
+                                        <p:attrNameLst>
+                                          <p:attrName>style.visibility</p:attrName>
+                                        </p:attrNameLst>
+                                      </p:cBhvr>
+                                      <p:to>
+                                        <p:strVal val="hidden"/>
+                                      </p:to>
+                                    </p:set>
+                                  </p:childTnLst>
+                                </p:cTn>
+                              </p:par>
+                              <p:par>
+                                <p:cTn id="102" presetID="10" presetClass="exit" presetSubtype="0" fill="hold" nodeType="withEffect">
+                                  <p:stCondLst>
+                                    <p:cond delay="0"/>
+                                  </p:stCondLst>
+                                  <p:childTnLst>
+                                    <p:animEffect transition="out" filter="fade">
+                                      <p:cBhvr>
+                                        <p:cTn id="103" dur="500"/>
+                                        <p:tgtEl>
+                                          <p:spTgt spid="19"/>
+                                        </p:tgtEl>
+                                      </p:cBhvr>
+                                    </p:animEffect>
+                                    <p:set>
+                                      <p:cBhvr>
+                                        <p:cTn id="104" dur="1" fill="hold">
+                                          <p:stCondLst>
+                                            <p:cond delay="499"/>
+                                          </p:stCondLst>
+                                        </p:cTn>
+                                        <p:tgtEl>
+                                          <p:spTgt spid="19"/>
+                                        </p:tgtEl>
+                                        <p:attrNameLst>
+                                          <p:attrName>style.visibility</p:attrName>
+                                        </p:attrNameLst>
+                                      </p:cBhvr>
+                                      <p:to>
+                                        <p:strVal val="hidden"/>
+                                      </p:to>
+                                    </p:set>
+                                  </p:childTnLst>
+                                </p:cTn>
+                              </p:par>
+                            </p:childTnLst>
+                          </p:cTn>
+                        </p:par>
+                      </p:childTnLst>
+                    </p:cTn>
+                  </p:par>
+                  <p:par>
+                    <p:cTn id="105" fill="hold">
+                      <p:stCondLst>
+                        <p:cond delay="indefinite"/>
+                      </p:stCondLst>
+                      <p:childTnLst>
+                        <p:par>
+                          <p:cTn id="106" fill="hold">
+                            <p:stCondLst>
+                              <p:cond delay="0"/>
+                            </p:stCondLst>
+                            <p:childTnLst>
+                              <p:par>
+                                <p:cTn id="107" presetID="10" presetClass="exit" presetSubtype="0" fill="hold" grpId="1" nodeType="clickEffect">
+                                  <p:stCondLst>
+                                    <p:cond delay="0"/>
+                                  </p:stCondLst>
+                                  <p:childTnLst>
+                                    <p:animEffect transition="out" filter="fade">
+                                      <p:cBhvr>
+                                        <p:cTn id="108" dur="500"/>
+                                        <p:tgtEl>
+                                          <p:spTgt spid="32"/>
+                                        </p:tgtEl>
+                                      </p:cBhvr>
+                                    </p:animEffect>
+                                    <p:set>
+                                      <p:cBhvr>
+                                        <p:cTn id="109" dur="1" fill="hold">
+                                          <p:stCondLst>
+                                            <p:cond delay="499"/>
+                                          </p:stCondLst>
+                                        </p:cTn>
+                                        <p:tgtEl>
+                                          <p:spTgt spid="32"/>
+                                        </p:tgtEl>
+                                        <p:attrNameLst>
+                                          <p:attrName>style.visibility</p:attrName>
+                                        </p:attrNameLst>
+                                      </p:cBhvr>
+                                      <p:to>
+                                        <p:strVal val="hidden"/>
+                                      </p:to>
+                                    </p:set>
+                                  </p:childTnLst>
+                                </p:cTn>
+                              </p:par>
+                              <p:par>
+                                <p:cTn id="110" presetID="10" presetClass="entr" presetSubtype="0" fill="hold" grpId="0" nodeType="withEffect">
+                                  <p:stCondLst>
+                                    <p:cond delay="0"/>
+                                  </p:stCondLst>
+                                  <p:childTnLst>
+                                    <p:set>
+                                      <p:cBhvr>
+                                        <p:cTn id="111" dur="1" fill="hold">
+                                          <p:stCondLst>
+                                            <p:cond delay="0"/>
+                                          </p:stCondLst>
+                                        </p:cTn>
+                                        <p:tgtEl>
+                                          <p:spTgt spid="33"/>
+                                        </p:tgtEl>
+                                        <p:attrNameLst>
+                                          <p:attrName>style.visibility</p:attrName>
+                                        </p:attrNameLst>
+                                      </p:cBhvr>
+                                      <p:to>
+                                        <p:strVal val="visible"/>
+                                      </p:to>
+                                    </p:set>
+                                    <p:animEffect transition="in" filter="fade">
+                                      <p:cBhvr>
+                                        <p:cTn id="112" dur="500"/>
+                                        <p:tgtEl>
+                                          <p:spTgt spid="33"/>
+                                        </p:tgtEl>
+                                      </p:cBhvr>
+                                    </p:animEffect>
+                                  </p:childTnLst>
+                                </p:cTn>
+                              </p:par>
+                              <p:par>
+                                <p:cTn id="113" presetID="10" presetClass="entr" presetSubtype="0" fill="hold" nodeType="withEffect">
+                                  <p:stCondLst>
+                                    <p:cond delay="0"/>
+                                  </p:stCondLst>
+                                  <p:childTnLst>
+                                    <p:set>
+                                      <p:cBhvr>
+                                        <p:cTn id="114" dur="1" fill="hold">
+                                          <p:stCondLst>
+                                            <p:cond delay="0"/>
+                                          </p:stCondLst>
+                                        </p:cTn>
+                                        <p:tgtEl>
+                                          <p:spTgt spid="5124"/>
+                                        </p:tgtEl>
+                                        <p:attrNameLst>
+                                          <p:attrName>style.visibility</p:attrName>
+                                        </p:attrNameLst>
+                                      </p:cBhvr>
+                                      <p:to>
+                                        <p:strVal val="visible"/>
+                                      </p:to>
+                                    </p:set>
+                                    <p:animEffect transition="in" filter="fade">
+                                      <p:cBhvr>
+                                        <p:cTn id="115" dur="500"/>
+                                        <p:tgtEl>
+                                          <p:spTgt spid="5124"/>
+                                        </p:tgtEl>
+                                      </p:cBhvr>
+                                    </p:animEffect>
+                                  </p:childTnLst>
+                                </p:cTn>
+                              </p:par>
+                              <p:par>
+                                <p:cTn id="116" presetID="10" presetClass="exit" presetSubtype="0" fill="hold" nodeType="withEffect">
+                                  <p:stCondLst>
+                                    <p:cond delay="0"/>
+                                  </p:stCondLst>
+                                  <p:childTnLst>
+                                    <p:animEffect transition="out" filter="fade">
+                                      <p:cBhvr>
+                                        <p:cTn id="117" dur="500"/>
+                                        <p:tgtEl>
+                                          <p:spTgt spid="5123"/>
+                                        </p:tgtEl>
+                                      </p:cBhvr>
+                                    </p:animEffect>
+                                    <p:set>
+                                      <p:cBhvr>
+                                        <p:cTn id="118" dur="1" fill="hold">
+                                          <p:stCondLst>
+                                            <p:cond delay="499"/>
+                                          </p:stCondLst>
+                                        </p:cTn>
+                                        <p:tgtEl>
+                                          <p:spTgt spid="5123"/>
+                                        </p:tgtEl>
+                                        <p:attrNameLst>
+                                          <p:attrName>style.visibility</p:attrName>
+                                        </p:attrNameLst>
+                                      </p:cBhvr>
+                                      <p:to>
+                                        <p:strVal val="hidden"/>
+                                      </p:to>
+                                    </p:set>
+                                  </p:childTnLst>
+                                </p:cTn>
+                              </p:par>
+                            </p:childTnLst>
+                          </p:cTn>
+                        </p:par>
+                      </p:childTnLst>
+                    </p:cTn>
+                  </p:par>
+                  <p:par>
+                    <p:cTn id="119" fill="hold">
+                      <p:stCondLst>
+                        <p:cond delay="indefinite"/>
+                      </p:stCondLst>
+                      <p:childTnLst>
+                        <p:par>
+                          <p:cTn id="120" fill="hold">
+                            <p:stCondLst>
+                              <p:cond delay="0"/>
+                            </p:stCondLst>
+                            <p:childTnLst>
+                              <p:par>
+                                <p:cTn id="121" presetID="14" presetClass="entr" presetSubtype="10" fill="hold" nodeType="clickEffect">
+                                  <p:stCondLst>
+                                    <p:cond delay="0"/>
+                                  </p:stCondLst>
+                                  <p:childTnLst>
+                                    <p:set>
+                                      <p:cBhvr>
+                                        <p:cTn id="122" dur="1" fill="hold">
+                                          <p:stCondLst>
+                                            <p:cond delay="0"/>
+                                          </p:stCondLst>
+                                        </p:cTn>
+                                        <p:tgtEl>
+                                          <p:spTgt spid="5125"/>
+                                        </p:tgtEl>
+                                        <p:attrNameLst>
+                                          <p:attrName>style.visibility</p:attrName>
+                                        </p:attrNameLst>
+                                      </p:cBhvr>
+                                      <p:to>
+                                        <p:strVal val="visible"/>
+                                      </p:to>
+                                    </p:set>
+                                    <p:animEffect transition="in" filter="randombar(horizontal)">
+                                      <p:cBhvr>
+                                        <p:cTn id="123" dur="500"/>
+                                        <p:tgtEl>
+                                          <p:spTgt spid="5125"/>
+                                        </p:tgtEl>
+                                      </p:cBhvr>
+                                    </p:animEffect>
+                                  </p:childTnLst>
+                                </p:cTn>
+                              </p:par>
+                              <p:par>
+                                <p:cTn id="124" presetID="10" presetClass="exit" presetSubtype="0" fill="hold" grpId="1" nodeType="withEffect">
+                                  <p:stCondLst>
+                                    <p:cond delay="0"/>
+                                  </p:stCondLst>
+                                  <p:childTnLst>
+                                    <p:animEffect transition="out" filter="fade">
+                                      <p:cBhvr>
+                                        <p:cTn id="125" dur="500"/>
+                                        <p:tgtEl>
+                                          <p:spTgt spid="33"/>
+                                        </p:tgtEl>
+                                      </p:cBhvr>
+                                    </p:animEffect>
+                                    <p:set>
+                                      <p:cBhvr>
+                                        <p:cTn id="126" dur="1" fill="hold">
+                                          <p:stCondLst>
+                                            <p:cond delay="499"/>
+                                          </p:stCondLst>
+                                        </p:cTn>
+                                        <p:tgtEl>
+                                          <p:spTgt spid="33"/>
+                                        </p:tgtEl>
+                                        <p:attrNameLst>
+                                          <p:attrName>style.visibility</p:attrName>
+                                        </p:attrNameLst>
+                                      </p:cBhvr>
+                                      <p:to>
+                                        <p:strVal val="hidden"/>
+                                      </p:to>
+                                    </p:set>
+                                  </p:childTnLst>
+                                </p:cTn>
+                              </p:par>
+                            </p:childTnLst>
+                          </p:cTn>
+                        </p:par>
+                      </p:childTnLst>
+                    </p:cTn>
+                  </p:par>
+                  <p:par>
+                    <p:cTn id="127" fill="hold">
+                      <p:stCondLst>
+                        <p:cond delay="indefinite"/>
+                      </p:stCondLst>
+                      <p:childTnLst>
+                        <p:par>
+                          <p:cTn id="128" fill="hold">
+                            <p:stCondLst>
+                              <p:cond delay="0"/>
+                            </p:stCondLst>
+                            <p:childTnLst>
+                              <p:par>
+                                <p:cTn id="129" presetID="42" presetClass="entr" presetSubtype="0" fill="hold" grpId="0" nodeType="clickEffect">
+                                  <p:stCondLst>
+                                    <p:cond delay="0"/>
+                                  </p:stCondLst>
+                                  <p:childTnLst>
+                                    <p:set>
+                                      <p:cBhvr>
+                                        <p:cTn id="130" dur="1" fill="hold">
+                                          <p:stCondLst>
+                                            <p:cond delay="0"/>
+                                          </p:stCondLst>
+                                        </p:cTn>
+                                        <p:tgtEl>
+                                          <p:spTgt spid="29"/>
+                                        </p:tgtEl>
+                                        <p:attrNameLst>
+                                          <p:attrName>style.visibility</p:attrName>
+                                        </p:attrNameLst>
+                                      </p:cBhvr>
+                                      <p:to>
+                                        <p:strVal val="visible"/>
+                                      </p:to>
+                                    </p:set>
+                                    <p:animEffect transition="in" filter="fade">
+                                      <p:cBhvr>
+                                        <p:cTn id="131" dur="1000"/>
+                                        <p:tgtEl>
+                                          <p:spTgt spid="29"/>
+                                        </p:tgtEl>
+                                      </p:cBhvr>
+                                    </p:animEffect>
+                                    <p:anim calcmode="lin" valueType="num">
+                                      <p:cBhvr>
+                                        <p:cTn id="132" dur="1000" fill="hold"/>
+                                        <p:tgtEl>
+                                          <p:spTgt spid="29"/>
+                                        </p:tgtEl>
+                                        <p:attrNameLst>
+                                          <p:attrName>ppt_x</p:attrName>
+                                        </p:attrNameLst>
+                                      </p:cBhvr>
+                                      <p:tavLst>
+                                        <p:tav tm="0">
+                                          <p:val>
+                                            <p:strVal val="#ppt_x"/>
+                                          </p:val>
+                                        </p:tav>
+                                        <p:tav tm="100000">
+                                          <p:val>
+                                            <p:strVal val="#ppt_x"/>
+                                          </p:val>
+                                        </p:tav>
+                                      </p:tavLst>
+                                    </p:anim>
+                                    <p:anim calcmode="lin" valueType="num">
+                                      <p:cBhvr>
+                                        <p:cTn id="133" dur="1000" fill="hold"/>
+                                        <p:tgtEl>
+                                          <p:spTgt spid="29"/>
+                                        </p:tgtEl>
+                                        <p:attrNameLst>
+                                          <p:attrName>ppt_y</p:attrName>
+                                        </p:attrNameLst>
+                                      </p:cBhvr>
+                                      <p:tavLst>
+                                        <p:tav tm="0">
+                                          <p:val>
+                                            <p:strVal val="#ppt_y+.1"/>
+                                          </p:val>
+                                        </p:tav>
+                                        <p:tav tm="100000">
+                                          <p:val>
+                                            <p:strVal val="#ppt_y"/>
+                                          </p:val>
+                                        </p:tav>
+                                      </p:tavLst>
+                                    </p:anim>
+                                  </p:childTnLst>
+                                </p:cTn>
+                              </p:par>
+                            </p:childTnLst>
+                          </p:cTn>
+                        </p:par>
+                        <p:par>
+                          <p:cTn id="134" fill="hold">
+                            <p:stCondLst>
+                              <p:cond delay="1000"/>
+                            </p:stCondLst>
+                            <p:childTnLst>
+                              <p:par>
+                                <p:cTn id="135" presetID="42" presetClass="path" presetSubtype="0" accel="50000" decel="50000" fill="hold" grpId="0" nodeType="afterEffect">
+                                  <p:stCondLst>
+                                    <p:cond delay="0"/>
+                                  </p:stCondLst>
+                                  <p:childTnLst>
+                                    <p:animMotion origin="layout" path="M -2.22222E-6 -2.59259E-6 L 0.66962 -0.87129 " pathEditMode="relative" rAng="0" ptsTypes="AA">
+                                      <p:cBhvr>
+                                        <p:cTn id="136" dur="1000" fill="hold"/>
+                                        <p:tgtEl>
+                                          <p:spTgt spid="30"/>
+                                        </p:tgtEl>
+                                        <p:attrNameLst>
+                                          <p:attrName>ppt_x</p:attrName>
+                                          <p:attrName>ppt_y</p:attrName>
+                                        </p:attrNameLst>
+                                      </p:cBhvr>
+                                      <p:rCtr x="33472" y="-43565"/>
+                                    </p:animMotion>
+                                  </p:childTnLst>
+                                </p:cTn>
+                              </p:par>
+                            </p:childTnLst>
+                          </p:cTn>
+                        </p:par>
+                      </p:childTnLst>
+                    </p:cTn>
+                  </p:par>
+                  <p:par>
+                    <p:cTn id="137" fill="hold">
+                      <p:stCondLst>
+                        <p:cond delay="indefinite"/>
+                      </p:stCondLst>
+                      <p:childTnLst>
+                        <p:par>
+                          <p:cTn id="138" fill="hold">
+                            <p:stCondLst>
+                              <p:cond delay="0"/>
+                            </p:stCondLst>
+                            <p:childTnLst>
+                              <p:par>
+                                <p:cTn id="139" presetID="53" presetClass="entr" presetSubtype="16" fill="hold" nodeType="clickEffect">
+                                  <p:stCondLst>
+                                    <p:cond delay="0"/>
+                                  </p:stCondLst>
+                                  <p:childTnLst>
+                                    <p:set>
+                                      <p:cBhvr>
+                                        <p:cTn id="140" dur="1" fill="hold">
+                                          <p:stCondLst>
+                                            <p:cond delay="0"/>
+                                          </p:stCondLst>
+                                        </p:cTn>
+                                        <p:tgtEl>
+                                          <p:spTgt spid="5126"/>
+                                        </p:tgtEl>
+                                        <p:attrNameLst>
+                                          <p:attrName>style.visibility</p:attrName>
+                                        </p:attrNameLst>
+                                      </p:cBhvr>
+                                      <p:to>
+                                        <p:strVal val="visible"/>
+                                      </p:to>
+                                    </p:set>
+                                    <p:anim calcmode="lin" valueType="num">
+                                      <p:cBhvr>
+                                        <p:cTn id="141" dur="500" fill="hold"/>
+                                        <p:tgtEl>
+                                          <p:spTgt spid="5126"/>
+                                        </p:tgtEl>
+                                        <p:attrNameLst>
+                                          <p:attrName>ppt_w</p:attrName>
+                                        </p:attrNameLst>
+                                      </p:cBhvr>
+                                      <p:tavLst>
+                                        <p:tav tm="0">
+                                          <p:val>
+                                            <p:fltVal val="0"/>
+                                          </p:val>
+                                        </p:tav>
+                                        <p:tav tm="100000">
+                                          <p:val>
+                                            <p:strVal val="#ppt_w"/>
+                                          </p:val>
+                                        </p:tav>
+                                      </p:tavLst>
+                                    </p:anim>
+                                    <p:anim calcmode="lin" valueType="num">
+                                      <p:cBhvr>
+                                        <p:cTn id="142" dur="500" fill="hold"/>
+                                        <p:tgtEl>
+                                          <p:spTgt spid="5126"/>
+                                        </p:tgtEl>
+                                        <p:attrNameLst>
+                                          <p:attrName>ppt_h</p:attrName>
+                                        </p:attrNameLst>
+                                      </p:cBhvr>
+                                      <p:tavLst>
+                                        <p:tav tm="0">
+                                          <p:val>
+                                            <p:fltVal val="0"/>
+                                          </p:val>
+                                        </p:tav>
+                                        <p:tav tm="100000">
+                                          <p:val>
+                                            <p:strVal val="#ppt_h"/>
+                                          </p:val>
+                                        </p:tav>
+                                      </p:tavLst>
+                                    </p:anim>
+                                    <p:animEffect transition="in" filter="fade">
+                                      <p:cBhvr>
+                                        <p:cTn id="143" dur="500"/>
+                                        <p:tgtEl>
+                                          <p:spTgt spid="5126"/>
+                                        </p:tgtEl>
+                                      </p:cBhvr>
+                                    </p:animEffect>
+                                  </p:childTnLst>
+                                </p:cTn>
+                              </p:par>
+                              <p:par>
+                                <p:cTn id="144" presetID="10" presetClass="exit" presetSubtype="0" fill="hold" grpId="1" nodeType="withEffect">
+                                  <p:stCondLst>
+                                    <p:cond delay="0"/>
+                                  </p:stCondLst>
+                                  <p:childTnLst>
+                                    <p:animEffect transition="out" filter="fade">
+                                      <p:cBhvr>
+                                        <p:cTn id="145" dur="500"/>
+                                        <p:tgtEl>
+                                          <p:spTgt spid="30"/>
+                                        </p:tgtEl>
+                                      </p:cBhvr>
+                                    </p:animEffect>
+                                    <p:set>
+                                      <p:cBhvr>
+                                        <p:cTn id="146" dur="1" fill="hold">
+                                          <p:stCondLst>
+                                            <p:cond delay="499"/>
+                                          </p:stCondLst>
+                                        </p:cTn>
+                                        <p:tgtEl>
+                                          <p:spTgt spid="30"/>
                                         </p:tgtEl>
                                         <p:attrNameLst>
                                           <p:attrName>style.visibility</p:attrName>
@@ -11215,6 +18347,29 @@
         </p:cTn>
       </p:par>
     </p:tnLst>
+    <p:bldLst>
+      <p:bldP spid="23" grpId="0" animBg="1"/>
+      <p:bldP spid="23" grpId="1" animBg="1"/>
+      <p:bldP spid="27" grpId="0" animBg="1"/>
+      <p:bldP spid="27" grpId="1" animBg="1"/>
+      <p:bldP spid="31" grpId="0" animBg="1"/>
+      <p:bldP spid="32" grpId="0" animBg="1"/>
+      <p:bldP spid="32" grpId="1" animBg="1"/>
+      <p:bldP spid="33" grpId="0" animBg="1"/>
+      <p:bldP spid="33" grpId="1" animBg="1"/>
+      <p:bldP spid="11" grpId="0" animBg="1"/>
+      <p:bldP spid="11" grpId="1" animBg="1"/>
+      <p:bldP spid="11" grpId="2" animBg="1"/>
+      <p:bldP spid="11" grpId="3" animBg="1"/>
+      <p:bldP spid="11" grpId="4" animBg="1"/>
+      <p:bldP spid="11" grpId="5" animBg="1"/>
+      <p:bldP spid="12" grpId="0" animBg="1"/>
+      <p:bldP spid="12" grpId="1" animBg="1"/>
+      <p:bldP spid="12" grpId="2" animBg="1"/>
+      <p:bldP spid="29" grpId="0" animBg="1"/>
+      <p:bldP spid="30" grpId="0" animBg="1"/>
+      <p:bldP spid="30" grpId="1" animBg="1"/>
+    </p:bldLst>
   </p:timing>
 </p:sld>
 </file>
@@ -11293,37 +18448,78 @@
           </a:p>
         </p:txBody>
       </p:sp>
-      <p:sp>
-        <p:nvSpPr>
-          <p:cNvPr id="2" name="テキスト ボックス 1"/>
-          <p:cNvSpPr txBox="1"/>
-          <p:nvPr/>
-        </p:nvSpPr>
-        <p:spPr>
-          <a:xfrm>
-            <a:off x="1547664" y="3140968"/>
-            <a:ext cx="3456384" cy="369332"/>
-          </a:xfrm>
-          <a:prstGeom prst="rect">
-            <a:avLst/>
-          </a:prstGeom>
-          <a:noFill/>
-        </p:spPr>
-        <p:txBody>
-          <a:bodyPr wrap="square" rtlCol="0">
-            <a:spAutoFit/>
-          </a:bodyPr>
-          <a:lstStyle/>
-          <a:p>
-            <a:r>
-              <a:rPr kumimoji="1" lang="ja-JP" altLang="en-US" dirty="0" smtClean="0"/>
-              <a:t>メモ：ノードの画像を直接使用する</a:t>
-            </a:r>
-            <a:endParaRPr kumimoji="1" lang="ja-JP" altLang="en-US" dirty="0"/>
-          </a:p>
-        </p:txBody>
-      </p:sp>
     </p:spTree>
+    <p:controls>
+      <mc:AlternateContent xmlns:mc="http://schemas.openxmlformats.org/markup-compatibility/2006">
+        <mc:Choice xmlns:v="urn:schemas-microsoft-com:vml" Requires="v">
+          <p:control spid="6146" name="WindowsMediaPlayer1" r:id="rId2" imgW="5837426" imgH="4723810"/>
+        </mc:Choice>
+        <mc:Fallback>
+          <p:control name="WindowsMediaPlayer1" r:id="rId2" imgW="5837426" imgH="4723810">
+            <p:pic>
+              <p:nvPicPr>
+                <p:cNvPr id="0" name="WindowsMediaPlayer1"/>
+                <p:cNvPicPr preferRelativeResize="0">
+                  <a:picLocks noChangeArrowheads="1" noChangeShapeType="1"/>
+                </p:cNvPicPr>
+                <p:nvPr/>
+              </p:nvPicPr>
+              <p:blipFill>
+                <a:blip r:embed="rId4">
+                  <a:extLst>
+                    <a:ext uri="{28A0092B-C50C-407E-A947-70E740481C1C}">
+                      <a14:useLocalDpi xmlns:a14="http://schemas.microsoft.com/office/drawing/2010/main" val="0"/>
+                    </a:ext>
+                  </a:extLst>
+                </a:blip>
+                <a:srcRect/>
+                <a:stretch>
+                  <a:fillRect/>
+                </a:stretch>
+              </p:blipFill>
+              <p:spPr bwMode="auto">
+                <a:xfrm>
+                  <a:off x="468313" y="1557338"/>
+                  <a:ext cx="8207375" cy="5129212"/>
+                </a:xfrm>
+                <a:prstGeom prst="rect">
+                  <a:avLst/>
+                </a:prstGeom>
+                <a:noFill/>
+                <a:ln>
+                  <a:noFill/>
+                </a:ln>
+                <a:effectLst/>
+                <a:extLst>
+                  <a:ext uri="{909E8E84-426E-40DD-AFC4-6F175D3DCCD1}">
+                    <a14:hiddenFill xmlns:a14="http://schemas.microsoft.com/office/drawing/2010/main">
+                      <a:noFill/>
+                    </a14:hiddenFill>
+                  </a:ext>
+                  <a:ext uri="{91240B29-F687-4F45-9708-019B960494DF}">
+                    <a14:hiddenLine xmlns:a14="http://schemas.microsoft.com/office/drawing/2010/main" w="9525">
+                      <a:noFill/>
+                      <a:miter lim="800000"/>
+                      <a:headEnd/>
+                      <a:tailEnd/>
+                    </a14:hiddenLine>
+                  </a:ext>
+                  <a:ext uri="{AF507438-7753-43E0-B8FC-AC1667EBCBE1}">
+                    <a14:hiddenEffects xmlns:a14="http://schemas.microsoft.com/office/drawing/2010/main">
+                      <a:effectLst>
+                        <a:outerShdw dist="35921" dir="2700000" algn="ctr" rotWithShape="0">
+                          <a:schemeClr val="bg2"/>
+                        </a:outerShdw>
+                      </a:effectLst>
+                    </a14:hiddenEffects>
+                  </a:ext>
+                </a:extLst>
+              </p:spPr>
+            </p:pic>
+          </p:control>
+        </mc:Fallback>
+      </mc:AlternateContent>
+    </p:controls>
     <p:extLst>
       <p:ext uri="{BB962C8B-B14F-4D97-AF65-F5344CB8AC3E}">
         <p14:creationId xmlns:p14="http://schemas.microsoft.com/office/powerpoint/2010/main" val="3265324055"/>
@@ -11333,6 +18529,14 @@
   <p:clrMapOvr>
     <a:masterClrMapping/>
   </p:clrMapOvr>
+  <mc:AlternateContent xmlns:mc="http://schemas.openxmlformats.org/markup-compatibility/2006">
+    <mc:Choice xmlns:p14="http://schemas.microsoft.com/office/powerpoint/2010/main" Requires="p14">
+      <p:transition p14:dur="0"/>
+    </mc:Choice>
+    <mc:Fallback>
+      <p:transition/>
+    </mc:Fallback>
+  </mc:AlternateContent>
   <p:timing>
     <p:tnLst>
       <p:par>
@@ -11404,11 +18608,11 @@
           <a:p>
             <a:pPr algn="ctr"/>
             <a:r>
-              <a:rPr kumimoji="1" lang="ja-JP" altLang="en-US" sz="5400" dirty="0" smtClean="0">
+              <a:rPr lang="ja-JP" altLang="en-US" sz="5400" dirty="0">
                 <a:latin typeface="HGS創英角ｺﾞｼｯｸUB" panose="020B0900000000000000" pitchFamily="50" charset="-128"/>
                 <a:ea typeface="HGS創英角ｺﾞｼｯｸUB" panose="020B0900000000000000" pitchFamily="50" charset="-128"/>
               </a:rPr>
-              <a:t>各担当ごとの技術発表</a:t>
+              <a:t>効果や状態異常について</a:t>
             </a:r>
             <a:endParaRPr kumimoji="1" lang="ja-JP" altLang="en-US" sz="5400" dirty="0">
               <a:latin typeface="HGS創英角ｺﾞｼｯｸUB" panose="020B0900000000000000" pitchFamily="50" charset="-128"/>
@@ -11417,145 +18621,95 @@
           </a:p>
         </p:txBody>
       </p:sp>
-      <p:pic>
-        <p:nvPicPr>
-          <p:cNvPr id="5122" name="Picture 2" descr="C:\Users\Rinifisu\Documents\Unity\Nogic\プレゼン\資料\Unity.png"/>
-          <p:cNvPicPr>
-            <a:picLocks noChangeAspect="1" noChangeArrowheads="1"/>
-          </p:cNvPicPr>
-          <p:nvPr/>
-        </p:nvPicPr>
-        <p:blipFill>
-          <a:blip r:embed="rId2">
-            <a:extLst>
-              <a:ext uri="{28A0092B-C50C-407E-A947-70E740481C1C}">
-                <a14:useLocalDpi xmlns:a14="http://schemas.microsoft.com/office/drawing/2010/main" val="0"/>
-              </a:ext>
-            </a:extLst>
-          </a:blip>
-          <a:srcRect/>
-          <a:stretch>
-            <a:fillRect/>
-          </a:stretch>
-        </p:blipFill>
-        <p:spPr bwMode="auto">
-          <a:xfrm>
-            <a:off x="1352550" y="1517898"/>
-            <a:ext cx="6438900" cy="2343150"/>
-          </a:xfrm>
-          <a:prstGeom prst="rect">
-            <a:avLst/>
-          </a:prstGeom>
-          <a:noFill/>
-          <a:extLst>
-            <a:ext uri="{909E8E84-426E-40DD-AFC4-6F175D3DCCD1}">
-              <a14:hiddenFill xmlns:a14="http://schemas.microsoft.com/office/drawing/2010/main">
-                <a:solidFill>
-                  <a:srgbClr val="FFFFFF"/>
-                </a:solidFill>
-              </a14:hiddenFill>
-            </a:ext>
-          </a:extLst>
-        </p:spPr>
-      </p:pic>
-      <p:sp>
-        <p:nvSpPr>
-          <p:cNvPr id="2" name="下矢印吹き出し 1"/>
-          <p:cNvSpPr/>
-          <p:nvPr/>
-        </p:nvSpPr>
-        <p:spPr>
-          <a:xfrm>
-            <a:off x="1835696" y="4077072"/>
-            <a:ext cx="5472608" cy="2736304"/>
-          </a:xfrm>
-          <a:prstGeom prst="downArrowCallout">
-            <a:avLst/>
-          </a:prstGeom>
-        </p:spPr>
-        <p:style>
-          <a:lnRef idx="2">
-            <a:schemeClr val="accent5">
-              <a:shade val="50000"/>
-            </a:schemeClr>
-          </a:lnRef>
-          <a:fillRef idx="1">
-            <a:schemeClr val="accent5"/>
-          </a:fillRef>
-          <a:effectRef idx="0">
-            <a:schemeClr val="accent5"/>
-          </a:effectRef>
-          <a:fontRef idx="minor">
-            <a:schemeClr val="lt1"/>
-          </a:fontRef>
-        </p:style>
-        <p:txBody>
-          <a:bodyPr rtlCol="0" anchor="ctr"/>
-          <a:lstStyle/>
-          <a:p>
-            <a:pPr algn="ctr"/>
-            <a:r>
-              <a:rPr kumimoji="1" lang="ja-JP" altLang="en-US" sz="2300" dirty="0" smtClean="0"/>
-              <a:t>ゲームプログラマー</a:t>
-            </a:r>
-            <a:endParaRPr kumimoji="1" lang="en-US" altLang="ja-JP" sz="2300" dirty="0" smtClean="0"/>
-          </a:p>
-          <a:p>
-            <a:pPr algn="ctr"/>
-            <a:r>
-              <a:rPr lang="ja-JP" altLang="en-US" sz="2300" dirty="0" smtClean="0"/>
-              <a:t>ゲームプランナー</a:t>
-            </a:r>
-            <a:endParaRPr kumimoji="1" lang="en-US" altLang="ja-JP" sz="2300" dirty="0" smtClean="0"/>
-          </a:p>
-          <a:p>
-            <a:pPr algn="ctr"/>
-            <a:r>
-              <a:rPr lang="en-US" altLang="ja-JP" sz="2300" dirty="0" smtClean="0"/>
-              <a:t>2DUI</a:t>
-            </a:r>
-            <a:r>
-              <a:rPr lang="ja-JP" altLang="en-US" sz="2300" dirty="0" smtClean="0"/>
-              <a:t>デザイナー</a:t>
-            </a:r>
-            <a:endParaRPr lang="en-US" altLang="ja-JP" sz="2300" dirty="0" smtClean="0"/>
-          </a:p>
-          <a:p>
-            <a:pPr algn="ctr"/>
-            <a:r>
-              <a:rPr kumimoji="1" lang="en-US" altLang="ja-JP" sz="2300" dirty="0" smtClean="0"/>
-              <a:t>3D</a:t>
-            </a:r>
-            <a:r>
-              <a:rPr kumimoji="1" lang="ja-JP" altLang="en-US" sz="2300" dirty="0" smtClean="0"/>
-              <a:t>モデルデザイナー</a:t>
-            </a:r>
-            <a:endParaRPr kumimoji="1" lang="en-US" altLang="ja-JP" sz="2300" dirty="0" smtClean="0"/>
-          </a:p>
-          <a:p>
-            <a:pPr algn="ctr"/>
-            <a:r>
-              <a:rPr lang="en-US" altLang="ja-JP" sz="2300" dirty="0" smtClean="0"/>
-              <a:t>3D</a:t>
-            </a:r>
-            <a:r>
-              <a:rPr lang="ja-JP" altLang="en-US" sz="2300" dirty="0" smtClean="0"/>
-              <a:t>パーティクルデザイナー</a:t>
-            </a:r>
-            <a:endParaRPr kumimoji="1" lang="ja-JP" altLang="en-US" sz="2300" dirty="0"/>
-          </a:p>
-        </p:txBody>
-      </p:sp>
     </p:spTree>
+    <p:controls>
+      <mc:AlternateContent xmlns:mc="http://schemas.openxmlformats.org/markup-compatibility/2006">
+        <mc:Choice xmlns:v="urn:schemas-microsoft-com:vml" Requires="v">
+          <p:control spid="7170" name="WindowsMediaPlayer1" r:id="rId2" imgW="5837426" imgH="4723810"/>
+        </mc:Choice>
+        <mc:Fallback>
+          <p:control name="WindowsMediaPlayer1" r:id="rId2" imgW="5837426" imgH="4723810">
+            <p:pic>
+              <p:nvPicPr>
+                <p:cNvPr id="0" name="WindowsMediaPlayer1"/>
+                <p:cNvPicPr preferRelativeResize="0">
+                  <a:picLocks noChangeArrowheads="1" noChangeShapeType="1"/>
+                </p:cNvPicPr>
+                <p:nvPr/>
+              </p:nvPicPr>
+              <p:blipFill>
+                <a:blip r:embed="rId4">
+                  <a:extLst>
+                    <a:ext uri="{28A0092B-C50C-407E-A947-70E740481C1C}">
+                      <a14:useLocalDpi xmlns:a14="http://schemas.microsoft.com/office/drawing/2010/main" val="0"/>
+                    </a:ext>
+                  </a:extLst>
+                </a:blip>
+                <a:srcRect/>
+                <a:stretch>
+                  <a:fillRect/>
+                </a:stretch>
+              </p:blipFill>
+              <p:spPr bwMode="auto">
+                <a:xfrm>
+                  <a:off x="468313" y="1557338"/>
+                  <a:ext cx="8207375" cy="5129212"/>
+                </a:xfrm>
+                <a:prstGeom prst="rect">
+                  <a:avLst/>
+                </a:prstGeom>
+                <a:noFill/>
+                <a:ln>
+                  <a:noFill/>
+                </a:ln>
+                <a:effectLst/>
+                <a:extLst>
+                  <a:ext uri="{909E8E84-426E-40DD-AFC4-6F175D3DCCD1}">
+                    <a14:hiddenFill xmlns:a14="http://schemas.microsoft.com/office/drawing/2010/main">
+                      <a:noFill/>
+                    </a14:hiddenFill>
+                  </a:ext>
+                  <a:ext uri="{91240B29-F687-4F45-9708-019B960494DF}">
+                    <a14:hiddenLine xmlns:a14="http://schemas.microsoft.com/office/drawing/2010/main" w="9525">
+                      <a:noFill/>
+                      <a:miter lim="800000"/>
+                      <a:headEnd/>
+                      <a:tailEnd/>
+                    </a14:hiddenLine>
+                  </a:ext>
+                  <a:ext uri="{AF507438-7753-43E0-B8FC-AC1667EBCBE1}">
+                    <a14:hiddenEffects xmlns:a14="http://schemas.microsoft.com/office/drawing/2010/main">
+                      <a:effectLst>
+                        <a:outerShdw dist="35921" dir="2700000" algn="ctr" rotWithShape="0">
+                          <a:schemeClr val="bg2"/>
+                        </a:outerShdw>
+                      </a:effectLst>
+                    </a14:hiddenEffects>
+                  </a:ext>
+                </a:extLst>
+              </p:spPr>
+            </p:pic>
+          </p:control>
+        </mc:Fallback>
+      </mc:AlternateContent>
+    </p:controls>
     <p:extLst>
       <p:ext uri="{BB962C8B-B14F-4D97-AF65-F5344CB8AC3E}">
-        <p14:creationId xmlns:p14="http://schemas.microsoft.com/office/powerpoint/2010/main" val="4016126819"/>
+        <p14:creationId xmlns:p14="http://schemas.microsoft.com/office/powerpoint/2010/main" val="2606808198"/>
       </p:ext>
     </p:extLst>
   </p:cSld>
   <p:clrMapOvr>
     <a:masterClrMapping/>
   </p:clrMapOvr>
+  <mc:AlternateContent xmlns:mc="http://schemas.openxmlformats.org/markup-compatibility/2006">
+    <mc:Choice xmlns:p14="http://schemas.microsoft.com/office/powerpoint/2010/main" Requires="p14">
+      <p:transition p14:dur="0"/>
+    </mc:Choice>
+    <mc:Fallback>
+      <p:transition/>
+    </mc:Fallback>
+  </mc:AlternateContent>
   <p:timing>
     <p:tnLst>
       <p:par>
@@ -11849,4 +19003,289 @@
   <a:objectDefaults/>
   <a:extraClrSchemeLst/>
 </a:theme>
+</file>
+
+<file path=ppt/theme/theme2.xml><?xml version="1.0" encoding="utf-8"?>
+<a:theme xmlns:a="http://schemas.openxmlformats.org/drawingml/2006/main" name="Office ​​テーマ">
+  <a:themeElements>
+    <a:clrScheme name="Office">
+      <a:dk1>
+        <a:sysClr val="windowText" lastClr="000000"/>
+      </a:dk1>
+      <a:lt1>
+        <a:sysClr val="window" lastClr="FFFFFF"/>
+      </a:lt1>
+      <a:dk2>
+        <a:srgbClr val="1F497D"/>
+      </a:dk2>
+      <a:lt2>
+        <a:srgbClr val="EEECE1"/>
+      </a:lt2>
+      <a:accent1>
+        <a:srgbClr val="4F81BD"/>
+      </a:accent1>
+      <a:accent2>
+        <a:srgbClr val="C0504D"/>
+      </a:accent2>
+      <a:accent3>
+        <a:srgbClr val="9BBB59"/>
+      </a:accent3>
+      <a:accent4>
+        <a:srgbClr val="8064A2"/>
+      </a:accent4>
+      <a:accent5>
+        <a:srgbClr val="4BACC6"/>
+      </a:accent5>
+      <a:accent6>
+        <a:srgbClr val="F79646"/>
+      </a:accent6>
+      <a:hlink>
+        <a:srgbClr val="0000FF"/>
+      </a:hlink>
+      <a:folHlink>
+        <a:srgbClr val="800080"/>
+      </a:folHlink>
+    </a:clrScheme>
+    <a:fontScheme name="Office">
+      <a:majorFont>
+        <a:latin typeface="Calibri"/>
+        <a:ea typeface=""/>
+        <a:cs typeface=""/>
+        <a:font script="Jpan" typeface="ＭＳ Ｐゴシック"/>
+        <a:font script="Hang" typeface="맑은 고딕"/>
+        <a:font script="Hans" typeface="宋体"/>
+        <a:font script="Hant" typeface="新細明體"/>
+        <a:font script="Arab" typeface="Times New Roman"/>
+        <a:font script="Hebr" typeface="Times New Roman"/>
+        <a:font script="Thai" typeface="Angsana New"/>
+        <a:font script="Ethi" typeface="Nyala"/>
+        <a:font script="Beng" typeface="Vrinda"/>
+        <a:font script="Gujr" typeface="Shruti"/>
+        <a:font script="Khmr" typeface="MoolBoran"/>
+        <a:font script="Knda" typeface="Tunga"/>
+        <a:font script="Guru" typeface="Raavi"/>
+        <a:font script="Cans" typeface="Euphemia"/>
+        <a:font script="Cher" typeface="Plantagenet Cherokee"/>
+        <a:font script="Yiii" typeface="Microsoft Yi Baiti"/>
+        <a:font script="Tibt" typeface="Microsoft Himalaya"/>
+        <a:font script="Thaa" typeface="MV Boli"/>
+        <a:font script="Deva" typeface="Mangal"/>
+        <a:font script="Telu" typeface="Gautami"/>
+        <a:font script="Taml" typeface="Latha"/>
+        <a:font script="Syrc" typeface="Estrangelo Edessa"/>
+        <a:font script="Orya" typeface="Kalinga"/>
+        <a:font script="Mlym" typeface="Kartika"/>
+        <a:font script="Laoo" typeface="DokChampa"/>
+        <a:font script="Sinh" typeface="Iskoola Pota"/>
+        <a:font script="Mong" typeface="Mongolian Baiti"/>
+        <a:font script="Viet" typeface="Times New Roman"/>
+        <a:font script="Uigh" typeface="Microsoft Uighur"/>
+        <a:font script="Geor" typeface="Sylfaen"/>
+      </a:majorFont>
+      <a:minorFont>
+        <a:latin typeface="Calibri"/>
+        <a:ea typeface=""/>
+        <a:cs typeface=""/>
+        <a:font script="Jpan" typeface="ＭＳ Ｐゴシック"/>
+        <a:font script="Hang" typeface="맑은 고딕"/>
+        <a:font script="Hans" typeface="宋体"/>
+        <a:font script="Hant" typeface="新細明體"/>
+        <a:font script="Arab" typeface="Arial"/>
+        <a:font script="Hebr" typeface="Arial"/>
+        <a:font script="Thai" typeface="Cordia New"/>
+        <a:font script="Ethi" typeface="Nyala"/>
+        <a:font script="Beng" typeface="Vrinda"/>
+        <a:font script="Gujr" typeface="Shruti"/>
+        <a:font script="Khmr" typeface="DaunPenh"/>
+        <a:font script="Knda" typeface="Tunga"/>
+        <a:font script="Guru" typeface="Raavi"/>
+        <a:font script="Cans" typeface="Euphemia"/>
+        <a:font script="Cher" typeface="Plantagenet Cherokee"/>
+        <a:font script="Yiii" typeface="Microsoft Yi Baiti"/>
+        <a:font script="Tibt" typeface="Microsoft Himalaya"/>
+        <a:font script="Thaa" typeface="MV Boli"/>
+        <a:font script="Deva" typeface="Mangal"/>
+        <a:font script="Telu" typeface="Gautami"/>
+        <a:font script="Taml" typeface="Latha"/>
+        <a:font script="Syrc" typeface="Estrangelo Edessa"/>
+        <a:font script="Orya" typeface="Kalinga"/>
+        <a:font script="Mlym" typeface="Kartika"/>
+        <a:font script="Laoo" typeface="DokChampa"/>
+        <a:font script="Sinh" typeface="Iskoola Pota"/>
+        <a:font script="Mong" typeface="Mongolian Baiti"/>
+        <a:font script="Viet" typeface="Arial"/>
+        <a:font script="Uigh" typeface="Microsoft Uighur"/>
+        <a:font script="Geor" typeface="Sylfaen"/>
+      </a:minorFont>
+    </a:fontScheme>
+    <a:fmtScheme name="Office">
+      <a:fillStyleLst>
+        <a:solidFill>
+          <a:schemeClr val="phClr"/>
+        </a:solidFill>
+        <a:gradFill rotWithShape="1">
+          <a:gsLst>
+            <a:gs pos="0">
+              <a:schemeClr val="phClr">
+                <a:tint val="50000"/>
+                <a:satMod val="300000"/>
+              </a:schemeClr>
+            </a:gs>
+            <a:gs pos="35000">
+              <a:schemeClr val="phClr">
+                <a:tint val="37000"/>
+                <a:satMod val="300000"/>
+              </a:schemeClr>
+            </a:gs>
+            <a:gs pos="100000">
+              <a:schemeClr val="phClr">
+                <a:tint val="15000"/>
+                <a:satMod val="350000"/>
+              </a:schemeClr>
+            </a:gs>
+          </a:gsLst>
+          <a:lin ang="16200000" scaled="1"/>
+        </a:gradFill>
+        <a:gradFill rotWithShape="1">
+          <a:gsLst>
+            <a:gs pos="0">
+              <a:schemeClr val="phClr">
+                <a:shade val="51000"/>
+                <a:satMod val="130000"/>
+              </a:schemeClr>
+            </a:gs>
+            <a:gs pos="80000">
+              <a:schemeClr val="phClr">
+                <a:shade val="93000"/>
+                <a:satMod val="130000"/>
+              </a:schemeClr>
+            </a:gs>
+            <a:gs pos="100000">
+              <a:schemeClr val="phClr">
+                <a:shade val="94000"/>
+                <a:satMod val="135000"/>
+              </a:schemeClr>
+            </a:gs>
+          </a:gsLst>
+          <a:lin ang="16200000" scaled="0"/>
+        </a:gradFill>
+      </a:fillStyleLst>
+      <a:lnStyleLst>
+        <a:ln w="9525" cap="flat" cmpd="sng" algn="ctr">
+          <a:solidFill>
+            <a:schemeClr val="phClr">
+              <a:shade val="95000"/>
+              <a:satMod val="105000"/>
+            </a:schemeClr>
+          </a:solidFill>
+          <a:prstDash val="solid"/>
+        </a:ln>
+        <a:ln w="25400" cap="flat" cmpd="sng" algn="ctr">
+          <a:solidFill>
+            <a:schemeClr val="phClr"/>
+          </a:solidFill>
+          <a:prstDash val="solid"/>
+        </a:ln>
+        <a:ln w="38100" cap="flat" cmpd="sng" algn="ctr">
+          <a:solidFill>
+            <a:schemeClr val="phClr"/>
+          </a:solidFill>
+          <a:prstDash val="solid"/>
+        </a:ln>
+      </a:lnStyleLst>
+      <a:effectStyleLst>
+        <a:effectStyle>
+          <a:effectLst>
+            <a:outerShdw blurRad="40000" dist="20000" dir="5400000" rotWithShape="0">
+              <a:srgbClr val="000000">
+                <a:alpha val="38000"/>
+              </a:srgbClr>
+            </a:outerShdw>
+          </a:effectLst>
+        </a:effectStyle>
+        <a:effectStyle>
+          <a:effectLst>
+            <a:outerShdw blurRad="40000" dist="23000" dir="5400000" rotWithShape="0">
+              <a:srgbClr val="000000">
+                <a:alpha val="35000"/>
+              </a:srgbClr>
+            </a:outerShdw>
+          </a:effectLst>
+        </a:effectStyle>
+        <a:effectStyle>
+          <a:effectLst>
+            <a:outerShdw blurRad="40000" dist="23000" dir="5400000" rotWithShape="0">
+              <a:srgbClr val="000000">
+                <a:alpha val="35000"/>
+              </a:srgbClr>
+            </a:outerShdw>
+          </a:effectLst>
+          <a:scene3d>
+            <a:camera prst="orthographicFront">
+              <a:rot lat="0" lon="0" rev="0"/>
+            </a:camera>
+            <a:lightRig rig="threePt" dir="t">
+              <a:rot lat="0" lon="0" rev="1200000"/>
+            </a:lightRig>
+          </a:scene3d>
+          <a:sp3d>
+            <a:bevelT w="63500" h="25400"/>
+          </a:sp3d>
+        </a:effectStyle>
+      </a:effectStyleLst>
+      <a:bgFillStyleLst>
+        <a:solidFill>
+          <a:schemeClr val="phClr"/>
+        </a:solidFill>
+        <a:gradFill rotWithShape="1">
+          <a:gsLst>
+            <a:gs pos="0">
+              <a:schemeClr val="phClr">
+                <a:tint val="40000"/>
+                <a:satMod val="350000"/>
+              </a:schemeClr>
+            </a:gs>
+            <a:gs pos="40000">
+              <a:schemeClr val="phClr">
+                <a:tint val="45000"/>
+                <a:shade val="99000"/>
+                <a:satMod val="350000"/>
+              </a:schemeClr>
+            </a:gs>
+            <a:gs pos="100000">
+              <a:schemeClr val="phClr">
+                <a:shade val="20000"/>
+                <a:satMod val="255000"/>
+              </a:schemeClr>
+            </a:gs>
+          </a:gsLst>
+          <a:path path="circle">
+            <a:fillToRect l="50000" t="-80000" r="50000" b="180000"/>
+          </a:path>
+        </a:gradFill>
+        <a:gradFill rotWithShape="1">
+          <a:gsLst>
+            <a:gs pos="0">
+              <a:schemeClr val="phClr">
+                <a:tint val="80000"/>
+                <a:satMod val="300000"/>
+              </a:schemeClr>
+            </a:gs>
+            <a:gs pos="100000">
+              <a:schemeClr val="phClr">
+                <a:shade val="30000"/>
+                <a:satMod val="200000"/>
+              </a:schemeClr>
+            </a:gs>
+          </a:gsLst>
+          <a:path path="circle">
+            <a:fillToRect l="50000" t="50000" r="50000" b="50000"/>
+          </a:path>
+        </a:gradFill>
+      </a:bgFillStyleLst>
+    </a:fmtScheme>
+  </a:themeElements>
+  <a:objectDefaults/>
+  <a:extraClrSchemeLst/>
+</a:theme>
 </file>
--- a/プレゼン/Nogic.pptx
+++ b/プレゼン/Nogic.pptx
@@ -153,7 +153,7 @@
 
 <file path=ppt/activeX/activeX2.xml><?xml version="1.0" encoding="utf-8"?>
 <ax:ocx xmlns:ax="http://schemas.microsoft.com/office/2006/activeX" xmlns:r="http://schemas.openxmlformats.org/officeDocument/2006/relationships" ax:classid="{6BF52A52-394A-11D3-B153-00C04F79FAA6}" ax:persistence="persistPropertyBag">
-  <ax:ocxPr ax:name="URL" ax:value=""/>
+  <ax:ocxPr ax:name="URL" ax:value="C:\Users\Rinifisu\Documents\Unity\Nogic\プレゼン\動画\Nogic.mp4"/>
   <ax:ocxPr ax:name="rate" ax:value="1"/>
   <ax:ocxPr ax:name="balance" ax:value="0"/>
   <ax:ocxPr ax:name="currentPosition" ax:value="0"/>
@@ -183,7 +183,7 @@
 
 <file path=ppt/activeX/activeX3.xml><?xml version="1.0" encoding="utf-8"?>
 <ax:ocx xmlns:ax="http://schemas.microsoft.com/office/2006/activeX" xmlns:r="http://schemas.openxmlformats.org/officeDocument/2006/relationships" ax:classid="{6BF52A52-394A-11D3-B153-00C04F79FAA6}" ax:persistence="persistPropertyBag">
-  <ax:ocxPr ax:name="URL" ax:value=""/>
+  <ax:ocxPr ax:name="URL" ax:value="C:\Users\Rinifisu\Documents\Unity\Nogic\プレゼン\動画\Festival.mp4"/>
   <ax:ocxPr ax:name="rate" ax:value="1"/>
   <ax:ocxPr ax:name="balance" ax:value="0"/>
   <ax:ocxPr ax:name="currentPosition" ax:value="0"/>
@@ -213,7 +213,7 @@
 
 <file path=ppt/activeX/activeX4.xml><?xml version="1.0" encoding="utf-8"?>
 <ax:ocx xmlns:ax="http://schemas.microsoft.com/office/2006/activeX" xmlns:r="http://schemas.openxmlformats.org/officeDocument/2006/relationships" ax:classid="{6BF52A52-394A-11D3-B153-00C04F79FAA6}" ax:persistence="persistPropertyBag">
-  <ax:ocxPr ax:name="URL" ax:value=""/>
+  <ax:ocxPr ax:name="URL" ax:value="C:\Users\Rinifisu\Documents\Unity\Nogic\プレゼン\動画\Smoke.mp4"/>
   <ax:ocxPr ax:name="rate" ax:value="1"/>
   <ax:ocxPr ax:name="balance" ax:value="0"/>
   <ax:ocxPr ax:name="currentPosition" ax:value="0"/>
@@ -3351,7 +3351,7 @@
           </a:blip>
           <a:srcRect/>
           <a:stretch>
-            <a:fillRect l="-4000" r="-4000"/>
+            <a:fillRect l="-3000" r="-3000"/>
           </a:stretch>
         </a:blipFill>
       </dgm:spPr>
@@ -3403,7 +3403,7 @@
           </a:blip>
           <a:srcRect/>
           <a:stretch>
-            <a:fillRect l="-4000" r="-4000"/>
+            <a:fillRect l="-3000" r="-3000"/>
           </a:stretch>
         </a:blipFill>
       </dgm:spPr>
@@ -3644,7 +3644,7 @@
           </a:blip>
           <a:srcRect/>
           <a:stretch>
-            <a:fillRect l="-4000" r="-4000"/>
+            <a:fillRect l="-3000" r="-3000"/>
           </a:stretch>
         </a:blipFill>
       </dgm:spPr>
@@ -4301,7 +4301,7 @@
           </a:blip>
           <a:srcRect/>
           <a:stretch>
-            <a:fillRect l="-4000" r="-4000"/>
+            <a:fillRect l="-3000" r="-3000"/>
           </a:stretch>
         </a:blipFill>
         <a:ln w="25400" cap="flat" cmpd="sng" algn="ctr">
@@ -4467,7 +4467,7 @@
           </a:blip>
           <a:srcRect/>
           <a:stretch>
-            <a:fillRect l="-4000" r="-4000"/>
+            <a:fillRect l="-3000" r="-3000"/>
           </a:stretch>
         </a:blipFill>
         <a:ln w="25400" cap="flat" cmpd="sng" algn="ctr">
@@ -4864,7 +4864,7 @@
           </a:blip>
           <a:srcRect/>
           <a:stretch>
-            <a:fillRect l="-4000" r="-4000"/>
+            <a:fillRect l="-3000" r="-3000"/>
           </a:stretch>
         </a:blipFill>
         <a:ln w="25400" cap="flat" cmpd="sng" algn="ctr">
@@ -8946,7 +8946,7 @@
           <a:p>
             <a:fld id="{74FFC3D7-996F-42EC-9CA3-4DB33DB48B9A}" type="datetimeFigureOut">
               <a:rPr kumimoji="1" lang="ja-JP" altLang="en-US" smtClean="0"/>
-              <a:t>2016/7/28</a:t>
+              <a:t>2016/7/29</a:t>
             </a:fld>
             <a:endParaRPr kumimoji="1" lang="ja-JP" altLang="en-US"/>
           </a:p>
@@ -11266,7 +11266,7 @@
           <a:p>
             <a:fld id="{C86C99AE-6E35-4F9D-A547-4F54DF99CF88}" type="datetimeFigureOut">
               <a:rPr kumimoji="1" lang="ja-JP" altLang="en-US" smtClean="0"/>
-              <a:t>2016/7/28</a:t>
+              <a:t>2016/7/29</a:t>
             </a:fld>
             <a:endParaRPr kumimoji="1" lang="ja-JP" altLang="en-US"/>
           </a:p>
@@ -11476,7 +11476,7 @@
           <a:p>
             <a:fld id="{C86C99AE-6E35-4F9D-A547-4F54DF99CF88}" type="datetimeFigureOut">
               <a:rPr kumimoji="1" lang="ja-JP" altLang="en-US" smtClean="0"/>
-              <a:t>2016/7/28</a:t>
+              <a:t>2016/7/29</a:t>
             </a:fld>
             <a:endParaRPr kumimoji="1" lang="ja-JP" altLang="en-US"/>
           </a:p>
@@ -11696,7 +11696,7 @@
           <a:p>
             <a:fld id="{C86C99AE-6E35-4F9D-A547-4F54DF99CF88}" type="datetimeFigureOut">
               <a:rPr kumimoji="1" lang="ja-JP" altLang="en-US" smtClean="0"/>
-              <a:t>2016/7/28</a:t>
+              <a:t>2016/7/29</a:t>
             </a:fld>
             <a:endParaRPr kumimoji="1" lang="ja-JP" altLang="en-US"/>
           </a:p>
@@ -11906,7 +11906,7 @@
           <a:p>
             <a:fld id="{C86C99AE-6E35-4F9D-A547-4F54DF99CF88}" type="datetimeFigureOut">
               <a:rPr kumimoji="1" lang="ja-JP" altLang="en-US" smtClean="0"/>
-              <a:t>2016/7/28</a:t>
+              <a:t>2016/7/29</a:t>
             </a:fld>
             <a:endParaRPr kumimoji="1" lang="ja-JP" altLang="en-US"/>
           </a:p>
@@ -12160,7 +12160,7 @@
           <a:p>
             <a:fld id="{C86C99AE-6E35-4F9D-A547-4F54DF99CF88}" type="datetimeFigureOut">
               <a:rPr kumimoji="1" lang="ja-JP" altLang="en-US" smtClean="0"/>
-              <a:t>2016/7/28</a:t>
+              <a:t>2016/7/29</a:t>
             </a:fld>
             <a:endParaRPr kumimoji="1" lang="ja-JP" altLang="en-US"/>
           </a:p>
@@ -12520,7 +12520,7 @@
           <a:p>
             <a:fld id="{C86C99AE-6E35-4F9D-A547-4F54DF99CF88}" type="datetimeFigureOut">
               <a:rPr kumimoji="1" lang="ja-JP" altLang="en-US" smtClean="0"/>
-              <a:t>2016/7/28</a:t>
+              <a:t>2016/7/29</a:t>
             </a:fld>
             <a:endParaRPr kumimoji="1" lang="ja-JP" altLang="en-US"/>
           </a:p>
@@ -13014,7 +13014,7 @@
           <a:p>
             <a:fld id="{C86C99AE-6E35-4F9D-A547-4F54DF99CF88}" type="datetimeFigureOut">
               <a:rPr kumimoji="1" lang="ja-JP" altLang="en-US" smtClean="0"/>
-              <a:t>2016/7/28</a:t>
+              <a:t>2016/7/29</a:t>
             </a:fld>
             <a:endParaRPr kumimoji="1" lang="ja-JP" altLang="en-US"/>
           </a:p>
@@ -13140,7 +13140,7 @@
           <a:p>
             <a:fld id="{C86C99AE-6E35-4F9D-A547-4F54DF99CF88}" type="datetimeFigureOut">
               <a:rPr kumimoji="1" lang="ja-JP" altLang="en-US" smtClean="0"/>
-              <a:t>2016/7/28</a:t>
+              <a:t>2016/7/29</a:t>
             </a:fld>
             <a:endParaRPr kumimoji="1" lang="ja-JP" altLang="en-US"/>
           </a:p>
@@ -13243,7 +13243,7 @@
           <a:p>
             <a:fld id="{C86C99AE-6E35-4F9D-A547-4F54DF99CF88}" type="datetimeFigureOut">
               <a:rPr kumimoji="1" lang="ja-JP" altLang="en-US" smtClean="0"/>
-              <a:t>2016/7/28</a:t>
+              <a:t>2016/7/29</a:t>
             </a:fld>
             <a:endParaRPr kumimoji="1" lang="ja-JP" altLang="en-US"/>
           </a:p>
@@ -13560,7 +13560,7 @@
           <a:p>
             <a:fld id="{C86C99AE-6E35-4F9D-A547-4F54DF99CF88}" type="datetimeFigureOut">
               <a:rPr kumimoji="1" lang="ja-JP" altLang="en-US" smtClean="0"/>
-              <a:t>2016/7/28</a:t>
+              <a:t>2016/7/29</a:t>
             </a:fld>
             <a:endParaRPr kumimoji="1" lang="ja-JP" altLang="en-US"/>
           </a:p>
@@ -13821,7 +13821,7 @@
           <a:p>
             <a:fld id="{C86C99AE-6E35-4F9D-A547-4F54DF99CF88}" type="datetimeFigureOut">
               <a:rPr kumimoji="1" lang="ja-JP" altLang="en-US" smtClean="0"/>
-              <a:t>2016/7/28</a:t>
+              <a:t>2016/7/29</a:t>
             </a:fld>
             <a:endParaRPr kumimoji="1" lang="ja-JP" altLang="en-US"/>
           </a:p>
@@ -14074,7 +14074,7 @@
           <a:p>
             <a:fld id="{C86C99AE-6E35-4F9D-A547-4F54DF99CF88}" type="datetimeFigureOut">
               <a:rPr kumimoji="1" lang="ja-JP" altLang="en-US" smtClean="0"/>
-              <a:t>2016/7/28</a:t>
+              <a:t>2016/7/29</a:t>
             </a:fld>
             <a:endParaRPr kumimoji="1" lang="ja-JP" altLang="en-US"/>
           </a:p>
@@ -14658,7 +14658,7 @@
           <p:nvPr>
             <p:extLst>
               <p:ext uri="{D42A27DB-BD31-4B8C-83A1-F6EECF244321}">
-                <p14:modId xmlns:p14="http://schemas.microsoft.com/office/powerpoint/2010/main" val="3639224968"/>
+                <p14:modId xmlns:p14="http://schemas.microsoft.com/office/powerpoint/2010/main" val="1900612363"/>
               </p:ext>
             </p:extLst>
           </p:nvPr>
@@ -14779,7 +14779,7 @@
     <p:controls>
       <mc:AlternateContent xmlns:mc="http://schemas.openxmlformats.org/markup-compatibility/2006">
         <mc:Choice xmlns:v="urn:schemas-microsoft-com:vml" Requires="v">
-          <p:control spid="10245" name="WindowsMediaPlayer1" r:id="rId2" imgW="5837426" imgH="4723810"/>
+          <p:control spid="10247" name="WindowsMediaPlayer1" r:id="rId2" imgW="5837426" imgH="4723810"/>
         </mc:Choice>
         <mc:Fallback>
           <p:control name="WindowsMediaPlayer1" r:id="rId2" imgW="5837426" imgH="4723810">
@@ -17675,7 +17675,7 @@
     <p:controls>
       <mc:AlternateContent xmlns:mc="http://schemas.openxmlformats.org/markup-compatibility/2006">
         <mc:Choice xmlns:v="urn:schemas-microsoft-com:vml" Requires="v">
-          <p:control spid="3080" name="WindowsMediaPlayer1" r:id="rId2" imgW="5837426" imgH="4723810"/>
+          <p:control spid="3082" name="WindowsMediaPlayer1" r:id="rId2" imgW="5837426" imgH="4723810"/>
         </mc:Choice>
         <mc:Fallback>
           <p:control name="WindowsMediaPlayer1" r:id="rId2" imgW="5837426" imgH="4723810">
@@ -17848,7 +17848,7 @@
     <p:controls>
       <mc:AlternateContent xmlns:mc="http://schemas.openxmlformats.org/markup-compatibility/2006">
         <mc:Choice xmlns:v="urn:schemas-microsoft-com:vml" Requires="v">
-          <p:control spid="4104" name="WindowsMediaPlayer1" r:id="rId2" imgW="5837426" imgH="4723810"/>
+          <p:control spid="4106" name="WindowsMediaPlayer1" r:id="rId2" imgW="5837426" imgH="4723810"/>
         </mc:Choice>
         <mc:Fallback>
           <p:control name="WindowsMediaPlayer1" r:id="rId2" imgW="5837426" imgH="4723810">
@@ -21310,7 +21310,7 @@
           <p:nvPr>
             <p:extLst>
               <p:ext uri="{D42A27DB-BD31-4B8C-83A1-F6EECF244321}">
-                <p14:modId xmlns:p14="http://schemas.microsoft.com/office/powerpoint/2010/main" val="256342288"/>
+                <p14:modId xmlns:p14="http://schemas.microsoft.com/office/powerpoint/2010/main" val="342427225"/>
               </p:ext>
             </p:extLst>
           </p:nvPr>
@@ -21431,7 +21431,7 @@
     <p:controls>
       <mc:AlternateContent xmlns:mc="http://schemas.openxmlformats.org/markup-compatibility/2006">
         <mc:Choice xmlns:v="urn:schemas-microsoft-com:vml" Requires="v">
-          <p:control spid="11269" name="WindowsMediaPlayer1" r:id="rId2" imgW="5837426" imgH="4723810"/>
+          <p:control spid="11271" name="WindowsMediaPlayer1" r:id="rId2" imgW="5837426" imgH="4723810"/>
         </mc:Choice>
         <mc:Fallback>
           <p:control name="WindowsMediaPlayer1" r:id="rId2" imgW="5837426" imgH="4723810">

--- a/プレゼン/Nogic.pptx
+++ b/プレゼン/Nogic.pptx
@@ -206,8 +206,8 @@
   <ax:ocxPr ax:name="SAMIFilename" ax:value=""/>
   <ax:ocxPr ax:name="captioningID" ax:value=""/>
   <ax:ocxPr ax:name="enableErrorDialogs" ax:value="0"/>
-  <ax:ocxPr ax:name="_cx" ax:value="22798"/>
-  <ax:ocxPr ax:name="_cy" ax:value="14248"/>
+  <ax:ocxPr ax:name="_cx" ax:value="22797"/>
+  <ax:ocxPr ax:name="_cy" ax:value="14245"/>
 </ax:ocx>
 </file>
 
@@ -236,8 +236,8 @@
   <ax:ocxPr ax:name="SAMIFilename" ax:value=""/>
   <ax:ocxPr ax:name="captioningID" ax:value=""/>
   <ax:ocxPr ax:name="enableErrorDialogs" ax:value="0"/>
-  <ax:ocxPr ax:name="_cx" ax:value="22798"/>
-  <ax:ocxPr ax:name="_cy" ax:value="14248"/>
+  <ax:ocxPr ax:name="_cx" ax:value="22797"/>
+  <ax:ocxPr ax:name="_cy" ax:value="14245"/>
 </ax:ocx>
 </file>
 
@@ -9395,57 +9395,84 @@
           <a:p>
             <a:r>
               <a:rPr kumimoji="1" lang="ja-JP" altLang="en-US" dirty="0" smtClean="0"/>
-              <a:t>（動画が終わったら）</a:t>
+              <a:t>あと２つ紹介します。</a:t>
             </a:r>
             <a:endParaRPr kumimoji="1" lang="en-US" altLang="ja-JP" dirty="0" smtClean="0"/>
           </a:p>
           <a:p>
+            <a:endParaRPr kumimoji="1" lang="en-US" altLang="ja-JP" dirty="0" smtClean="0"/>
+          </a:p>
+          <a:p>
             <a:r>
               <a:rPr kumimoji="1" lang="ja-JP" altLang="en-US" dirty="0" smtClean="0"/>
-              <a:t>このようにノード選択の正確さや素早さ、妨害の内容によって勝敗が大きく変わります。</a:t>
+              <a:t>カオスはノードが様々な方向に動き回り、選択ミスする可能性が上昇します。</a:t>
             </a:r>
             <a:endParaRPr kumimoji="1" lang="en-US" altLang="ja-JP" dirty="0" smtClean="0"/>
           </a:p>
           <a:p>
+            <a:r>
+              <a:rPr kumimoji="1" lang="ja-JP" altLang="en-US" dirty="0" smtClean="0"/>
+              <a:t>スモークは煙が選択画面を包み込み、視界が非常に悪くなります。</a:t>
+            </a:r>
             <a:endParaRPr kumimoji="1" lang="en-US" altLang="ja-JP" dirty="0" smtClean="0"/>
           </a:p>
           <a:p>
+            <a:pPr marL="0" marR="0" indent="0" algn="l" defTabSz="914400" rtl="0" eaLnBrk="1" fontAlgn="auto" latinLnBrk="0" hangingPunct="1">
+              <a:lnSpc>
+                <a:spcPct val="100000"/>
+              </a:lnSpc>
+              <a:spcBef>
+                <a:spcPts val="0"/>
+              </a:spcBef>
+              <a:spcAft>
+                <a:spcPts val="0"/>
+              </a:spcAft>
+              <a:buClrTx/>
+              <a:buSzTx/>
+              <a:buFontTx/>
+              <a:buNone/>
+              <a:tabLst/>
+              <a:defRPr/>
+            </a:pPr>
             <a:r>
               <a:rPr kumimoji="1" lang="ja-JP" altLang="en-US" dirty="0" smtClean="0"/>
-              <a:t>他にもターンごとに少量のダメージを受ける「ポイズン」や「パラサイト」や</a:t>
+              <a:t>こちらも</a:t>
+            </a:r>
+            <a:r>
+              <a:rPr kumimoji="1" lang="ja-JP" altLang="en-US" dirty="0" smtClean="0"/>
+              <a:t>星４つ</a:t>
+            </a:r>
+            <a:r>
+              <a:rPr kumimoji="1" lang="ja-JP" altLang="en-US" dirty="0" smtClean="0"/>
+              <a:t>で強力です。</a:t>
             </a:r>
             <a:endParaRPr kumimoji="1" lang="en-US" altLang="ja-JP" dirty="0" smtClean="0"/>
           </a:p>
           <a:p>
+            <a:endParaRPr kumimoji="1" lang="en-US" altLang="ja-JP" dirty="0" smtClean="0"/>
+          </a:p>
+          <a:p>
+            <a:pPr marL="0" marR="0" indent="0" algn="l" defTabSz="914400" rtl="0" eaLnBrk="1" fontAlgn="auto" latinLnBrk="0" hangingPunct="1">
+              <a:lnSpc>
+                <a:spcPct val="100000"/>
+              </a:lnSpc>
+              <a:spcBef>
+                <a:spcPts val="0"/>
+              </a:spcBef>
+              <a:spcAft>
+                <a:spcPts val="0"/>
+              </a:spcAft>
+              <a:buClrTx/>
+              <a:buSzTx/>
+              <a:buFontTx/>
+              <a:buNone/>
+              <a:tabLst/>
+              <a:defRPr/>
+            </a:pPr>
             <a:r>
               <a:rPr kumimoji="1" lang="ja-JP" altLang="en-US" dirty="0" smtClean="0"/>
-              <a:t>ノード選択の入力が反転してしまう「リバース」</a:t>
-            </a:r>
-            <a:endParaRPr kumimoji="1" lang="en-US" altLang="ja-JP" dirty="0" smtClean="0"/>
-          </a:p>
-          <a:p>
-            <a:r>
-              <a:rPr kumimoji="1" lang="ja-JP" altLang="en-US" dirty="0" smtClean="0"/>
-              <a:t>一部のノードが封印される「フリーズ」など、沢山の妨害があります。</a:t>
-            </a:r>
-            <a:endParaRPr kumimoji="1" lang="en-US" altLang="ja-JP" dirty="0" smtClean="0"/>
-          </a:p>
-          <a:p>
-            <a:endParaRPr kumimoji="1" lang="en-US" altLang="ja-JP" dirty="0" smtClean="0"/>
-          </a:p>
-          <a:p>
-            <a:r>
-              <a:rPr kumimoji="1" lang="ja-JP" altLang="en-US" dirty="0" smtClean="0"/>
-              <a:t>これらをうまく利用し、最終的に一番ダメージを与えたプレイヤーが勝利、</a:t>
-            </a:r>
-            <a:endParaRPr kumimoji="1" lang="en-US" altLang="ja-JP" dirty="0" smtClean="0"/>
-          </a:p>
-          <a:p>
-            <a:r>
-              <a:rPr kumimoji="1" lang="ja-JP" altLang="en-US" dirty="0" smtClean="0"/>
-              <a:t>逆に言えば一番ダメージを受けてしまったプレイヤーが敗北します。</a:t>
-            </a:r>
-            <a:endParaRPr kumimoji="1" lang="en-US" altLang="ja-JP" dirty="0" smtClean="0"/>
+              <a:t>この効果を同時に受けるとこのようになります。</a:t>
+            </a:r>
           </a:p>
         </p:txBody>
       </p:sp>
@@ -9466,6 +9493,174 @@
           <a:p>
             <a:fld id="{AD176FFE-9BD8-4D84-BDA6-0EB78EAF3B68}" type="slidenum">
               <a:rPr kumimoji="1" lang="ja-JP" altLang="en-US" smtClean="0"/>
+              <a:t>10</a:t>
+            </a:fld>
+            <a:endParaRPr kumimoji="1" lang="ja-JP" altLang="en-US"/>
+          </a:p>
+        </p:txBody>
+      </p:sp>
+    </p:spTree>
+    <p:extLst>
+      <p:ext uri="{BB962C8B-B14F-4D97-AF65-F5344CB8AC3E}">
+        <p14:creationId xmlns:p14="http://schemas.microsoft.com/office/powerpoint/2010/main" val="2731953119"/>
+      </p:ext>
+    </p:extLst>
+  </p:cSld>
+  <p:clrMapOvr>
+    <a:masterClrMapping/>
+  </p:clrMapOvr>
+</p:notes>
+</file>
+
+<file path=ppt/notesSlides/notesSlide11.xml><?xml version="1.0" encoding="utf-8"?>
+<p:notes xmlns:a="http://schemas.openxmlformats.org/drawingml/2006/main" xmlns:r="http://schemas.openxmlformats.org/officeDocument/2006/relationships" xmlns:p="http://schemas.openxmlformats.org/presentationml/2006/main">
+  <p:cSld>
+    <p:spTree>
+      <p:nvGrpSpPr>
+        <p:cNvPr id="1" name=""/>
+        <p:cNvGrpSpPr/>
+        <p:nvPr/>
+      </p:nvGrpSpPr>
+      <p:grpSpPr>
+        <a:xfrm>
+          <a:off x="0" y="0"/>
+          <a:ext cx="0" cy="0"/>
+          <a:chOff x="0" y="0"/>
+          <a:chExt cx="0" cy="0"/>
+        </a:xfrm>
+      </p:grpSpPr>
+      <p:sp>
+        <p:nvSpPr>
+          <p:cNvPr id="2" name="スライド イメージ プレースホルダー 1"/>
+          <p:cNvSpPr>
+            <a:spLocks noGrp="1" noRot="1" noChangeAspect="1"/>
+          </p:cNvSpPr>
+          <p:nvPr>
+            <p:ph type="sldImg"/>
+          </p:nvPr>
+        </p:nvSpPr>
+        <p:spPr/>
+      </p:sp>
+      <p:sp>
+        <p:nvSpPr>
+          <p:cNvPr id="3" name="ノート プレースホルダー 2"/>
+          <p:cNvSpPr>
+            <a:spLocks noGrp="1"/>
+          </p:cNvSpPr>
+          <p:nvPr>
+            <p:ph type="body" idx="1"/>
+          </p:nvPr>
+        </p:nvSpPr>
+        <p:spPr/>
+        <p:txBody>
+          <a:bodyPr/>
+          <a:lstStyle/>
+          <a:p>
+            <a:r>
+              <a:rPr kumimoji="1" lang="ja-JP" altLang="en-US" dirty="0" smtClean="0"/>
+              <a:t>カオスは先ほどのプレイ動画と同じくノードが色々な方向に動き回ります。</a:t>
+            </a:r>
+            <a:endParaRPr kumimoji="1" lang="en-US" altLang="ja-JP" dirty="0" smtClean="0"/>
+          </a:p>
+          <a:p>
+            <a:r>
+              <a:rPr kumimoji="1" lang="ja-JP" altLang="en-US" dirty="0" smtClean="0"/>
+              <a:t>スモークは視界が悪くなります。</a:t>
+            </a:r>
+            <a:endParaRPr kumimoji="1" lang="en-US" altLang="ja-JP" dirty="0" smtClean="0"/>
+          </a:p>
+          <a:p>
+            <a:r>
+              <a:rPr kumimoji="1" lang="ja-JP" altLang="en-US" dirty="0" smtClean="0"/>
+              <a:t>こういった効果を同時に受けてしまうと、まともに選択ができずに、ペナルティノードを間違えて選んでしまうことも多くあります。</a:t>
+            </a:r>
+            <a:endParaRPr kumimoji="1" lang="en-US" altLang="ja-JP" dirty="0" smtClean="0"/>
+          </a:p>
+          <a:p>
+            <a:endParaRPr kumimoji="1" lang="en-US" altLang="ja-JP" dirty="0" smtClean="0"/>
+          </a:p>
+          <a:p>
+            <a:r>
+              <a:rPr kumimoji="1" lang="ja-JP" altLang="en-US" dirty="0" smtClean="0"/>
+              <a:t>（</a:t>
+            </a:r>
+            <a:r>
+              <a:rPr kumimoji="1" lang="ja-JP" altLang="en-US" dirty="0" smtClean="0"/>
+              <a:t>動画が終わったら）</a:t>
+            </a:r>
+            <a:endParaRPr kumimoji="1" lang="en-US" altLang="ja-JP" dirty="0" smtClean="0"/>
+          </a:p>
+          <a:p>
+            <a:r>
+              <a:rPr kumimoji="1" lang="ja-JP" altLang="en-US" dirty="0" smtClean="0"/>
+              <a:t>このようにノード選択の正確さや素早さ、妨害の内容によって勝敗が大きく変わります。</a:t>
+            </a:r>
+            <a:endParaRPr kumimoji="1" lang="en-US" altLang="ja-JP" dirty="0" smtClean="0"/>
+          </a:p>
+          <a:p>
+            <a:endParaRPr kumimoji="1" lang="en-US" altLang="ja-JP" dirty="0" smtClean="0"/>
+          </a:p>
+          <a:p>
+            <a:r>
+              <a:rPr kumimoji="1" lang="ja-JP" altLang="en-US" dirty="0" smtClean="0"/>
+              <a:t>他にもターンごとに少量のダメージを受ける「ポイズン」や「パラサイト」や</a:t>
+            </a:r>
+            <a:endParaRPr kumimoji="1" lang="en-US" altLang="ja-JP" dirty="0" smtClean="0"/>
+          </a:p>
+          <a:p>
+            <a:r>
+              <a:rPr kumimoji="1" lang="ja-JP" altLang="en-US" dirty="0" smtClean="0"/>
+              <a:t>ノード選択の入力が反転してしまう「リバース」</a:t>
+            </a:r>
+            <a:endParaRPr kumimoji="1" lang="en-US" altLang="ja-JP" dirty="0" smtClean="0"/>
+          </a:p>
+          <a:p>
+            <a:r>
+              <a:rPr kumimoji="1" lang="ja-JP" altLang="en-US" dirty="0" smtClean="0"/>
+              <a:t>一部のノードが封印される「フリーズ」など、沢山の妨害があります。</a:t>
+            </a:r>
+            <a:endParaRPr kumimoji="1" lang="en-US" altLang="ja-JP" dirty="0" smtClean="0"/>
+          </a:p>
+          <a:p>
+            <a:endParaRPr kumimoji="1" lang="en-US" altLang="ja-JP" dirty="0" smtClean="0"/>
+          </a:p>
+          <a:p>
+            <a:r>
+              <a:rPr kumimoji="1" lang="ja-JP" altLang="en-US" dirty="0" smtClean="0"/>
+              <a:t>これらをうまく利用し、最終的に一番ダメージを与えたプレイヤーが勝利、</a:t>
+            </a:r>
+            <a:endParaRPr kumimoji="1" lang="en-US" altLang="ja-JP" dirty="0" smtClean="0"/>
+          </a:p>
+          <a:p>
+            <a:r>
+              <a:rPr kumimoji="1" lang="ja-JP" altLang="en-US" dirty="0" smtClean="0"/>
+              <a:t>逆に言えば一番ダメージを受けてしまったプレイヤーが敗北します</a:t>
+            </a:r>
+            <a:r>
+              <a:rPr kumimoji="1" lang="ja-JP" altLang="en-US" dirty="0" smtClean="0"/>
+              <a:t>。</a:t>
+            </a:r>
+            <a:endParaRPr kumimoji="1" lang="en-US" altLang="ja-JP" dirty="0" smtClean="0"/>
+          </a:p>
+        </p:txBody>
+      </p:sp>
+      <p:sp>
+        <p:nvSpPr>
+          <p:cNvPr id="4" name="スライド番号プレースホルダー 3"/>
+          <p:cNvSpPr>
+            <a:spLocks noGrp="1"/>
+          </p:cNvSpPr>
+          <p:nvPr>
+            <p:ph type="sldNum" sz="quarter" idx="10"/>
+          </p:nvPr>
+        </p:nvSpPr>
+        <p:spPr/>
+        <p:txBody>
+          <a:bodyPr/>
+          <a:lstStyle/>
+          <a:p>
+            <a:fld id="{AD176FFE-9BD8-4D84-BDA6-0EB78EAF3B68}" type="slidenum">
+              <a:rPr kumimoji="1" lang="ja-JP" altLang="en-US" smtClean="0"/>
               <a:t>11</a:t>
             </a:fld>
             <a:endParaRPr kumimoji="1" lang="ja-JP" altLang="en-US"/>
@@ -9485,7 +9680,7 @@
 </p:notes>
 </file>
 
-<file path=ppt/notesSlides/notesSlide11.xml><?xml version="1.0" encoding="utf-8"?>
+<file path=ppt/notesSlides/notesSlide12.xml><?xml version="1.0" encoding="utf-8"?>
 <p:notes xmlns:a="http://schemas.openxmlformats.org/drawingml/2006/main" xmlns:r="http://schemas.openxmlformats.org/officeDocument/2006/relationships" xmlns:p="http://schemas.openxmlformats.org/presentationml/2006/main">
   <p:cSld>
     <p:spTree>
@@ -9622,7 +9817,15 @@
           <a:p>
             <a:r>
               <a:rPr kumimoji="1" lang="ja-JP" altLang="en-US" dirty="0" smtClean="0"/>
-              <a:t>このようになっています。</a:t>
+              <a:t>この</a:t>
+            </a:r>
+            <a:r>
+              <a:rPr kumimoji="1" lang="ja-JP" altLang="en-US" dirty="0" smtClean="0"/>
+              <a:t>ような流れに</a:t>
+            </a:r>
+            <a:r>
+              <a:rPr kumimoji="1" lang="ja-JP" altLang="en-US" dirty="0" smtClean="0"/>
+              <a:t>なっています。</a:t>
             </a:r>
             <a:endParaRPr kumimoji="1" lang="en-US" altLang="ja-JP" dirty="0" smtClean="0"/>
           </a:p>
@@ -9733,7 +9936,7 @@
           <a:p>
             <a:r>
               <a:rPr kumimoji="1" lang="ja-JP" altLang="en-US" dirty="0" smtClean="0"/>
-              <a:t>まずは「</a:t>
+              <a:t>まず「</a:t>
             </a:r>
             <a:r>
               <a:rPr kumimoji="1" lang="en-US" altLang="ja-JP" dirty="0" err="1" smtClean="0"/>
@@ -9996,7 +10199,68 @@
           <a:p>
             <a:r>
               <a:rPr kumimoji="1" lang="ja-JP" altLang="en-US" dirty="0" smtClean="0"/>
-              <a:t>（動画終了後）</a:t>
+              <a:t>まず始めにプレイヤーの登場演出があります。</a:t>
+            </a:r>
+            <a:endParaRPr kumimoji="1" lang="en-US" altLang="ja-JP" dirty="0" smtClean="0"/>
+          </a:p>
+          <a:p>
+            <a:endParaRPr kumimoji="1" lang="en-US" altLang="ja-JP" dirty="0" smtClean="0"/>
+          </a:p>
+          <a:p>
+            <a:r>
+              <a:rPr kumimoji="1" lang="ja-JP" altLang="en-US" dirty="0" smtClean="0"/>
+              <a:t>この画面が先ほどの説明にあったノードとノードを組み合わせる画面です。</a:t>
+            </a:r>
+            <a:endParaRPr kumimoji="1" lang="en-US" altLang="ja-JP" dirty="0" smtClean="0"/>
+          </a:p>
+          <a:p>
+            <a:r>
+              <a:rPr kumimoji="1" lang="ja-JP" altLang="en-US" dirty="0" smtClean="0"/>
+              <a:t>キーボードの上下左右で素早く選んでいきます。</a:t>
+            </a:r>
+            <a:endParaRPr kumimoji="1" lang="en-US" altLang="ja-JP" dirty="0" smtClean="0"/>
+          </a:p>
+          <a:p>
+            <a:endParaRPr kumimoji="1" lang="en-US" altLang="ja-JP" dirty="0" smtClean="0"/>
+          </a:p>
+          <a:p>
+            <a:r>
+              <a:rPr kumimoji="1" lang="ja-JP" altLang="en-US" dirty="0" smtClean="0"/>
+              <a:t>ノードを組み合わせた結果が表示されます。</a:t>
+            </a:r>
+            <a:endParaRPr kumimoji="1" lang="en-US" altLang="ja-JP" dirty="0" smtClean="0"/>
+          </a:p>
+          <a:p>
+            <a:endParaRPr kumimoji="1" lang="en-US" altLang="ja-JP" dirty="0" smtClean="0"/>
+          </a:p>
+          <a:p>
+            <a:r>
+              <a:rPr kumimoji="1" lang="ja-JP" altLang="en-US" dirty="0" smtClean="0"/>
+              <a:t>技で攻撃します。</a:t>
+            </a:r>
+            <a:endParaRPr kumimoji="1" lang="en-US" altLang="ja-JP" dirty="0" smtClean="0"/>
+          </a:p>
+          <a:p>
+            <a:endParaRPr kumimoji="1" lang="en-US" altLang="ja-JP" dirty="0" smtClean="0"/>
+          </a:p>
+          <a:p>
+            <a:r>
+              <a:rPr kumimoji="1" lang="ja-JP" altLang="en-US" dirty="0" smtClean="0"/>
+              <a:t>中間発表時は相手プレイヤーの攻撃に移ることはなく、一方的な攻撃を行うだけでした。</a:t>
+            </a:r>
+            <a:endParaRPr kumimoji="1" lang="en-US" altLang="ja-JP" dirty="0" smtClean="0"/>
+          </a:p>
+          <a:p>
+            <a:endParaRPr kumimoji="1" lang="en-US" altLang="ja-JP" dirty="0" smtClean="0"/>
+          </a:p>
+          <a:p>
+            <a:r>
+              <a:rPr kumimoji="1" lang="ja-JP" altLang="en-US" dirty="0" smtClean="0"/>
+              <a:t>（</a:t>
+            </a:r>
+            <a:r>
+              <a:rPr kumimoji="1" lang="ja-JP" altLang="en-US" dirty="0" smtClean="0"/>
+              <a:t>動画終了後）</a:t>
             </a:r>
             <a:endParaRPr kumimoji="1" lang="en-US" altLang="ja-JP" dirty="0" smtClean="0"/>
           </a:p>
@@ -10019,21 +10283,30 @@
             </a:r>
             <a:r>
               <a:rPr kumimoji="1" lang="ja-JP" altLang="en-US" dirty="0" smtClean="0"/>
-              <a:t>秒以内で選択を行い攻撃する</a:t>
+              <a:t>秒以内で選択を</a:t>
+            </a:r>
+            <a:r>
+              <a:rPr kumimoji="1" lang="ja-JP" altLang="en-US" dirty="0" smtClean="0"/>
+              <a:t>行い、攻撃する流れを繰り返す内容が中間</a:t>
+            </a:r>
+            <a:r>
+              <a:rPr kumimoji="1" lang="ja-JP" altLang="en-US" dirty="0" smtClean="0"/>
+              <a:t>発表</a:t>
+            </a:r>
+            <a:r>
+              <a:rPr kumimoji="1" lang="ja-JP" altLang="en-US" dirty="0" smtClean="0"/>
+              <a:t>時でした。</a:t>
             </a:r>
             <a:endParaRPr kumimoji="1" lang="en-US" altLang="ja-JP" dirty="0" smtClean="0"/>
           </a:p>
           <a:p>
             <a:r>
               <a:rPr kumimoji="1" lang="ja-JP" altLang="en-US" dirty="0" smtClean="0"/>
-              <a:t>中間発表時はこのようになっていました。</a:t>
-            </a:r>
-            <a:endParaRPr kumimoji="1" lang="en-US" altLang="ja-JP" dirty="0" smtClean="0"/>
-          </a:p>
-          <a:p>
+              <a:t>全体的に物足りない状態だったのが中間発表時だったのに対し</a:t>
+            </a:r>
             <a:r>
               <a:rPr kumimoji="1" lang="ja-JP" altLang="en-US" dirty="0" smtClean="0"/>
-              <a:t>全体的に物足りない状態だったのが中間発表時だったのに対し、完成した</a:t>
+              <a:t>、次に紹介する</a:t>
             </a:r>
             <a:r>
               <a:rPr kumimoji="1" lang="en-US" altLang="ja-JP" dirty="0" err="1" smtClean="0"/>
@@ -10041,36 +10314,15 @@
             </a:r>
             <a:r>
               <a:rPr kumimoji="1" lang="ja-JP" altLang="en-US" dirty="0" smtClean="0"/>
-              <a:t>はかなり変わっています。</a:t>
+              <a:t>はかなり変化しています。</a:t>
             </a:r>
             <a:endParaRPr kumimoji="1" lang="en-US" altLang="ja-JP" dirty="0" smtClean="0"/>
           </a:p>
           <a:p>
             <a:r>
               <a:rPr kumimoji="1" lang="ja-JP" altLang="en-US" dirty="0" smtClean="0"/>
-              <a:t>では、完成した</a:t>
-            </a:r>
-            <a:r>
-              <a:rPr kumimoji="1" lang="en-US" altLang="ja-JP" dirty="0" err="1" smtClean="0"/>
-              <a:t>Nogic</a:t>
-            </a:r>
-            <a:r>
-              <a:rPr kumimoji="1" lang="ja-JP" altLang="en-US" dirty="0" smtClean="0"/>
-              <a:t>のプレイ動画をお見せします。</a:t>
-            </a:r>
-            <a:endParaRPr kumimoji="1" lang="en-US" altLang="ja-JP" dirty="0" smtClean="0"/>
-          </a:p>
-          <a:p>
-            <a:r>
-              <a:rPr kumimoji="1" lang="ja-JP" altLang="en-US" dirty="0" smtClean="0"/>
-              <a:t>発表時間の都合により、本来よりターン数を大幅に減らしています。</a:t>
-            </a:r>
-            <a:endParaRPr kumimoji="1" lang="en-US" altLang="ja-JP" dirty="0" smtClean="0"/>
-          </a:p>
-          <a:p>
-            <a:endParaRPr kumimoji="1" lang="en-US" altLang="ja-JP" dirty="0" smtClean="0"/>
-          </a:p>
-          <a:p>
+              <a:t>それではご覧ください。</a:t>
+            </a:r>
             <a:endParaRPr kumimoji="1" lang="en-US" altLang="ja-JP" dirty="0" smtClean="0"/>
           </a:p>
           <a:p>
@@ -10380,7 +10632,290 @@
           <a:bodyPr/>
           <a:lstStyle/>
           <a:p>
-            <a:endParaRPr kumimoji="1" lang="ja-JP" altLang="en-US" dirty="0"/>
+            <a:r>
+              <a:rPr kumimoji="1" lang="ja-JP" altLang="en-US" dirty="0" smtClean="0"/>
+              <a:t>タイトル画面です。</a:t>
+            </a:r>
+            <a:endParaRPr kumimoji="1" lang="en-US" altLang="ja-JP" dirty="0" smtClean="0"/>
+          </a:p>
+          <a:p>
+            <a:endParaRPr kumimoji="1" lang="en-US" altLang="ja-JP" dirty="0" smtClean="0"/>
+          </a:p>
+          <a:p>
+            <a:r>
+              <a:rPr kumimoji="1" lang="ja-JP" altLang="en-US" dirty="0" smtClean="0"/>
+              <a:t>次にキャラクター選択画面です。</a:t>
+            </a:r>
+            <a:endParaRPr kumimoji="1" lang="en-US" altLang="ja-JP" dirty="0" smtClean="0"/>
+          </a:p>
+          <a:p>
+            <a:r>
+              <a:rPr kumimoji="1" lang="ja-JP" altLang="en-US" dirty="0" smtClean="0"/>
+              <a:t>選べるキャラクターは４人います。</a:t>
+            </a:r>
+            <a:endParaRPr kumimoji="1" lang="en-US" altLang="ja-JP" dirty="0" smtClean="0"/>
+          </a:p>
+          <a:p>
+            <a:r>
+              <a:rPr kumimoji="1" lang="ja-JP" altLang="en-US" dirty="0" smtClean="0"/>
+              <a:t>各キャラクターに声がついています。</a:t>
+            </a:r>
+            <a:endParaRPr kumimoji="1" lang="en-US" altLang="ja-JP" dirty="0" smtClean="0"/>
+          </a:p>
+          <a:p>
+            <a:endParaRPr kumimoji="1" lang="en-US" altLang="ja-JP" dirty="0" smtClean="0"/>
+          </a:p>
+          <a:p>
+            <a:r>
+              <a:rPr kumimoji="1" lang="ja-JP" altLang="en-US" dirty="0" smtClean="0"/>
+              <a:t>今回はこの２人で対戦します。</a:t>
+            </a:r>
+            <a:endParaRPr kumimoji="1" lang="en-US" altLang="ja-JP" dirty="0" smtClean="0"/>
+          </a:p>
+          <a:p>
+            <a:endParaRPr kumimoji="1" lang="en-US" altLang="ja-JP" dirty="0" smtClean="0"/>
+          </a:p>
+          <a:p>
+            <a:r>
+              <a:rPr kumimoji="1" lang="ja-JP" altLang="en-US" dirty="0" smtClean="0"/>
+              <a:t>中間発表時にもあったバトルシーンです。</a:t>
+            </a:r>
+            <a:endParaRPr kumimoji="1" lang="en-US" altLang="ja-JP" dirty="0" smtClean="0"/>
+          </a:p>
+          <a:p>
+            <a:r>
+              <a:rPr kumimoji="1" lang="ja-JP" altLang="en-US" dirty="0" smtClean="0"/>
+              <a:t>登場演出に変化があります。</a:t>
+            </a:r>
+            <a:endParaRPr kumimoji="1" lang="en-US" altLang="ja-JP" dirty="0" smtClean="0"/>
+          </a:p>
+          <a:p>
+            <a:endParaRPr kumimoji="1" lang="en-US" altLang="ja-JP" dirty="0" smtClean="0"/>
+          </a:p>
+          <a:p>
+            <a:r>
+              <a:rPr kumimoji="1" lang="ja-JP" altLang="en-US" dirty="0" smtClean="0"/>
+              <a:t>最初のプレイヤーのターンです。</a:t>
+            </a:r>
+            <a:endParaRPr kumimoji="1" lang="en-US" altLang="ja-JP" dirty="0" smtClean="0"/>
+          </a:p>
+          <a:p>
+            <a:r>
+              <a:rPr kumimoji="1" lang="ja-JP" altLang="en-US" dirty="0" smtClean="0"/>
+              <a:t>ノード選択画面は全体的に見やすさが向上しています。</a:t>
+            </a:r>
+            <a:endParaRPr kumimoji="1" lang="en-US" altLang="ja-JP" dirty="0" smtClean="0"/>
+          </a:p>
+          <a:p>
+            <a:endParaRPr kumimoji="1" lang="en-US" altLang="ja-JP" dirty="0" smtClean="0"/>
+          </a:p>
+          <a:p>
+            <a:r>
+              <a:rPr kumimoji="1" lang="ja-JP" altLang="en-US" dirty="0" smtClean="0"/>
+              <a:t>デンジャーと表示されているノードはペナルティノードと呼ばれるものです。後ほど説明します。</a:t>
+            </a:r>
+            <a:endParaRPr kumimoji="1" lang="en-US" altLang="ja-JP" dirty="0" smtClean="0"/>
+          </a:p>
+          <a:p>
+            <a:endParaRPr kumimoji="1" lang="en-US" altLang="ja-JP" dirty="0" smtClean="0"/>
+          </a:p>
+          <a:p>
+            <a:r>
+              <a:rPr kumimoji="1" lang="ja-JP" altLang="en-US" dirty="0" smtClean="0"/>
+              <a:t>選択した結果です。</a:t>
+            </a:r>
+            <a:endParaRPr kumimoji="1" lang="en-US" altLang="ja-JP" dirty="0" smtClean="0"/>
+          </a:p>
+          <a:p>
+            <a:r>
+              <a:rPr kumimoji="1" lang="ja-JP" altLang="en-US" dirty="0" smtClean="0"/>
+              <a:t>どのような効果があるか１つ１つ確認できるようになりました。</a:t>
+            </a:r>
+            <a:endParaRPr kumimoji="1" lang="en-US" altLang="ja-JP" dirty="0" smtClean="0"/>
+          </a:p>
+          <a:p>
+            <a:endParaRPr kumimoji="1" lang="en-US" altLang="ja-JP" dirty="0" smtClean="0"/>
+          </a:p>
+          <a:p>
+            <a:r>
+              <a:rPr kumimoji="1" lang="ja-JP" altLang="en-US" dirty="0" smtClean="0"/>
+              <a:t>攻撃です。</a:t>
+            </a:r>
+            <a:endParaRPr kumimoji="1" lang="en-US" altLang="ja-JP" dirty="0" smtClean="0"/>
+          </a:p>
+          <a:p>
+            <a:r>
+              <a:rPr kumimoji="1" lang="ja-JP" altLang="en-US" dirty="0" smtClean="0"/>
+              <a:t>パーティクルが完成し、迫力が増しました。</a:t>
+            </a:r>
+            <a:endParaRPr kumimoji="1" lang="en-US" altLang="ja-JP" dirty="0" smtClean="0"/>
+          </a:p>
+          <a:p>
+            <a:endParaRPr kumimoji="1" lang="en-US" altLang="ja-JP" dirty="0" smtClean="0"/>
+          </a:p>
+          <a:p>
+            <a:r>
+              <a:rPr kumimoji="1" lang="ja-JP" altLang="en-US" dirty="0" smtClean="0"/>
+              <a:t>左下にあるパラメータは受けた合計ダメージです。</a:t>
+            </a:r>
+            <a:endParaRPr kumimoji="1" lang="en-US" altLang="ja-JP" dirty="0" smtClean="0"/>
+          </a:p>
+          <a:p>
+            <a:pPr marL="0" marR="0" indent="0" algn="l" defTabSz="914400" rtl="0" eaLnBrk="1" fontAlgn="auto" latinLnBrk="0" hangingPunct="1">
+              <a:lnSpc>
+                <a:spcPct val="100000"/>
+              </a:lnSpc>
+              <a:spcBef>
+                <a:spcPts val="0"/>
+              </a:spcBef>
+              <a:spcAft>
+                <a:spcPts val="0"/>
+              </a:spcAft>
+              <a:buClrTx/>
+              <a:buSzTx/>
+              <a:buFontTx/>
+              <a:buNone/>
+              <a:tabLst/>
+              <a:defRPr/>
+            </a:pPr>
+            <a:r>
+              <a:rPr kumimoji="1" lang="ja-JP" altLang="en-US" dirty="0" smtClean="0"/>
+              <a:t>一番ダメージを受けてしまったプレイヤーが敗北します。</a:t>
+            </a:r>
+            <a:endParaRPr kumimoji="1" lang="en-US" altLang="ja-JP" dirty="0" smtClean="0"/>
+          </a:p>
+          <a:p>
+            <a:endParaRPr kumimoji="1" lang="en-US" altLang="ja-JP" dirty="0" smtClean="0"/>
+          </a:p>
+          <a:p>
+            <a:r>
+              <a:rPr kumimoji="1" lang="ja-JP" altLang="en-US" dirty="0" smtClean="0"/>
+              <a:t>相手側のターンです。</a:t>
+            </a:r>
+            <a:endParaRPr kumimoji="1" lang="en-US" altLang="ja-JP" dirty="0" smtClean="0"/>
+          </a:p>
+          <a:p>
+            <a:r>
+              <a:rPr kumimoji="1" lang="ja-JP" altLang="en-US" dirty="0" smtClean="0"/>
+              <a:t>２人プレイの為、最初にノード選択していたプレイヤーと交代します。</a:t>
+            </a:r>
+            <a:endParaRPr kumimoji="1" lang="en-US" altLang="ja-JP" dirty="0" smtClean="0"/>
+          </a:p>
+          <a:p>
+            <a:endParaRPr kumimoji="1" lang="en-US" altLang="ja-JP" dirty="0" smtClean="0"/>
+          </a:p>
+          <a:p>
+            <a:r>
+              <a:rPr kumimoji="1" lang="ja-JP" altLang="en-US" dirty="0" smtClean="0"/>
+              <a:t>先ほどと同じように選択し、攻撃します。</a:t>
+            </a:r>
+            <a:endParaRPr kumimoji="1" lang="en-US" altLang="ja-JP" dirty="0" smtClean="0"/>
+          </a:p>
+          <a:p>
+            <a:endParaRPr kumimoji="1" lang="en-US" altLang="ja-JP" dirty="0" smtClean="0"/>
+          </a:p>
+          <a:p>
+            <a:r>
+              <a:rPr kumimoji="1" lang="ja-JP" altLang="en-US" dirty="0" smtClean="0"/>
+              <a:t>（攻撃後）</a:t>
+            </a:r>
+            <a:endParaRPr kumimoji="1" lang="en-US" altLang="ja-JP" dirty="0" smtClean="0"/>
+          </a:p>
+          <a:p>
+            <a:r>
+              <a:rPr kumimoji="1" lang="ja-JP" altLang="en-US" dirty="0" smtClean="0"/>
+              <a:t>プレイヤーの頭の上にあるアイコンは状態異常です。</a:t>
+            </a:r>
+            <a:endParaRPr kumimoji="1" lang="en-US" altLang="ja-JP" dirty="0" smtClean="0"/>
+          </a:p>
+          <a:p>
+            <a:r>
+              <a:rPr kumimoji="1" lang="ja-JP" altLang="en-US" dirty="0" smtClean="0"/>
+              <a:t>状態異常はプレイヤーのダメージやノード選択に様々な変化をもたらします。</a:t>
+            </a:r>
+            <a:endParaRPr kumimoji="1" lang="en-US" altLang="ja-JP" dirty="0" smtClean="0"/>
+          </a:p>
+          <a:p>
+            <a:endParaRPr kumimoji="1" lang="en-US" altLang="ja-JP" dirty="0" smtClean="0"/>
+          </a:p>
+          <a:p>
+            <a:r>
+              <a:rPr kumimoji="1" lang="ja-JP" altLang="en-US" dirty="0" smtClean="0"/>
+              <a:t>残りターンが表示されます。</a:t>
+            </a:r>
+            <a:endParaRPr kumimoji="1" lang="en-US" altLang="ja-JP" dirty="0" smtClean="0"/>
+          </a:p>
+          <a:p>
+            <a:r>
+              <a:rPr kumimoji="1" lang="ja-JP" altLang="en-US" dirty="0" smtClean="0"/>
+              <a:t>次でバトル終了です。</a:t>
+            </a:r>
+            <a:endParaRPr kumimoji="1" lang="en-US" altLang="ja-JP" dirty="0" smtClean="0"/>
+          </a:p>
+          <a:p>
+            <a:r>
+              <a:rPr kumimoji="1" lang="ja-JP" altLang="en-US" dirty="0" smtClean="0"/>
+              <a:t>今回はプレゼン用に２ターンバトルに設定しています。</a:t>
+            </a:r>
+            <a:endParaRPr kumimoji="1" lang="en-US" altLang="ja-JP" dirty="0" smtClean="0"/>
+          </a:p>
+          <a:p>
+            <a:r>
+              <a:rPr kumimoji="1" lang="ja-JP" altLang="en-US" dirty="0" smtClean="0"/>
+              <a:t>実際は５ターンでバトルを行います。</a:t>
+            </a:r>
+            <a:endParaRPr kumimoji="1" lang="en-US" altLang="ja-JP" dirty="0" smtClean="0"/>
+          </a:p>
+          <a:p>
+            <a:endParaRPr kumimoji="1" lang="en-US" altLang="ja-JP" dirty="0" smtClean="0"/>
+          </a:p>
+          <a:p>
+            <a:r>
+              <a:rPr kumimoji="1" lang="ja-JP" altLang="en-US" dirty="0" smtClean="0"/>
+              <a:t>プレイヤーの周囲に出ている緑の霧は毒状態を示します。</a:t>
+            </a:r>
+            <a:endParaRPr kumimoji="1" lang="en-US" altLang="ja-JP" dirty="0" smtClean="0"/>
+          </a:p>
+          <a:p>
+            <a:r>
+              <a:rPr kumimoji="1" lang="ja-JP" altLang="en-US" dirty="0" smtClean="0"/>
+              <a:t>ターンごとに受けた合計ダメージの１０％のダメージを受けてしまいます。</a:t>
+            </a:r>
+            <a:endParaRPr kumimoji="1" lang="en-US" altLang="ja-JP" dirty="0" smtClean="0"/>
+          </a:p>
+          <a:p>
+            <a:endParaRPr kumimoji="1" lang="en-US" altLang="ja-JP" dirty="0" smtClean="0"/>
+          </a:p>
+          <a:p>
+            <a:r>
+              <a:rPr kumimoji="1" lang="ja-JP" altLang="en-US" dirty="0" smtClean="0"/>
+              <a:t>次のプレイヤーは沢山の状態異常を受けて、選択が非常に困難になっています。後ほど説明します。</a:t>
+            </a:r>
+            <a:endParaRPr kumimoji="1" lang="en-US" altLang="ja-JP" dirty="0" smtClean="0"/>
+          </a:p>
+          <a:p>
+            <a:endParaRPr kumimoji="1" lang="en-US" altLang="ja-JP" dirty="0" smtClean="0"/>
+          </a:p>
+          <a:p>
+            <a:r>
+              <a:rPr kumimoji="1" lang="ja-JP" altLang="en-US" dirty="0" smtClean="0"/>
+              <a:t>バトルが終了しました。</a:t>
+            </a:r>
+            <a:endParaRPr kumimoji="1" lang="en-US" altLang="ja-JP" dirty="0" smtClean="0"/>
+          </a:p>
+          <a:p>
+            <a:r>
+              <a:rPr kumimoji="1" lang="ja-JP" altLang="en-US" dirty="0" smtClean="0"/>
+              <a:t>プレイヤー１が勝利、プレイヤー２が敗北です。</a:t>
+            </a:r>
+            <a:endParaRPr kumimoji="1" lang="en-US" altLang="ja-JP" dirty="0" smtClean="0"/>
+          </a:p>
+          <a:p>
+            <a:r>
+              <a:rPr kumimoji="1" lang="ja-JP" altLang="en-US" dirty="0" smtClean="0"/>
+              <a:t>このような流れでゲームをプレイします。</a:t>
+            </a:r>
+            <a:endParaRPr kumimoji="1" lang="en-US" altLang="ja-JP" dirty="0" smtClean="0"/>
           </a:p>
         </p:txBody>
       </p:sp>
@@ -10720,14 +11255,22 @@
           <a:p>
             <a:r>
               <a:rPr kumimoji="1" lang="ja-JP" altLang="en-US" dirty="0" smtClean="0"/>
-              <a:t>しかし、送信したノードは相手のノード一覧に上書きするシステムであるため、</a:t>
+              <a:t>このペナルティノードには出現率があり、通常なら１０％前後ですが、</a:t>
             </a:r>
             <a:endParaRPr kumimoji="1" lang="en-US" altLang="ja-JP" dirty="0" smtClean="0"/>
           </a:p>
           <a:p>
             <a:r>
               <a:rPr kumimoji="1" lang="ja-JP" altLang="en-US" dirty="0" smtClean="0"/>
-              <a:t>星の低いノードを選択し、送信することで星の高いノードが選べないことによる弱体化もできます。（クリック）</a:t>
+              <a:t>ペナルティノードの出現率が増加する状態異常にかかったり、ノード選択で適当に連打を行うと、出現率が極端に増加してしまいます。（</a:t>
+            </a:r>
+            <a:r>
+              <a:rPr kumimoji="1" lang="ja-JP" altLang="en-US" dirty="0" smtClean="0"/>
+              <a:t>クリック</a:t>
+            </a:r>
+            <a:r>
+              <a:rPr kumimoji="1" lang="ja-JP" altLang="en-US" dirty="0" smtClean="0"/>
+              <a:t>）</a:t>
             </a:r>
             <a:endParaRPr kumimoji="1" lang="en-US" altLang="ja-JP" dirty="0" smtClean="0"/>
           </a:p>
@@ -10878,7 +11421,15 @@
           <a:p>
             <a:r>
               <a:rPr kumimoji="1" lang="ja-JP" altLang="en-US" dirty="0" smtClean="0"/>
-              <a:t>どちらも星が４つで出現率はかなり低めですが、その分強力です。</a:t>
+              <a:t>どちらも</a:t>
+            </a:r>
+            <a:r>
+              <a:rPr kumimoji="1" lang="ja-JP" altLang="en-US" dirty="0" smtClean="0"/>
+              <a:t>星４つ</a:t>
+            </a:r>
+            <a:r>
+              <a:rPr kumimoji="1" lang="ja-JP" altLang="en-US" dirty="0" smtClean="0"/>
+              <a:t>で出現率はかなり低めですが、その分強力です。</a:t>
             </a:r>
             <a:endParaRPr kumimoji="1" lang="en-US" altLang="ja-JP" dirty="0" smtClean="0"/>
           </a:p>
@@ -10976,76 +11527,16 @@
           <a:p>
             <a:r>
               <a:rPr kumimoji="1" lang="ja-JP" altLang="en-US" dirty="0" smtClean="0"/>
-              <a:t>あと２つ紹介します。</a:t>
+              <a:t>バネのようにノードが揺れるので、揺れ終わるまで長押ししなければ選択されません。</a:t>
             </a:r>
             <a:endParaRPr kumimoji="1" lang="en-US" altLang="ja-JP" dirty="0" smtClean="0"/>
           </a:p>
           <a:p>
-            <a:endParaRPr kumimoji="1" lang="en-US" altLang="ja-JP" dirty="0" smtClean="0"/>
-          </a:p>
-          <a:p>
             <a:r>
               <a:rPr kumimoji="1" lang="ja-JP" altLang="en-US" dirty="0" smtClean="0"/>
-              <a:t>カオスはノードが様々な方向に動き回り、選択ミスする可能性が上昇します。</a:t>
-            </a:r>
-            <a:endParaRPr kumimoji="1" lang="en-US" altLang="ja-JP" dirty="0" smtClean="0"/>
-          </a:p>
-          <a:p>
-            <a:r>
-              <a:rPr kumimoji="1" lang="ja-JP" altLang="en-US" dirty="0" smtClean="0"/>
-              <a:t>スモークは煙が選択画面を包み込み、視界が非常に悪くなります。</a:t>
-            </a:r>
-            <a:endParaRPr kumimoji="1" lang="en-US" altLang="ja-JP" dirty="0" smtClean="0"/>
-          </a:p>
-          <a:p>
-            <a:pPr marL="0" marR="0" indent="0" algn="l" defTabSz="914400" rtl="0" eaLnBrk="1" fontAlgn="auto" latinLnBrk="0" hangingPunct="1">
-              <a:lnSpc>
-                <a:spcPct val="100000"/>
-              </a:lnSpc>
-              <a:spcBef>
-                <a:spcPts val="0"/>
-              </a:spcBef>
-              <a:spcAft>
-                <a:spcPts val="0"/>
-              </a:spcAft>
-              <a:buClrTx/>
-              <a:buSzTx/>
-              <a:buFontTx/>
-              <a:buNone/>
-              <a:tabLst/>
-              <a:defRPr/>
-            </a:pPr>
-            <a:r>
-              <a:rPr kumimoji="1" lang="ja-JP" altLang="en-US" dirty="0" smtClean="0"/>
-              <a:t>こちらも星が４つで強力です。</a:t>
-            </a:r>
-            <a:endParaRPr kumimoji="1" lang="en-US" altLang="ja-JP" dirty="0" smtClean="0"/>
-          </a:p>
-          <a:p>
-            <a:endParaRPr kumimoji="1" lang="en-US" altLang="ja-JP" dirty="0" smtClean="0"/>
-          </a:p>
-          <a:p>
-            <a:pPr marL="0" marR="0" indent="0" algn="l" defTabSz="914400" rtl="0" eaLnBrk="1" fontAlgn="auto" latinLnBrk="0" hangingPunct="1">
-              <a:lnSpc>
-                <a:spcPct val="100000"/>
-              </a:lnSpc>
-              <a:spcBef>
-                <a:spcPts val="0"/>
-              </a:spcBef>
-              <a:spcAft>
-                <a:spcPts val="0"/>
-              </a:spcAft>
-              <a:buClrTx/>
-              <a:buSzTx/>
-              <a:buFontTx/>
-              <a:buNone/>
-              <a:tabLst/>
-              <a:defRPr/>
-            </a:pPr>
-            <a:r>
-              <a:rPr kumimoji="1" lang="ja-JP" altLang="en-US" dirty="0" smtClean="0"/>
-              <a:t>この効果を同時に受けるとこのようになります。</a:t>
-            </a:r>
+              <a:t>それと同時に先ほどのプレイ動画にもありました紙吹雪と音符が妨害を行います。</a:t>
+            </a:r>
+            <a:endParaRPr kumimoji="1" lang="ja-JP" altLang="en-US" dirty="0"/>
           </a:p>
         </p:txBody>
       </p:sp>
@@ -11066,7 +11557,7 @@
           <a:p>
             <a:fld id="{AD176FFE-9BD8-4D84-BDA6-0EB78EAF3B68}" type="slidenum">
               <a:rPr kumimoji="1" lang="ja-JP" altLang="en-US" smtClean="0"/>
-              <a:t>10</a:t>
+              <a:t>9</a:t>
             </a:fld>
             <a:endParaRPr kumimoji="1" lang="ja-JP" altLang="en-US"/>
           </a:p>
@@ -11075,7 +11566,7 @@
     </p:spTree>
     <p:extLst>
       <p:ext uri="{BB962C8B-B14F-4D97-AF65-F5344CB8AC3E}">
-        <p14:creationId xmlns:p14="http://schemas.microsoft.com/office/powerpoint/2010/main" val="2731953119"/>
+        <p14:creationId xmlns:p14="http://schemas.microsoft.com/office/powerpoint/2010/main" val="3843986069"/>
       </p:ext>
     </p:extLst>
   </p:cSld>
@@ -14779,7 +15270,7 @@
     <p:controls>
       <mc:AlternateContent xmlns:mc="http://schemas.openxmlformats.org/markup-compatibility/2006">
         <mc:Choice xmlns:v="urn:schemas-microsoft-com:vml" Requires="v">
-          <p:control spid="10247" name="WindowsMediaPlayer1" r:id="rId2" imgW="5837426" imgH="4723810"/>
+          <p:control spid="10248" name="WindowsMediaPlayer1" r:id="rId2" imgW="5837426" imgH="4723810"/>
         </mc:Choice>
         <mc:Fallback>
           <p:control name="WindowsMediaPlayer1" r:id="rId2" imgW="5837426" imgH="4723810">
@@ -17675,7 +18166,7 @@
     <p:controls>
       <mc:AlternateContent xmlns:mc="http://schemas.openxmlformats.org/markup-compatibility/2006">
         <mc:Choice xmlns:v="urn:schemas-microsoft-com:vml" Requires="v">
-          <p:control spid="3082" name="WindowsMediaPlayer1" r:id="rId2" imgW="5837426" imgH="4723810"/>
+          <p:control spid="3083" name="WindowsMediaPlayer1" r:id="rId2" imgW="5837426" imgH="4723810"/>
         </mc:Choice>
         <mc:Fallback>
           <p:control name="WindowsMediaPlayer1" r:id="rId2" imgW="5837426" imgH="4723810">
@@ -17848,7 +18339,7 @@
     <p:controls>
       <mc:AlternateContent xmlns:mc="http://schemas.openxmlformats.org/markup-compatibility/2006">
         <mc:Choice xmlns:v="urn:schemas-microsoft-com:vml" Requires="v">
-          <p:control spid="4106" name="WindowsMediaPlayer1" r:id="rId2" imgW="5837426" imgH="4723810"/>
+          <p:control spid="4107" name="WindowsMediaPlayer1" r:id="rId2" imgW="5837426" imgH="4723810"/>
         </mc:Choice>
         <mc:Fallback>
           <p:control name="WindowsMediaPlayer1" r:id="rId2" imgW="5837426" imgH="4723810">
@@ -21431,7 +21922,7 @@
     <p:controls>
       <mc:AlternateContent xmlns:mc="http://schemas.openxmlformats.org/markup-compatibility/2006">
         <mc:Choice xmlns:v="urn:schemas-microsoft-com:vml" Requires="v">
-          <p:control spid="11271" name="WindowsMediaPlayer1" r:id="rId2" imgW="5837426" imgH="4723810"/>
+          <p:control spid="11272" name="WindowsMediaPlayer1" r:id="rId2" imgW="5837426" imgH="4723810"/>
         </mc:Choice>
         <mc:Fallback>
           <p:control name="WindowsMediaPlayer1" r:id="rId2" imgW="5837426" imgH="4723810">
@@ -21444,7 +21935,7 @@
                 <p:nvPr/>
               </p:nvPicPr>
               <p:blipFill>
-                <a:blip r:embed="rId4">
+                <a:blip r:embed="rId5">
                   <a:extLst>
                     <a:ext uri="{28A0092B-C50C-407E-A947-70E740481C1C}">
                       <a14:useLocalDpi xmlns:a14="http://schemas.microsoft.com/office/drawing/2010/main" val="0"/>
